--- a/Slides/PH223_Lecture_08.pptx
+++ b/Slides/PH223_Lecture_08.pptx
@@ -5,7 +5,7 @@
     <p:sldMasterId id="2147483648" r:id="rId1"/>
   </p:sldMasterIdLst>
   <p:notesMasterIdLst>
-    <p:notesMasterId r:id="rId21"/>
+    <p:notesMasterId r:id="rId22"/>
   </p:notesMasterIdLst>
   <p:sldIdLst>
     <p:sldId id="1220" r:id="rId2"/>
@@ -13,20 +13,21 @@
     <p:sldId id="256" r:id="rId4"/>
     <p:sldId id="258" r:id="rId5"/>
     <p:sldId id="270" r:id="rId6"/>
-    <p:sldId id="271" r:id="rId7"/>
-    <p:sldId id="269" r:id="rId8"/>
-    <p:sldId id="1361" r:id="rId9"/>
-    <p:sldId id="1222" r:id="rId10"/>
-    <p:sldId id="1223" r:id="rId11"/>
-    <p:sldId id="272" r:id="rId12"/>
-    <p:sldId id="265" r:id="rId13"/>
-    <p:sldId id="261" r:id="rId14"/>
-    <p:sldId id="263" r:id="rId15"/>
-    <p:sldId id="259" r:id="rId16"/>
-    <p:sldId id="264" r:id="rId17"/>
-    <p:sldId id="266" r:id="rId18"/>
-    <p:sldId id="267" r:id="rId19"/>
-    <p:sldId id="268" r:id="rId20"/>
+    <p:sldId id="1362" r:id="rId7"/>
+    <p:sldId id="271" r:id="rId8"/>
+    <p:sldId id="269" r:id="rId9"/>
+    <p:sldId id="1361" r:id="rId10"/>
+    <p:sldId id="1222" r:id="rId11"/>
+    <p:sldId id="1223" r:id="rId12"/>
+    <p:sldId id="272" r:id="rId13"/>
+    <p:sldId id="265" r:id="rId14"/>
+    <p:sldId id="261" r:id="rId15"/>
+    <p:sldId id="263" r:id="rId16"/>
+    <p:sldId id="259" r:id="rId17"/>
+    <p:sldId id="264" r:id="rId18"/>
+    <p:sldId id="266" r:id="rId19"/>
+    <p:sldId id="267" r:id="rId20"/>
+    <p:sldId id="268" r:id="rId21"/>
   </p:sldIdLst>
   <p:sldSz cx="9144000" cy="6858000" type="screen4x3"/>
   <p:notesSz cx="6858000" cy="9144000"/>
@@ -147,7 +148,7 @@
 <file path=ppt/revisionInfo.xml><?xml version="1.0" encoding="utf-8"?>
 <p1510:revInfo xmlns:a="http://schemas.openxmlformats.org/drawingml/2006/main" xmlns:r="http://schemas.openxmlformats.org/officeDocument/2006/relationships" xmlns:p1510="http://schemas.microsoft.com/office/powerpoint/2015/10/main">
   <p1510:revLst>
-    <p1510:client id="{2D292393-BBBB-4866-979A-430CB8E92C71}" v="3" dt="2023-09-22T00:04:13.129"/>
+    <p1510:client id="{744507AC-BA7C-4EB5-8A23-92930C30521D}" v="15" dt="2024-05-02T22:08:36.926"/>
   </p1510:revLst>
 </p1510:revInfo>
 </file>
@@ -213,6 +214,483 @@
       </pc:sldChg>
     </pc:docChg>
   </pc:docChgLst>
+  <pc:docChgLst>
+    <pc:chgData name="Lines, Todd" userId="afaf7c3a-e8aa-4568-882a-02ad8f9e19b0" providerId="ADAL" clId="{744507AC-BA7C-4EB5-8A23-92930C30521D}"/>
+    <pc:docChg chg="undo custSel addSld modSld">
+      <pc:chgData name="Lines, Todd" userId="afaf7c3a-e8aa-4568-882a-02ad8f9e19b0" providerId="ADAL" clId="{744507AC-BA7C-4EB5-8A23-92930C30521D}" dt="2024-05-02T22:08:36.926" v="109"/>
+      <pc:docMkLst>
+        <pc:docMk/>
+      </pc:docMkLst>
+      <pc:sldChg chg="addSp mod">
+        <pc:chgData name="Lines, Todd" userId="afaf7c3a-e8aa-4568-882a-02ad8f9e19b0" providerId="ADAL" clId="{744507AC-BA7C-4EB5-8A23-92930C30521D}" dt="2024-05-02T21:06:30.915" v="0" actId="11529"/>
+        <pc:sldMkLst>
+          <pc:docMk/>
+          <pc:sldMk cId="0" sldId="1220"/>
+        </pc:sldMkLst>
+        <pc:spChg chg="add">
+          <ac:chgData name="Lines, Todd" userId="afaf7c3a-e8aa-4568-882a-02ad8f9e19b0" providerId="ADAL" clId="{744507AC-BA7C-4EB5-8A23-92930C30521D}" dt="2024-05-02T21:06:30.915" v="0" actId="11529"/>
+          <ac:spMkLst>
+            <pc:docMk/>
+            <pc:sldMk cId="0" sldId="1220"/>
+            <ac:spMk id="2" creationId="{89C0ABD7-EB72-79B5-1AAD-D5BC9CFBEC3E}"/>
+          </ac:spMkLst>
+        </pc:spChg>
+      </pc:sldChg>
+      <pc:sldChg chg="addSp delSp modSp mod">
+        <pc:chgData name="Lines, Todd" userId="afaf7c3a-e8aa-4568-882a-02ad8f9e19b0" providerId="ADAL" clId="{744507AC-BA7C-4EB5-8A23-92930C30521D}" dt="2024-05-02T21:12:27.647" v="85" actId="1076"/>
+        <pc:sldMkLst>
+          <pc:docMk/>
+          <pc:sldMk cId="1980085038" sldId="1360"/>
+        </pc:sldMkLst>
+        <pc:spChg chg="add mod">
+          <ac:chgData name="Lines, Todd" userId="afaf7c3a-e8aa-4568-882a-02ad8f9e19b0" providerId="ADAL" clId="{744507AC-BA7C-4EB5-8A23-92930C30521D}" dt="2024-05-02T21:07:25.637" v="18" actId="1076"/>
+          <ac:spMkLst>
+            <pc:docMk/>
+            <pc:sldMk cId="1980085038" sldId="1360"/>
+            <ac:spMk id="2" creationId="{1F4324B8-A9A5-CDCB-341E-51359BE464EB}"/>
+          </ac:spMkLst>
+        </pc:spChg>
+        <pc:spChg chg="add mod">
+          <ac:chgData name="Lines, Todd" userId="afaf7c3a-e8aa-4568-882a-02ad8f9e19b0" providerId="ADAL" clId="{744507AC-BA7C-4EB5-8A23-92930C30521D}" dt="2024-05-02T21:07:25.637" v="18" actId="1076"/>
+          <ac:spMkLst>
+            <pc:docMk/>
+            <pc:sldMk cId="1980085038" sldId="1360"/>
+            <ac:spMk id="3" creationId="{EF46662D-0CE2-0680-7849-A3231BFC1CCD}"/>
+          </ac:spMkLst>
+        </pc:spChg>
+        <pc:spChg chg="add mod">
+          <ac:chgData name="Lines, Todd" userId="afaf7c3a-e8aa-4568-882a-02ad8f9e19b0" providerId="ADAL" clId="{744507AC-BA7C-4EB5-8A23-92930C30521D}" dt="2024-05-02T21:07:25.637" v="18" actId="1076"/>
+          <ac:spMkLst>
+            <pc:docMk/>
+            <pc:sldMk cId="1980085038" sldId="1360"/>
+            <ac:spMk id="9" creationId="{35E5A4D1-C3E0-16B0-9E39-71335F473E21}"/>
+          </ac:spMkLst>
+        </pc:spChg>
+        <pc:spChg chg="add mod">
+          <ac:chgData name="Lines, Todd" userId="afaf7c3a-e8aa-4568-882a-02ad8f9e19b0" providerId="ADAL" clId="{744507AC-BA7C-4EB5-8A23-92930C30521D}" dt="2024-05-02T21:07:25.637" v="18" actId="1076"/>
+          <ac:spMkLst>
+            <pc:docMk/>
+            <pc:sldMk cId="1980085038" sldId="1360"/>
+            <ac:spMk id="10" creationId="{C563C9EC-86EE-5C22-EA69-2C6D4D341C83}"/>
+          </ac:spMkLst>
+        </pc:spChg>
+        <pc:spChg chg="add mod">
+          <ac:chgData name="Lines, Todd" userId="afaf7c3a-e8aa-4568-882a-02ad8f9e19b0" providerId="ADAL" clId="{744507AC-BA7C-4EB5-8A23-92930C30521D}" dt="2024-05-02T21:07:25.637" v="18" actId="1076"/>
+          <ac:spMkLst>
+            <pc:docMk/>
+            <pc:sldMk cId="1980085038" sldId="1360"/>
+            <ac:spMk id="11" creationId="{E9BBEF73-FD3E-B319-45D5-EC6DE9E25111}"/>
+          </ac:spMkLst>
+        </pc:spChg>
+        <pc:spChg chg="add mod">
+          <ac:chgData name="Lines, Todd" userId="afaf7c3a-e8aa-4568-882a-02ad8f9e19b0" providerId="ADAL" clId="{744507AC-BA7C-4EB5-8A23-92930C30521D}" dt="2024-05-02T21:07:25.637" v="18" actId="1076"/>
+          <ac:spMkLst>
+            <pc:docMk/>
+            <pc:sldMk cId="1980085038" sldId="1360"/>
+            <ac:spMk id="12" creationId="{E53AA2BA-542C-3915-968B-BFD115806643}"/>
+          </ac:spMkLst>
+        </pc:spChg>
+        <pc:spChg chg="add mod">
+          <ac:chgData name="Lines, Todd" userId="afaf7c3a-e8aa-4568-882a-02ad8f9e19b0" providerId="ADAL" clId="{744507AC-BA7C-4EB5-8A23-92930C30521D}" dt="2024-05-02T21:07:25.637" v="18" actId="1076"/>
+          <ac:spMkLst>
+            <pc:docMk/>
+            <pc:sldMk cId="1980085038" sldId="1360"/>
+            <ac:spMk id="13" creationId="{FF67FEAA-8126-3A12-2DC9-C084443BDB26}"/>
+          </ac:spMkLst>
+        </pc:spChg>
+        <pc:spChg chg="add mod">
+          <ac:chgData name="Lines, Todd" userId="afaf7c3a-e8aa-4568-882a-02ad8f9e19b0" providerId="ADAL" clId="{744507AC-BA7C-4EB5-8A23-92930C30521D}" dt="2024-05-02T21:07:25.637" v="18" actId="1076"/>
+          <ac:spMkLst>
+            <pc:docMk/>
+            <pc:sldMk cId="1980085038" sldId="1360"/>
+            <ac:spMk id="14" creationId="{0328BD9D-5F02-B55F-04CA-9D7E93A73CC6}"/>
+          </ac:spMkLst>
+        </pc:spChg>
+        <pc:spChg chg="add del mod">
+          <ac:chgData name="Lines, Todd" userId="afaf7c3a-e8aa-4568-882a-02ad8f9e19b0" providerId="ADAL" clId="{744507AC-BA7C-4EB5-8A23-92930C30521D}" dt="2024-05-02T21:06:57.224" v="4" actId="478"/>
+          <ac:spMkLst>
+            <pc:docMk/>
+            <pc:sldMk cId="1980085038" sldId="1360"/>
+            <ac:spMk id="15" creationId="{81D3CDC6-87AF-F0A0-AE65-0FC451409530}"/>
+          </ac:spMkLst>
+        </pc:spChg>
+        <pc:spChg chg="add del mod">
+          <ac:chgData name="Lines, Todd" userId="afaf7c3a-e8aa-4568-882a-02ad8f9e19b0" providerId="ADAL" clId="{744507AC-BA7C-4EB5-8A23-92930C30521D}" dt="2024-05-02T21:06:59.003" v="5" actId="478"/>
+          <ac:spMkLst>
+            <pc:docMk/>
+            <pc:sldMk cId="1980085038" sldId="1360"/>
+            <ac:spMk id="16" creationId="{03BF082B-235D-9D92-E10A-404D0B01C283}"/>
+          </ac:spMkLst>
+        </pc:spChg>
+        <pc:spChg chg="add mod">
+          <ac:chgData name="Lines, Todd" userId="afaf7c3a-e8aa-4568-882a-02ad8f9e19b0" providerId="ADAL" clId="{744507AC-BA7C-4EB5-8A23-92930C30521D}" dt="2024-05-02T21:07:25.637" v="18" actId="1076"/>
+          <ac:spMkLst>
+            <pc:docMk/>
+            <pc:sldMk cId="1980085038" sldId="1360"/>
+            <ac:spMk id="17" creationId="{E2308786-56B6-4C23-8DCF-5A1CB6A5ABBA}"/>
+          </ac:spMkLst>
+        </pc:spChg>
+        <pc:spChg chg="add mod">
+          <ac:chgData name="Lines, Todd" userId="afaf7c3a-e8aa-4568-882a-02ad8f9e19b0" providerId="ADAL" clId="{744507AC-BA7C-4EB5-8A23-92930C30521D}" dt="2024-05-02T21:07:25.637" v="18" actId="1076"/>
+          <ac:spMkLst>
+            <pc:docMk/>
+            <pc:sldMk cId="1980085038" sldId="1360"/>
+            <ac:spMk id="18" creationId="{AC217DE3-2CA1-AE6D-3113-4F24A03B9DE2}"/>
+          </ac:spMkLst>
+        </pc:spChg>
+        <pc:spChg chg="add mod">
+          <ac:chgData name="Lines, Todd" userId="afaf7c3a-e8aa-4568-882a-02ad8f9e19b0" providerId="ADAL" clId="{744507AC-BA7C-4EB5-8A23-92930C30521D}" dt="2024-05-02T21:07:25.637" v="18" actId="1076"/>
+          <ac:spMkLst>
+            <pc:docMk/>
+            <pc:sldMk cId="1980085038" sldId="1360"/>
+            <ac:spMk id="19" creationId="{F6AB67CE-0EEB-27CC-D300-1736C84A58C6}"/>
+          </ac:spMkLst>
+        </pc:spChg>
+        <pc:spChg chg="add mod">
+          <ac:chgData name="Lines, Todd" userId="afaf7c3a-e8aa-4568-882a-02ad8f9e19b0" providerId="ADAL" clId="{744507AC-BA7C-4EB5-8A23-92930C30521D}" dt="2024-05-02T21:08:11.997" v="24" actId="1076"/>
+          <ac:spMkLst>
+            <pc:docMk/>
+            <pc:sldMk cId="1980085038" sldId="1360"/>
+            <ac:spMk id="20" creationId="{AE846F05-D29A-FD09-BD2B-C50C1DBFB555}"/>
+          </ac:spMkLst>
+        </pc:spChg>
+        <pc:spChg chg="add mod">
+          <ac:chgData name="Lines, Todd" userId="afaf7c3a-e8aa-4568-882a-02ad8f9e19b0" providerId="ADAL" clId="{744507AC-BA7C-4EB5-8A23-92930C30521D}" dt="2024-05-02T21:08:18.371" v="27" actId="20577"/>
+          <ac:spMkLst>
+            <pc:docMk/>
+            <pc:sldMk cId="1980085038" sldId="1360"/>
+            <ac:spMk id="21" creationId="{F18FA4BC-3C9E-6C1B-7661-2CA70C63D03D}"/>
+          </ac:spMkLst>
+        </pc:spChg>
+        <pc:spChg chg="add mod">
+          <ac:chgData name="Lines, Todd" userId="afaf7c3a-e8aa-4568-882a-02ad8f9e19b0" providerId="ADAL" clId="{744507AC-BA7C-4EB5-8A23-92930C30521D}" dt="2024-05-02T21:12:27.647" v="85" actId="1076"/>
+          <ac:spMkLst>
+            <pc:docMk/>
+            <pc:sldMk cId="1980085038" sldId="1360"/>
+            <ac:spMk id="24" creationId="{F9F3C58B-CC7B-7F19-AFF8-B0E429E159BC}"/>
+          </ac:spMkLst>
+        </pc:spChg>
+        <pc:spChg chg="mod">
+          <ac:chgData name="Lines, Todd" userId="afaf7c3a-e8aa-4568-882a-02ad8f9e19b0" providerId="ADAL" clId="{744507AC-BA7C-4EB5-8A23-92930C30521D}" dt="2024-05-02T21:07:12.892" v="17" actId="27636"/>
+          <ac:spMkLst>
+            <pc:docMk/>
+            <pc:sldMk cId="1980085038" sldId="1360"/>
+            <ac:spMk id="191492" creationId="{00000000-0000-0000-0000-000000000000}"/>
+          </ac:spMkLst>
+        </pc:spChg>
+        <pc:picChg chg="del">
+          <ac:chgData name="Lines, Todd" userId="afaf7c3a-e8aa-4568-882a-02ad8f9e19b0" providerId="ADAL" clId="{744507AC-BA7C-4EB5-8A23-92930C30521D}" dt="2024-05-02T21:06:48.160" v="1" actId="478"/>
+          <ac:picMkLst>
+            <pc:docMk/>
+            <pc:sldMk cId="1980085038" sldId="1360"/>
+            <ac:picMk id="191493" creationId="{00000000-0000-0000-0000-000000000000}"/>
+          </ac:picMkLst>
+        </pc:picChg>
+        <pc:cxnChg chg="add mod">
+          <ac:chgData name="Lines, Todd" userId="afaf7c3a-e8aa-4568-882a-02ad8f9e19b0" providerId="ADAL" clId="{744507AC-BA7C-4EB5-8A23-92930C30521D}" dt="2024-05-02T21:07:25.637" v="18" actId="1076"/>
+          <ac:cxnSpMkLst>
+            <pc:docMk/>
+            <pc:sldMk cId="1980085038" sldId="1360"/>
+            <ac:cxnSpMk id="4" creationId="{FB319D1A-186B-0716-CD09-BAABBBD5AD77}"/>
+          </ac:cxnSpMkLst>
+        </pc:cxnChg>
+        <pc:cxnChg chg="add mod">
+          <ac:chgData name="Lines, Todd" userId="afaf7c3a-e8aa-4568-882a-02ad8f9e19b0" providerId="ADAL" clId="{744507AC-BA7C-4EB5-8A23-92930C30521D}" dt="2024-05-02T21:07:25.637" v="18" actId="1076"/>
+          <ac:cxnSpMkLst>
+            <pc:docMk/>
+            <pc:sldMk cId="1980085038" sldId="1360"/>
+            <ac:cxnSpMk id="5" creationId="{55FC132C-9A42-4D70-6E59-67E141DB86E4}"/>
+          </ac:cxnSpMkLst>
+        </pc:cxnChg>
+        <pc:cxnChg chg="add mod">
+          <ac:chgData name="Lines, Todd" userId="afaf7c3a-e8aa-4568-882a-02ad8f9e19b0" providerId="ADAL" clId="{744507AC-BA7C-4EB5-8A23-92930C30521D}" dt="2024-05-02T21:07:25.637" v="18" actId="1076"/>
+          <ac:cxnSpMkLst>
+            <pc:docMk/>
+            <pc:sldMk cId="1980085038" sldId="1360"/>
+            <ac:cxnSpMk id="6" creationId="{8970DA6C-D52C-457C-9A41-E182D7B39642}"/>
+          </ac:cxnSpMkLst>
+        </pc:cxnChg>
+        <pc:cxnChg chg="add mod">
+          <ac:chgData name="Lines, Todd" userId="afaf7c3a-e8aa-4568-882a-02ad8f9e19b0" providerId="ADAL" clId="{744507AC-BA7C-4EB5-8A23-92930C30521D}" dt="2024-05-02T21:07:25.637" v="18" actId="1076"/>
+          <ac:cxnSpMkLst>
+            <pc:docMk/>
+            <pc:sldMk cId="1980085038" sldId="1360"/>
+            <ac:cxnSpMk id="7" creationId="{1D5A5FD0-5A7D-EC78-01D7-79B65620A537}"/>
+          </ac:cxnSpMkLst>
+        </pc:cxnChg>
+        <pc:cxnChg chg="add mod">
+          <ac:chgData name="Lines, Todd" userId="afaf7c3a-e8aa-4568-882a-02ad8f9e19b0" providerId="ADAL" clId="{744507AC-BA7C-4EB5-8A23-92930C30521D}" dt="2024-05-02T21:07:25.637" v="18" actId="1076"/>
+          <ac:cxnSpMkLst>
+            <pc:docMk/>
+            <pc:sldMk cId="1980085038" sldId="1360"/>
+            <ac:cxnSpMk id="8" creationId="{A01A3ED3-4964-A9A9-C234-14EE6DFE8D1C}"/>
+          </ac:cxnSpMkLst>
+        </pc:cxnChg>
+        <pc:cxnChg chg="add">
+          <ac:chgData name="Lines, Todd" userId="afaf7c3a-e8aa-4568-882a-02ad8f9e19b0" providerId="ADAL" clId="{744507AC-BA7C-4EB5-8A23-92930C30521D}" dt="2024-05-02T21:12:19.296" v="82" actId="11529"/>
+          <ac:cxnSpMkLst>
+            <pc:docMk/>
+            <pc:sldMk cId="1980085038" sldId="1360"/>
+            <ac:cxnSpMk id="23" creationId="{60786079-B6D4-04AA-E994-42293A34DCE5}"/>
+          </ac:cxnSpMkLst>
+        </pc:cxnChg>
+      </pc:sldChg>
+      <pc:sldChg chg="addSp delSp modSp mod">
+        <pc:chgData name="Lines, Todd" userId="afaf7c3a-e8aa-4568-882a-02ad8f9e19b0" providerId="ADAL" clId="{744507AC-BA7C-4EB5-8A23-92930C30521D}" dt="2024-05-02T21:12:53.054" v="108" actId="478"/>
+        <pc:sldMkLst>
+          <pc:docMk/>
+          <pc:sldMk cId="2093483600" sldId="1361"/>
+        </pc:sldMkLst>
+        <pc:spChg chg="add mod">
+          <ac:chgData name="Lines, Todd" userId="afaf7c3a-e8aa-4568-882a-02ad8f9e19b0" providerId="ADAL" clId="{744507AC-BA7C-4EB5-8A23-92930C30521D}" dt="2024-05-02T21:12:46.422" v="107" actId="1037"/>
+          <ac:spMkLst>
+            <pc:docMk/>
+            <pc:sldMk cId="2093483600" sldId="1361"/>
+            <ac:spMk id="2" creationId="{CB3AC135-7401-5F46-9DAC-CB7D69E2E6F0}"/>
+          </ac:spMkLst>
+        </pc:spChg>
+        <pc:spChg chg="add mod">
+          <ac:chgData name="Lines, Todd" userId="afaf7c3a-e8aa-4568-882a-02ad8f9e19b0" providerId="ADAL" clId="{744507AC-BA7C-4EB5-8A23-92930C30521D}" dt="2024-05-02T21:12:46.422" v="107" actId="1037"/>
+          <ac:spMkLst>
+            <pc:docMk/>
+            <pc:sldMk cId="2093483600" sldId="1361"/>
+            <ac:spMk id="3" creationId="{85A1AB26-7418-2CD4-871B-FB0061A24B1D}"/>
+          </ac:spMkLst>
+        </pc:spChg>
+        <pc:spChg chg="add mod">
+          <ac:chgData name="Lines, Todd" userId="afaf7c3a-e8aa-4568-882a-02ad8f9e19b0" providerId="ADAL" clId="{744507AC-BA7C-4EB5-8A23-92930C30521D}" dt="2024-05-02T21:12:46.422" v="107" actId="1037"/>
+          <ac:spMkLst>
+            <pc:docMk/>
+            <pc:sldMk cId="2093483600" sldId="1361"/>
+            <ac:spMk id="9" creationId="{944EEB27-384F-C2CF-A93A-13981C5D5402}"/>
+          </ac:spMkLst>
+        </pc:spChg>
+        <pc:spChg chg="add mod">
+          <ac:chgData name="Lines, Todd" userId="afaf7c3a-e8aa-4568-882a-02ad8f9e19b0" providerId="ADAL" clId="{744507AC-BA7C-4EB5-8A23-92930C30521D}" dt="2024-05-02T21:12:46.422" v="107" actId="1037"/>
+          <ac:spMkLst>
+            <pc:docMk/>
+            <pc:sldMk cId="2093483600" sldId="1361"/>
+            <ac:spMk id="10" creationId="{3D71ED11-C10E-1AFA-F9E2-CA4EDDAA1ED1}"/>
+          </ac:spMkLst>
+        </pc:spChg>
+        <pc:spChg chg="add mod">
+          <ac:chgData name="Lines, Todd" userId="afaf7c3a-e8aa-4568-882a-02ad8f9e19b0" providerId="ADAL" clId="{744507AC-BA7C-4EB5-8A23-92930C30521D}" dt="2024-05-02T21:12:46.422" v="107" actId="1037"/>
+          <ac:spMkLst>
+            <pc:docMk/>
+            <pc:sldMk cId="2093483600" sldId="1361"/>
+            <ac:spMk id="11" creationId="{1ECCC80A-8B04-55BD-FCCB-D6FCEF629B7D}"/>
+          </ac:spMkLst>
+        </pc:spChg>
+        <pc:spChg chg="add mod">
+          <ac:chgData name="Lines, Todd" userId="afaf7c3a-e8aa-4568-882a-02ad8f9e19b0" providerId="ADAL" clId="{744507AC-BA7C-4EB5-8A23-92930C30521D}" dt="2024-05-02T21:12:46.422" v="107" actId="1037"/>
+          <ac:spMkLst>
+            <pc:docMk/>
+            <pc:sldMk cId="2093483600" sldId="1361"/>
+            <ac:spMk id="12" creationId="{74998026-2C9B-8C4C-07E8-AF31776C1C48}"/>
+          </ac:spMkLst>
+        </pc:spChg>
+        <pc:spChg chg="add del mod">
+          <ac:chgData name="Lines, Todd" userId="afaf7c3a-e8aa-4568-882a-02ad8f9e19b0" providerId="ADAL" clId="{744507AC-BA7C-4EB5-8A23-92930C30521D}" dt="2024-05-02T21:09:28.317" v="31" actId="478"/>
+          <ac:spMkLst>
+            <pc:docMk/>
+            <pc:sldMk cId="2093483600" sldId="1361"/>
+            <ac:spMk id="13" creationId="{CE5C7237-DDD1-2A96-23D7-5836086565B3}"/>
+          </ac:spMkLst>
+        </pc:spChg>
+        <pc:spChg chg="add del mod">
+          <ac:chgData name="Lines, Todd" userId="afaf7c3a-e8aa-4568-882a-02ad8f9e19b0" providerId="ADAL" clId="{744507AC-BA7C-4EB5-8A23-92930C30521D}" dt="2024-05-02T21:09:29.916" v="32" actId="478"/>
+          <ac:spMkLst>
+            <pc:docMk/>
+            <pc:sldMk cId="2093483600" sldId="1361"/>
+            <ac:spMk id="14" creationId="{9D03A03F-E638-082B-F654-D5BBF180D7EF}"/>
+          </ac:spMkLst>
+        </pc:spChg>
+        <pc:spChg chg="add mod">
+          <ac:chgData name="Lines, Todd" userId="afaf7c3a-e8aa-4568-882a-02ad8f9e19b0" providerId="ADAL" clId="{744507AC-BA7C-4EB5-8A23-92930C30521D}" dt="2024-05-02T21:12:46.422" v="107" actId="1037"/>
+          <ac:spMkLst>
+            <pc:docMk/>
+            <pc:sldMk cId="2093483600" sldId="1361"/>
+            <ac:spMk id="15" creationId="{FC38B093-0D6E-617F-EAEB-CBABB9A5C546}"/>
+          </ac:spMkLst>
+        </pc:spChg>
+        <pc:spChg chg="add mod">
+          <ac:chgData name="Lines, Todd" userId="afaf7c3a-e8aa-4568-882a-02ad8f9e19b0" providerId="ADAL" clId="{744507AC-BA7C-4EB5-8A23-92930C30521D}" dt="2024-05-02T21:12:46.422" v="107" actId="1037"/>
+          <ac:spMkLst>
+            <pc:docMk/>
+            <pc:sldMk cId="2093483600" sldId="1361"/>
+            <ac:spMk id="16" creationId="{E2D2B90B-812B-47E2-2108-07E193E6F967}"/>
+          </ac:spMkLst>
+        </pc:spChg>
+        <pc:spChg chg="add mod">
+          <ac:chgData name="Lines, Todd" userId="afaf7c3a-e8aa-4568-882a-02ad8f9e19b0" providerId="ADAL" clId="{744507AC-BA7C-4EB5-8A23-92930C30521D}" dt="2024-05-02T21:12:46.422" v="107" actId="1037"/>
+          <ac:spMkLst>
+            <pc:docMk/>
+            <pc:sldMk cId="2093483600" sldId="1361"/>
+            <ac:spMk id="17" creationId="{ED3B293C-8EE6-740C-E8A5-C57482C59ABF}"/>
+          </ac:spMkLst>
+        </pc:spChg>
+        <pc:spChg chg="add mod">
+          <ac:chgData name="Lines, Todd" userId="afaf7c3a-e8aa-4568-882a-02ad8f9e19b0" providerId="ADAL" clId="{744507AC-BA7C-4EB5-8A23-92930C30521D}" dt="2024-05-02T21:12:46.422" v="107" actId="1037"/>
+          <ac:spMkLst>
+            <pc:docMk/>
+            <pc:sldMk cId="2093483600" sldId="1361"/>
+            <ac:spMk id="21" creationId="{96362609-6D5C-54C8-42A2-3D06C6A13DB1}"/>
+          </ac:spMkLst>
+        </pc:spChg>
+        <pc:spChg chg="add mod">
+          <ac:chgData name="Lines, Todd" userId="afaf7c3a-e8aa-4568-882a-02ad8f9e19b0" providerId="ADAL" clId="{744507AC-BA7C-4EB5-8A23-92930C30521D}" dt="2024-05-02T21:12:46.422" v="107" actId="1037"/>
+          <ac:spMkLst>
+            <pc:docMk/>
+            <pc:sldMk cId="2093483600" sldId="1361"/>
+            <ac:spMk id="22" creationId="{7A9321C8-D105-C4CA-B7DC-06E9F585B76F}"/>
+          </ac:spMkLst>
+        </pc:spChg>
+        <pc:spChg chg="add mod">
+          <ac:chgData name="Lines, Todd" userId="afaf7c3a-e8aa-4568-882a-02ad8f9e19b0" providerId="ADAL" clId="{744507AC-BA7C-4EB5-8A23-92930C30521D}" dt="2024-05-02T21:12:46.422" v="107" actId="1037"/>
+          <ac:spMkLst>
+            <pc:docMk/>
+            <pc:sldMk cId="2093483600" sldId="1361"/>
+            <ac:spMk id="23" creationId="{7137FB4B-11B1-407B-C148-B85A553098CC}"/>
+          </ac:spMkLst>
+        </pc:spChg>
+        <pc:spChg chg="add mod">
+          <ac:chgData name="Lines, Todd" userId="afaf7c3a-e8aa-4568-882a-02ad8f9e19b0" providerId="ADAL" clId="{744507AC-BA7C-4EB5-8A23-92930C30521D}" dt="2024-05-02T21:12:46.422" v="107" actId="1037"/>
+          <ac:spMkLst>
+            <pc:docMk/>
+            <pc:sldMk cId="2093483600" sldId="1361"/>
+            <ac:spMk id="24" creationId="{D2C76460-226B-4182-1FBC-A551650E80C8}"/>
+          </ac:spMkLst>
+        </pc:spChg>
+        <pc:spChg chg="add mod">
+          <ac:chgData name="Lines, Todd" userId="afaf7c3a-e8aa-4568-882a-02ad8f9e19b0" providerId="ADAL" clId="{744507AC-BA7C-4EB5-8A23-92930C30521D}" dt="2024-05-02T21:12:46.422" v="107" actId="1037"/>
+          <ac:spMkLst>
+            <pc:docMk/>
+            <pc:sldMk cId="2093483600" sldId="1361"/>
+            <ac:spMk id="25" creationId="{0E793E38-489D-D6CC-2390-C148225DE2A4}"/>
+          </ac:spMkLst>
+        </pc:spChg>
+        <pc:spChg chg="add mod">
+          <ac:chgData name="Lines, Todd" userId="afaf7c3a-e8aa-4568-882a-02ad8f9e19b0" providerId="ADAL" clId="{744507AC-BA7C-4EB5-8A23-92930C30521D}" dt="2024-05-02T21:12:46.422" v="107" actId="1037"/>
+          <ac:spMkLst>
+            <pc:docMk/>
+            <pc:sldMk cId="2093483600" sldId="1361"/>
+            <ac:spMk id="26" creationId="{3E8ACC13-7F0E-CD18-2C16-9D0EA1710BF9}"/>
+          </ac:spMkLst>
+        </pc:spChg>
+        <pc:spChg chg="add mod">
+          <ac:chgData name="Lines, Todd" userId="afaf7c3a-e8aa-4568-882a-02ad8f9e19b0" providerId="ADAL" clId="{744507AC-BA7C-4EB5-8A23-92930C30521D}" dt="2024-05-02T21:12:46.422" v="107" actId="1037"/>
+          <ac:spMkLst>
+            <pc:docMk/>
+            <pc:sldMk cId="2093483600" sldId="1361"/>
+            <ac:spMk id="27" creationId="{D8F2208E-734D-CB10-E226-68903C97AB85}"/>
+          </ac:spMkLst>
+        </pc:spChg>
+        <pc:spChg chg="add mod">
+          <ac:chgData name="Lines, Todd" userId="afaf7c3a-e8aa-4568-882a-02ad8f9e19b0" providerId="ADAL" clId="{744507AC-BA7C-4EB5-8A23-92930C30521D}" dt="2024-05-02T21:12:46.422" v="107" actId="1037"/>
+          <ac:spMkLst>
+            <pc:docMk/>
+            <pc:sldMk cId="2093483600" sldId="1361"/>
+            <ac:spMk id="28" creationId="{D38899BE-EC96-9153-A9C0-F00948F3E4B7}"/>
+          </ac:spMkLst>
+        </pc:spChg>
+        <pc:spChg chg="add mod">
+          <ac:chgData name="Lines, Todd" userId="afaf7c3a-e8aa-4568-882a-02ad8f9e19b0" providerId="ADAL" clId="{744507AC-BA7C-4EB5-8A23-92930C30521D}" dt="2024-05-02T21:12:46.422" v="107" actId="1037"/>
+          <ac:spMkLst>
+            <pc:docMk/>
+            <pc:sldMk cId="2093483600" sldId="1361"/>
+            <ac:spMk id="30" creationId="{3A6269B5-E691-DB3D-6CEB-6CA3BD6934ED}"/>
+          </ac:spMkLst>
+        </pc:spChg>
+        <pc:picChg chg="del mod">
+          <ac:chgData name="Lines, Todd" userId="afaf7c3a-e8aa-4568-882a-02ad8f9e19b0" providerId="ADAL" clId="{744507AC-BA7C-4EB5-8A23-92930C30521D}" dt="2024-05-02T21:12:53.054" v="108" actId="478"/>
+          <ac:picMkLst>
+            <pc:docMk/>
+            <pc:sldMk cId="2093483600" sldId="1361"/>
+            <ac:picMk id="191493" creationId="{00000000-0000-0000-0000-000000000000}"/>
+          </ac:picMkLst>
+        </pc:picChg>
+        <pc:cxnChg chg="add mod">
+          <ac:chgData name="Lines, Todd" userId="afaf7c3a-e8aa-4568-882a-02ad8f9e19b0" providerId="ADAL" clId="{744507AC-BA7C-4EB5-8A23-92930C30521D}" dt="2024-05-02T21:12:46.422" v="107" actId="1037"/>
+          <ac:cxnSpMkLst>
+            <pc:docMk/>
+            <pc:sldMk cId="2093483600" sldId="1361"/>
+            <ac:cxnSpMk id="4" creationId="{5E2695C7-FBC5-92FC-CD0D-E3D751894B3F}"/>
+          </ac:cxnSpMkLst>
+        </pc:cxnChg>
+        <pc:cxnChg chg="add mod">
+          <ac:chgData name="Lines, Todd" userId="afaf7c3a-e8aa-4568-882a-02ad8f9e19b0" providerId="ADAL" clId="{744507AC-BA7C-4EB5-8A23-92930C30521D}" dt="2024-05-02T21:12:46.422" v="107" actId="1037"/>
+          <ac:cxnSpMkLst>
+            <pc:docMk/>
+            <pc:sldMk cId="2093483600" sldId="1361"/>
+            <ac:cxnSpMk id="5" creationId="{2D9A088A-492F-2C3D-8501-7CC976C245CD}"/>
+          </ac:cxnSpMkLst>
+        </pc:cxnChg>
+        <pc:cxnChg chg="add mod">
+          <ac:chgData name="Lines, Todd" userId="afaf7c3a-e8aa-4568-882a-02ad8f9e19b0" providerId="ADAL" clId="{744507AC-BA7C-4EB5-8A23-92930C30521D}" dt="2024-05-02T21:12:46.422" v="107" actId="1037"/>
+          <ac:cxnSpMkLst>
+            <pc:docMk/>
+            <pc:sldMk cId="2093483600" sldId="1361"/>
+            <ac:cxnSpMk id="6" creationId="{2347BFE9-623A-3C23-C895-F0583D26F64B}"/>
+          </ac:cxnSpMkLst>
+        </pc:cxnChg>
+        <pc:cxnChg chg="add mod">
+          <ac:chgData name="Lines, Todd" userId="afaf7c3a-e8aa-4568-882a-02ad8f9e19b0" providerId="ADAL" clId="{744507AC-BA7C-4EB5-8A23-92930C30521D}" dt="2024-05-02T21:12:46.422" v="107" actId="1037"/>
+          <ac:cxnSpMkLst>
+            <pc:docMk/>
+            <pc:sldMk cId="2093483600" sldId="1361"/>
+            <ac:cxnSpMk id="7" creationId="{07A050B0-D480-8D26-637F-B36C3B7F89C2}"/>
+          </ac:cxnSpMkLst>
+        </pc:cxnChg>
+        <pc:cxnChg chg="add mod">
+          <ac:chgData name="Lines, Todd" userId="afaf7c3a-e8aa-4568-882a-02ad8f9e19b0" providerId="ADAL" clId="{744507AC-BA7C-4EB5-8A23-92930C30521D}" dt="2024-05-02T21:12:46.422" v="107" actId="1037"/>
+          <ac:cxnSpMkLst>
+            <pc:docMk/>
+            <pc:sldMk cId="2093483600" sldId="1361"/>
+            <ac:cxnSpMk id="8" creationId="{0C7D67D0-B539-23F5-926A-F2D6781079FC}"/>
+          </ac:cxnSpMkLst>
+        </pc:cxnChg>
+        <pc:cxnChg chg="add mod">
+          <ac:chgData name="Lines, Todd" userId="afaf7c3a-e8aa-4568-882a-02ad8f9e19b0" providerId="ADAL" clId="{744507AC-BA7C-4EB5-8A23-92930C30521D}" dt="2024-05-02T21:12:46.422" v="107" actId="1037"/>
+          <ac:cxnSpMkLst>
+            <pc:docMk/>
+            <pc:sldMk cId="2093483600" sldId="1361"/>
+            <ac:cxnSpMk id="18" creationId="{85FFACE0-3235-2473-93E8-B19E4D46DCC3}"/>
+          </ac:cxnSpMkLst>
+        </pc:cxnChg>
+        <pc:cxnChg chg="add mod">
+          <ac:chgData name="Lines, Todd" userId="afaf7c3a-e8aa-4568-882a-02ad8f9e19b0" providerId="ADAL" clId="{744507AC-BA7C-4EB5-8A23-92930C30521D}" dt="2024-05-02T21:12:46.422" v="107" actId="1037"/>
+          <ac:cxnSpMkLst>
+            <pc:docMk/>
+            <pc:sldMk cId="2093483600" sldId="1361"/>
+            <ac:cxnSpMk id="19" creationId="{E8413F87-D610-C4CC-592E-79BD15F54433}"/>
+          </ac:cxnSpMkLst>
+        </pc:cxnChg>
+        <pc:cxnChg chg="add mod">
+          <ac:chgData name="Lines, Todd" userId="afaf7c3a-e8aa-4568-882a-02ad8f9e19b0" providerId="ADAL" clId="{744507AC-BA7C-4EB5-8A23-92930C30521D}" dt="2024-05-02T21:12:46.422" v="107" actId="1037"/>
+          <ac:cxnSpMkLst>
+            <pc:docMk/>
+            <pc:sldMk cId="2093483600" sldId="1361"/>
+            <ac:cxnSpMk id="20" creationId="{C7AE8FBA-4C8F-B1BF-1C24-4EBB9637FE4C}"/>
+          </ac:cxnSpMkLst>
+        </pc:cxnChg>
+        <pc:cxnChg chg="add mod">
+          <ac:chgData name="Lines, Todd" userId="afaf7c3a-e8aa-4568-882a-02ad8f9e19b0" providerId="ADAL" clId="{744507AC-BA7C-4EB5-8A23-92930C30521D}" dt="2024-05-02T21:12:46.422" v="107" actId="1037"/>
+          <ac:cxnSpMkLst>
+            <pc:docMk/>
+            <pc:sldMk cId="2093483600" sldId="1361"/>
+            <ac:cxnSpMk id="29" creationId="{46C3A66F-A73A-2CCF-DD4C-DB217965B166}"/>
+          </ac:cxnSpMkLst>
+        </pc:cxnChg>
+      </pc:sldChg>
+      <pc:sldChg chg="add">
+        <pc:chgData name="Lines, Todd" userId="afaf7c3a-e8aa-4568-882a-02ad8f9e19b0" providerId="ADAL" clId="{744507AC-BA7C-4EB5-8A23-92930C30521D}" dt="2024-05-02T22:08:36.926" v="109"/>
+        <pc:sldMkLst>
+          <pc:docMk/>
+          <pc:sldMk cId="2029997585" sldId="1362"/>
+        </pc:sldMkLst>
+      </pc:sldChg>
+    </pc:docChg>
+  </pc:docChgLst>
 </pc:chgInfo>
 </file>
 
@@ -299,7 +777,7 @@
             <a:fld id="{DDC20DDF-410A-4A2E-BE2B-BF9258AB4EBC}" type="datetimeFigureOut">
               <a:rPr lang="en-US" smtClean="0"/>
               <a:pPr/>
-              <a:t>9/21/2023</a:t>
+              <a:t>5/2/2024</a:t>
             </a:fld>
             <a:endParaRPr lang="en-US"/>
           </a:p>
@@ -637,7 +1115,7 @@
             <a:fld id="{E7D45037-B36C-428B-80E4-B5F1332A92C9}" type="slidenum">
               <a:rPr lang="en-US" smtClean="0"/>
               <a:pPr/>
-              <a:t>7</a:t>
+              <a:t>8</a:t>
             </a:fld>
             <a:endParaRPr lang="en-US"/>
           </a:p>
@@ -749,7 +1227,7 @@
             <a:fld id="{CA5995E9-268A-47CD-8EB6-6898CE55DF23}" type="slidenum">
               <a:rPr lang="en-US" smtClean="0"/>
               <a:pPr/>
-              <a:t>19</a:t>
+              <a:t>20</a:t>
             </a:fld>
             <a:endParaRPr lang="en-US"/>
           </a:p>
@@ -943,7 +1421,7 @@
             <a:fld id="{770D32CF-726D-406C-8E04-892C32375105}" type="datetimeFigureOut">
               <a:rPr lang="en-US" smtClean="0"/>
               <a:pPr/>
-              <a:t>9/21/2023</a:t>
+              <a:t>5/2/2024</a:t>
             </a:fld>
             <a:endParaRPr lang="en-US"/>
           </a:p>
@@ -1108,7 +1586,7 @@
             <a:fld id="{770D32CF-726D-406C-8E04-892C32375105}" type="datetimeFigureOut">
               <a:rPr lang="en-US" smtClean="0"/>
               <a:pPr/>
-              <a:t>9/21/2023</a:t>
+              <a:t>5/2/2024</a:t>
             </a:fld>
             <a:endParaRPr lang="en-US"/>
           </a:p>
@@ -1283,7 +1761,7 @@
             <a:fld id="{770D32CF-726D-406C-8E04-892C32375105}" type="datetimeFigureOut">
               <a:rPr lang="en-US" smtClean="0"/>
               <a:pPr/>
-              <a:t>9/21/2023</a:t>
+              <a:t>5/2/2024</a:t>
             </a:fld>
             <a:endParaRPr lang="en-US"/>
           </a:p>
@@ -1448,7 +1926,7 @@
             <a:fld id="{770D32CF-726D-406C-8E04-892C32375105}" type="datetimeFigureOut">
               <a:rPr lang="en-US" smtClean="0"/>
               <a:pPr/>
-              <a:t>9/21/2023</a:t>
+              <a:t>5/2/2024</a:t>
             </a:fld>
             <a:endParaRPr lang="en-US"/>
           </a:p>
@@ -1690,7 +2168,7 @@
             <a:fld id="{770D32CF-726D-406C-8E04-892C32375105}" type="datetimeFigureOut">
               <a:rPr lang="en-US" smtClean="0"/>
               <a:pPr/>
-              <a:t>9/21/2023</a:t>
+              <a:t>5/2/2024</a:t>
             </a:fld>
             <a:endParaRPr lang="en-US"/>
           </a:p>
@@ -1972,7 +2450,7 @@
             <a:fld id="{770D32CF-726D-406C-8E04-892C32375105}" type="datetimeFigureOut">
               <a:rPr lang="en-US" smtClean="0"/>
               <a:pPr/>
-              <a:t>9/21/2023</a:t>
+              <a:t>5/2/2024</a:t>
             </a:fld>
             <a:endParaRPr lang="en-US"/>
           </a:p>
@@ -2388,7 +2866,7 @@
             <a:fld id="{770D32CF-726D-406C-8E04-892C32375105}" type="datetimeFigureOut">
               <a:rPr lang="en-US" smtClean="0"/>
               <a:pPr/>
-              <a:t>9/21/2023</a:t>
+              <a:t>5/2/2024</a:t>
             </a:fld>
             <a:endParaRPr lang="en-US"/>
           </a:p>
@@ -2502,7 +2980,7 @@
             <a:fld id="{770D32CF-726D-406C-8E04-892C32375105}" type="datetimeFigureOut">
               <a:rPr lang="en-US" smtClean="0"/>
               <a:pPr/>
-              <a:t>9/21/2023</a:t>
+              <a:t>5/2/2024</a:t>
             </a:fld>
             <a:endParaRPr lang="en-US"/>
           </a:p>
@@ -2594,7 +3072,7 @@
             <a:fld id="{770D32CF-726D-406C-8E04-892C32375105}" type="datetimeFigureOut">
               <a:rPr lang="en-US" smtClean="0"/>
               <a:pPr/>
-              <a:t>9/21/2023</a:t>
+              <a:t>5/2/2024</a:t>
             </a:fld>
             <a:endParaRPr lang="en-US"/>
           </a:p>
@@ -2866,7 +3344,7 @@
             <a:fld id="{770D32CF-726D-406C-8E04-892C32375105}" type="datetimeFigureOut">
               <a:rPr lang="en-US" smtClean="0"/>
               <a:pPr/>
-              <a:t>9/21/2023</a:t>
+              <a:t>5/2/2024</a:t>
             </a:fld>
             <a:endParaRPr lang="en-US"/>
           </a:p>
@@ -3115,7 +3593,7 @@
             <a:fld id="{770D32CF-726D-406C-8E04-892C32375105}" type="datetimeFigureOut">
               <a:rPr lang="en-US" smtClean="0"/>
               <a:pPr/>
-              <a:t>9/21/2023</a:t>
+              <a:t>5/2/2024</a:t>
             </a:fld>
             <a:endParaRPr lang="en-US"/>
           </a:p>
@@ -3323,7 +3801,7 @@
             <a:fld id="{770D32CF-726D-406C-8E04-892C32375105}" type="datetimeFigureOut">
               <a:rPr lang="en-US" smtClean="0"/>
               <a:pPr/>
-              <a:t>9/21/2023</a:t>
+              <a:t>5/2/2024</a:t>
             </a:fld>
             <a:endParaRPr lang="en-US"/>
           </a:p>
@@ -3849,6 +4327,52 @@
           </a:ln>
         </p:spPr>
       </p:pic>
+      <p:sp>
+        <p:nvSpPr>
+          <p:cNvPr id="2" name="Rectangle 1">
+            <a:extLst>
+              <a:ext uri="{FF2B5EF4-FFF2-40B4-BE49-F238E27FC236}">
+                <a16:creationId xmlns:a16="http://schemas.microsoft.com/office/drawing/2014/main" id="{89C0ABD7-EB72-79B5-1AAD-D5BC9CFBEC3E}"/>
+              </a:ext>
+            </a:extLst>
+          </p:cNvPr>
+          <p:cNvSpPr/>
+          <p:nvPr/>
+        </p:nvSpPr>
+        <p:spPr>
+          <a:xfrm>
+            <a:off x="5272088" y="3299381"/>
+            <a:ext cx="3070634" cy="801279"/>
+          </a:xfrm>
+          <a:prstGeom prst="rect">
+            <a:avLst/>
+          </a:prstGeom>
+        </p:spPr>
+        <p:style>
+          <a:lnRef idx="2">
+            <a:schemeClr val="accent1">
+              <a:shade val="15000"/>
+            </a:schemeClr>
+          </a:lnRef>
+          <a:fillRef idx="1">
+            <a:schemeClr val="accent1"/>
+          </a:fillRef>
+          <a:effectRef idx="0">
+            <a:schemeClr val="accent1"/>
+          </a:effectRef>
+          <a:fontRef idx="minor">
+            <a:schemeClr val="lt1"/>
+          </a:fontRef>
+        </p:style>
+        <p:txBody>
+          <a:bodyPr rtlCol="0" anchor="ctr"/>
+          <a:lstStyle/>
+          <a:p>
+            <a:pPr algn="ctr"/>
+            <a:endParaRPr lang="en-US"/>
+          </a:p>
+        </p:txBody>
+      </p:sp>
     </p:spTree>
   </p:cSld>
   <p:clrMapOvr>
@@ -3876,7 +4400,7 @@
       </p:grpSpPr>
       <p:sp>
         <p:nvSpPr>
-          <p:cNvPr id="587777" name="Title 1"/>
+          <p:cNvPr id="586753" name="Title 1"/>
           <p:cNvSpPr>
             <a:spLocks noGrp="1"/>
           </p:cNvSpPr>
@@ -3891,7 +4415,7 @@
           <a:p>
             <a:r>
               <a:rPr lang="en-US" dirty="0"/>
-              <a:t>Question 223.8.4</a:t>
+              <a:t>Question 223.8.3</a:t>
             </a:r>
           </a:p>
         </p:txBody>
@@ -3918,7 +4442,7 @@
             </a:pPr>
             <a:r>
               <a:rPr lang="en-US" dirty="0"/>
-              <a:t>I have two waves coming from speakers in my room. I am sitting 3 wavelengths away from one speaker and 6 wavelengths away from the other speaker. I hear..</a:t>
+              <a:t>I have two waves coming from speakers in my room. I am sitting 3 wavelengths away from one speaker and 4.5 wavelengths away from the other speaker. I hear..</a:t>
             </a:r>
           </a:p>
           <a:p>
@@ -3994,6 +4518,124 @@
       </p:grpSpPr>
       <p:sp>
         <p:nvSpPr>
+          <p:cNvPr id="587777" name="Title 1"/>
+          <p:cNvSpPr>
+            <a:spLocks noGrp="1"/>
+          </p:cNvSpPr>
+          <p:nvPr>
+            <p:ph type="title"/>
+          </p:nvPr>
+        </p:nvSpPr>
+        <p:spPr/>
+        <p:txBody>
+          <a:bodyPr/>
+          <a:lstStyle/>
+          <a:p>
+            <a:r>
+              <a:rPr lang="en-US" dirty="0"/>
+              <a:t>Question 223.8.4</a:t>
+            </a:r>
+          </a:p>
+        </p:txBody>
+      </p:sp>
+      <p:sp>
+        <p:nvSpPr>
+          <p:cNvPr id="3" name="Content Placeholder 2"/>
+          <p:cNvSpPr>
+            <a:spLocks noGrp="1"/>
+          </p:cNvSpPr>
+          <p:nvPr>
+            <p:ph idx="1"/>
+          </p:nvPr>
+        </p:nvSpPr>
+        <p:spPr/>
+        <p:txBody>
+          <a:bodyPr/>
+          <a:lstStyle/>
+          <a:p>
+            <a:pPr>
+              <a:buFontTx/>
+              <a:buNone/>
+              <a:defRPr/>
+            </a:pPr>
+            <a:r>
+              <a:rPr lang="en-US" dirty="0"/>
+              <a:t>I have two waves coming from speakers in my room. I am sitting 3 wavelengths away from one speaker and 6 wavelengths away from the other speaker. I hear..</a:t>
+            </a:r>
+          </a:p>
+          <a:p>
+            <a:pPr marL="514350" indent="-514350">
+              <a:buFontTx/>
+              <a:buAutoNum type="alphaLcParenR"/>
+              <a:defRPr/>
+            </a:pPr>
+            <a:r>
+              <a:rPr lang="en-US" dirty="0"/>
+              <a:t>Twice the normal loudness</a:t>
+            </a:r>
+          </a:p>
+          <a:p>
+            <a:pPr marL="514350" indent="-514350">
+              <a:buFontTx/>
+              <a:buAutoNum type="alphaLcParenR"/>
+              <a:defRPr/>
+            </a:pPr>
+            <a:r>
+              <a:rPr lang="en-US" dirty="0"/>
+              <a:t>4 times the normal loudness</a:t>
+            </a:r>
+          </a:p>
+          <a:p>
+            <a:pPr marL="514350" indent="-514350">
+              <a:buFontTx/>
+              <a:buAutoNum type="alphaLcParenR"/>
+              <a:defRPr/>
+            </a:pPr>
+            <a:r>
+              <a:rPr lang="en-US" dirty="0"/>
+              <a:t>8 times the normal loudness</a:t>
+            </a:r>
+          </a:p>
+          <a:p>
+            <a:pPr marL="514350" indent="-514350">
+              <a:buFontTx/>
+              <a:buAutoNum type="alphaLcParenR"/>
+              <a:defRPr/>
+            </a:pPr>
+            <a:r>
+              <a:rPr lang="en-US" dirty="0"/>
+              <a:t>Practically nothing</a:t>
+            </a:r>
+          </a:p>
+        </p:txBody>
+      </p:sp>
+    </p:spTree>
+  </p:cSld>
+  <p:clrMapOvr>
+    <a:masterClrMapping/>
+  </p:clrMapOvr>
+</p:sld>
+</file>
+
+<file path=ppt/slides/slide12.xml><?xml version="1.0" encoding="utf-8"?>
+<p:sld xmlns:a="http://schemas.openxmlformats.org/drawingml/2006/main" xmlns:r="http://schemas.openxmlformats.org/officeDocument/2006/relationships" xmlns:p="http://schemas.openxmlformats.org/presentationml/2006/main">
+  <p:cSld>
+    <p:spTree>
+      <p:nvGrpSpPr>
+        <p:cNvPr id="1" name=""/>
+        <p:cNvGrpSpPr/>
+        <p:nvPr/>
+      </p:nvGrpSpPr>
+      <p:grpSpPr>
+        <a:xfrm>
+          <a:off x="0" y="0"/>
+          <a:ext cx="0" cy="0"/>
+          <a:chOff x="0" y="0"/>
+          <a:chExt cx="0" cy="0"/>
+        </a:xfrm>
+      </p:grpSpPr>
+      <p:sp>
+        <p:nvSpPr>
           <p:cNvPr id="3" name="Content Placeholder 2"/>
           <p:cNvSpPr>
             <a:spLocks noGrp="1"/>
@@ -4040,7 +4682,7 @@
 </p:sld>
 </file>
 
-<file path=ppt/slides/slide12.xml><?xml version="1.0" encoding="utf-8"?>
+<file path=ppt/slides/slide13.xml><?xml version="1.0" encoding="utf-8"?>
 <p:sld xmlns:a="http://schemas.openxmlformats.org/drawingml/2006/main" xmlns:r="http://schemas.openxmlformats.org/officeDocument/2006/relationships" xmlns:p="http://schemas.openxmlformats.org/presentationml/2006/main">
   <p:cSld>
     <p:spTree>
@@ -4963,7 +5605,7 @@
 </p:sld>
 </file>
 
-<file path=ppt/slides/slide13.xml><?xml version="1.0" encoding="utf-8"?>
+<file path=ppt/slides/slide14.xml><?xml version="1.0" encoding="utf-8"?>
 <p:sld xmlns:a="http://schemas.openxmlformats.org/drawingml/2006/main" xmlns:r="http://schemas.openxmlformats.org/officeDocument/2006/relationships" xmlns:p="http://schemas.openxmlformats.org/presentationml/2006/main">
   <p:cSld>
     <p:spTree>
@@ -5960,7 +6602,7 @@
 </p:sld>
 </file>
 
-<file path=ppt/slides/slide14.xml><?xml version="1.0" encoding="utf-8"?>
+<file path=ppt/slides/slide15.xml><?xml version="1.0" encoding="utf-8"?>
 <p:sld xmlns:a="http://schemas.openxmlformats.org/drawingml/2006/main" xmlns:r="http://schemas.openxmlformats.org/officeDocument/2006/relationships" xmlns:p="http://schemas.openxmlformats.org/presentationml/2006/main">
   <p:cSld>
     <p:spTree>
@@ -7555,7 +8197,7 @@
 </p:sld>
 </file>
 
-<file path=ppt/slides/slide15.xml><?xml version="1.0" encoding="utf-8"?>
+<file path=ppt/slides/slide16.xml><?xml version="1.0" encoding="utf-8"?>
 <p:sld xmlns:a="http://schemas.openxmlformats.org/drawingml/2006/main" xmlns:r="http://schemas.openxmlformats.org/officeDocument/2006/relationships" xmlns:p="http://schemas.openxmlformats.org/presentationml/2006/main">
   <p:cSld>
     <p:spTree>
@@ -8552,7 +9194,7 @@
 </p:sld>
 </file>
 
-<file path=ppt/slides/slide16.xml><?xml version="1.0" encoding="utf-8"?>
+<file path=ppt/slides/slide17.xml><?xml version="1.0" encoding="utf-8"?>
 <p:sld xmlns:a="http://schemas.openxmlformats.org/drawingml/2006/main" xmlns:r="http://schemas.openxmlformats.org/officeDocument/2006/relationships" xmlns:p="http://schemas.openxmlformats.org/presentationml/2006/main">
   <p:cSld>
     <p:spTree>
@@ -9801,7 +10443,7 @@
 </p:sld>
 </file>
 
-<file path=ppt/slides/slide17.xml><?xml version="1.0" encoding="utf-8"?>
+<file path=ppt/slides/slide18.xml><?xml version="1.0" encoding="utf-8"?>
 <p:sld xmlns:a="http://schemas.openxmlformats.org/drawingml/2006/main" xmlns:r="http://schemas.openxmlformats.org/officeDocument/2006/relationships" xmlns:p="http://schemas.openxmlformats.org/presentationml/2006/main">
   <p:cSld>
     <p:spTree>
@@ -10560,7 +11202,7 @@
 </p:sld>
 </file>
 
-<file path=ppt/slides/slide18.xml><?xml version="1.0" encoding="utf-8"?>
+<file path=ppt/slides/slide19.xml><?xml version="1.0" encoding="utf-8"?>
 <p:sld xmlns:a="http://schemas.openxmlformats.org/drawingml/2006/main" xmlns:r="http://schemas.openxmlformats.org/officeDocument/2006/relationships" xmlns:p="http://schemas.openxmlformats.org/presentationml/2006/main">
   <p:cSld>
     <p:spTree>
@@ -11021,63 +11663,6 @@
 </p:sld>
 </file>
 
-<file path=ppt/slides/slide19.xml><?xml version="1.0" encoding="utf-8"?>
-<p:sld xmlns:a="http://schemas.openxmlformats.org/drawingml/2006/main" xmlns:r="http://schemas.openxmlformats.org/officeDocument/2006/relationships" xmlns:p="http://schemas.openxmlformats.org/presentationml/2006/main">
-  <p:cSld>
-    <p:spTree>
-      <p:nvGrpSpPr>
-        <p:cNvPr id="1" name=""/>
-        <p:cNvGrpSpPr/>
-        <p:nvPr/>
-      </p:nvGrpSpPr>
-      <p:grpSpPr>
-        <a:xfrm>
-          <a:off x="0" y="0"/>
-          <a:ext cx="0" cy="0"/>
-          <a:chOff x="0" y="0"/>
-          <a:chExt cx="0" cy="0"/>
-        </a:xfrm>
-      </p:grpSpPr>
-      <p:pic>
-        <p:nvPicPr>
-          <p:cNvPr id="18434" name="Picture 3"/>
-          <p:cNvPicPr>
-            <a:picLocks noChangeAspect="1" noChangeArrowheads="1"/>
-          </p:cNvPicPr>
-          <p:nvPr/>
-        </p:nvPicPr>
-        <p:blipFill>
-          <a:blip r:embed="rId3" cstate="print"/>
-          <a:srcRect/>
-          <a:stretch>
-            <a:fillRect/>
-          </a:stretch>
-        </p:blipFill>
-        <p:spPr bwMode="auto">
-          <a:xfrm>
-            <a:off x="371475" y="1524000"/>
-            <a:ext cx="8459788" cy="3948113"/>
-          </a:xfrm>
-          <a:prstGeom prst="rect">
-            <a:avLst/>
-          </a:prstGeom>
-          <a:noFill/>
-          <a:ln w="9525" algn="ctr">
-            <a:noFill/>
-            <a:miter lim="800000"/>
-            <a:headEnd/>
-            <a:tailEnd/>
-          </a:ln>
-        </p:spPr>
-      </p:pic>
-    </p:spTree>
-  </p:cSld>
-  <p:clrMapOvr>
-    <a:masterClrMapping/>
-  </p:clrMapOvr>
-</p:sld>
-</file>
-
 <file path=ppt/slides/slide2.xml><?xml version="1.0" encoding="utf-8"?>
 <p:sld xmlns:a="http://schemas.openxmlformats.org/drawingml/2006/main" xmlns:r="http://schemas.openxmlformats.org/officeDocument/2006/relationships" xmlns:p="http://schemas.openxmlformats.org/presentationml/2006/main">
   <p:cSld>
@@ -11130,12 +11715,12 @@
         <p:spPr>
           <a:xfrm>
             <a:off x="457200" y="1600200"/>
-            <a:ext cx="4049713" cy="4525963"/>
+            <a:ext cx="6782586" cy="4525963"/>
           </a:xfrm>
         </p:spPr>
         <p:txBody>
           <a:bodyPr>
-            <a:normAutofit lnSpcReduction="10000"/>
+            <a:normAutofit fontScale="92500" lnSpcReduction="20000"/>
           </a:bodyPr>
           <a:lstStyle/>
           <a:p>
@@ -11151,6 +11736,41 @@
           <a:p>
             <a:pPr marL="609600" indent="-609600" eaLnBrk="1" hangingPunct="1">
               <a:buFontTx/>
+              <a:buNone/>
+            </a:pPr>
+            <a:endParaRPr lang="en-US" dirty="0"/>
+          </a:p>
+          <a:p>
+            <a:pPr marL="609600" indent="-609600" eaLnBrk="1" hangingPunct="1">
+              <a:buFontTx/>
+              <a:buNone/>
+            </a:pPr>
+            <a:endParaRPr lang="en-US" dirty="0"/>
+          </a:p>
+          <a:p>
+            <a:pPr marL="609600" indent="-609600" eaLnBrk="1" hangingPunct="1">
+              <a:buFontTx/>
+              <a:buNone/>
+            </a:pPr>
+            <a:endParaRPr lang="en-US" dirty="0"/>
+          </a:p>
+          <a:p>
+            <a:pPr marL="609600" indent="-609600" eaLnBrk="1" hangingPunct="1">
+              <a:buFontTx/>
+              <a:buNone/>
+            </a:pPr>
+            <a:endParaRPr lang="en-US" dirty="0"/>
+          </a:p>
+          <a:p>
+            <a:pPr marL="609600" indent="-609600" eaLnBrk="1" hangingPunct="1">
+              <a:buFontTx/>
+              <a:buNone/>
+            </a:pPr>
+            <a:endParaRPr lang="en-US" dirty="0"/>
+          </a:p>
+          <a:p>
+            <a:pPr marL="609600" indent="-609600" eaLnBrk="1" hangingPunct="1">
+              <a:buFontTx/>
               <a:buAutoNum type="alphaLcParenR"/>
             </a:pPr>
             <a:r>
@@ -11220,465 +11840,21 @@
           </a:p>
         </p:txBody>
       </p:sp>
-      <p:pic>
-        <p:nvPicPr>
-          <p:cNvPr id="191493" name="Picture 4" descr="37-17"/>
-          <p:cNvPicPr>
-            <a:picLocks noChangeAspect="1" noChangeArrowheads="1"/>
-          </p:cNvPicPr>
-          <p:nvPr/>
-        </p:nvPicPr>
-        <p:blipFill>
-          <a:blip r:embed="rId2" cstate="print"/>
-          <a:srcRect t="17642"/>
-          <a:stretch>
-            <a:fillRect/>
-          </a:stretch>
-        </p:blipFill>
-        <p:spPr bwMode="auto">
-          <a:xfrm>
-            <a:off x="5272088" y="1933575"/>
-            <a:ext cx="3138487" cy="3727450"/>
-          </a:xfrm>
-          <a:prstGeom prst="rect">
-            <a:avLst/>
-          </a:prstGeom>
-          <a:noFill/>
-          <a:ln w="9525">
-            <a:noFill/>
-            <a:miter lim="800000"/>
-            <a:headEnd/>
-            <a:tailEnd/>
-          </a:ln>
-        </p:spPr>
-      </p:pic>
-    </p:spTree>
-    <p:extLst>
-      <p:ext uri="{BB962C8B-B14F-4D97-AF65-F5344CB8AC3E}">
-        <p14:creationId xmlns:p14="http://schemas.microsoft.com/office/powerpoint/2010/main" val="1980085038"/>
-      </p:ext>
-    </p:extLst>
-  </p:cSld>
-  <p:clrMapOvr>
-    <a:masterClrMapping/>
-  </p:clrMapOvr>
-</p:sld>
-</file>
-
-<file path=ppt/slides/slide3.xml><?xml version="1.0" encoding="utf-8"?>
-<p:sld xmlns:a="http://schemas.openxmlformats.org/drawingml/2006/main" xmlns:r="http://schemas.openxmlformats.org/officeDocument/2006/relationships" xmlns:p="http://schemas.openxmlformats.org/presentationml/2006/main">
-  <p:cSld>
-    <p:spTree>
-      <p:nvGrpSpPr>
-        <p:cNvPr id="1" name=""/>
-        <p:cNvGrpSpPr/>
-        <p:nvPr/>
-      </p:nvGrpSpPr>
-      <p:grpSpPr>
-        <a:xfrm>
-          <a:off x="0" y="0"/>
-          <a:ext cx="0" cy="0"/>
-          <a:chOff x="0" y="0"/>
-          <a:chExt cx="0" cy="0"/>
-        </a:xfrm>
-      </p:grpSpPr>
-      <p:sp>
-        <p:nvSpPr>
-          <p:cNvPr id="2" name="Title 1"/>
-          <p:cNvSpPr>
-            <a:spLocks noGrp="1"/>
-          </p:cNvSpPr>
-          <p:nvPr>
-            <p:ph type="ctrTitle"/>
-          </p:nvPr>
-        </p:nvSpPr>
-        <p:spPr/>
-        <p:txBody>
-          <a:bodyPr/>
-          <a:lstStyle/>
-          <a:p>
-            <a:endParaRPr lang="en-US"/>
-          </a:p>
-        </p:txBody>
-      </p:sp>
-      <p:sp>
-        <p:nvSpPr>
-          <p:cNvPr id="3" name="Subtitle 2"/>
-          <p:cNvSpPr>
-            <a:spLocks noGrp="1"/>
-          </p:cNvSpPr>
-          <p:nvPr>
-            <p:ph type="subTitle" idx="1"/>
-          </p:nvPr>
-        </p:nvSpPr>
-        <p:spPr/>
-        <p:txBody>
-          <a:bodyPr/>
-          <a:lstStyle/>
-          <a:p>
-            <a:endParaRPr lang="en-US"/>
-          </a:p>
-        </p:txBody>
-      </p:sp>
-      <p:pic>
-        <p:nvPicPr>
-          <p:cNvPr id="9217" name="Picture 1"/>
-          <p:cNvPicPr>
-            <a:picLocks noChangeAspect="1" noChangeArrowheads="1"/>
-          </p:cNvPicPr>
-          <p:nvPr/>
-        </p:nvPicPr>
-        <p:blipFill>
-          <a:blip r:embed="rId2" cstate="print"/>
-          <a:srcRect/>
-          <a:stretch>
-            <a:fillRect/>
-          </a:stretch>
-        </p:blipFill>
-        <p:spPr bwMode="auto">
-          <a:xfrm>
-            <a:off x="805613" y="1813560"/>
-            <a:ext cx="7606867" cy="3261744"/>
-          </a:xfrm>
-          <a:prstGeom prst="rect">
-            <a:avLst/>
-          </a:prstGeom>
-          <a:noFill/>
-          <a:ln w="9525">
-            <a:noFill/>
-            <a:miter lim="800000"/>
-            <a:headEnd/>
-            <a:tailEnd/>
-          </a:ln>
-          <a:effectLst/>
-        </p:spPr>
-      </p:pic>
-    </p:spTree>
-  </p:cSld>
-  <p:clrMapOvr>
-    <a:masterClrMapping/>
-  </p:clrMapOvr>
-</p:sld>
-</file>
-
-<file path=ppt/slides/slide4.xml><?xml version="1.0" encoding="utf-8"?>
-<p:sld xmlns:a="http://schemas.openxmlformats.org/drawingml/2006/main" xmlns:r="http://schemas.openxmlformats.org/officeDocument/2006/relationships" xmlns:p="http://schemas.openxmlformats.org/presentationml/2006/main">
-  <p:cSld>
-    <p:spTree>
-      <p:nvGrpSpPr>
-        <p:cNvPr id="1" name=""/>
-        <p:cNvGrpSpPr/>
-        <p:nvPr/>
-      </p:nvGrpSpPr>
-      <p:grpSpPr>
-        <a:xfrm>
-          <a:off x="0" y="0"/>
-          <a:ext cx="0" cy="0"/>
-          <a:chOff x="0" y="0"/>
-          <a:chExt cx="0" cy="0"/>
-        </a:xfrm>
-      </p:grpSpPr>
-      <p:pic>
-        <p:nvPicPr>
-          <p:cNvPr id="2" name="Picture 2"/>
-          <p:cNvPicPr>
-            <a:picLocks noChangeAspect="1" noChangeArrowheads="1"/>
-          </p:cNvPicPr>
-          <p:nvPr/>
-        </p:nvPicPr>
-        <p:blipFill>
-          <a:blip r:embed="rId2" cstate="print"/>
-          <a:srcRect/>
-          <a:stretch>
-            <a:fillRect/>
-          </a:stretch>
-        </p:blipFill>
-        <p:spPr bwMode="auto">
-          <a:xfrm>
-            <a:off x="85725" y="947739"/>
-            <a:ext cx="8658225" cy="4123341"/>
-          </a:xfrm>
-          <a:prstGeom prst="rect">
-            <a:avLst/>
-          </a:prstGeom>
-          <a:noFill/>
-          <a:ln w="9525">
-            <a:noFill/>
-            <a:miter lim="800000"/>
-            <a:headEnd/>
-            <a:tailEnd/>
-          </a:ln>
-          <a:effectLst/>
-        </p:spPr>
-      </p:pic>
-    </p:spTree>
-  </p:cSld>
-  <p:clrMapOvr>
-    <a:masterClrMapping/>
-  </p:clrMapOvr>
-</p:sld>
-</file>
-
-<file path=ppt/slides/slide5.xml><?xml version="1.0" encoding="utf-8"?>
-<p:sld xmlns:a="http://schemas.openxmlformats.org/drawingml/2006/main" xmlns:r="http://schemas.openxmlformats.org/officeDocument/2006/relationships" xmlns:p="http://schemas.openxmlformats.org/presentationml/2006/main">
-  <p:cSld>
-    <p:spTree>
-      <p:nvGrpSpPr>
-        <p:cNvPr id="1" name=""/>
-        <p:cNvGrpSpPr/>
-        <p:nvPr/>
-      </p:nvGrpSpPr>
-      <p:grpSpPr>
-        <a:xfrm>
-          <a:off x="0" y="0"/>
-          <a:ext cx="0" cy="0"/>
-          <a:chOff x="0" y="0"/>
-          <a:chExt cx="0" cy="0"/>
-        </a:xfrm>
-      </p:grpSpPr>
-      <p:pic>
-        <p:nvPicPr>
-          <p:cNvPr id="3078" name="Picture 6"/>
-          <p:cNvPicPr>
-            <a:picLocks noChangeAspect="1" noChangeArrowheads="1"/>
-          </p:cNvPicPr>
-          <p:nvPr/>
-        </p:nvPicPr>
-        <p:blipFill>
-          <a:blip r:embed="rId2">
+      <p:sp>
+        <p:nvSpPr>
+          <p:cNvPr id="2" name="Rectangle 1">
             <a:extLst>
-              <a:ext uri="{28A0092B-C50C-407E-A947-70E740481C1C}">
-                <a14:useLocalDpi xmlns:a14="http://schemas.microsoft.com/office/drawing/2010/main" val="0"/>
+              <a:ext uri="{FF2B5EF4-FFF2-40B4-BE49-F238E27FC236}">
+                <a16:creationId xmlns:a16="http://schemas.microsoft.com/office/drawing/2014/main" id="{1F4324B8-A9A5-CDCB-341E-51359BE464EB}"/>
               </a:ext>
             </a:extLst>
-          </a:blip>
-          <a:srcRect/>
-          <a:stretch>
-            <a:fillRect/>
-          </a:stretch>
-        </p:blipFill>
-        <p:spPr bwMode="auto">
-          <a:xfrm>
-            <a:off x="1071563" y="2122488"/>
-            <a:ext cx="7000875" cy="2619375"/>
-          </a:xfrm>
-          <a:prstGeom prst="rect">
-            <a:avLst/>
-          </a:prstGeom>
-          <a:noFill/>
-          <a:ln>
-            <a:noFill/>
-          </a:ln>
-          <a:effectLst/>
-          <a:extLst>
-            <a:ext uri="{909E8E84-426E-40DD-AFC4-6F175D3DCCD1}">
-              <a14:hiddenFill xmlns:a14="http://schemas.microsoft.com/office/drawing/2010/main">
-                <a:solidFill>
-                  <a:schemeClr val="accent1"/>
-                </a:solidFill>
-              </a14:hiddenFill>
-            </a:ext>
-            <a:ext uri="{91240B29-F687-4F45-9708-019B960494DF}">
-              <a14:hiddenLine xmlns:a14="http://schemas.microsoft.com/office/drawing/2010/main" w="9525">
-                <a:solidFill>
-                  <a:schemeClr val="tx1"/>
-                </a:solidFill>
-                <a:miter lim="800000"/>
-                <a:headEnd/>
-                <a:tailEnd/>
-              </a14:hiddenLine>
-            </a:ext>
-            <a:ext uri="{AF507438-7753-43E0-B8FC-AC1667EBCBE1}">
-              <a14:hiddenEffects xmlns:a14="http://schemas.microsoft.com/office/drawing/2010/main">
-                <a:effectLst>
-                  <a:outerShdw dist="35921" dir="2700000" algn="ctr" rotWithShape="0">
-                    <a:schemeClr val="bg2"/>
-                  </a:outerShdw>
-                </a:effectLst>
-              </a14:hiddenEffects>
-            </a:ext>
-          </a:extLst>
-        </p:spPr>
-      </p:pic>
-    </p:spTree>
-    <p:extLst>
-      <p:ext uri="{BB962C8B-B14F-4D97-AF65-F5344CB8AC3E}">
-        <p14:creationId xmlns:p14="http://schemas.microsoft.com/office/powerpoint/2010/main" val="336179494"/>
-      </p:ext>
-    </p:extLst>
-  </p:cSld>
-  <p:clrMapOvr>
-    <a:masterClrMapping/>
-  </p:clrMapOvr>
-</p:sld>
-</file>
-
-<file path=ppt/slides/slide6.xml><?xml version="1.0" encoding="utf-8"?>
-<p:sld xmlns:a="http://schemas.openxmlformats.org/drawingml/2006/main" xmlns:r="http://schemas.openxmlformats.org/officeDocument/2006/relationships" xmlns:p="http://schemas.openxmlformats.org/presentationml/2006/main">
-  <p:cSld>
-    <p:spTree>
-      <p:nvGrpSpPr>
-        <p:cNvPr id="1" name=""/>
-        <p:cNvGrpSpPr/>
-        <p:nvPr/>
-      </p:nvGrpSpPr>
-      <p:grpSpPr>
-        <a:xfrm>
-          <a:off x="0" y="0"/>
-          <a:ext cx="0" cy="0"/>
-          <a:chOff x="0" y="0"/>
-          <a:chExt cx="0" cy="0"/>
-        </a:xfrm>
-      </p:grpSpPr>
-      <p:pic>
-        <p:nvPicPr>
-          <p:cNvPr id="2054" name="Picture 6" descr="ELECTROMAGNETIC SPECTRUM"/>
-          <p:cNvPicPr>
-            <a:picLocks noChangeAspect="1" noChangeArrowheads="1"/>
-          </p:cNvPicPr>
-          <p:nvPr/>
-        </p:nvPicPr>
-        <p:blipFill>
-          <a:blip r:embed="rId2">
-            <a:extLst>
-              <a:ext uri="{28A0092B-C50C-407E-A947-70E740481C1C}">
-                <a14:useLocalDpi xmlns:a14="http://schemas.microsoft.com/office/drawing/2010/main" val="0"/>
-              </a:ext>
-            </a:extLst>
-          </a:blip>
-          <a:srcRect/>
-          <a:stretch>
-            <a:fillRect/>
-          </a:stretch>
-        </p:blipFill>
-        <p:spPr bwMode="auto">
-          <a:xfrm>
-            <a:off x="2026557" y="1351189"/>
-            <a:ext cx="5143500" cy="609600"/>
-          </a:xfrm>
-          <a:prstGeom prst="rect">
-            <a:avLst/>
-          </a:prstGeom>
-          <a:noFill/>
-          <a:extLst>
-            <a:ext uri="{909E8E84-426E-40DD-AFC4-6F175D3DCCD1}">
-              <a14:hiddenFill xmlns:a14="http://schemas.microsoft.com/office/drawing/2010/main">
-                <a:solidFill>
-                  <a:srgbClr val="FFFFFF"/>
-                </a:solidFill>
-              </a14:hiddenFill>
-            </a:ext>
-          </a:extLst>
-        </p:spPr>
-      </p:pic>
-      <p:pic>
-        <p:nvPicPr>
-          <p:cNvPr id="2058" name="Picture 10" descr="Figure 4. Terrestrial microwave window. Atmospheric water vapor and oxygen degrade the upper end of the microwave window for receivers on Earth's surface and raise the temperature in the lower portion of the window."/>
-          <p:cNvPicPr>
-            <a:picLocks noChangeAspect="1" noChangeArrowheads="1"/>
-          </p:cNvPicPr>
-          <p:nvPr/>
-        </p:nvPicPr>
-        <p:blipFill>
-          <a:blip r:embed="rId3">
-            <a:extLst>
-              <a:ext uri="{28A0092B-C50C-407E-A947-70E740481C1C}">
-                <a14:useLocalDpi xmlns:a14="http://schemas.microsoft.com/office/drawing/2010/main" val="0"/>
-              </a:ext>
-            </a:extLst>
-          </a:blip>
-          <a:srcRect/>
-          <a:stretch>
-            <a:fillRect/>
-          </a:stretch>
-        </p:blipFill>
-        <p:spPr bwMode="auto">
-          <a:xfrm>
-            <a:off x="561975" y="539977"/>
-            <a:ext cx="7115175" cy="5267326"/>
-          </a:xfrm>
-          <a:prstGeom prst="rect">
-            <a:avLst/>
-          </a:prstGeom>
-          <a:noFill/>
-          <a:extLst>
-            <a:ext uri="{909E8E84-426E-40DD-AFC4-6F175D3DCCD1}">
-              <a14:hiddenFill xmlns:a14="http://schemas.microsoft.com/office/drawing/2010/main">
-                <a:solidFill>
-                  <a:srgbClr val="FFFFFF"/>
-                </a:solidFill>
-              </a14:hiddenFill>
-            </a:ext>
-          </a:extLst>
-        </p:spPr>
-      </p:pic>
-      <p:sp>
-        <p:nvSpPr>
-          <p:cNvPr id="3" name="Rectangle 2"/>
+          </p:cNvPr>
           <p:cNvSpPr/>
           <p:nvPr/>
         </p:nvSpPr>
         <p:spPr>
           <a:xfrm>
-            <a:off x="2470718" y="5987534"/>
-            <a:ext cx="4202561" cy="369332"/>
-          </a:xfrm>
-          <a:prstGeom prst="rect">
-            <a:avLst/>
-          </a:prstGeom>
-        </p:spPr>
-        <p:txBody>
-          <a:bodyPr wrap="none">
-            <a:spAutoFit/>
-          </a:bodyPr>
-          <a:lstStyle/>
-          <a:p>
-            <a:r>
-              <a:rPr lang="en-US" dirty="0"/>
-              <a:t>http://history.nasa.gov/CP-2156/p359.htm</a:t>
-            </a:r>
-          </a:p>
-        </p:txBody>
-      </p:sp>
-    </p:spTree>
-    <p:extLst>
-      <p:ext uri="{BB962C8B-B14F-4D97-AF65-F5344CB8AC3E}">
-        <p14:creationId xmlns:p14="http://schemas.microsoft.com/office/powerpoint/2010/main" val="1911873817"/>
-      </p:ext>
-    </p:extLst>
-  </p:cSld>
-  <p:clrMapOvr>
-    <a:masterClrMapping/>
-  </p:clrMapOvr>
-</p:sld>
-</file>
-
-<file path=ppt/slides/slide7.xml><?xml version="1.0" encoding="utf-8"?>
-<p:sld xmlns:a="http://schemas.openxmlformats.org/drawingml/2006/main" xmlns:r="http://schemas.openxmlformats.org/officeDocument/2006/relationships" xmlns:p="http://schemas.openxmlformats.org/presentationml/2006/main">
-  <p:cSld>
-    <p:spTree>
-      <p:nvGrpSpPr>
-        <p:cNvPr id="1" name=""/>
-        <p:cNvGrpSpPr/>
-        <p:nvPr/>
-      </p:nvGrpSpPr>
-      <p:grpSpPr>
-        <a:xfrm>
-          <a:off x="0" y="0"/>
-          <a:ext cx="0" cy="0"/>
-          <a:chOff x="0" y="0"/>
-          <a:chExt cx="0" cy="0"/>
-        </a:xfrm>
-      </p:grpSpPr>
-      <p:sp>
-        <p:nvSpPr>
-          <p:cNvPr id="4" name="Rectangle 3"/>
-          <p:cNvSpPr/>
-          <p:nvPr/>
-        </p:nvSpPr>
-        <p:spPr>
-          <a:xfrm>
-            <a:off x="1569720" y="1737360"/>
+            <a:off x="2333290" y="3918723"/>
             <a:ext cx="6522720" cy="1066800"/>
           </a:xfrm>
           <a:prstGeom prst="rect">
@@ -11718,13 +11894,19 @@
       </p:sp>
       <p:sp>
         <p:nvSpPr>
-          <p:cNvPr id="27" name="Rectangle 26"/>
+          <p:cNvPr id="3" name="Rectangle 2">
+            <a:extLst>
+              <a:ext uri="{FF2B5EF4-FFF2-40B4-BE49-F238E27FC236}">
+                <a16:creationId xmlns:a16="http://schemas.microsoft.com/office/drawing/2014/main" id="{EF46662D-0CE2-0680-7849-A3231BFC1CCD}"/>
+              </a:ext>
+            </a:extLst>
+          </p:cNvPr>
           <p:cNvSpPr/>
           <p:nvPr/>
         </p:nvSpPr>
         <p:spPr>
           <a:xfrm>
-            <a:off x="1539240" y="1798320"/>
+            <a:off x="2302810" y="3979683"/>
             <a:ext cx="6583680" cy="944880"/>
           </a:xfrm>
           <a:prstGeom prst="rect">
@@ -11765,103 +11947,29 @@
           </a:p>
         </p:txBody>
       </p:sp>
-      <p:pic>
-        <p:nvPicPr>
-          <p:cNvPr id="23554" name="Picture 2"/>
-          <p:cNvPicPr>
-            <a:picLocks noChangeAspect="1" noChangeArrowheads="1"/>
-          </p:cNvPicPr>
-          <p:nvPr/>
-        </p:nvPicPr>
-        <p:blipFill>
-          <a:blip r:embed="rId3" cstate="print"/>
-          <a:srcRect/>
-          <a:stretch>
-            <a:fillRect/>
-          </a:stretch>
-        </p:blipFill>
-        <p:spPr bwMode="auto">
-          <a:xfrm>
-            <a:off x="2846070" y="3767138"/>
-            <a:ext cx="3238500" cy="2676525"/>
-          </a:xfrm>
-          <a:prstGeom prst="rect">
-            <a:avLst/>
-          </a:prstGeom>
-          <a:noFill/>
-          <a:ln w="9525">
-            <a:noFill/>
-            <a:miter lim="800000"/>
-            <a:headEnd/>
-            <a:tailEnd/>
-          </a:ln>
-        </p:spPr>
-      </p:pic>
-      <p:sp>
-        <p:nvSpPr>
-          <p:cNvPr id="5" name="Rectangle 4"/>
-          <p:cNvSpPr/>
-          <p:nvPr/>
-        </p:nvSpPr>
-        <p:spPr>
-          <a:xfrm>
-            <a:off x="4221480" y="3886200"/>
-            <a:ext cx="213360" cy="137160"/>
-          </a:xfrm>
-          <a:prstGeom prst="rect">
-            <a:avLst/>
-          </a:prstGeom>
-          <a:noFill/>
-          <a:ln w="9525">
-            <a:solidFill>
-              <a:schemeClr val="tx1"/>
-            </a:solidFill>
-          </a:ln>
-        </p:spPr>
-        <p:style>
-          <a:lnRef idx="2">
-            <a:schemeClr val="accent1">
-              <a:shade val="50000"/>
-            </a:schemeClr>
-          </a:lnRef>
-          <a:fillRef idx="1">
-            <a:schemeClr val="accent1"/>
-          </a:fillRef>
-          <a:effectRef idx="0">
-            <a:schemeClr val="accent1"/>
-          </a:effectRef>
-          <a:fontRef idx="minor">
-            <a:schemeClr val="lt1"/>
-          </a:fontRef>
-        </p:style>
-        <p:txBody>
-          <a:bodyPr rtlCol="0" anchor="ctr"/>
-          <a:lstStyle/>
-          <a:p>
-            <a:pPr algn="ctr"/>
-            <a:endParaRPr lang="en-US"/>
-          </a:p>
-        </p:txBody>
-      </p:sp>
       <p:cxnSp>
         <p:nvCxnSpPr>
-          <p:cNvPr id="7" name="Straight Connector 6"/>
-          <p:cNvCxnSpPr>
-            <a:stCxn id="5" idx="1"/>
-          </p:cNvCxnSpPr>
+          <p:cNvPr id="4" name="Straight Connector 3">
+            <a:extLst>
+              <a:ext uri="{FF2B5EF4-FFF2-40B4-BE49-F238E27FC236}">
+                <a16:creationId xmlns:a16="http://schemas.microsoft.com/office/drawing/2014/main" id="{FB319D1A-186B-0716-CD09-BAABBBD5AD77}"/>
+              </a:ext>
+            </a:extLst>
+          </p:cNvPr>
+          <p:cNvCxnSpPr/>
           <p:nvPr/>
         </p:nvCxnSpPr>
         <p:spPr>
-          <a:xfrm flipH="1" flipV="1">
-            <a:off x="1463040" y="3230880"/>
-            <a:ext cx="2758440" cy="723900"/>
+          <a:xfrm>
+            <a:off x="3567730" y="2790963"/>
+            <a:ext cx="899160" cy="1112520"/>
           </a:xfrm>
           <a:prstGeom prst="line">
             <a:avLst/>
           </a:prstGeom>
-          <a:ln>
+          <a:ln w="38100">
             <a:solidFill>
-              <a:schemeClr val="tx1"/>
+              <a:srgbClr val="FF0000"/>
             </a:solidFill>
           </a:ln>
         </p:spPr>
@@ -11882,23 +11990,27 @@
       </p:cxnSp>
       <p:cxnSp>
         <p:nvCxnSpPr>
-          <p:cNvPr id="9" name="Straight Connector 8"/>
-          <p:cNvCxnSpPr>
-            <a:stCxn id="5" idx="3"/>
-          </p:cNvCxnSpPr>
+          <p:cNvPr id="5" name="Straight Connector 4">
+            <a:extLst>
+              <a:ext uri="{FF2B5EF4-FFF2-40B4-BE49-F238E27FC236}">
+                <a16:creationId xmlns:a16="http://schemas.microsoft.com/office/drawing/2014/main" id="{55FC132C-9A42-4D70-6E59-67E141DB86E4}"/>
+              </a:ext>
+            </a:extLst>
+          </p:cNvPr>
+          <p:cNvCxnSpPr/>
           <p:nvPr/>
         </p:nvCxnSpPr>
         <p:spPr>
-          <a:xfrm flipV="1">
-            <a:off x="4434840" y="3246120"/>
-            <a:ext cx="3703320" cy="708660"/>
+          <a:xfrm>
+            <a:off x="4497370" y="3918723"/>
+            <a:ext cx="182880" cy="1036320"/>
           </a:xfrm>
           <a:prstGeom prst="line">
             <a:avLst/>
           </a:prstGeom>
-          <a:ln>
+          <a:ln w="38100">
             <a:solidFill>
-              <a:schemeClr val="tx1"/>
+              <a:srgbClr val="FF0000"/>
             </a:solidFill>
           </a:ln>
         </p:spPr>
@@ -11919,13 +12031,19 @@
       </p:cxnSp>
       <p:cxnSp>
         <p:nvCxnSpPr>
-          <p:cNvPr id="13" name="Straight Connector 12"/>
+          <p:cNvPr id="6" name="Straight Connector 5">
+            <a:extLst>
+              <a:ext uri="{FF2B5EF4-FFF2-40B4-BE49-F238E27FC236}">
+                <a16:creationId xmlns:a16="http://schemas.microsoft.com/office/drawing/2014/main" id="{8970DA6C-D52C-457C-9A41-E182D7B39642}"/>
+              </a:ext>
+            </a:extLst>
+          </p:cNvPr>
           <p:cNvCxnSpPr/>
           <p:nvPr/>
         </p:nvCxnSpPr>
         <p:spPr>
-          <a:xfrm>
-            <a:off x="2804160" y="609600"/>
+          <a:xfrm flipH="1">
+            <a:off x="4512610" y="2806203"/>
             <a:ext cx="899160" cy="1112520"/>
           </a:xfrm>
           <a:prstGeom prst="line">
@@ -11954,14 +12072,20 @@
       </p:cxnSp>
       <p:cxnSp>
         <p:nvCxnSpPr>
-          <p:cNvPr id="14" name="Straight Connector 13"/>
+          <p:cNvPr id="7" name="Straight Connector 6">
+            <a:extLst>
+              <a:ext uri="{FF2B5EF4-FFF2-40B4-BE49-F238E27FC236}">
+                <a16:creationId xmlns:a16="http://schemas.microsoft.com/office/drawing/2014/main" id="{1D5A5FD0-5A7D-EC78-01D7-79B65620A537}"/>
+              </a:ext>
+            </a:extLst>
+          </p:cNvPr>
           <p:cNvCxnSpPr/>
           <p:nvPr/>
         </p:nvCxnSpPr>
         <p:spPr>
-          <a:xfrm>
-            <a:off x="3733800" y="1737360"/>
-            <a:ext cx="182880" cy="1036320"/>
+          <a:xfrm flipH="1">
+            <a:off x="4908850" y="2806203"/>
+            <a:ext cx="899160" cy="1112520"/>
           </a:xfrm>
           <a:prstGeom prst="line">
             <a:avLst/>
@@ -11989,14 +12113,20 @@
       </p:cxnSp>
       <p:cxnSp>
         <p:nvCxnSpPr>
-          <p:cNvPr id="23" name="Straight Connector 22"/>
+          <p:cNvPr id="8" name="Straight Connector 7">
+            <a:extLst>
+              <a:ext uri="{FF2B5EF4-FFF2-40B4-BE49-F238E27FC236}">
+                <a16:creationId xmlns:a16="http://schemas.microsoft.com/office/drawing/2014/main" id="{A01A3ED3-4964-A9A9-C234-14EE6DFE8D1C}"/>
+              </a:ext>
+            </a:extLst>
+          </p:cNvPr>
           <p:cNvCxnSpPr/>
           <p:nvPr/>
         </p:nvCxnSpPr>
         <p:spPr>
           <a:xfrm flipH="1">
-            <a:off x="3749040" y="624840"/>
-            <a:ext cx="899160" cy="1112520"/>
+            <a:off x="4710730" y="3933963"/>
+            <a:ext cx="182880" cy="1036320"/>
           </a:xfrm>
           <a:prstGeom prst="line">
             <a:avLst/>
@@ -12022,85 +12152,21 @@
           </a:fontRef>
         </p:style>
       </p:cxnSp>
-      <p:cxnSp>
-        <p:nvCxnSpPr>
-          <p:cNvPr id="24" name="Straight Connector 23"/>
-          <p:cNvCxnSpPr/>
-          <p:nvPr/>
-        </p:nvCxnSpPr>
-        <p:spPr>
-          <a:xfrm flipH="1">
-            <a:off x="4145280" y="624840"/>
-            <a:ext cx="899160" cy="1112520"/>
-          </a:xfrm>
-          <a:prstGeom prst="line">
-            <a:avLst/>
-          </a:prstGeom>
-          <a:ln w="38100">
-            <a:solidFill>
-              <a:srgbClr val="FF0000"/>
-            </a:solidFill>
-          </a:ln>
-        </p:spPr>
-        <p:style>
-          <a:lnRef idx="1">
-            <a:schemeClr val="accent1"/>
-          </a:lnRef>
-          <a:fillRef idx="0">
-            <a:schemeClr val="accent1"/>
-          </a:fillRef>
-          <a:effectRef idx="0">
-            <a:schemeClr val="accent1"/>
-          </a:effectRef>
-          <a:fontRef idx="minor">
-            <a:schemeClr val="tx1"/>
-          </a:fontRef>
-        </p:style>
-      </p:cxnSp>
-      <p:cxnSp>
-        <p:nvCxnSpPr>
-          <p:cNvPr id="25" name="Straight Connector 24"/>
-          <p:cNvCxnSpPr/>
-          <p:nvPr/>
-        </p:nvCxnSpPr>
-        <p:spPr>
-          <a:xfrm flipH="1">
-            <a:off x="3947160" y="1752600"/>
-            <a:ext cx="182880" cy="1036320"/>
-          </a:xfrm>
-          <a:prstGeom prst="line">
-            <a:avLst/>
-          </a:prstGeom>
-          <a:ln w="38100">
-            <a:solidFill>
-              <a:srgbClr val="FF0000"/>
-            </a:solidFill>
-          </a:ln>
-        </p:spPr>
-        <p:style>
-          <a:lnRef idx="1">
-            <a:schemeClr val="accent1"/>
-          </a:lnRef>
-          <a:fillRef idx="0">
-            <a:schemeClr val="accent1"/>
-          </a:fillRef>
-          <a:effectRef idx="0">
-            <a:schemeClr val="accent1"/>
-          </a:effectRef>
-          <a:fontRef idx="minor">
-            <a:schemeClr val="tx1"/>
-          </a:fontRef>
-        </p:style>
-      </p:cxnSp>
-      <p:sp>
-        <p:nvSpPr>
-          <p:cNvPr id="26" name="Isosceles Triangle 25"/>
+      <p:sp>
+        <p:nvSpPr>
+          <p:cNvPr id="9" name="Isosceles Triangle 8">
+            <a:extLst>
+              <a:ext uri="{FF2B5EF4-FFF2-40B4-BE49-F238E27FC236}">
+                <a16:creationId xmlns:a16="http://schemas.microsoft.com/office/drawing/2014/main" id="{35E5A4D1-C3E0-16B0-9E39-71335F473E21}"/>
+              </a:ext>
+            </a:extLst>
+          </p:cNvPr>
           <p:cNvSpPr/>
           <p:nvPr/>
         </p:nvSpPr>
         <p:spPr>
           <a:xfrm rot="8363335">
-            <a:off x="3098960" y="972502"/>
+            <a:off x="3862530" y="3153865"/>
             <a:ext cx="198120" cy="243840"/>
           </a:xfrm>
           <a:prstGeom prst="triangle">
@@ -12140,13 +12206,19 @@
       </p:sp>
       <p:sp>
         <p:nvSpPr>
-          <p:cNvPr id="28" name="Isosceles Triangle 27"/>
+          <p:cNvPr id="10" name="Isosceles Triangle 9">
+            <a:extLst>
+              <a:ext uri="{FF2B5EF4-FFF2-40B4-BE49-F238E27FC236}">
+                <a16:creationId xmlns:a16="http://schemas.microsoft.com/office/drawing/2014/main" id="{C563C9EC-86EE-5C22-EA69-2C6D4D341C83}"/>
+              </a:ext>
+            </a:extLst>
+          </p:cNvPr>
           <p:cNvSpPr/>
           <p:nvPr/>
         </p:nvSpPr>
         <p:spPr>
           <a:xfrm rot="2276016">
-            <a:off x="4237195" y="893921"/>
+            <a:off x="5000765" y="3075284"/>
             <a:ext cx="198120" cy="243840"/>
           </a:xfrm>
           <a:prstGeom prst="triangle">
@@ -12186,13 +12258,19 @@
       </p:sp>
       <p:sp>
         <p:nvSpPr>
-          <p:cNvPr id="29" name="Isosceles Triangle 28"/>
+          <p:cNvPr id="11" name="Isosceles Triangle 10">
+            <a:extLst>
+              <a:ext uri="{FF2B5EF4-FFF2-40B4-BE49-F238E27FC236}">
+                <a16:creationId xmlns:a16="http://schemas.microsoft.com/office/drawing/2014/main" id="{E9BBEF73-FD3E-B319-45D5-EC6DE9E25111}"/>
+              </a:ext>
+            </a:extLst>
+          </p:cNvPr>
           <p:cNvSpPr/>
           <p:nvPr/>
         </p:nvSpPr>
         <p:spPr>
           <a:xfrm rot="2276016">
-            <a:off x="4477702" y="1086801"/>
+            <a:off x="5241272" y="3268164"/>
             <a:ext cx="198120" cy="243840"/>
           </a:xfrm>
           <a:prstGeom prst="triangle">
@@ -12232,13 +12310,19 @@
       </p:sp>
       <p:sp>
         <p:nvSpPr>
-          <p:cNvPr id="32" name="Freeform 31"/>
+          <p:cNvPr id="12" name="Freeform 31">
+            <a:extLst>
+              <a:ext uri="{FF2B5EF4-FFF2-40B4-BE49-F238E27FC236}">
+                <a16:creationId xmlns:a16="http://schemas.microsoft.com/office/drawing/2014/main" id="{E53AA2BA-542C-3915-968B-BFD115806643}"/>
+              </a:ext>
+            </a:extLst>
+          </p:cNvPr>
           <p:cNvSpPr/>
           <p:nvPr/>
         </p:nvSpPr>
         <p:spPr>
           <a:xfrm>
-            <a:off x="7772400" y="1600200"/>
+            <a:off x="8535970" y="3781563"/>
             <a:ext cx="411480" cy="1249680"/>
           </a:xfrm>
           <a:custGeom>
@@ -12369,13 +12453,19 @@
       </p:sp>
       <p:sp>
         <p:nvSpPr>
-          <p:cNvPr id="34" name="Freeform 33"/>
+          <p:cNvPr id="13" name="Freeform 33">
+            <a:extLst>
+              <a:ext uri="{FF2B5EF4-FFF2-40B4-BE49-F238E27FC236}">
+                <a16:creationId xmlns:a16="http://schemas.microsoft.com/office/drawing/2014/main" id="{FF67FEAA-8126-3A12-2DC9-C084443BDB26}"/>
+              </a:ext>
+            </a:extLst>
+          </p:cNvPr>
           <p:cNvSpPr/>
           <p:nvPr/>
         </p:nvSpPr>
         <p:spPr>
           <a:xfrm flipH="1">
-            <a:off x="1371600" y="1493520"/>
+            <a:off x="2135170" y="3674883"/>
             <a:ext cx="411480" cy="1249680"/>
           </a:xfrm>
           <a:custGeom>
@@ -12506,13 +12596,19 @@
       </p:sp>
       <p:sp>
         <p:nvSpPr>
-          <p:cNvPr id="41" name="Rectangle 40"/>
+          <p:cNvPr id="14" name="Rectangle 13">
+            <a:extLst>
+              <a:ext uri="{FF2B5EF4-FFF2-40B4-BE49-F238E27FC236}">
+                <a16:creationId xmlns:a16="http://schemas.microsoft.com/office/drawing/2014/main" id="{0328BD9D-5F02-B55F-04CA-9D7E93A73CC6}"/>
+              </a:ext>
+            </a:extLst>
+          </p:cNvPr>
           <p:cNvSpPr/>
           <p:nvPr/>
         </p:nvSpPr>
         <p:spPr>
           <a:xfrm>
-            <a:off x="1463040" y="411480"/>
+            <a:off x="2226610" y="2592843"/>
             <a:ext cx="6690360" cy="2834640"/>
           </a:xfrm>
           <a:prstGeom prst="rect">
@@ -12552,14 +12648,20 @@
       </p:sp>
       <p:sp>
         <p:nvSpPr>
-          <p:cNvPr id="45" name="TextBox 44"/>
+          <p:cNvPr id="17" name="TextBox 16">
+            <a:extLst>
+              <a:ext uri="{FF2B5EF4-FFF2-40B4-BE49-F238E27FC236}">
+                <a16:creationId xmlns:a16="http://schemas.microsoft.com/office/drawing/2014/main" id="{E2308786-56B6-4C23-8DCF-5A1CB6A5ABBA}"/>
+              </a:ext>
+            </a:extLst>
+          </p:cNvPr>
           <p:cNvSpPr txBox="1"/>
           <p:nvPr/>
         </p:nvSpPr>
         <p:spPr>
           <a:xfrm>
-            <a:off x="3383280" y="411480"/>
-            <a:ext cx="1221809" cy="369332"/>
+            <a:off x="7850170" y="3309123"/>
+            <a:ext cx="538930" cy="369332"/>
           </a:xfrm>
           <a:prstGeom prst="rect">
             <a:avLst/>
@@ -12574,21 +12676,27 @@
           <a:p>
             <a:r>
               <a:rPr lang="en-US" dirty="0"/>
-              <a:t>Phase Shift</a:t>
+              <a:t>n=1</a:t>
             </a:r>
           </a:p>
         </p:txBody>
       </p:sp>
       <p:sp>
         <p:nvSpPr>
-          <p:cNvPr id="46" name="TextBox 45"/>
+          <p:cNvPr id="18" name="TextBox 17">
+            <a:extLst>
+              <a:ext uri="{FF2B5EF4-FFF2-40B4-BE49-F238E27FC236}">
+                <a16:creationId xmlns:a16="http://schemas.microsoft.com/office/drawing/2014/main" id="{AC217DE3-2CA1-AE6D-3113-4F24A03B9DE2}"/>
+              </a:ext>
+            </a:extLst>
+          </p:cNvPr>
           <p:cNvSpPr txBox="1"/>
           <p:nvPr/>
         </p:nvSpPr>
         <p:spPr>
           <a:xfrm>
-            <a:off x="4937760" y="853440"/>
-            <a:ext cx="1545616" cy="369332"/>
+            <a:off x="7850170" y="5000763"/>
+            <a:ext cx="538930" cy="369332"/>
           </a:xfrm>
           <a:prstGeom prst="rect">
             <a:avLst/>
@@ -12603,20 +12711,26 @@
           <a:p>
             <a:r>
               <a:rPr lang="en-US" dirty="0"/>
-              <a:t>No Phase Shift</a:t>
+              <a:t>n=1</a:t>
             </a:r>
           </a:p>
         </p:txBody>
       </p:sp>
       <p:sp>
         <p:nvSpPr>
-          <p:cNvPr id="47" name="TextBox 46"/>
+          <p:cNvPr id="19" name="TextBox 18">
+            <a:extLst>
+              <a:ext uri="{FF2B5EF4-FFF2-40B4-BE49-F238E27FC236}">
+                <a16:creationId xmlns:a16="http://schemas.microsoft.com/office/drawing/2014/main" id="{F6AB67CE-0EEB-27CC-D300-1736C84A58C6}"/>
+              </a:ext>
+            </a:extLst>
+          </p:cNvPr>
           <p:cNvSpPr txBox="1"/>
           <p:nvPr/>
         </p:nvSpPr>
         <p:spPr>
           <a:xfrm>
-            <a:off x="7086600" y="1127760"/>
+            <a:off x="7850170" y="4254003"/>
             <a:ext cx="538930" cy="369332"/>
           </a:xfrm>
           <a:prstGeom prst="rect">
@@ -12632,21 +12746,179 @@
           <a:p>
             <a:r>
               <a:rPr lang="en-US" dirty="0"/>
-              <a:t>n=1</a:t>
+              <a:t>n&gt;1</a:t>
             </a:r>
           </a:p>
         </p:txBody>
       </p:sp>
       <p:sp>
         <p:nvSpPr>
-          <p:cNvPr id="48" name="TextBox 47"/>
+          <p:cNvPr id="20" name="Oval 19">
+            <a:extLst>
+              <a:ext uri="{FF2B5EF4-FFF2-40B4-BE49-F238E27FC236}">
+                <a16:creationId xmlns:a16="http://schemas.microsoft.com/office/drawing/2014/main" id="{AE846F05-D29A-FD09-BD2B-C50C1DBFB555}"/>
+              </a:ext>
+            </a:extLst>
+          </p:cNvPr>
+          <p:cNvSpPr/>
+          <p:nvPr/>
+        </p:nvSpPr>
+        <p:spPr>
+          <a:xfrm>
+            <a:off x="4810575" y="2784363"/>
+            <a:ext cx="329938" cy="298204"/>
+          </a:xfrm>
+          <a:prstGeom prst="ellipse">
+            <a:avLst/>
+          </a:prstGeom>
+          <a:solidFill>
+            <a:schemeClr val="bg1"/>
+          </a:solidFill>
+        </p:spPr>
+        <p:style>
+          <a:lnRef idx="2">
+            <a:schemeClr val="accent1">
+              <a:shade val="15000"/>
+            </a:schemeClr>
+          </a:lnRef>
+          <a:fillRef idx="1">
+            <a:schemeClr val="accent1"/>
+          </a:fillRef>
+          <a:effectRef idx="0">
+            <a:schemeClr val="accent1"/>
+          </a:effectRef>
+          <a:fontRef idx="minor">
+            <a:schemeClr val="lt1"/>
+          </a:fontRef>
+        </p:style>
+        <p:txBody>
+          <a:bodyPr rtlCol="0" anchor="ctr"/>
+          <a:lstStyle/>
+          <a:p>
+            <a:pPr algn="ctr"/>
+            <a:r>
+              <a:rPr lang="en-US" dirty="0">
+                <a:solidFill>
+                  <a:schemeClr val="tx1"/>
+                </a:solidFill>
+              </a:rPr>
+              <a:t>1</a:t>
+            </a:r>
+          </a:p>
+        </p:txBody>
+      </p:sp>
+      <p:sp>
+        <p:nvSpPr>
+          <p:cNvPr id="21" name="Oval 20">
+            <a:extLst>
+              <a:ext uri="{FF2B5EF4-FFF2-40B4-BE49-F238E27FC236}">
+                <a16:creationId xmlns:a16="http://schemas.microsoft.com/office/drawing/2014/main" id="{F18FA4BC-3C9E-6C1B-7661-2CA70C63D03D}"/>
+              </a:ext>
+            </a:extLst>
+          </p:cNvPr>
+          <p:cNvSpPr/>
+          <p:nvPr/>
+        </p:nvSpPr>
+        <p:spPr>
+          <a:xfrm>
+            <a:off x="5618295" y="3131901"/>
+            <a:ext cx="329938" cy="298204"/>
+          </a:xfrm>
+          <a:prstGeom prst="ellipse">
+            <a:avLst/>
+          </a:prstGeom>
+          <a:solidFill>
+            <a:schemeClr val="bg1"/>
+          </a:solidFill>
+        </p:spPr>
+        <p:style>
+          <a:lnRef idx="2">
+            <a:schemeClr val="accent1">
+              <a:shade val="15000"/>
+            </a:schemeClr>
+          </a:lnRef>
+          <a:fillRef idx="1">
+            <a:schemeClr val="accent1"/>
+          </a:fillRef>
+          <a:effectRef idx="0">
+            <a:schemeClr val="accent1"/>
+          </a:effectRef>
+          <a:fontRef idx="minor">
+            <a:schemeClr val="lt1"/>
+          </a:fontRef>
+        </p:style>
+        <p:txBody>
+          <a:bodyPr rtlCol="0" anchor="ctr"/>
+          <a:lstStyle/>
+          <a:p>
+            <a:pPr algn="ctr"/>
+            <a:r>
+              <a:rPr lang="en-US" dirty="0">
+                <a:solidFill>
+                  <a:schemeClr val="tx1"/>
+                </a:solidFill>
+              </a:rPr>
+              <a:t>2</a:t>
+            </a:r>
+          </a:p>
+        </p:txBody>
+      </p:sp>
+      <p:cxnSp>
+        <p:nvCxnSpPr>
+          <p:cNvPr id="23" name="Straight Arrow Connector 22">
+            <a:extLst>
+              <a:ext uri="{FF2B5EF4-FFF2-40B4-BE49-F238E27FC236}">
+                <a16:creationId xmlns:a16="http://schemas.microsoft.com/office/drawing/2014/main" id="{60786079-B6D4-04AA-E994-42293A34DCE5}"/>
+              </a:ext>
+            </a:extLst>
+          </p:cNvPr>
+          <p:cNvCxnSpPr/>
+          <p:nvPr/>
+        </p:nvCxnSpPr>
+        <p:spPr>
+          <a:xfrm>
+            <a:off x="6806153" y="3979683"/>
+            <a:ext cx="0" cy="944880"/>
+          </a:xfrm>
+          <a:prstGeom prst="straightConnector1">
+            <a:avLst/>
+          </a:prstGeom>
+          <a:ln>
+            <a:headEnd type="triangle"/>
+            <a:tailEnd type="triangle"/>
+          </a:ln>
+        </p:spPr>
+        <p:style>
+          <a:lnRef idx="1">
+            <a:schemeClr val="accent1"/>
+          </a:lnRef>
+          <a:fillRef idx="0">
+            <a:schemeClr val="accent1"/>
+          </a:fillRef>
+          <a:effectRef idx="0">
+            <a:schemeClr val="accent1"/>
+          </a:effectRef>
+          <a:fontRef idx="minor">
+            <a:schemeClr val="tx1"/>
+          </a:fontRef>
+        </p:style>
+      </p:cxnSp>
+      <p:sp>
+        <p:nvSpPr>
+          <p:cNvPr id="24" name="TextBox 23">
+            <a:extLst>
+              <a:ext uri="{FF2B5EF4-FFF2-40B4-BE49-F238E27FC236}">
+                <a16:creationId xmlns:a16="http://schemas.microsoft.com/office/drawing/2014/main" id="{F9F3C58B-CC7B-7F19-AFF8-B0E429E159BC}"/>
+              </a:ext>
+            </a:extLst>
+          </p:cNvPr>
           <p:cNvSpPr txBox="1"/>
           <p:nvPr/>
         </p:nvSpPr>
         <p:spPr>
           <a:xfrm>
-            <a:off x="7086600" y="2819400"/>
-            <a:ext cx="538930" cy="369332"/>
+            <a:off x="6796080" y="4299723"/>
+            <a:ext cx="261610" cy="369332"/>
           </a:xfrm>
           <a:prstGeom prst="rect">
             <a:avLst/>
@@ -12661,41 +12933,525 @@
           <a:p>
             <a:r>
               <a:rPr lang="en-US" dirty="0"/>
-              <a:t>n=1</a:t>
+              <a:t>t</a:t>
             </a:r>
           </a:p>
         </p:txBody>
       </p:sp>
-      <p:sp>
-        <p:nvSpPr>
-          <p:cNvPr id="49" name="TextBox 48"/>
-          <p:cNvSpPr txBox="1"/>
+    </p:spTree>
+    <p:extLst>
+      <p:ext uri="{BB962C8B-B14F-4D97-AF65-F5344CB8AC3E}">
+        <p14:creationId xmlns:p14="http://schemas.microsoft.com/office/powerpoint/2010/main" val="1980085038"/>
+      </p:ext>
+    </p:extLst>
+  </p:cSld>
+  <p:clrMapOvr>
+    <a:masterClrMapping/>
+  </p:clrMapOvr>
+</p:sld>
+</file>
+
+<file path=ppt/slides/slide20.xml><?xml version="1.0" encoding="utf-8"?>
+<p:sld xmlns:a="http://schemas.openxmlformats.org/drawingml/2006/main" xmlns:r="http://schemas.openxmlformats.org/officeDocument/2006/relationships" xmlns:p="http://schemas.openxmlformats.org/presentationml/2006/main">
+  <p:cSld>
+    <p:spTree>
+      <p:nvGrpSpPr>
+        <p:cNvPr id="1" name=""/>
+        <p:cNvGrpSpPr/>
+        <p:nvPr/>
+      </p:nvGrpSpPr>
+      <p:grpSpPr>
+        <a:xfrm>
+          <a:off x="0" y="0"/>
+          <a:ext cx="0" cy="0"/>
+          <a:chOff x="0" y="0"/>
+          <a:chExt cx="0" cy="0"/>
+        </a:xfrm>
+      </p:grpSpPr>
+      <p:pic>
+        <p:nvPicPr>
+          <p:cNvPr id="18434" name="Picture 3"/>
+          <p:cNvPicPr>
+            <a:picLocks noChangeAspect="1" noChangeArrowheads="1"/>
+          </p:cNvPicPr>
           <p:nvPr/>
-        </p:nvSpPr>
-        <p:spPr>
+        </p:nvPicPr>
+        <p:blipFill>
+          <a:blip r:embed="rId3" cstate="print"/>
+          <a:srcRect/>
+          <a:stretch>
+            <a:fillRect/>
+          </a:stretch>
+        </p:blipFill>
+        <p:spPr bwMode="auto">
           <a:xfrm>
-            <a:off x="7086600" y="2072640"/>
-            <a:ext cx="538930" cy="369332"/>
+            <a:off x="371475" y="1524000"/>
+            <a:ext cx="8459788" cy="3948113"/>
           </a:xfrm>
           <a:prstGeom prst="rect">
             <a:avLst/>
           </a:prstGeom>
           <a:noFill/>
-        </p:spPr>
-        <p:txBody>
-          <a:bodyPr wrap="none" rtlCol="0">
+          <a:ln w="9525" algn="ctr">
+            <a:noFill/>
+            <a:miter lim="800000"/>
+            <a:headEnd/>
+            <a:tailEnd/>
+          </a:ln>
+        </p:spPr>
+      </p:pic>
+    </p:spTree>
+  </p:cSld>
+  <p:clrMapOvr>
+    <a:masterClrMapping/>
+  </p:clrMapOvr>
+</p:sld>
+</file>
+
+<file path=ppt/slides/slide3.xml><?xml version="1.0" encoding="utf-8"?>
+<p:sld xmlns:a="http://schemas.openxmlformats.org/drawingml/2006/main" xmlns:r="http://schemas.openxmlformats.org/officeDocument/2006/relationships" xmlns:p="http://schemas.openxmlformats.org/presentationml/2006/main">
+  <p:cSld>
+    <p:spTree>
+      <p:nvGrpSpPr>
+        <p:cNvPr id="1" name=""/>
+        <p:cNvGrpSpPr/>
+        <p:nvPr/>
+      </p:nvGrpSpPr>
+      <p:grpSpPr>
+        <a:xfrm>
+          <a:off x="0" y="0"/>
+          <a:ext cx="0" cy="0"/>
+          <a:chOff x="0" y="0"/>
+          <a:chExt cx="0" cy="0"/>
+        </a:xfrm>
+      </p:grpSpPr>
+      <p:sp>
+        <p:nvSpPr>
+          <p:cNvPr id="2" name="Title 1"/>
+          <p:cNvSpPr>
+            <a:spLocks noGrp="1"/>
+          </p:cNvSpPr>
+          <p:nvPr>
+            <p:ph type="ctrTitle"/>
+          </p:nvPr>
+        </p:nvSpPr>
+        <p:spPr/>
+        <p:txBody>
+          <a:bodyPr/>
+          <a:lstStyle/>
+          <a:p>
+            <a:endParaRPr lang="en-US"/>
+          </a:p>
+        </p:txBody>
+      </p:sp>
+      <p:sp>
+        <p:nvSpPr>
+          <p:cNvPr id="3" name="Subtitle 2"/>
+          <p:cNvSpPr>
+            <a:spLocks noGrp="1"/>
+          </p:cNvSpPr>
+          <p:nvPr>
+            <p:ph type="subTitle" idx="1"/>
+          </p:nvPr>
+        </p:nvSpPr>
+        <p:spPr/>
+        <p:txBody>
+          <a:bodyPr/>
+          <a:lstStyle/>
+          <a:p>
+            <a:endParaRPr lang="en-US"/>
+          </a:p>
+        </p:txBody>
+      </p:sp>
+      <p:pic>
+        <p:nvPicPr>
+          <p:cNvPr id="9217" name="Picture 1"/>
+          <p:cNvPicPr>
+            <a:picLocks noChangeAspect="1" noChangeArrowheads="1"/>
+          </p:cNvPicPr>
+          <p:nvPr/>
+        </p:nvPicPr>
+        <p:blipFill>
+          <a:blip r:embed="rId2" cstate="print"/>
+          <a:srcRect/>
+          <a:stretch>
+            <a:fillRect/>
+          </a:stretch>
+        </p:blipFill>
+        <p:spPr bwMode="auto">
+          <a:xfrm>
+            <a:off x="805613" y="1813560"/>
+            <a:ext cx="7606867" cy="3261744"/>
+          </a:xfrm>
+          <a:prstGeom prst="rect">
+            <a:avLst/>
+          </a:prstGeom>
+          <a:noFill/>
+          <a:ln w="9525">
+            <a:noFill/>
+            <a:miter lim="800000"/>
+            <a:headEnd/>
+            <a:tailEnd/>
+          </a:ln>
+          <a:effectLst/>
+        </p:spPr>
+      </p:pic>
+    </p:spTree>
+  </p:cSld>
+  <p:clrMapOvr>
+    <a:masterClrMapping/>
+  </p:clrMapOvr>
+</p:sld>
+</file>
+
+<file path=ppt/slides/slide4.xml><?xml version="1.0" encoding="utf-8"?>
+<p:sld xmlns:a="http://schemas.openxmlformats.org/drawingml/2006/main" xmlns:r="http://schemas.openxmlformats.org/officeDocument/2006/relationships" xmlns:p="http://schemas.openxmlformats.org/presentationml/2006/main">
+  <p:cSld>
+    <p:spTree>
+      <p:nvGrpSpPr>
+        <p:cNvPr id="1" name=""/>
+        <p:cNvGrpSpPr/>
+        <p:nvPr/>
+      </p:nvGrpSpPr>
+      <p:grpSpPr>
+        <a:xfrm>
+          <a:off x="0" y="0"/>
+          <a:ext cx="0" cy="0"/>
+          <a:chOff x="0" y="0"/>
+          <a:chExt cx="0" cy="0"/>
+        </a:xfrm>
+      </p:grpSpPr>
+      <p:pic>
+        <p:nvPicPr>
+          <p:cNvPr id="2" name="Picture 2"/>
+          <p:cNvPicPr>
+            <a:picLocks noChangeAspect="1" noChangeArrowheads="1"/>
+          </p:cNvPicPr>
+          <p:nvPr/>
+        </p:nvPicPr>
+        <p:blipFill>
+          <a:blip r:embed="rId2" cstate="print"/>
+          <a:srcRect/>
+          <a:stretch>
+            <a:fillRect/>
+          </a:stretch>
+        </p:blipFill>
+        <p:spPr bwMode="auto">
+          <a:xfrm>
+            <a:off x="85725" y="947739"/>
+            <a:ext cx="8658225" cy="4123341"/>
+          </a:xfrm>
+          <a:prstGeom prst="rect">
+            <a:avLst/>
+          </a:prstGeom>
+          <a:noFill/>
+          <a:ln w="9525">
+            <a:noFill/>
+            <a:miter lim="800000"/>
+            <a:headEnd/>
+            <a:tailEnd/>
+          </a:ln>
+          <a:effectLst/>
+        </p:spPr>
+      </p:pic>
+    </p:spTree>
+  </p:cSld>
+  <p:clrMapOvr>
+    <a:masterClrMapping/>
+  </p:clrMapOvr>
+</p:sld>
+</file>
+
+<file path=ppt/slides/slide5.xml><?xml version="1.0" encoding="utf-8"?>
+<p:sld xmlns:a="http://schemas.openxmlformats.org/drawingml/2006/main" xmlns:r="http://schemas.openxmlformats.org/officeDocument/2006/relationships" xmlns:p="http://schemas.openxmlformats.org/presentationml/2006/main">
+  <p:cSld>
+    <p:spTree>
+      <p:nvGrpSpPr>
+        <p:cNvPr id="1" name=""/>
+        <p:cNvGrpSpPr/>
+        <p:nvPr/>
+      </p:nvGrpSpPr>
+      <p:grpSpPr>
+        <a:xfrm>
+          <a:off x="0" y="0"/>
+          <a:ext cx="0" cy="0"/>
+          <a:chOff x="0" y="0"/>
+          <a:chExt cx="0" cy="0"/>
+        </a:xfrm>
+      </p:grpSpPr>
+      <p:pic>
+        <p:nvPicPr>
+          <p:cNvPr id="3078" name="Picture 6"/>
+          <p:cNvPicPr>
+            <a:picLocks noChangeAspect="1" noChangeArrowheads="1"/>
+          </p:cNvPicPr>
+          <p:nvPr/>
+        </p:nvPicPr>
+        <p:blipFill>
+          <a:blip r:embed="rId2">
+            <a:extLst>
+              <a:ext uri="{28A0092B-C50C-407E-A947-70E740481C1C}">
+                <a14:useLocalDpi xmlns:a14="http://schemas.microsoft.com/office/drawing/2010/main" val="0"/>
+              </a:ext>
+            </a:extLst>
+          </a:blip>
+          <a:srcRect/>
+          <a:stretch>
+            <a:fillRect/>
+          </a:stretch>
+        </p:blipFill>
+        <p:spPr bwMode="auto">
+          <a:xfrm>
+            <a:off x="1071563" y="2122488"/>
+            <a:ext cx="7000875" cy="2619375"/>
+          </a:xfrm>
+          <a:prstGeom prst="rect">
+            <a:avLst/>
+          </a:prstGeom>
+          <a:noFill/>
+          <a:ln>
+            <a:noFill/>
+          </a:ln>
+          <a:effectLst/>
+          <a:extLst>
+            <a:ext uri="{909E8E84-426E-40DD-AFC4-6F175D3DCCD1}">
+              <a14:hiddenFill xmlns:a14="http://schemas.microsoft.com/office/drawing/2010/main">
+                <a:solidFill>
+                  <a:schemeClr val="accent1"/>
+                </a:solidFill>
+              </a14:hiddenFill>
+            </a:ext>
+            <a:ext uri="{91240B29-F687-4F45-9708-019B960494DF}">
+              <a14:hiddenLine xmlns:a14="http://schemas.microsoft.com/office/drawing/2010/main" w="9525">
+                <a:solidFill>
+                  <a:schemeClr val="tx1"/>
+                </a:solidFill>
+                <a:miter lim="800000"/>
+                <a:headEnd/>
+                <a:tailEnd/>
+              </a14:hiddenLine>
+            </a:ext>
+            <a:ext uri="{AF507438-7753-43E0-B8FC-AC1667EBCBE1}">
+              <a14:hiddenEffects xmlns:a14="http://schemas.microsoft.com/office/drawing/2010/main">
+                <a:effectLst>
+                  <a:outerShdw dist="35921" dir="2700000" algn="ctr" rotWithShape="0">
+                    <a:schemeClr val="bg2"/>
+                  </a:outerShdw>
+                </a:effectLst>
+              </a14:hiddenEffects>
+            </a:ext>
+          </a:extLst>
+        </p:spPr>
+      </p:pic>
+    </p:spTree>
+    <p:extLst>
+      <p:ext uri="{BB962C8B-B14F-4D97-AF65-F5344CB8AC3E}">
+        <p14:creationId xmlns:p14="http://schemas.microsoft.com/office/powerpoint/2010/main" val="336179494"/>
+      </p:ext>
+    </p:extLst>
+  </p:cSld>
+  <p:clrMapOvr>
+    <a:masterClrMapping/>
+  </p:clrMapOvr>
+</p:sld>
+</file>
+
+<file path=ppt/slides/slide6.xml><?xml version="1.0" encoding="utf-8"?>
+<p:sld xmlns:a="http://schemas.openxmlformats.org/drawingml/2006/main" xmlns:r="http://schemas.openxmlformats.org/officeDocument/2006/relationships" xmlns:p="http://schemas.openxmlformats.org/presentationml/2006/main">
+  <p:cSld>
+    <p:spTree>
+      <p:nvGrpSpPr>
+        <p:cNvPr id="1" name=""/>
+        <p:cNvGrpSpPr/>
+        <p:nvPr/>
+      </p:nvGrpSpPr>
+      <p:grpSpPr>
+        <a:xfrm>
+          <a:off x="0" y="0"/>
+          <a:ext cx="0" cy="0"/>
+          <a:chOff x="0" y="0"/>
+          <a:chExt cx="0" cy="0"/>
+        </a:xfrm>
+      </p:grpSpPr>
+      <p:pic>
+        <p:nvPicPr>
+          <p:cNvPr id="2" name="Picture 2"/>
+          <p:cNvPicPr>
+            <a:picLocks noChangeAspect="1" noChangeArrowheads="1"/>
+          </p:cNvPicPr>
+          <p:nvPr/>
+        </p:nvPicPr>
+        <p:blipFill>
+          <a:blip r:embed="rId2" cstate="print"/>
+          <a:srcRect/>
+          <a:stretch>
+            <a:fillRect/>
+          </a:stretch>
+        </p:blipFill>
+        <p:spPr bwMode="auto">
+          <a:xfrm>
+            <a:off x="85725" y="947739"/>
+            <a:ext cx="8658225" cy="4123341"/>
+          </a:xfrm>
+          <a:prstGeom prst="rect">
+            <a:avLst/>
+          </a:prstGeom>
+          <a:noFill/>
+          <a:ln w="9525">
+            <a:noFill/>
+            <a:miter lim="800000"/>
+            <a:headEnd/>
+            <a:tailEnd/>
+          </a:ln>
+          <a:effectLst/>
+        </p:spPr>
+      </p:pic>
+    </p:spTree>
+    <p:extLst>
+      <p:ext uri="{BB962C8B-B14F-4D97-AF65-F5344CB8AC3E}">
+        <p14:creationId xmlns:p14="http://schemas.microsoft.com/office/powerpoint/2010/main" val="2029997585"/>
+      </p:ext>
+    </p:extLst>
+  </p:cSld>
+  <p:clrMapOvr>
+    <a:masterClrMapping/>
+  </p:clrMapOvr>
+</p:sld>
+</file>
+
+<file path=ppt/slides/slide7.xml><?xml version="1.0" encoding="utf-8"?>
+<p:sld xmlns:a="http://schemas.openxmlformats.org/drawingml/2006/main" xmlns:r="http://schemas.openxmlformats.org/officeDocument/2006/relationships" xmlns:p="http://schemas.openxmlformats.org/presentationml/2006/main">
+  <p:cSld>
+    <p:spTree>
+      <p:nvGrpSpPr>
+        <p:cNvPr id="1" name=""/>
+        <p:cNvGrpSpPr/>
+        <p:nvPr/>
+      </p:nvGrpSpPr>
+      <p:grpSpPr>
+        <a:xfrm>
+          <a:off x="0" y="0"/>
+          <a:ext cx="0" cy="0"/>
+          <a:chOff x="0" y="0"/>
+          <a:chExt cx="0" cy="0"/>
+        </a:xfrm>
+      </p:grpSpPr>
+      <p:pic>
+        <p:nvPicPr>
+          <p:cNvPr id="2054" name="Picture 6" descr="ELECTROMAGNETIC SPECTRUM"/>
+          <p:cNvPicPr>
+            <a:picLocks noChangeAspect="1" noChangeArrowheads="1"/>
+          </p:cNvPicPr>
+          <p:nvPr/>
+        </p:nvPicPr>
+        <p:blipFill>
+          <a:blip r:embed="rId2">
+            <a:extLst>
+              <a:ext uri="{28A0092B-C50C-407E-A947-70E740481C1C}">
+                <a14:useLocalDpi xmlns:a14="http://schemas.microsoft.com/office/drawing/2010/main" val="0"/>
+              </a:ext>
+            </a:extLst>
+          </a:blip>
+          <a:srcRect/>
+          <a:stretch>
+            <a:fillRect/>
+          </a:stretch>
+        </p:blipFill>
+        <p:spPr bwMode="auto">
+          <a:xfrm>
+            <a:off x="2026557" y="1351189"/>
+            <a:ext cx="5143500" cy="609600"/>
+          </a:xfrm>
+          <a:prstGeom prst="rect">
+            <a:avLst/>
+          </a:prstGeom>
+          <a:noFill/>
+          <a:extLst>
+            <a:ext uri="{909E8E84-426E-40DD-AFC4-6F175D3DCCD1}">
+              <a14:hiddenFill xmlns:a14="http://schemas.microsoft.com/office/drawing/2010/main">
+                <a:solidFill>
+                  <a:srgbClr val="FFFFFF"/>
+                </a:solidFill>
+              </a14:hiddenFill>
+            </a:ext>
+          </a:extLst>
+        </p:spPr>
+      </p:pic>
+      <p:pic>
+        <p:nvPicPr>
+          <p:cNvPr id="2058" name="Picture 10" descr="Figure 4. Terrestrial microwave window. Atmospheric water vapor and oxygen degrade the upper end of the microwave window for receivers on Earth's surface and raise the temperature in the lower portion of the window."/>
+          <p:cNvPicPr>
+            <a:picLocks noChangeAspect="1" noChangeArrowheads="1"/>
+          </p:cNvPicPr>
+          <p:nvPr/>
+        </p:nvPicPr>
+        <p:blipFill>
+          <a:blip r:embed="rId3">
+            <a:extLst>
+              <a:ext uri="{28A0092B-C50C-407E-A947-70E740481C1C}">
+                <a14:useLocalDpi xmlns:a14="http://schemas.microsoft.com/office/drawing/2010/main" val="0"/>
+              </a:ext>
+            </a:extLst>
+          </a:blip>
+          <a:srcRect/>
+          <a:stretch>
+            <a:fillRect/>
+          </a:stretch>
+        </p:blipFill>
+        <p:spPr bwMode="auto">
+          <a:xfrm>
+            <a:off x="561975" y="539977"/>
+            <a:ext cx="7115175" cy="5267326"/>
+          </a:xfrm>
+          <a:prstGeom prst="rect">
+            <a:avLst/>
+          </a:prstGeom>
+          <a:noFill/>
+          <a:extLst>
+            <a:ext uri="{909E8E84-426E-40DD-AFC4-6F175D3DCCD1}">
+              <a14:hiddenFill xmlns:a14="http://schemas.microsoft.com/office/drawing/2010/main">
+                <a:solidFill>
+                  <a:srgbClr val="FFFFFF"/>
+                </a:solidFill>
+              </a14:hiddenFill>
+            </a:ext>
+          </a:extLst>
+        </p:spPr>
+      </p:pic>
+      <p:sp>
+        <p:nvSpPr>
+          <p:cNvPr id="3" name="Rectangle 2"/>
+          <p:cNvSpPr/>
+          <p:nvPr/>
+        </p:nvSpPr>
+        <p:spPr>
+          <a:xfrm>
+            <a:off x="2470718" y="5987534"/>
+            <a:ext cx="4202561" cy="369332"/>
+          </a:xfrm>
+          <a:prstGeom prst="rect">
+            <a:avLst/>
+          </a:prstGeom>
+        </p:spPr>
+        <p:txBody>
+          <a:bodyPr wrap="none">
             <a:spAutoFit/>
           </a:bodyPr>
           <a:lstStyle/>
           <a:p>
             <a:r>
               <a:rPr lang="en-US" dirty="0"/>
-              <a:t>n&gt;1</a:t>
+              <a:t>http://history.nasa.gov/CP-2156/p359.htm</a:t>
             </a:r>
           </a:p>
         </p:txBody>
       </p:sp>
     </p:spTree>
+    <p:extLst>
+      <p:ext uri="{BB962C8B-B14F-4D97-AF65-F5344CB8AC3E}">
+        <p14:creationId xmlns:p14="http://schemas.microsoft.com/office/powerpoint/2010/main" val="1911873817"/>
+      </p:ext>
+    </p:extLst>
   </p:cSld>
   <p:clrMapOvr>
     <a:masterClrMapping/>
@@ -12722,148 +13478,118 @@
       </p:grpSpPr>
       <p:sp>
         <p:nvSpPr>
-          <p:cNvPr id="191491" name="Rectangle 2"/>
-          <p:cNvSpPr>
-            <a:spLocks noGrp="1" noChangeArrowheads="1"/>
-          </p:cNvSpPr>
-          <p:nvPr>
-            <p:ph type="title"/>
-          </p:nvPr>
-        </p:nvSpPr>
-        <p:spPr/>
-        <p:txBody>
-          <a:bodyPr/>
-          <a:lstStyle/>
-          <a:p>
-            <a:r>
-              <a:rPr lang="en-US" dirty="0"/>
-              <a:t>Question 223.8.2.5</a:t>
-            </a:r>
-          </a:p>
-        </p:txBody>
-      </p:sp>
-      <p:sp>
-        <p:nvSpPr>
-          <p:cNvPr id="191492" name="Rectangle 3"/>
-          <p:cNvSpPr>
-            <a:spLocks noGrp="1" noChangeArrowheads="1"/>
-          </p:cNvSpPr>
-          <p:nvPr>
-            <p:ph idx="1"/>
-          </p:nvPr>
+          <p:cNvPr id="4" name="Rectangle 3"/>
+          <p:cNvSpPr/>
+          <p:nvPr/>
         </p:nvSpPr>
         <p:spPr>
           <a:xfrm>
-            <a:off x="457200" y="1600200"/>
-            <a:ext cx="4049713" cy="4525963"/>
-          </a:xfrm>
-        </p:spPr>
-        <p:txBody>
-          <a:bodyPr>
-            <a:normAutofit lnSpcReduction="10000"/>
-          </a:bodyPr>
+            <a:off x="1569720" y="1737360"/>
+            <a:ext cx="6522720" cy="1066800"/>
+          </a:xfrm>
+          <a:prstGeom prst="rect">
+            <a:avLst/>
+          </a:prstGeom>
+          <a:solidFill>
+            <a:schemeClr val="tx2"/>
+          </a:solidFill>
+          <a:ln>
+            <a:noFill/>
+          </a:ln>
+        </p:spPr>
+        <p:style>
+          <a:lnRef idx="2">
+            <a:schemeClr val="accent1">
+              <a:shade val="50000"/>
+            </a:schemeClr>
+          </a:lnRef>
+          <a:fillRef idx="1">
+            <a:schemeClr val="accent1"/>
+          </a:fillRef>
+          <a:effectRef idx="0">
+            <a:schemeClr val="accent1"/>
+          </a:effectRef>
+          <a:fontRef idx="minor">
+            <a:schemeClr val="lt1"/>
+          </a:fontRef>
+        </p:style>
+        <p:txBody>
+          <a:bodyPr rtlCol="0" anchor="ctr"/>
           <a:lstStyle/>
           <a:p>
-            <a:pPr marL="609600" indent="-609600" eaLnBrk="1" hangingPunct="1">
-              <a:buFontTx/>
-              <a:buNone/>
-            </a:pPr>
-            <a:r>
-              <a:rPr lang="en-US" dirty="0"/>
-              <a:t>The thickness of the film is 2 wavelengths. Will rays 3 and 4 be in phase?</a:t>
-            </a:r>
-          </a:p>
-          <a:p>
-            <a:pPr marL="609600" indent="-609600" eaLnBrk="1" hangingPunct="1">
-              <a:buFontTx/>
-              <a:buAutoNum type="alphaLcParenR"/>
-            </a:pPr>
-            <a:r>
-              <a:rPr lang="en-US" dirty="0"/>
-              <a:t>Yes</a:t>
-            </a:r>
-          </a:p>
-          <a:p>
-            <a:pPr marL="609600" indent="-609600" eaLnBrk="1" hangingPunct="1">
-              <a:buFontTx/>
-              <a:buAutoNum type="alphaLcParenR"/>
-            </a:pPr>
-            <a:r>
-              <a:rPr lang="en-US" dirty="0"/>
-              <a:t>No</a:t>
-            </a:r>
-          </a:p>
-          <a:p>
-            <a:pPr marL="609600" indent="-609600">
-              <a:buFontTx/>
-              <a:buAutoNum type="alphaLcParenR"/>
-            </a:pPr>
-            <a:r>
-              <a:rPr lang="en-US" dirty="0"/>
-              <a:t>Can’t tell with the information given</a:t>
-            </a:r>
-          </a:p>
-          <a:p>
-            <a:pPr marL="609600" indent="-609600" eaLnBrk="1" hangingPunct="1">
-              <a:buFontTx/>
-              <a:buAutoNum type="alphaLcParenR"/>
-            </a:pPr>
-            <a:endParaRPr lang="en-US" dirty="0"/>
-          </a:p>
-          <a:p>
-            <a:pPr marL="609600" indent="-609600" eaLnBrk="1" hangingPunct="1">
-              <a:buFontTx/>
-              <a:buNone/>
-            </a:pPr>
-            <a:endParaRPr lang="en-US" dirty="0"/>
-          </a:p>
-        </p:txBody>
-      </p:sp>
-      <p:sp>
-        <p:nvSpPr>
-          <p:cNvPr id="191490" name="Slide Number Placeholder 5"/>
-          <p:cNvSpPr>
-            <a:spLocks noGrp="1"/>
-          </p:cNvSpPr>
-          <p:nvPr>
-            <p:ph type="sldNum" sz="quarter" idx="12"/>
-          </p:nvPr>
+            <a:pPr algn="ctr"/>
+            <a:endParaRPr lang="en-US"/>
+          </a:p>
+        </p:txBody>
+      </p:sp>
+      <p:sp>
+        <p:nvSpPr>
+          <p:cNvPr id="27" name="Rectangle 26"/>
+          <p:cNvSpPr/>
+          <p:nvPr/>
         </p:nvSpPr>
         <p:spPr>
-          <a:noFill/>
-        </p:spPr>
-        <p:txBody>
-          <a:bodyPr/>
+          <a:xfrm>
+            <a:off x="1539240" y="1798320"/>
+            <a:ext cx="6583680" cy="944880"/>
+          </a:xfrm>
+          <a:prstGeom prst="rect">
+            <a:avLst/>
+          </a:prstGeom>
+          <a:solidFill>
+            <a:schemeClr val="accent1">
+              <a:lumMod val="20000"/>
+              <a:lumOff val="80000"/>
+            </a:schemeClr>
+          </a:solidFill>
+          <a:ln>
+            <a:noFill/>
+          </a:ln>
+        </p:spPr>
+        <p:style>
+          <a:lnRef idx="2">
+            <a:schemeClr val="accent1">
+              <a:shade val="50000"/>
+            </a:schemeClr>
+          </a:lnRef>
+          <a:fillRef idx="1">
+            <a:schemeClr val="accent1"/>
+          </a:fillRef>
+          <a:effectRef idx="0">
+            <a:schemeClr val="accent1"/>
+          </a:effectRef>
+          <a:fontRef idx="minor">
+            <a:schemeClr val="lt1"/>
+          </a:fontRef>
+        </p:style>
+        <p:txBody>
+          <a:bodyPr rtlCol="0" anchor="ctr"/>
           <a:lstStyle/>
           <a:p>
-            <a:fld id="{E71E5971-AF74-4BE9-89AF-02A4D0FADC9F}" type="slidenum">
-              <a:rPr lang="en-US" smtClean="0"/>
-              <a:pPr/>
-              <a:t>8</a:t>
-            </a:fld>
+            <a:pPr algn="ctr"/>
             <a:endParaRPr lang="en-US"/>
           </a:p>
         </p:txBody>
       </p:sp>
       <p:pic>
         <p:nvPicPr>
-          <p:cNvPr id="191493" name="Picture 4" descr="37-17"/>
+          <p:cNvPr id="23554" name="Picture 2"/>
           <p:cNvPicPr>
             <a:picLocks noChangeAspect="1" noChangeArrowheads="1"/>
           </p:cNvPicPr>
           <p:nvPr/>
         </p:nvPicPr>
         <p:blipFill>
-          <a:blip r:embed="rId2" cstate="print"/>
-          <a:srcRect t="17642"/>
+          <a:blip r:embed="rId3" cstate="print"/>
+          <a:srcRect/>
           <a:stretch>
             <a:fillRect/>
           </a:stretch>
         </p:blipFill>
         <p:spPr bwMode="auto">
           <a:xfrm>
-            <a:off x="5272088" y="1933575"/>
-            <a:ext cx="3138487" cy="3727450"/>
+            <a:off x="2846070" y="3767138"/>
+            <a:ext cx="3238500" cy="2676525"/>
           </a:xfrm>
           <a:prstGeom prst="rect">
             <a:avLst/>
@@ -12877,12 +13603,905 @@
           </a:ln>
         </p:spPr>
       </p:pic>
+      <p:sp>
+        <p:nvSpPr>
+          <p:cNvPr id="5" name="Rectangle 4"/>
+          <p:cNvSpPr/>
+          <p:nvPr/>
+        </p:nvSpPr>
+        <p:spPr>
+          <a:xfrm>
+            <a:off x="4221480" y="3886200"/>
+            <a:ext cx="213360" cy="137160"/>
+          </a:xfrm>
+          <a:prstGeom prst="rect">
+            <a:avLst/>
+          </a:prstGeom>
+          <a:noFill/>
+          <a:ln w="9525">
+            <a:solidFill>
+              <a:schemeClr val="tx1"/>
+            </a:solidFill>
+          </a:ln>
+        </p:spPr>
+        <p:style>
+          <a:lnRef idx="2">
+            <a:schemeClr val="accent1">
+              <a:shade val="50000"/>
+            </a:schemeClr>
+          </a:lnRef>
+          <a:fillRef idx="1">
+            <a:schemeClr val="accent1"/>
+          </a:fillRef>
+          <a:effectRef idx="0">
+            <a:schemeClr val="accent1"/>
+          </a:effectRef>
+          <a:fontRef idx="minor">
+            <a:schemeClr val="lt1"/>
+          </a:fontRef>
+        </p:style>
+        <p:txBody>
+          <a:bodyPr rtlCol="0" anchor="ctr"/>
+          <a:lstStyle/>
+          <a:p>
+            <a:pPr algn="ctr"/>
+            <a:endParaRPr lang="en-US"/>
+          </a:p>
+        </p:txBody>
+      </p:sp>
+      <p:cxnSp>
+        <p:nvCxnSpPr>
+          <p:cNvPr id="7" name="Straight Connector 6"/>
+          <p:cNvCxnSpPr>
+            <a:stCxn id="5" idx="1"/>
+          </p:cNvCxnSpPr>
+          <p:nvPr/>
+        </p:nvCxnSpPr>
+        <p:spPr>
+          <a:xfrm flipH="1" flipV="1">
+            <a:off x="1463040" y="3230880"/>
+            <a:ext cx="2758440" cy="723900"/>
+          </a:xfrm>
+          <a:prstGeom prst="line">
+            <a:avLst/>
+          </a:prstGeom>
+          <a:ln>
+            <a:solidFill>
+              <a:schemeClr val="tx1"/>
+            </a:solidFill>
+          </a:ln>
+        </p:spPr>
+        <p:style>
+          <a:lnRef idx="1">
+            <a:schemeClr val="accent1"/>
+          </a:lnRef>
+          <a:fillRef idx="0">
+            <a:schemeClr val="accent1"/>
+          </a:fillRef>
+          <a:effectRef idx="0">
+            <a:schemeClr val="accent1"/>
+          </a:effectRef>
+          <a:fontRef idx="minor">
+            <a:schemeClr val="tx1"/>
+          </a:fontRef>
+        </p:style>
+      </p:cxnSp>
+      <p:cxnSp>
+        <p:nvCxnSpPr>
+          <p:cNvPr id="9" name="Straight Connector 8"/>
+          <p:cNvCxnSpPr>
+            <a:stCxn id="5" idx="3"/>
+          </p:cNvCxnSpPr>
+          <p:nvPr/>
+        </p:nvCxnSpPr>
+        <p:spPr>
+          <a:xfrm flipV="1">
+            <a:off x="4434840" y="3246120"/>
+            <a:ext cx="3703320" cy="708660"/>
+          </a:xfrm>
+          <a:prstGeom prst="line">
+            <a:avLst/>
+          </a:prstGeom>
+          <a:ln>
+            <a:solidFill>
+              <a:schemeClr val="tx1"/>
+            </a:solidFill>
+          </a:ln>
+        </p:spPr>
+        <p:style>
+          <a:lnRef idx="1">
+            <a:schemeClr val="accent1"/>
+          </a:lnRef>
+          <a:fillRef idx="0">
+            <a:schemeClr val="accent1"/>
+          </a:fillRef>
+          <a:effectRef idx="0">
+            <a:schemeClr val="accent1"/>
+          </a:effectRef>
+          <a:fontRef idx="minor">
+            <a:schemeClr val="tx1"/>
+          </a:fontRef>
+        </p:style>
+      </p:cxnSp>
+      <p:cxnSp>
+        <p:nvCxnSpPr>
+          <p:cNvPr id="13" name="Straight Connector 12"/>
+          <p:cNvCxnSpPr/>
+          <p:nvPr/>
+        </p:nvCxnSpPr>
+        <p:spPr>
+          <a:xfrm>
+            <a:off x="2804160" y="609600"/>
+            <a:ext cx="899160" cy="1112520"/>
+          </a:xfrm>
+          <a:prstGeom prst="line">
+            <a:avLst/>
+          </a:prstGeom>
+          <a:ln w="38100">
+            <a:solidFill>
+              <a:srgbClr val="FF0000"/>
+            </a:solidFill>
+          </a:ln>
+        </p:spPr>
+        <p:style>
+          <a:lnRef idx="1">
+            <a:schemeClr val="accent1"/>
+          </a:lnRef>
+          <a:fillRef idx="0">
+            <a:schemeClr val="accent1"/>
+          </a:fillRef>
+          <a:effectRef idx="0">
+            <a:schemeClr val="accent1"/>
+          </a:effectRef>
+          <a:fontRef idx="minor">
+            <a:schemeClr val="tx1"/>
+          </a:fontRef>
+        </p:style>
+      </p:cxnSp>
+      <p:cxnSp>
+        <p:nvCxnSpPr>
+          <p:cNvPr id="14" name="Straight Connector 13"/>
+          <p:cNvCxnSpPr/>
+          <p:nvPr/>
+        </p:nvCxnSpPr>
+        <p:spPr>
+          <a:xfrm>
+            <a:off x="3733800" y="1737360"/>
+            <a:ext cx="182880" cy="1036320"/>
+          </a:xfrm>
+          <a:prstGeom prst="line">
+            <a:avLst/>
+          </a:prstGeom>
+          <a:ln w="38100">
+            <a:solidFill>
+              <a:srgbClr val="FF0000"/>
+            </a:solidFill>
+          </a:ln>
+        </p:spPr>
+        <p:style>
+          <a:lnRef idx="1">
+            <a:schemeClr val="accent1"/>
+          </a:lnRef>
+          <a:fillRef idx="0">
+            <a:schemeClr val="accent1"/>
+          </a:fillRef>
+          <a:effectRef idx="0">
+            <a:schemeClr val="accent1"/>
+          </a:effectRef>
+          <a:fontRef idx="minor">
+            <a:schemeClr val="tx1"/>
+          </a:fontRef>
+        </p:style>
+      </p:cxnSp>
+      <p:cxnSp>
+        <p:nvCxnSpPr>
+          <p:cNvPr id="23" name="Straight Connector 22"/>
+          <p:cNvCxnSpPr/>
+          <p:nvPr/>
+        </p:nvCxnSpPr>
+        <p:spPr>
+          <a:xfrm flipH="1">
+            <a:off x="3749040" y="624840"/>
+            <a:ext cx="899160" cy="1112520"/>
+          </a:xfrm>
+          <a:prstGeom prst="line">
+            <a:avLst/>
+          </a:prstGeom>
+          <a:ln w="38100">
+            <a:solidFill>
+              <a:srgbClr val="FF0000"/>
+            </a:solidFill>
+          </a:ln>
+        </p:spPr>
+        <p:style>
+          <a:lnRef idx="1">
+            <a:schemeClr val="accent1"/>
+          </a:lnRef>
+          <a:fillRef idx="0">
+            <a:schemeClr val="accent1"/>
+          </a:fillRef>
+          <a:effectRef idx="0">
+            <a:schemeClr val="accent1"/>
+          </a:effectRef>
+          <a:fontRef idx="minor">
+            <a:schemeClr val="tx1"/>
+          </a:fontRef>
+        </p:style>
+      </p:cxnSp>
+      <p:cxnSp>
+        <p:nvCxnSpPr>
+          <p:cNvPr id="24" name="Straight Connector 23"/>
+          <p:cNvCxnSpPr/>
+          <p:nvPr/>
+        </p:nvCxnSpPr>
+        <p:spPr>
+          <a:xfrm flipH="1">
+            <a:off x="4145280" y="624840"/>
+            <a:ext cx="899160" cy="1112520"/>
+          </a:xfrm>
+          <a:prstGeom prst="line">
+            <a:avLst/>
+          </a:prstGeom>
+          <a:ln w="38100">
+            <a:solidFill>
+              <a:srgbClr val="FF0000"/>
+            </a:solidFill>
+          </a:ln>
+        </p:spPr>
+        <p:style>
+          <a:lnRef idx="1">
+            <a:schemeClr val="accent1"/>
+          </a:lnRef>
+          <a:fillRef idx="0">
+            <a:schemeClr val="accent1"/>
+          </a:fillRef>
+          <a:effectRef idx="0">
+            <a:schemeClr val="accent1"/>
+          </a:effectRef>
+          <a:fontRef idx="minor">
+            <a:schemeClr val="tx1"/>
+          </a:fontRef>
+        </p:style>
+      </p:cxnSp>
+      <p:cxnSp>
+        <p:nvCxnSpPr>
+          <p:cNvPr id="25" name="Straight Connector 24"/>
+          <p:cNvCxnSpPr/>
+          <p:nvPr/>
+        </p:nvCxnSpPr>
+        <p:spPr>
+          <a:xfrm flipH="1">
+            <a:off x="3947160" y="1752600"/>
+            <a:ext cx="182880" cy="1036320"/>
+          </a:xfrm>
+          <a:prstGeom prst="line">
+            <a:avLst/>
+          </a:prstGeom>
+          <a:ln w="38100">
+            <a:solidFill>
+              <a:srgbClr val="FF0000"/>
+            </a:solidFill>
+          </a:ln>
+        </p:spPr>
+        <p:style>
+          <a:lnRef idx="1">
+            <a:schemeClr val="accent1"/>
+          </a:lnRef>
+          <a:fillRef idx="0">
+            <a:schemeClr val="accent1"/>
+          </a:fillRef>
+          <a:effectRef idx="0">
+            <a:schemeClr val="accent1"/>
+          </a:effectRef>
+          <a:fontRef idx="minor">
+            <a:schemeClr val="tx1"/>
+          </a:fontRef>
+        </p:style>
+      </p:cxnSp>
+      <p:sp>
+        <p:nvSpPr>
+          <p:cNvPr id="26" name="Isosceles Triangle 25"/>
+          <p:cNvSpPr/>
+          <p:nvPr/>
+        </p:nvSpPr>
+        <p:spPr>
+          <a:xfrm rot="8363335">
+            <a:off x="3098960" y="972502"/>
+            <a:ext cx="198120" cy="243840"/>
+          </a:xfrm>
+          <a:prstGeom prst="triangle">
+            <a:avLst/>
+          </a:prstGeom>
+          <a:solidFill>
+            <a:srgbClr val="FF0000"/>
+          </a:solidFill>
+          <a:ln>
+            <a:noFill/>
+          </a:ln>
+        </p:spPr>
+        <p:style>
+          <a:lnRef idx="2">
+            <a:schemeClr val="accent1">
+              <a:shade val="50000"/>
+            </a:schemeClr>
+          </a:lnRef>
+          <a:fillRef idx="1">
+            <a:schemeClr val="accent1"/>
+          </a:fillRef>
+          <a:effectRef idx="0">
+            <a:schemeClr val="accent1"/>
+          </a:effectRef>
+          <a:fontRef idx="minor">
+            <a:schemeClr val="lt1"/>
+          </a:fontRef>
+        </p:style>
+        <p:txBody>
+          <a:bodyPr rtlCol="0" anchor="ctr"/>
+          <a:lstStyle/>
+          <a:p>
+            <a:pPr algn="ctr"/>
+            <a:endParaRPr lang="en-US"/>
+          </a:p>
+        </p:txBody>
+      </p:sp>
+      <p:sp>
+        <p:nvSpPr>
+          <p:cNvPr id="28" name="Isosceles Triangle 27"/>
+          <p:cNvSpPr/>
+          <p:nvPr/>
+        </p:nvSpPr>
+        <p:spPr>
+          <a:xfrm rot="2276016">
+            <a:off x="4237195" y="893921"/>
+            <a:ext cx="198120" cy="243840"/>
+          </a:xfrm>
+          <a:prstGeom prst="triangle">
+            <a:avLst/>
+          </a:prstGeom>
+          <a:solidFill>
+            <a:srgbClr val="FF0000"/>
+          </a:solidFill>
+          <a:ln>
+            <a:noFill/>
+          </a:ln>
+        </p:spPr>
+        <p:style>
+          <a:lnRef idx="2">
+            <a:schemeClr val="accent1">
+              <a:shade val="50000"/>
+            </a:schemeClr>
+          </a:lnRef>
+          <a:fillRef idx="1">
+            <a:schemeClr val="accent1"/>
+          </a:fillRef>
+          <a:effectRef idx="0">
+            <a:schemeClr val="accent1"/>
+          </a:effectRef>
+          <a:fontRef idx="minor">
+            <a:schemeClr val="lt1"/>
+          </a:fontRef>
+        </p:style>
+        <p:txBody>
+          <a:bodyPr rtlCol="0" anchor="ctr"/>
+          <a:lstStyle/>
+          <a:p>
+            <a:pPr algn="ctr"/>
+            <a:endParaRPr lang="en-US"/>
+          </a:p>
+        </p:txBody>
+      </p:sp>
+      <p:sp>
+        <p:nvSpPr>
+          <p:cNvPr id="29" name="Isosceles Triangle 28"/>
+          <p:cNvSpPr/>
+          <p:nvPr/>
+        </p:nvSpPr>
+        <p:spPr>
+          <a:xfrm rot="2276016">
+            <a:off x="4477702" y="1086801"/>
+            <a:ext cx="198120" cy="243840"/>
+          </a:xfrm>
+          <a:prstGeom prst="triangle">
+            <a:avLst/>
+          </a:prstGeom>
+          <a:solidFill>
+            <a:srgbClr val="FF0000"/>
+          </a:solidFill>
+          <a:ln>
+            <a:noFill/>
+          </a:ln>
+        </p:spPr>
+        <p:style>
+          <a:lnRef idx="2">
+            <a:schemeClr val="accent1">
+              <a:shade val="50000"/>
+            </a:schemeClr>
+          </a:lnRef>
+          <a:fillRef idx="1">
+            <a:schemeClr val="accent1"/>
+          </a:fillRef>
+          <a:effectRef idx="0">
+            <a:schemeClr val="accent1"/>
+          </a:effectRef>
+          <a:fontRef idx="minor">
+            <a:schemeClr val="lt1"/>
+          </a:fontRef>
+        </p:style>
+        <p:txBody>
+          <a:bodyPr rtlCol="0" anchor="ctr"/>
+          <a:lstStyle/>
+          <a:p>
+            <a:pPr algn="ctr"/>
+            <a:endParaRPr lang="en-US"/>
+          </a:p>
+        </p:txBody>
+      </p:sp>
+      <p:sp>
+        <p:nvSpPr>
+          <p:cNvPr id="32" name="Freeform 31"/>
+          <p:cNvSpPr/>
+          <p:nvPr/>
+        </p:nvSpPr>
+        <p:spPr>
+          <a:xfrm>
+            <a:off x="7772400" y="1600200"/>
+            <a:ext cx="411480" cy="1249680"/>
+          </a:xfrm>
+          <a:custGeom>
+            <a:avLst/>
+            <a:gdLst>
+              <a:gd name="connsiteX0" fmla="*/ 411480 w 411480"/>
+              <a:gd name="connsiteY0" fmla="*/ 0 h 1249680"/>
+              <a:gd name="connsiteX1" fmla="*/ 396240 w 411480"/>
+              <a:gd name="connsiteY1" fmla="*/ 1249680 h 1249680"/>
+              <a:gd name="connsiteX2" fmla="*/ 60960 w 411480"/>
+              <a:gd name="connsiteY2" fmla="*/ 1097280 h 1249680"/>
+              <a:gd name="connsiteX3" fmla="*/ 228600 w 411480"/>
+              <a:gd name="connsiteY3" fmla="*/ 1005840 h 1249680"/>
+              <a:gd name="connsiteX4" fmla="*/ 0 w 411480"/>
+              <a:gd name="connsiteY4" fmla="*/ 746760 h 1249680"/>
+              <a:gd name="connsiteX5" fmla="*/ 243840 w 411480"/>
+              <a:gd name="connsiteY5" fmla="*/ 579120 h 1249680"/>
+              <a:gd name="connsiteX6" fmla="*/ 30480 w 411480"/>
+              <a:gd name="connsiteY6" fmla="*/ 350520 h 1249680"/>
+              <a:gd name="connsiteX7" fmla="*/ 213360 w 411480"/>
+              <a:gd name="connsiteY7" fmla="*/ 198120 h 1249680"/>
+              <a:gd name="connsiteX8" fmla="*/ 121920 w 411480"/>
+              <a:gd name="connsiteY8" fmla="*/ 30480 h 1249680"/>
+              <a:gd name="connsiteX9" fmla="*/ 411480 w 411480"/>
+              <a:gd name="connsiteY9" fmla="*/ 0 h 1249680"/>
+            </a:gdLst>
+            <a:ahLst/>
+            <a:cxnLst>
+              <a:cxn ang="0">
+                <a:pos x="connsiteX0" y="connsiteY0"/>
+              </a:cxn>
+              <a:cxn ang="0">
+                <a:pos x="connsiteX1" y="connsiteY1"/>
+              </a:cxn>
+              <a:cxn ang="0">
+                <a:pos x="connsiteX2" y="connsiteY2"/>
+              </a:cxn>
+              <a:cxn ang="0">
+                <a:pos x="connsiteX3" y="connsiteY3"/>
+              </a:cxn>
+              <a:cxn ang="0">
+                <a:pos x="connsiteX4" y="connsiteY4"/>
+              </a:cxn>
+              <a:cxn ang="0">
+                <a:pos x="connsiteX5" y="connsiteY5"/>
+              </a:cxn>
+              <a:cxn ang="0">
+                <a:pos x="connsiteX6" y="connsiteY6"/>
+              </a:cxn>
+              <a:cxn ang="0">
+                <a:pos x="connsiteX7" y="connsiteY7"/>
+              </a:cxn>
+              <a:cxn ang="0">
+                <a:pos x="connsiteX8" y="connsiteY8"/>
+              </a:cxn>
+              <a:cxn ang="0">
+                <a:pos x="connsiteX9" y="connsiteY9"/>
+              </a:cxn>
+            </a:cxnLst>
+            <a:rect l="l" t="t" r="r" b="b"/>
+            <a:pathLst>
+              <a:path w="411480" h="1249680">
+                <a:moveTo>
+                  <a:pt x="411480" y="0"/>
+                </a:moveTo>
+                <a:lnTo>
+                  <a:pt x="396240" y="1249680"/>
+                </a:lnTo>
+                <a:lnTo>
+                  <a:pt x="60960" y="1097280"/>
+                </a:lnTo>
+                <a:lnTo>
+                  <a:pt x="228600" y="1005840"/>
+                </a:lnTo>
+                <a:lnTo>
+                  <a:pt x="0" y="746760"/>
+                </a:lnTo>
+                <a:lnTo>
+                  <a:pt x="243840" y="579120"/>
+                </a:lnTo>
+                <a:lnTo>
+                  <a:pt x="30480" y="350520"/>
+                </a:lnTo>
+                <a:lnTo>
+                  <a:pt x="213360" y="198120"/>
+                </a:lnTo>
+                <a:lnTo>
+                  <a:pt x="121920" y="30480"/>
+                </a:lnTo>
+                <a:lnTo>
+                  <a:pt x="411480" y="0"/>
+                </a:lnTo>
+                <a:close/>
+              </a:path>
+            </a:pathLst>
+          </a:custGeom>
+          <a:solidFill>
+            <a:schemeClr val="bg1"/>
+          </a:solidFill>
+          <a:ln>
+            <a:noFill/>
+          </a:ln>
+        </p:spPr>
+        <p:style>
+          <a:lnRef idx="2">
+            <a:schemeClr val="accent1">
+              <a:shade val="50000"/>
+            </a:schemeClr>
+          </a:lnRef>
+          <a:fillRef idx="1">
+            <a:schemeClr val="accent1"/>
+          </a:fillRef>
+          <a:effectRef idx="0">
+            <a:schemeClr val="accent1"/>
+          </a:effectRef>
+          <a:fontRef idx="minor">
+            <a:schemeClr val="lt1"/>
+          </a:fontRef>
+        </p:style>
+        <p:txBody>
+          <a:bodyPr rtlCol="0" anchor="ctr"/>
+          <a:lstStyle/>
+          <a:p>
+            <a:pPr algn="ctr"/>
+            <a:endParaRPr lang="en-US"/>
+          </a:p>
+        </p:txBody>
+      </p:sp>
+      <p:sp>
+        <p:nvSpPr>
+          <p:cNvPr id="34" name="Freeform 33"/>
+          <p:cNvSpPr/>
+          <p:nvPr/>
+        </p:nvSpPr>
+        <p:spPr>
+          <a:xfrm flipH="1">
+            <a:off x="1371600" y="1493520"/>
+            <a:ext cx="411480" cy="1249680"/>
+          </a:xfrm>
+          <a:custGeom>
+            <a:avLst/>
+            <a:gdLst>
+              <a:gd name="connsiteX0" fmla="*/ 411480 w 411480"/>
+              <a:gd name="connsiteY0" fmla="*/ 0 h 1249680"/>
+              <a:gd name="connsiteX1" fmla="*/ 396240 w 411480"/>
+              <a:gd name="connsiteY1" fmla="*/ 1249680 h 1249680"/>
+              <a:gd name="connsiteX2" fmla="*/ 60960 w 411480"/>
+              <a:gd name="connsiteY2" fmla="*/ 1097280 h 1249680"/>
+              <a:gd name="connsiteX3" fmla="*/ 228600 w 411480"/>
+              <a:gd name="connsiteY3" fmla="*/ 1005840 h 1249680"/>
+              <a:gd name="connsiteX4" fmla="*/ 0 w 411480"/>
+              <a:gd name="connsiteY4" fmla="*/ 746760 h 1249680"/>
+              <a:gd name="connsiteX5" fmla="*/ 243840 w 411480"/>
+              <a:gd name="connsiteY5" fmla="*/ 579120 h 1249680"/>
+              <a:gd name="connsiteX6" fmla="*/ 30480 w 411480"/>
+              <a:gd name="connsiteY6" fmla="*/ 350520 h 1249680"/>
+              <a:gd name="connsiteX7" fmla="*/ 213360 w 411480"/>
+              <a:gd name="connsiteY7" fmla="*/ 198120 h 1249680"/>
+              <a:gd name="connsiteX8" fmla="*/ 121920 w 411480"/>
+              <a:gd name="connsiteY8" fmla="*/ 30480 h 1249680"/>
+              <a:gd name="connsiteX9" fmla="*/ 411480 w 411480"/>
+              <a:gd name="connsiteY9" fmla="*/ 0 h 1249680"/>
+            </a:gdLst>
+            <a:ahLst/>
+            <a:cxnLst>
+              <a:cxn ang="0">
+                <a:pos x="connsiteX0" y="connsiteY0"/>
+              </a:cxn>
+              <a:cxn ang="0">
+                <a:pos x="connsiteX1" y="connsiteY1"/>
+              </a:cxn>
+              <a:cxn ang="0">
+                <a:pos x="connsiteX2" y="connsiteY2"/>
+              </a:cxn>
+              <a:cxn ang="0">
+                <a:pos x="connsiteX3" y="connsiteY3"/>
+              </a:cxn>
+              <a:cxn ang="0">
+                <a:pos x="connsiteX4" y="connsiteY4"/>
+              </a:cxn>
+              <a:cxn ang="0">
+                <a:pos x="connsiteX5" y="connsiteY5"/>
+              </a:cxn>
+              <a:cxn ang="0">
+                <a:pos x="connsiteX6" y="connsiteY6"/>
+              </a:cxn>
+              <a:cxn ang="0">
+                <a:pos x="connsiteX7" y="connsiteY7"/>
+              </a:cxn>
+              <a:cxn ang="0">
+                <a:pos x="connsiteX8" y="connsiteY8"/>
+              </a:cxn>
+              <a:cxn ang="0">
+                <a:pos x="connsiteX9" y="connsiteY9"/>
+              </a:cxn>
+            </a:cxnLst>
+            <a:rect l="l" t="t" r="r" b="b"/>
+            <a:pathLst>
+              <a:path w="411480" h="1249680">
+                <a:moveTo>
+                  <a:pt x="411480" y="0"/>
+                </a:moveTo>
+                <a:lnTo>
+                  <a:pt x="396240" y="1249680"/>
+                </a:lnTo>
+                <a:lnTo>
+                  <a:pt x="60960" y="1097280"/>
+                </a:lnTo>
+                <a:lnTo>
+                  <a:pt x="228600" y="1005840"/>
+                </a:lnTo>
+                <a:lnTo>
+                  <a:pt x="0" y="746760"/>
+                </a:lnTo>
+                <a:lnTo>
+                  <a:pt x="243840" y="579120"/>
+                </a:lnTo>
+                <a:lnTo>
+                  <a:pt x="30480" y="350520"/>
+                </a:lnTo>
+                <a:lnTo>
+                  <a:pt x="213360" y="198120"/>
+                </a:lnTo>
+                <a:lnTo>
+                  <a:pt x="121920" y="30480"/>
+                </a:lnTo>
+                <a:lnTo>
+                  <a:pt x="411480" y="0"/>
+                </a:lnTo>
+                <a:close/>
+              </a:path>
+            </a:pathLst>
+          </a:custGeom>
+          <a:solidFill>
+            <a:schemeClr val="bg1"/>
+          </a:solidFill>
+          <a:ln>
+            <a:noFill/>
+          </a:ln>
+        </p:spPr>
+        <p:style>
+          <a:lnRef idx="2">
+            <a:schemeClr val="accent1">
+              <a:shade val="50000"/>
+            </a:schemeClr>
+          </a:lnRef>
+          <a:fillRef idx="1">
+            <a:schemeClr val="accent1"/>
+          </a:fillRef>
+          <a:effectRef idx="0">
+            <a:schemeClr val="accent1"/>
+          </a:effectRef>
+          <a:fontRef idx="minor">
+            <a:schemeClr val="lt1"/>
+          </a:fontRef>
+        </p:style>
+        <p:txBody>
+          <a:bodyPr rtlCol="0" anchor="ctr"/>
+          <a:lstStyle/>
+          <a:p>
+            <a:pPr algn="ctr"/>
+            <a:endParaRPr lang="en-US"/>
+          </a:p>
+        </p:txBody>
+      </p:sp>
+      <p:sp>
+        <p:nvSpPr>
+          <p:cNvPr id="41" name="Rectangle 40"/>
+          <p:cNvSpPr/>
+          <p:nvPr/>
+        </p:nvSpPr>
+        <p:spPr>
+          <a:xfrm>
+            <a:off x="1463040" y="411480"/>
+            <a:ext cx="6690360" cy="2834640"/>
+          </a:xfrm>
+          <a:prstGeom prst="rect">
+            <a:avLst/>
+          </a:prstGeom>
+          <a:noFill/>
+          <a:ln w="9525">
+            <a:solidFill>
+              <a:schemeClr val="tx1"/>
+            </a:solidFill>
+          </a:ln>
+        </p:spPr>
+        <p:style>
+          <a:lnRef idx="2">
+            <a:schemeClr val="accent1">
+              <a:shade val="50000"/>
+            </a:schemeClr>
+          </a:lnRef>
+          <a:fillRef idx="1">
+            <a:schemeClr val="accent1"/>
+          </a:fillRef>
+          <a:effectRef idx="0">
+            <a:schemeClr val="accent1"/>
+          </a:effectRef>
+          <a:fontRef idx="minor">
+            <a:schemeClr val="lt1"/>
+          </a:fontRef>
+        </p:style>
+        <p:txBody>
+          <a:bodyPr rtlCol="0" anchor="ctr"/>
+          <a:lstStyle/>
+          <a:p>
+            <a:pPr algn="ctr"/>
+            <a:endParaRPr lang="en-US"/>
+          </a:p>
+        </p:txBody>
+      </p:sp>
+      <p:sp>
+        <p:nvSpPr>
+          <p:cNvPr id="45" name="TextBox 44"/>
+          <p:cNvSpPr txBox="1"/>
+          <p:nvPr/>
+        </p:nvSpPr>
+        <p:spPr>
+          <a:xfrm>
+            <a:off x="3383280" y="411480"/>
+            <a:ext cx="1221809" cy="369332"/>
+          </a:xfrm>
+          <a:prstGeom prst="rect">
+            <a:avLst/>
+          </a:prstGeom>
+          <a:noFill/>
+        </p:spPr>
+        <p:txBody>
+          <a:bodyPr wrap="none" rtlCol="0">
+            <a:spAutoFit/>
+          </a:bodyPr>
+          <a:lstStyle/>
+          <a:p>
+            <a:r>
+              <a:rPr lang="en-US" dirty="0"/>
+              <a:t>Phase Shift</a:t>
+            </a:r>
+          </a:p>
+        </p:txBody>
+      </p:sp>
+      <p:sp>
+        <p:nvSpPr>
+          <p:cNvPr id="46" name="TextBox 45"/>
+          <p:cNvSpPr txBox="1"/>
+          <p:nvPr/>
+        </p:nvSpPr>
+        <p:spPr>
+          <a:xfrm>
+            <a:off x="4937760" y="853440"/>
+            <a:ext cx="1545616" cy="369332"/>
+          </a:xfrm>
+          <a:prstGeom prst="rect">
+            <a:avLst/>
+          </a:prstGeom>
+          <a:noFill/>
+        </p:spPr>
+        <p:txBody>
+          <a:bodyPr wrap="none" rtlCol="0">
+            <a:spAutoFit/>
+          </a:bodyPr>
+          <a:lstStyle/>
+          <a:p>
+            <a:r>
+              <a:rPr lang="en-US" dirty="0"/>
+              <a:t>No Phase Shift</a:t>
+            </a:r>
+          </a:p>
+        </p:txBody>
+      </p:sp>
+      <p:sp>
+        <p:nvSpPr>
+          <p:cNvPr id="47" name="TextBox 46"/>
+          <p:cNvSpPr txBox="1"/>
+          <p:nvPr/>
+        </p:nvSpPr>
+        <p:spPr>
+          <a:xfrm>
+            <a:off x="7086600" y="1127760"/>
+            <a:ext cx="538930" cy="369332"/>
+          </a:xfrm>
+          <a:prstGeom prst="rect">
+            <a:avLst/>
+          </a:prstGeom>
+          <a:noFill/>
+        </p:spPr>
+        <p:txBody>
+          <a:bodyPr wrap="none" rtlCol="0">
+            <a:spAutoFit/>
+          </a:bodyPr>
+          <a:lstStyle/>
+          <a:p>
+            <a:r>
+              <a:rPr lang="en-US" dirty="0"/>
+              <a:t>n=1</a:t>
+            </a:r>
+          </a:p>
+        </p:txBody>
+      </p:sp>
+      <p:sp>
+        <p:nvSpPr>
+          <p:cNvPr id="48" name="TextBox 47"/>
+          <p:cNvSpPr txBox="1"/>
+          <p:nvPr/>
+        </p:nvSpPr>
+        <p:spPr>
+          <a:xfrm>
+            <a:off x="7086600" y="2819400"/>
+            <a:ext cx="538930" cy="369332"/>
+          </a:xfrm>
+          <a:prstGeom prst="rect">
+            <a:avLst/>
+          </a:prstGeom>
+          <a:noFill/>
+        </p:spPr>
+        <p:txBody>
+          <a:bodyPr wrap="none" rtlCol="0">
+            <a:spAutoFit/>
+          </a:bodyPr>
+          <a:lstStyle/>
+          <a:p>
+            <a:r>
+              <a:rPr lang="en-US" dirty="0"/>
+              <a:t>n=1</a:t>
+            </a:r>
+          </a:p>
+        </p:txBody>
+      </p:sp>
+      <p:sp>
+        <p:nvSpPr>
+          <p:cNvPr id="49" name="TextBox 48"/>
+          <p:cNvSpPr txBox="1"/>
+          <p:nvPr/>
+        </p:nvSpPr>
+        <p:spPr>
+          <a:xfrm>
+            <a:off x="7086600" y="2072640"/>
+            <a:ext cx="538930" cy="369332"/>
+          </a:xfrm>
+          <a:prstGeom prst="rect">
+            <a:avLst/>
+          </a:prstGeom>
+          <a:noFill/>
+        </p:spPr>
+        <p:txBody>
+          <a:bodyPr wrap="none" rtlCol="0">
+            <a:spAutoFit/>
+          </a:bodyPr>
+          <a:lstStyle/>
+          <a:p>
+            <a:r>
+              <a:rPr lang="en-US" dirty="0"/>
+              <a:t>n&gt;1</a:t>
+            </a:r>
+          </a:p>
+        </p:txBody>
+      </p:sp>
     </p:spTree>
-    <p:extLst>
-      <p:ext uri="{BB962C8B-B14F-4D97-AF65-F5344CB8AC3E}">
-        <p14:creationId xmlns:p14="http://schemas.microsoft.com/office/powerpoint/2010/main" val="2093483600"/>
-      </p:ext>
-    </p:extLst>
   </p:cSld>
   <p:clrMapOvr>
     <a:masterClrMapping/>
@@ -12909,98 +14528,1481 @@
       </p:grpSpPr>
       <p:sp>
         <p:nvSpPr>
-          <p:cNvPr id="586753" name="Title 1"/>
+          <p:cNvPr id="191491" name="Rectangle 2"/>
+          <p:cNvSpPr>
+            <a:spLocks noGrp="1" noChangeArrowheads="1"/>
+          </p:cNvSpPr>
+          <p:nvPr>
+            <p:ph type="title"/>
+          </p:nvPr>
+        </p:nvSpPr>
+        <p:spPr/>
+        <p:txBody>
+          <a:bodyPr/>
+          <a:lstStyle/>
+          <a:p>
+            <a:r>
+              <a:rPr lang="en-US" dirty="0"/>
+              <a:t>Question 223.8.2.5</a:t>
+            </a:r>
+          </a:p>
+        </p:txBody>
+      </p:sp>
+      <p:sp>
+        <p:nvSpPr>
+          <p:cNvPr id="191492" name="Rectangle 3"/>
+          <p:cNvSpPr>
+            <a:spLocks noGrp="1" noChangeArrowheads="1"/>
+          </p:cNvSpPr>
+          <p:nvPr>
+            <p:ph idx="1"/>
+          </p:nvPr>
+        </p:nvSpPr>
+        <p:spPr>
+          <a:xfrm>
+            <a:off x="457200" y="1600200"/>
+            <a:ext cx="4049713" cy="4525963"/>
+          </a:xfrm>
+        </p:spPr>
+        <p:txBody>
+          <a:bodyPr>
+            <a:normAutofit lnSpcReduction="10000"/>
+          </a:bodyPr>
+          <a:lstStyle/>
+          <a:p>
+            <a:pPr marL="609600" indent="-609600" eaLnBrk="1" hangingPunct="1">
+              <a:buFontTx/>
+              <a:buNone/>
+            </a:pPr>
+            <a:r>
+              <a:rPr lang="en-US" dirty="0"/>
+              <a:t>The thickness of the film is 2 wavelengths. Will rays 3 and 4 be in phase?</a:t>
+            </a:r>
+          </a:p>
+          <a:p>
+            <a:pPr marL="609600" indent="-609600" eaLnBrk="1" hangingPunct="1">
+              <a:buFontTx/>
+              <a:buAutoNum type="alphaLcParenR"/>
+            </a:pPr>
+            <a:r>
+              <a:rPr lang="en-US" dirty="0"/>
+              <a:t>Yes</a:t>
+            </a:r>
+          </a:p>
+          <a:p>
+            <a:pPr marL="609600" indent="-609600" eaLnBrk="1" hangingPunct="1">
+              <a:buFontTx/>
+              <a:buAutoNum type="alphaLcParenR"/>
+            </a:pPr>
+            <a:r>
+              <a:rPr lang="en-US" dirty="0"/>
+              <a:t>No</a:t>
+            </a:r>
+          </a:p>
+          <a:p>
+            <a:pPr marL="609600" indent="-609600">
+              <a:buFontTx/>
+              <a:buAutoNum type="alphaLcParenR"/>
+            </a:pPr>
+            <a:r>
+              <a:rPr lang="en-US" dirty="0"/>
+              <a:t>Can’t tell with the information given</a:t>
+            </a:r>
+          </a:p>
+          <a:p>
+            <a:pPr marL="609600" indent="-609600" eaLnBrk="1" hangingPunct="1">
+              <a:buFontTx/>
+              <a:buAutoNum type="alphaLcParenR"/>
+            </a:pPr>
+            <a:endParaRPr lang="en-US" dirty="0"/>
+          </a:p>
+          <a:p>
+            <a:pPr marL="609600" indent="-609600" eaLnBrk="1" hangingPunct="1">
+              <a:buFontTx/>
+              <a:buNone/>
+            </a:pPr>
+            <a:endParaRPr lang="en-US" dirty="0"/>
+          </a:p>
+        </p:txBody>
+      </p:sp>
+      <p:sp>
+        <p:nvSpPr>
+          <p:cNvPr id="191490" name="Slide Number Placeholder 5"/>
           <p:cNvSpPr>
             <a:spLocks noGrp="1"/>
           </p:cNvSpPr>
           <p:nvPr>
-            <p:ph type="title"/>
+            <p:ph type="sldNum" sz="quarter" idx="12"/>
           </p:nvPr>
         </p:nvSpPr>
-        <p:spPr/>
+        <p:spPr>
+          <a:noFill/>
+        </p:spPr>
         <p:txBody>
           <a:bodyPr/>
           <a:lstStyle/>
           <a:p>
+            <a:fld id="{E71E5971-AF74-4BE9-89AF-02A4D0FADC9F}" type="slidenum">
+              <a:rPr lang="en-US" smtClean="0"/>
+              <a:pPr/>
+              <a:t>9</a:t>
+            </a:fld>
+            <a:endParaRPr lang="en-US"/>
+          </a:p>
+        </p:txBody>
+      </p:sp>
+      <p:sp>
+        <p:nvSpPr>
+          <p:cNvPr id="2" name="Rectangle 1">
+            <a:extLst>
+              <a:ext uri="{FF2B5EF4-FFF2-40B4-BE49-F238E27FC236}">
+                <a16:creationId xmlns:a16="http://schemas.microsoft.com/office/drawing/2014/main" id="{CB3AC135-7401-5F46-9DAC-CB7D69E2E6F0}"/>
+              </a:ext>
+            </a:extLst>
+          </p:cNvPr>
+          <p:cNvSpPr/>
+          <p:nvPr/>
+        </p:nvSpPr>
+        <p:spPr>
+          <a:xfrm>
+            <a:off x="4646669" y="2961431"/>
+            <a:ext cx="3959999" cy="1066800"/>
+          </a:xfrm>
+          <a:prstGeom prst="rect">
+            <a:avLst/>
+          </a:prstGeom>
+          <a:solidFill>
+            <a:schemeClr val="tx2"/>
+          </a:solidFill>
+          <a:ln>
+            <a:noFill/>
+          </a:ln>
+        </p:spPr>
+        <p:style>
+          <a:lnRef idx="2">
+            <a:schemeClr val="accent1">
+              <a:shade val="50000"/>
+            </a:schemeClr>
+          </a:lnRef>
+          <a:fillRef idx="1">
+            <a:schemeClr val="accent1"/>
+          </a:fillRef>
+          <a:effectRef idx="0">
+            <a:schemeClr val="accent1"/>
+          </a:effectRef>
+          <a:fontRef idx="minor">
+            <a:schemeClr val="lt1"/>
+          </a:fontRef>
+        </p:style>
+        <p:txBody>
+          <a:bodyPr rtlCol="0" anchor="ctr"/>
+          <a:lstStyle/>
+          <a:p>
+            <a:pPr algn="ctr"/>
+            <a:endParaRPr lang="en-US"/>
+          </a:p>
+        </p:txBody>
+      </p:sp>
+      <p:sp>
+        <p:nvSpPr>
+          <p:cNvPr id="3" name="Rectangle 2">
+            <a:extLst>
+              <a:ext uri="{FF2B5EF4-FFF2-40B4-BE49-F238E27FC236}">
+                <a16:creationId xmlns:a16="http://schemas.microsoft.com/office/drawing/2014/main" id="{85A1AB26-7418-2CD4-871B-FB0061A24B1D}"/>
+              </a:ext>
+            </a:extLst>
+          </p:cNvPr>
+          <p:cNvSpPr/>
+          <p:nvPr/>
+        </p:nvSpPr>
+        <p:spPr>
+          <a:xfrm>
+            <a:off x="4616189" y="3024216"/>
+            <a:ext cx="3990479" cy="944880"/>
+          </a:xfrm>
+          <a:prstGeom prst="rect">
+            <a:avLst/>
+          </a:prstGeom>
+          <a:solidFill>
+            <a:schemeClr val="accent1">
+              <a:lumMod val="20000"/>
+              <a:lumOff val="80000"/>
+            </a:schemeClr>
+          </a:solidFill>
+          <a:ln>
+            <a:noFill/>
+          </a:ln>
+        </p:spPr>
+        <p:style>
+          <a:lnRef idx="2">
+            <a:schemeClr val="accent1">
+              <a:shade val="50000"/>
+            </a:schemeClr>
+          </a:lnRef>
+          <a:fillRef idx="1">
+            <a:schemeClr val="accent1"/>
+          </a:fillRef>
+          <a:effectRef idx="0">
+            <a:schemeClr val="accent1"/>
+          </a:effectRef>
+          <a:fontRef idx="minor">
+            <a:schemeClr val="lt1"/>
+          </a:fontRef>
+        </p:style>
+        <p:txBody>
+          <a:bodyPr rtlCol="0" anchor="ctr"/>
+          <a:lstStyle/>
+          <a:p>
+            <a:pPr algn="ctr"/>
+            <a:endParaRPr lang="en-US"/>
+          </a:p>
+        </p:txBody>
+      </p:sp>
+      <p:cxnSp>
+        <p:nvCxnSpPr>
+          <p:cNvPr id="4" name="Straight Connector 3">
+            <a:extLst>
+              <a:ext uri="{FF2B5EF4-FFF2-40B4-BE49-F238E27FC236}">
+                <a16:creationId xmlns:a16="http://schemas.microsoft.com/office/drawing/2014/main" id="{5E2695C7-FBC5-92FC-CD0D-E3D751894B3F}"/>
+              </a:ext>
+            </a:extLst>
+          </p:cNvPr>
+          <p:cNvCxnSpPr/>
+          <p:nvPr/>
+        </p:nvCxnSpPr>
+        <p:spPr>
+          <a:xfrm>
+            <a:off x="5881109" y="1833671"/>
+            <a:ext cx="899160" cy="1112520"/>
+          </a:xfrm>
+          <a:prstGeom prst="line">
+            <a:avLst/>
+          </a:prstGeom>
+          <a:ln w="38100">
+            <a:solidFill>
+              <a:srgbClr val="FF0000"/>
+            </a:solidFill>
+          </a:ln>
+        </p:spPr>
+        <p:style>
+          <a:lnRef idx="1">
+            <a:schemeClr val="accent1"/>
+          </a:lnRef>
+          <a:fillRef idx="0">
+            <a:schemeClr val="accent1"/>
+          </a:fillRef>
+          <a:effectRef idx="0">
+            <a:schemeClr val="accent1"/>
+          </a:effectRef>
+          <a:fontRef idx="minor">
+            <a:schemeClr val="tx1"/>
+          </a:fontRef>
+        </p:style>
+      </p:cxnSp>
+      <p:cxnSp>
+        <p:nvCxnSpPr>
+          <p:cNvPr id="5" name="Straight Connector 4">
+            <a:extLst>
+              <a:ext uri="{FF2B5EF4-FFF2-40B4-BE49-F238E27FC236}">
+                <a16:creationId xmlns:a16="http://schemas.microsoft.com/office/drawing/2014/main" id="{2D9A088A-492F-2C3D-8501-7CC976C245CD}"/>
+              </a:ext>
+            </a:extLst>
+          </p:cNvPr>
+          <p:cNvCxnSpPr/>
+          <p:nvPr/>
+        </p:nvCxnSpPr>
+        <p:spPr>
+          <a:xfrm>
+            <a:off x="6810749" y="2961431"/>
+            <a:ext cx="182880" cy="1036320"/>
+          </a:xfrm>
+          <a:prstGeom prst="line">
+            <a:avLst/>
+          </a:prstGeom>
+          <a:ln w="38100">
+            <a:solidFill>
+              <a:srgbClr val="FF0000"/>
+            </a:solidFill>
+          </a:ln>
+        </p:spPr>
+        <p:style>
+          <a:lnRef idx="1">
+            <a:schemeClr val="accent1"/>
+          </a:lnRef>
+          <a:fillRef idx="0">
+            <a:schemeClr val="accent1"/>
+          </a:fillRef>
+          <a:effectRef idx="0">
+            <a:schemeClr val="accent1"/>
+          </a:effectRef>
+          <a:fontRef idx="minor">
+            <a:schemeClr val="tx1"/>
+          </a:fontRef>
+        </p:style>
+      </p:cxnSp>
+      <p:cxnSp>
+        <p:nvCxnSpPr>
+          <p:cNvPr id="6" name="Straight Connector 5">
+            <a:extLst>
+              <a:ext uri="{FF2B5EF4-FFF2-40B4-BE49-F238E27FC236}">
+                <a16:creationId xmlns:a16="http://schemas.microsoft.com/office/drawing/2014/main" id="{2347BFE9-623A-3C23-C895-F0583D26F64B}"/>
+              </a:ext>
+            </a:extLst>
+          </p:cNvPr>
+          <p:cNvCxnSpPr/>
+          <p:nvPr/>
+        </p:nvCxnSpPr>
+        <p:spPr>
+          <a:xfrm flipH="1">
+            <a:off x="6825989" y="1848911"/>
+            <a:ext cx="899160" cy="1112520"/>
+          </a:xfrm>
+          <a:prstGeom prst="line">
+            <a:avLst/>
+          </a:prstGeom>
+          <a:ln w="38100">
+            <a:solidFill>
+              <a:srgbClr val="FF0000"/>
+            </a:solidFill>
+          </a:ln>
+        </p:spPr>
+        <p:style>
+          <a:lnRef idx="1">
+            <a:schemeClr val="accent1"/>
+          </a:lnRef>
+          <a:fillRef idx="0">
+            <a:schemeClr val="accent1"/>
+          </a:fillRef>
+          <a:effectRef idx="0">
+            <a:schemeClr val="accent1"/>
+          </a:effectRef>
+          <a:fontRef idx="minor">
+            <a:schemeClr val="tx1"/>
+          </a:fontRef>
+        </p:style>
+      </p:cxnSp>
+      <p:cxnSp>
+        <p:nvCxnSpPr>
+          <p:cNvPr id="7" name="Straight Connector 6">
+            <a:extLst>
+              <a:ext uri="{FF2B5EF4-FFF2-40B4-BE49-F238E27FC236}">
+                <a16:creationId xmlns:a16="http://schemas.microsoft.com/office/drawing/2014/main" id="{07A050B0-D480-8D26-637F-B36C3B7F89C2}"/>
+              </a:ext>
+            </a:extLst>
+          </p:cNvPr>
+          <p:cNvCxnSpPr/>
+          <p:nvPr/>
+        </p:nvCxnSpPr>
+        <p:spPr>
+          <a:xfrm flipH="1">
+            <a:off x="7222229" y="1848911"/>
+            <a:ext cx="899160" cy="1112520"/>
+          </a:xfrm>
+          <a:prstGeom prst="line">
+            <a:avLst/>
+          </a:prstGeom>
+          <a:ln w="38100">
+            <a:solidFill>
+              <a:srgbClr val="FF0000"/>
+            </a:solidFill>
+          </a:ln>
+        </p:spPr>
+        <p:style>
+          <a:lnRef idx="1">
+            <a:schemeClr val="accent1"/>
+          </a:lnRef>
+          <a:fillRef idx="0">
+            <a:schemeClr val="accent1"/>
+          </a:fillRef>
+          <a:effectRef idx="0">
+            <a:schemeClr val="accent1"/>
+          </a:effectRef>
+          <a:fontRef idx="minor">
+            <a:schemeClr val="tx1"/>
+          </a:fontRef>
+        </p:style>
+      </p:cxnSp>
+      <p:cxnSp>
+        <p:nvCxnSpPr>
+          <p:cNvPr id="8" name="Straight Connector 7">
+            <a:extLst>
+              <a:ext uri="{FF2B5EF4-FFF2-40B4-BE49-F238E27FC236}">
+                <a16:creationId xmlns:a16="http://schemas.microsoft.com/office/drawing/2014/main" id="{0C7D67D0-B539-23F5-926A-F2D6781079FC}"/>
+              </a:ext>
+            </a:extLst>
+          </p:cNvPr>
+          <p:cNvCxnSpPr/>
+          <p:nvPr/>
+        </p:nvCxnSpPr>
+        <p:spPr>
+          <a:xfrm flipH="1">
+            <a:off x="7024109" y="2976671"/>
+            <a:ext cx="182880" cy="1036320"/>
+          </a:xfrm>
+          <a:prstGeom prst="line">
+            <a:avLst/>
+          </a:prstGeom>
+          <a:ln w="38100">
+            <a:solidFill>
+              <a:srgbClr val="FF0000"/>
+            </a:solidFill>
+          </a:ln>
+        </p:spPr>
+        <p:style>
+          <a:lnRef idx="1">
+            <a:schemeClr val="accent1"/>
+          </a:lnRef>
+          <a:fillRef idx="0">
+            <a:schemeClr val="accent1"/>
+          </a:fillRef>
+          <a:effectRef idx="0">
+            <a:schemeClr val="accent1"/>
+          </a:effectRef>
+          <a:fontRef idx="minor">
+            <a:schemeClr val="tx1"/>
+          </a:fontRef>
+        </p:style>
+      </p:cxnSp>
+      <p:sp>
+        <p:nvSpPr>
+          <p:cNvPr id="9" name="Isosceles Triangle 8">
+            <a:extLst>
+              <a:ext uri="{FF2B5EF4-FFF2-40B4-BE49-F238E27FC236}">
+                <a16:creationId xmlns:a16="http://schemas.microsoft.com/office/drawing/2014/main" id="{944EEB27-384F-C2CF-A93A-13981C5D5402}"/>
+              </a:ext>
+            </a:extLst>
+          </p:cNvPr>
+          <p:cNvSpPr/>
+          <p:nvPr/>
+        </p:nvSpPr>
+        <p:spPr>
+          <a:xfrm rot="8363335">
+            <a:off x="6175909" y="2196573"/>
+            <a:ext cx="198120" cy="243840"/>
+          </a:xfrm>
+          <a:prstGeom prst="triangle">
+            <a:avLst/>
+          </a:prstGeom>
+          <a:solidFill>
+            <a:srgbClr val="FF0000"/>
+          </a:solidFill>
+          <a:ln>
+            <a:noFill/>
+          </a:ln>
+        </p:spPr>
+        <p:style>
+          <a:lnRef idx="2">
+            <a:schemeClr val="accent1">
+              <a:shade val="50000"/>
+            </a:schemeClr>
+          </a:lnRef>
+          <a:fillRef idx="1">
+            <a:schemeClr val="accent1"/>
+          </a:fillRef>
+          <a:effectRef idx="0">
+            <a:schemeClr val="accent1"/>
+          </a:effectRef>
+          <a:fontRef idx="minor">
+            <a:schemeClr val="lt1"/>
+          </a:fontRef>
+        </p:style>
+        <p:txBody>
+          <a:bodyPr rtlCol="0" anchor="ctr"/>
+          <a:lstStyle/>
+          <a:p>
+            <a:pPr algn="ctr"/>
+            <a:endParaRPr lang="en-US"/>
+          </a:p>
+        </p:txBody>
+      </p:sp>
+      <p:sp>
+        <p:nvSpPr>
+          <p:cNvPr id="10" name="Isosceles Triangle 9">
+            <a:extLst>
+              <a:ext uri="{FF2B5EF4-FFF2-40B4-BE49-F238E27FC236}">
+                <a16:creationId xmlns:a16="http://schemas.microsoft.com/office/drawing/2014/main" id="{3D71ED11-C10E-1AFA-F9E2-CA4EDDAA1ED1}"/>
+              </a:ext>
+            </a:extLst>
+          </p:cNvPr>
+          <p:cNvSpPr/>
+          <p:nvPr/>
+        </p:nvSpPr>
+        <p:spPr>
+          <a:xfrm rot="2276016">
+            <a:off x="7314144" y="2117992"/>
+            <a:ext cx="198120" cy="243840"/>
+          </a:xfrm>
+          <a:prstGeom prst="triangle">
+            <a:avLst/>
+          </a:prstGeom>
+          <a:solidFill>
+            <a:srgbClr val="FF0000"/>
+          </a:solidFill>
+          <a:ln>
+            <a:noFill/>
+          </a:ln>
+        </p:spPr>
+        <p:style>
+          <a:lnRef idx="2">
+            <a:schemeClr val="accent1">
+              <a:shade val="50000"/>
+            </a:schemeClr>
+          </a:lnRef>
+          <a:fillRef idx="1">
+            <a:schemeClr val="accent1"/>
+          </a:fillRef>
+          <a:effectRef idx="0">
+            <a:schemeClr val="accent1"/>
+          </a:effectRef>
+          <a:fontRef idx="minor">
+            <a:schemeClr val="lt1"/>
+          </a:fontRef>
+        </p:style>
+        <p:txBody>
+          <a:bodyPr rtlCol="0" anchor="ctr"/>
+          <a:lstStyle/>
+          <a:p>
+            <a:pPr algn="ctr"/>
+            <a:endParaRPr lang="en-US"/>
+          </a:p>
+        </p:txBody>
+      </p:sp>
+      <p:sp>
+        <p:nvSpPr>
+          <p:cNvPr id="11" name="Isosceles Triangle 10">
+            <a:extLst>
+              <a:ext uri="{FF2B5EF4-FFF2-40B4-BE49-F238E27FC236}">
+                <a16:creationId xmlns:a16="http://schemas.microsoft.com/office/drawing/2014/main" id="{1ECCC80A-8B04-55BD-FCCB-D6FCEF629B7D}"/>
+              </a:ext>
+            </a:extLst>
+          </p:cNvPr>
+          <p:cNvSpPr/>
+          <p:nvPr/>
+        </p:nvSpPr>
+        <p:spPr>
+          <a:xfrm rot="2276016">
+            <a:off x="7554651" y="2310872"/>
+            <a:ext cx="198120" cy="243840"/>
+          </a:xfrm>
+          <a:prstGeom prst="triangle">
+            <a:avLst/>
+          </a:prstGeom>
+          <a:solidFill>
+            <a:srgbClr val="FF0000"/>
+          </a:solidFill>
+          <a:ln>
+            <a:noFill/>
+          </a:ln>
+        </p:spPr>
+        <p:style>
+          <a:lnRef idx="2">
+            <a:schemeClr val="accent1">
+              <a:shade val="50000"/>
+            </a:schemeClr>
+          </a:lnRef>
+          <a:fillRef idx="1">
+            <a:schemeClr val="accent1"/>
+          </a:fillRef>
+          <a:effectRef idx="0">
+            <a:schemeClr val="accent1"/>
+          </a:effectRef>
+          <a:fontRef idx="minor">
+            <a:schemeClr val="lt1"/>
+          </a:fontRef>
+        </p:style>
+        <p:txBody>
+          <a:bodyPr rtlCol="0" anchor="ctr"/>
+          <a:lstStyle/>
+          <a:p>
+            <a:pPr algn="ctr"/>
+            <a:endParaRPr lang="en-US"/>
+          </a:p>
+        </p:txBody>
+      </p:sp>
+      <p:sp>
+        <p:nvSpPr>
+          <p:cNvPr id="12" name="Freeform 33">
+            <a:extLst>
+              <a:ext uri="{FF2B5EF4-FFF2-40B4-BE49-F238E27FC236}">
+                <a16:creationId xmlns:a16="http://schemas.microsoft.com/office/drawing/2014/main" id="{74998026-2C9B-8C4C-07E8-AF31776C1C48}"/>
+              </a:ext>
+            </a:extLst>
+          </p:cNvPr>
+          <p:cNvSpPr/>
+          <p:nvPr/>
+        </p:nvSpPr>
+        <p:spPr>
+          <a:xfrm flipH="1">
+            <a:off x="4448549" y="2717591"/>
+            <a:ext cx="411480" cy="1249680"/>
+          </a:xfrm>
+          <a:custGeom>
+            <a:avLst/>
+            <a:gdLst>
+              <a:gd name="connsiteX0" fmla="*/ 411480 w 411480"/>
+              <a:gd name="connsiteY0" fmla="*/ 0 h 1249680"/>
+              <a:gd name="connsiteX1" fmla="*/ 396240 w 411480"/>
+              <a:gd name="connsiteY1" fmla="*/ 1249680 h 1249680"/>
+              <a:gd name="connsiteX2" fmla="*/ 60960 w 411480"/>
+              <a:gd name="connsiteY2" fmla="*/ 1097280 h 1249680"/>
+              <a:gd name="connsiteX3" fmla="*/ 228600 w 411480"/>
+              <a:gd name="connsiteY3" fmla="*/ 1005840 h 1249680"/>
+              <a:gd name="connsiteX4" fmla="*/ 0 w 411480"/>
+              <a:gd name="connsiteY4" fmla="*/ 746760 h 1249680"/>
+              <a:gd name="connsiteX5" fmla="*/ 243840 w 411480"/>
+              <a:gd name="connsiteY5" fmla="*/ 579120 h 1249680"/>
+              <a:gd name="connsiteX6" fmla="*/ 30480 w 411480"/>
+              <a:gd name="connsiteY6" fmla="*/ 350520 h 1249680"/>
+              <a:gd name="connsiteX7" fmla="*/ 213360 w 411480"/>
+              <a:gd name="connsiteY7" fmla="*/ 198120 h 1249680"/>
+              <a:gd name="connsiteX8" fmla="*/ 121920 w 411480"/>
+              <a:gd name="connsiteY8" fmla="*/ 30480 h 1249680"/>
+              <a:gd name="connsiteX9" fmla="*/ 411480 w 411480"/>
+              <a:gd name="connsiteY9" fmla="*/ 0 h 1249680"/>
+            </a:gdLst>
+            <a:ahLst/>
+            <a:cxnLst>
+              <a:cxn ang="0">
+                <a:pos x="connsiteX0" y="connsiteY0"/>
+              </a:cxn>
+              <a:cxn ang="0">
+                <a:pos x="connsiteX1" y="connsiteY1"/>
+              </a:cxn>
+              <a:cxn ang="0">
+                <a:pos x="connsiteX2" y="connsiteY2"/>
+              </a:cxn>
+              <a:cxn ang="0">
+                <a:pos x="connsiteX3" y="connsiteY3"/>
+              </a:cxn>
+              <a:cxn ang="0">
+                <a:pos x="connsiteX4" y="connsiteY4"/>
+              </a:cxn>
+              <a:cxn ang="0">
+                <a:pos x="connsiteX5" y="connsiteY5"/>
+              </a:cxn>
+              <a:cxn ang="0">
+                <a:pos x="connsiteX6" y="connsiteY6"/>
+              </a:cxn>
+              <a:cxn ang="0">
+                <a:pos x="connsiteX7" y="connsiteY7"/>
+              </a:cxn>
+              <a:cxn ang="0">
+                <a:pos x="connsiteX8" y="connsiteY8"/>
+              </a:cxn>
+              <a:cxn ang="0">
+                <a:pos x="connsiteX9" y="connsiteY9"/>
+              </a:cxn>
+            </a:cxnLst>
+            <a:rect l="l" t="t" r="r" b="b"/>
+            <a:pathLst>
+              <a:path w="411480" h="1249680">
+                <a:moveTo>
+                  <a:pt x="411480" y="0"/>
+                </a:moveTo>
+                <a:lnTo>
+                  <a:pt x="396240" y="1249680"/>
+                </a:lnTo>
+                <a:lnTo>
+                  <a:pt x="60960" y="1097280"/>
+                </a:lnTo>
+                <a:lnTo>
+                  <a:pt x="228600" y="1005840"/>
+                </a:lnTo>
+                <a:lnTo>
+                  <a:pt x="0" y="746760"/>
+                </a:lnTo>
+                <a:lnTo>
+                  <a:pt x="243840" y="579120"/>
+                </a:lnTo>
+                <a:lnTo>
+                  <a:pt x="30480" y="350520"/>
+                </a:lnTo>
+                <a:lnTo>
+                  <a:pt x="213360" y="198120"/>
+                </a:lnTo>
+                <a:lnTo>
+                  <a:pt x="121920" y="30480"/>
+                </a:lnTo>
+                <a:lnTo>
+                  <a:pt x="411480" y="0"/>
+                </a:lnTo>
+                <a:close/>
+              </a:path>
+            </a:pathLst>
+          </a:custGeom>
+          <a:solidFill>
+            <a:schemeClr val="bg1"/>
+          </a:solidFill>
+          <a:ln>
+            <a:noFill/>
+          </a:ln>
+        </p:spPr>
+        <p:style>
+          <a:lnRef idx="2">
+            <a:schemeClr val="accent1">
+              <a:shade val="50000"/>
+            </a:schemeClr>
+          </a:lnRef>
+          <a:fillRef idx="1">
+            <a:schemeClr val="accent1"/>
+          </a:fillRef>
+          <a:effectRef idx="0">
+            <a:schemeClr val="accent1"/>
+          </a:effectRef>
+          <a:fontRef idx="minor">
+            <a:schemeClr val="lt1"/>
+          </a:fontRef>
+        </p:style>
+        <p:txBody>
+          <a:bodyPr rtlCol="0" anchor="ctr"/>
+          <a:lstStyle/>
+          <a:p>
+            <a:pPr algn="ctr"/>
+            <a:endParaRPr lang="en-US"/>
+          </a:p>
+        </p:txBody>
+      </p:sp>
+      <p:sp>
+        <p:nvSpPr>
+          <p:cNvPr id="15" name="TextBox 14">
+            <a:extLst>
+              <a:ext uri="{FF2B5EF4-FFF2-40B4-BE49-F238E27FC236}">
+                <a16:creationId xmlns:a16="http://schemas.microsoft.com/office/drawing/2014/main" id="{FC38B093-0D6E-617F-EAEB-CBABB9A5C546}"/>
+              </a:ext>
+            </a:extLst>
+          </p:cNvPr>
+          <p:cNvSpPr txBox="1"/>
+          <p:nvPr/>
+        </p:nvSpPr>
+        <p:spPr>
+          <a:xfrm>
+            <a:off x="8674884" y="2437350"/>
+            <a:ext cx="538930" cy="369332"/>
+          </a:xfrm>
+          <a:prstGeom prst="rect">
+            <a:avLst/>
+          </a:prstGeom>
+          <a:noFill/>
+        </p:spPr>
+        <p:txBody>
+          <a:bodyPr wrap="none" rtlCol="0">
+            <a:spAutoFit/>
+          </a:bodyPr>
+          <a:lstStyle/>
+          <a:p>
             <a:r>
               <a:rPr lang="en-US" dirty="0"/>
-              <a:t>Question 223.8.3</a:t>
+              <a:t>n=1</a:t>
             </a:r>
           </a:p>
         </p:txBody>
       </p:sp>
       <p:sp>
         <p:nvSpPr>
-          <p:cNvPr id="3" name="Content Placeholder 2"/>
-          <p:cNvSpPr>
-            <a:spLocks noGrp="1"/>
-          </p:cNvSpPr>
-          <p:nvPr>
-            <p:ph idx="1"/>
-          </p:nvPr>
-        </p:nvSpPr>
-        <p:spPr/>
-        <p:txBody>
-          <a:bodyPr/>
+          <p:cNvPr id="16" name="TextBox 15">
+            <a:extLst>
+              <a:ext uri="{FF2B5EF4-FFF2-40B4-BE49-F238E27FC236}">
+                <a16:creationId xmlns:a16="http://schemas.microsoft.com/office/drawing/2014/main" id="{E2D2B90B-812B-47E2-2108-07E193E6F967}"/>
+              </a:ext>
+            </a:extLst>
+          </p:cNvPr>
+          <p:cNvSpPr txBox="1"/>
+          <p:nvPr/>
+        </p:nvSpPr>
+        <p:spPr>
+          <a:xfrm>
+            <a:off x="8674884" y="4128990"/>
+            <a:ext cx="538930" cy="369332"/>
+          </a:xfrm>
+          <a:prstGeom prst="rect">
+            <a:avLst/>
+          </a:prstGeom>
+          <a:noFill/>
+        </p:spPr>
+        <p:txBody>
+          <a:bodyPr wrap="none" rtlCol="0">
+            <a:spAutoFit/>
+          </a:bodyPr>
           <a:lstStyle/>
           <a:p>
-            <a:pPr>
-              <a:buFontTx/>
-              <a:buNone/>
-              <a:defRPr/>
-            </a:pPr>
             <a:r>
               <a:rPr lang="en-US" dirty="0"/>
-              <a:t>I have two waves coming from speakers in my room. I am sitting 3 wavelengths away from one speaker and 4.5 wavelengths away from the other speaker. I hear..</a:t>
+              <a:t>n=1</a:t>
             </a:r>
           </a:p>
-          <a:p>
-            <a:pPr marL="514350" indent="-514350">
-              <a:buFontTx/>
-              <a:buAutoNum type="alphaLcParenR"/>
-              <a:defRPr/>
-            </a:pPr>
+        </p:txBody>
+      </p:sp>
+      <p:sp>
+        <p:nvSpPr>
+          <p:cNvPr id="17" name="TextBox 16">
+            <a:extLst>
+              <a:ext uri="{FF2B5EF4-FFF2-40B4-BE49-F238E27FC236}">
+                <a16:creationId xmlns:a16="http://schemas.microsoft.com/office/drawing/2014/main" id="{ED3B293C-8EE6-740C-E8A5-C57482C59ABF}"/>
+              </a:ext>
+            </a:extLst>
+          </p:cNvPr>
+          <p:cNvSpPr txBox="1"/>
+          <p:nvPr/>
+        </p:nvSpPr>
+        <p:spPr>
+          <a:xfrm>
+            <a:off x="8674884" y="3382230"/>
+            <a:ext cx="538930" cy="369332"/>
+          </a:xfrm>
+          <a:prstGeom prst="rect">
+            <a:avLst/>
+          </a:prstGeom>
+          <a:noFill/>
+        </p:spPr>
+        <p:txBody>
+          <a:bodyPr wrap="none" rtlCol="0">
+            <a:spAutoFit/>
+          </a:bodyPr>
+          <a:lstStyle/>
+          <a:p>
             <a:r>
               <a:rPr lang="en-US" dirty="0"/>
-              <a:t>Twice the normal loudness</a:t>
+              <a:t>n&gt;1</a:t>
             </a:r>
           </a:p>
-          <a:p>
-            <a:pPr marL="514350" indent="-514350">
-              <a:buFontTx/>
-              <a:buAutoNum type="alphaLcParenR"/>
-              <a:defRPr/>
-            </a:pPr>
+        </p:txBody>
+      </p:sp>
+      <p:cxnSp>
+        <p:nvCxnSpPr>
+          <p:cNvPr id="18" name="Straight Connector 17">
+            <a:extLst>
+              <a:ext uri="{FF2B5EF4-FFF2-40B4-BE49-F238E27FC236}">
+                <a16:creationId xmlns:a16="http://schemas.microsoft.com/office/drawing/2014/main" id="{85FFACE0-3235-2473-93E8-B19E4D46DCC3}"/>
+              </a:ext>
+            </a:extLst>
+          </p:cNvPr>
+          <p:cNvCxnSpPr/>
+          <p:nvPr/>
+        </p:nvCxnSpPr>
+        <p:spPr>
+          <a:xfrm>
+            <a:off x="6993629" y="3993046"/>
+            <a:ext cx="899160" cy="1112520"/>
+          </a:xfrm>
+          <a:prstGeom prst="line">
+            <a:avLst/>
+          </a:prstGeom>
+          <a:ln w="38100">
+            <a:solidFill>
+              <a:srgbClr val="FF0000"/>
+            </a:solidFill>
+          </a:ln>
+        </p:spPr>
+        <p:style>
+          <a:lnRef idx="1">
+            <a:schemeClr val="accent1"/>
+          </a:lnRef>
+          <a:fillRef idx="0">
+            <a:schemeClr val="accent1"/>
+          </a:fillRef>
+          <a:effectRef idx="0">
+            <a:schemeClr val="accent1"/>
+          </a:effectRef>
+          <a:fontRef idx="minor">
+            <a:schemeClr val="tx1"/>
+          </a:fontRef>
+        </p:style>
+      </p:cxnSp>
+      <p:cxnSp>
+        <p:nvCxnSpPr>
+          <p:cNvPr id="19" name="Straight Connector 18">
+            <a:extLst>
+              <a:ext uri="{FF2B5EF4-FFF2-40B4-BE49-F238E27FC236}">
+                <a16:creationId xmlns:a16="http://schemas.microsoft.com/office/drawing/2014/main" id="{E8413F87-D610-C4CC-592E-79BD15F54433}"/>
+              </a:ext>
+            </a:extLst>
+          </p:cNvPr>
+          <p:cNvCxnSpPr/>
+          <p:nvPr/>
+        </p:nvCxnSpPr>
+        <p:spPr>
+          <a:xfrm>
+            <a:off x="7227379" y="2991331"/>
+            <a:ext cx="182880" cy="1036320"/>
+          </a:xfrm>
+          <a:prstGeom prst="line">
+            <a:avLst/>
+          </a:prstGeom>
+          <a:ln w="38100">
+            <a:solidFill>
+              <a:srgbClr val="FF0000"/>
+            </a:solidFill>
+          </a:ln>
+        </p:spPr>
+        <p:style>
+          <a:lnRef idx="1">
+            <a:schemeClr val="accent1"/>
+          </a:lnRef>
+          <a:fillRef idx="0">
+            <a:schemeClr val="accent1"/>
+          </a:fillRef>
+          <a:effectRef idx="0">
+            <a:schemeClr val="accent1"/>
+          </a:effectRef>
+          <a:fontRef idx="minor">
+            <a:schemeClr val="tx1"/>
+          </a:fontRef>
+        </p:style>
+      </p:cxnSp>
+      <p:cxnSp>
+        <p:nvCxnSpPr>
+          <p:cNvPr id="20" name="Straight Connector 19">
+            <a:extLst>
+              <a:ext uri="{FF2B5EF4-FFF2-40B4-BE49-F238E27FC236}">
+                <a16:creationId xmlns:a16="http://schemas.microsoft.com/office/drawing/2014/main" id="{C7AE8FBA-4C8F-B1BF-1C24-4EBB9637FE4C}"/>
+              </a:ext>
+            </a:extLst>
+          </p:cNvPr>
+          <p:cNvCxnSpPr/>
+          <p:nvPr/>
+        </p:nvCxnSpPr>
+        <p:spPr>
+          <a:xfrm>
+            <a:off x="7417260" y="3993046"/>
+            <a:ext cx="899160" cy="1112520"/>
+          </a:xfrm>
+          <a:prstGeom prst="line">
+            <a:avLst/>
+          </a:prstGeom>
+          <a:ln w="38100">
+            <a:solidFill>
+              <a:srgbClr val="FF0000"/>
+            </a:solidFill>
+          </a:ln>
+        </p:spPr>
+        <p:style>
+          <a:lnRef idx="1">
+            <a:schemeClr val="accent1"/>
+          </a:lnRef>
+          <a:fillRef idx="0">
+            <a:schemeClr val="accent1"/>
+          </a:fillRef>
+          <a:effectRef idx="0">
+            <a:schemeClr val="accent1"/>
+          </a:effectRef>
+          <a:fontRef idx="minor">
+            <a:schemeClr val="tx1"/>
+          </a:fontRef>
+        </p:style>
+      </p:cxnSp>
+      <p:sp>
+        <p:nvSpPr>
+          <p:cNvPr id="21" name="Oval 20">
+            <a:extLst>
+              <a:ext uri="{FF2B5EF4-FFF2-40B4-BE49-F238E27FC236}">
+                <a16:creationId xmlns:a16="http://schemas.microsoft.com/office/drawing/2014/main" id="{96362609-6D5C-54C8-42A2-3D06C6A13DB1}"/>
+              </a:ext>
+            </a:extLst>
+          </p:cNvPr>
+          <p:cNvSpPr/>
+          <p:nvPr/>
+        </p:nvSpPr>
+        <p:spPr>
+          <a:xfrm>
+            <a:off x="7057260" y="1832996"/>
+            <a:ext cx="329938" cy="298204"/>
+          </a:xfrm>
+          <a:prstGeom prst="ellipse">
+            <a:avLst/>
+          </a:prstGeom>
+          <a:solidFill>
+            <a:schemeClr val="bg1"/>
+          </a:solidFill>
+        </p:spPr>
+        <p:style>
+          <a:lnRef idx="2">
+            <a:schemeClr val="accent1">
+              <a:shade val="15000"/>
+            </a:schemeClr>
+          </a:lnRef>
+          <a:fillRef idx="1">
+            <a:schemeClr val="accent1"/>
+          </a:fillRef>
+          <a:effectRef idx="0">
+            <a:schemeClr val="accent1"/>
+          </a:effectRef>
+          <a:fontRef idx="minor">
+            <a:schemeClr val="lt1"/>
+          </a:fontRef>
+        </p:style>
+        <p:txBody>
+          <a:bodyPr rtlCol="0" anchor="ctr"/>
+          <a:lstStyle/>
+          <a:p>
+            <a:pPr algn="ctr"/>
+            <a:r>
+              <a:rPr lang="en-US" dirty="0">
+                <a:solidFill>
+                  <a:schemeClr val="tx1"/>
+                </a:solidFill>
+              </a:rPr>
+              <a:t>1</a:t>
+            </a:r>
+          </a:p>
+        </p:txBody>
+      </p:sp>
+      <p:sp>
+        <p:nvSpPr>
+          <p:cNvPr id="22" name="Oval 21">
+            <a:extLst>
+              <a:ext uri="{FF2B5EF4-FFF2-40B4-BE49-F238E27FC236}">
+                <a16:creationId xmlns:a16="http://schemas.microsoft.com/office/drawing/2014/main" id="{7A9321C8-D105-C4CA-B7DC-06E9F585B76F}"/>
+              </a:ext>
+            </a:extLst>
+          </p:cNvPr>
+          <p:cNvSpPr/>
+          <p:nvPr/>
+        </p:nvSpPr>
+        <p:spPr>
+          <a:xfrm>
+            <a:off x="7864980" y="2180534"/>
+            <a:ext cx="329938" cy="298204"/>
+          </a:xfrm>
+          <a:prstGeom prst="ellipse">
+            <a:avLst/>
+          </a:prstGeom>
+          <a:solidFill>
+            <a:schemeClr val="bg1"/>
+          </a:solidFill>
+        </p:spPr>
+        <p:style>
+          <a:lnRef idx="2">
+            <a:schemeClr val="accent1">
+              <a:shade val="15000"/>
+            </a:schemeClr>
+          </a:lnRef>
+          <a:fillRef idx="1">
+            <a:schemeClr val="accent1"/>
+          </a:fillRef>
+          <a:effectRef idx="0">
+            <a:schemeClr val="accent1"/>
+          </a:effectRef>
+          <a:fontRef idx="minor">
+            <a:schemeClr val="lt1"/>
+          </a:fontRef>
+        </p:style>
+        <p:txBody>
+          <a:bodyPr rtlCol="0" anchor="ctr"/>
+          <a:lstStyle/>
+          <a:p>
+            <a:pPr algn="ctr"/>
+            <a:r>
+              <a:rPr lang="en-US" dirty="0">
+                <a:solidFill>
+                  <a:schemeClr val="tx1"/>
+                </a:solidFill>
+              </a:rPr>
+              <a:t>2</a:t>
+            </a:r>
+          </a:p>
+        </p:txBody>
+      </p:sp>
+      <p:sp>
+        <p:nvSpPr>
+          <p:cNvPr id="23" name="Oval 22">
+            <a:extLst>
+              <a:ext uri="{FF2B5EF4-FFF2-40B4-BE49-F238E27FC236}">
+                <a16:creationId xmlns:a16="http://schemas.microsoft.com/office/drawing/2014/main" id="{7137FB4B-11B1-407B-C148-B85A553098CC}"/>
+              </a:ext>
+            </a:extLst>
+          </p:cNvPr>
+          <p:cNvSpPr/>
+          <p:nvPr/>
+        </p:nvSpPr>
+        <p:spPr>
+          <a:xfrm>
+            <a:off x="7204862" y="4709360"/>
+            <a:ext cx="329938" cy="298204"/>
+          </a:xfrm>
+          <a:prstGeom prst="ellipse">
+            <a:avLst/>
+          </a:prstGeom>
+          <a:solidFill>
+            <a:schemeClr val="bg1"/>
+          </a:solidFill>
+        </p:spPr>
+        <p:style>
+          <a:lnRef idx="2">
+            <a:schemeClr val="accent1">
+              <a:shade val="15000"/>
+            </a:schemeClr>
+          </a:lnRef>
+          <a:fillRef idx="1">
+            <a:schemeClr val="accent1"/>
+          </a:fillRef>
+          <a:effectRef idx="0">
+            <a:schemeClr val="accent1"/>
+          </a:effectRef>
+          <a:fontRef idx="minor">
+            <a:schemeClr val="lt1"/>
+          </a:fontRef>
+        </p:style>
+        <p:txBody>
+          <a:bodyPr rtlCol="0" anchor="ctr"/>
+          <a:lstStyle/>
+          <a:p>
+            <a:pPr algn="ctr"/>
+            <a:r>
+              <a:rPr lang="en-US" dirty="0">
+                <a:solidFill>
+                  <a:schemeClr val="tx1"/>
+                </a:solidFill>
+              </a:rPr>
+              <a:t>3</a:t>
+            </a:r>
+          </a:p>
+        </p:txBody>
+      </p:sp>
+      <p:sp>
+        <p:nvSpPr>
+          <p:cNvPr id="24" name="Oval 23">
+            <a:extLst>
+              <a:ext uri="{FF2B5EF4-FFF2-40B4-BE49-F238E27FC236}">
+                <a16:creationId xmlns:a16="http://schemas.microsoft.com/office/drawing/2014/main" id="{D2C76460-226B-4182-1FBC-A551650E80C8}"/>
+              </a:ext>
+            </a:extLst>
+          </p:cNvPr>
+          <p:cNvSpPr/>
+          <p:nvPr/>
+        </p:nvSpPr>
+        <p:spPr>
+          <a:xfrm>
+            <a:off x="8194918" y="4631075"/>
+            <a:ext cx="329938" cy="298204"/>
+          </a:xfrm>
+          <a:prstGeom prst="ellipse">
+            <a:avLst/>
+          </a:prstGeom>
+          <a:solidFill>
+            <a:schemeClr val="bg1"/>
+          </a:solidFill>
+        </p:spPr>
+        <p:style>
+          <a:lnRef idx="2">
+            <a:schemeClr val="accent1">
+              <a:shade val="15000"/>
+            </a:schemeClr>
+          </a:lnRef>
+          <a:fillRef idx="1">
+            <a:schemeClr val="accent1"/>
+          </a:fillRef>
+          <a:effectRef idx="0">
+            <a:schemeClr val="accent1"/>
+          </a:effectRef>
+          <a:fontRef idx="minor">
+            <a:schemeClr val="lt1"/>
+          </a:fontRef>
+        </p:style>
+        <p:txBody>
+          <a:bodyPr rtlCol="0" anchor="ctr"/>
+          <a:lstStyle/>
+          <a:p>
+            <a:pPr algn="ctr"/>
+            <a:r>
+              <a:rPr lang="en-US" dirty="0">
+                <a:solidFill>
+                  <a:schemeClr val="tx1"/>
+                </a:solidFill>
+              </a:rPr>
+              <a:t>4</a:t>
+            </a:r>
+          </a:p>
+        </p:txBody>
+      </p:sp>
+      <p:sp>
+        <p:nvSpPr>
+          <p:cNvPr id="25" name="Isosceles Triangle 24">
+            <a:extLst>
+              <a:ext uri="{FF2B5EF4-FFF2-40B4-BE49-F238E27FC236}">
+                <a16:creationId xmlns:a16="http://schemas.microsoft.com/office/drawing/2014/main" id="{0E793E38-489D-D6CC-2390-C148225DE2A4}"/>
+              </a:ext>
+            </a:extLst>
+          </p:cNvPr>
+          <p:cNvSpPr/>
+          <p:nvPr/>
+        </p:nvSpPr>
+        <p:spPr>
+          <a:xfrm rot="8363335">
+            <a:off x="7677567" y="4309158"/>
+            <a:ext cx="198120" cy="243840"/>
+          </a:xfrm>
+          <a:prstGeom prst="triangle">
+            <a:avLst/>
+          </a:prstGeom>
+          <a:solidFill>
+            <a:srgbClr val="FF0000"/>
+          </a:solidFill>
+          <a:ln>
+            <a:noFill/>
+          </a:ln>
+        </p:spPr>
+        <p:style>
+          <a:lnRef idx="2">
+            <a:schemeClr val="accent1">
+              <a:shade val="50000"/>
+            </a:schemeClr>
+          </a:lnRef>
+          <a:fillRef idx="1">
+            <a:schemeClr val="accent1"/>
+          </a:fillRef>
+          <a:effectRef idx="0">
+            <a:schemeClr val="accent1"/>
+          </a:effectRef>
+          <a:fontRef idx="minor">
+            <a:schemeClr val="lt1"/>
+          </a:fontRef>
+        </p:style>
+        <p:txBody>
+          <a:bodyPr rtlCol="0" anchor="ctr"/>
+          <a:lstStyle/>
+          <a:p>
+            <a:pPr algn="ctr"/>
+            <a:endParaRPr lang="en-US"/>
+          </a:p>
+        </p:txBody>
+      </p:sp>
+      <p:sp>
+        <p:nvSpPr>
+          <p:cNvPr id="26" name="Isosceles Triangle 25">
+            <a:extLst>
+              <a:ext uri="{FF2B5EF4-FFF2-40B4-BE49-F238E27FC236}">
+                <a16:creationId xmlns:a16="http://schemas.microsoft.com/office/drawing/2014/main" id="{3E8ACC13-7F0E-CD18-2C16-9D0EA1710BF9}"/>
+              </a:ext>
+            </a:extLst>
+          </p:cNvPr>
+          <p:cNvSpPr/>
+          <p:nvPr/>
+        </p:nvSpPr>
+        <p:spPr>
+          <a:xfrm rot="8363335">
+            <a:off x="7655507" y="4816415"/>
+            <a:ext cx="198120" cy="243840"/>
+          </a:xfrm>
+          <a:prstGeom prst="triangle">
+            <a:avLst/>
+          </a:prstGeom>
+          <a:solidFill>
+            <a:srgbClr val="FF0000"/>
+          </a:solidFill>
+          <a:ln>
+            <a:noFill/>
+          </a:ln>
+        </p:spPr>
+        <p:style>
+          <a:lnRef idx="2">
+            <a:schemeClr val="accent1">
+              <a:shade val="50000"/>
+            </a:schemeClr>
+          </a:lnRef>
+          <a:fillRef idx="1">
+            <a:schemeClr val="accent1"/>
+          </a:fillRef>
+          <a:effectRef idx="0">
+            <a:schemeClr val="accent1"/>
+          </a:effectRef>
+          <a:fontRef idx="minor">
+            <a:schemeClr val="lt1"/>
+          </a:fontRef>
+        </p:style>
+        <p:txBody>
+          <a:bodyPr rtlCol="0" anchor="ctr"/>
+          <a:lstStyle/>
+          <a:p>
+            <a:pPr algn="ctr"/>
+            <a:endParaRPr lang="en-US"/>
+          </a:p>
+        </p:txBody>
+      </p:sp>
+      <p:sp>
+        <p:nvSpPr>
+          <p:cNvPr id="27" name="Isosceles Triangle 26">
+            <a:extLst>
+              <a:ext uri="{FF2B5EF4-FFF2-40B4-BE49-F238E27FC236}">
+                <a16:creationId xmlns:a16="http://schemas.microsoft.com/office/drawing/2014/main" id="{D8F2208E-734D-CB10-E226-68903C97AB85}"/>
+              </a:ext>
+            </a:extLst>
+          </p:cNvPr>
+          <p:cNvSpPr/>
+          <p:nvPr/>
+        </p:nvSpPr>
+        <p:spPr>
+          <a:xfrm rot="10125416">
+            <a:off x="6782660" y="3268282"/>
+            <a:ext cx="198120" cy="243840"/>
+          </a:xfrm>
+          <a:prstGeom prst="triangle">
+            <a:avLst/>
+          </a:prstGeom>
+          <a:solidFill>
+            <a:srgbClr val="FF0000"/>
+          </a:solidFill>
+          <a:ln>
+            <a:noFill/>
+          </a:ln>
+        </p:spPr>
+        <p:style>
+          <a:lnRef idx="2">
+            <a:schemeClr val="accent1">
+              <a:shade val="50000"/>
+            </a:schemeClr>
+          </a:lnRef>
+          <a:fillRef idx="1">
+            <a:schemeClr val="accent1"/>
+          </a:fillRef>
+          <a:effectRef idx="0">
+            <a:schemeClr val="accent1"/>
+          </a:effectRef>
+          <a:fontRef idx="minor">
+            <a:schemeClr val="lt1"/>
+          </a:fontRef>
+        </p:style>
+        <p:txBody>
+          <a:bodyPr rtlCol="0" anchor="ctr"/>
+          <a:lstStyle/>
+          <a:p>
+            <a:pPr algn="ctr"/>
+            <a:endParaRPr lang="en-US"/>
+          </a:p>
+        </p:txBody>
+      </p:sp>
+      <p:sp>
+        <p:nvSpPr>
+          <p:cNvPr id="28" name="Isosceles Triangle 27">
+            <a:extLst>
+              <a:ext uri="{FF2B5EF4-FFF2-40B4-BE49-F238E27FC236}">
+                <a16:creationId xmlns:a16="http://schemas.microsoft.com/office/drawing/2014/main" id="{D38899BE-EC96-9153-A9C0-F00948F3E4B7}"/>
+              </a:ext>
+            </a:extLst>
+          </p:cNvPr>
+          <p:cNvSpPr/>
+          <p:nvPr/>
+        </p:nvSpPr>
+        <p:spPr>
+          <a:xfrm rot="10125416">
+            <a:off x="7230396" y="3470516"/>
+            <a:ext cx="198120" cy="243840"/>
+          </a:xfrm>
+          <a:prstGeom prst="triangle">
+            <a:avLst/>
+          </a:prstGeom>
+          <a:solidFill>
+            <a:srgbClr val="FF0000"/>
+          </a:solidFill>
+          <a:ln>
+            <a:noFill/>
+          </a:ln>
+        </p:spPr>
+        <p:style>
+          <a:lnRef idx="2">
+            <a:schemeClr val="accent1">
+              <a:shade val="50000"/>
+            </a:schemeClr>
+          </a:lnRef>
+          <a:fillRef idx="1">
+            <a:schemeClr val="accent1"/>
+          </a:fillRef>
+          <a:effectRef idx="0">
+            <a:schemeClr val="accent1"/>
+          </a:effectRef>
+          <a:fontRef idx="minor">
+            <a:schemeClr val="lt1"/>
+          </a:fontRef>
+        </p:style>
+        <p:txBody>
+          <a:bodyPr rtlCol="0" anchor="ctr"/>
+          <a:lstStyle/>
+          <a:p>
+            <a:pPr algn="ctr"/>
+            <a:endParaRPr lang="en-US"/>
+          </a:p>
+        </p:txBody>
+      </p:sp>
+      <p:cxnSp>
+        <p:nvCxnSpPr>
+          <p:cNvPr id="29" name="Straight Arrow Connector 28">
+            <a:extLst>
+              <a:ext uri="{FF2B5EF4-FFF2-40B4-BE49-F238E27FC236}">
+                <a16:creationId xmlns:a16="http://schemas.microsoft.com/office/drawing/2014/main" id="{46C3A66F-A73A-2CCF-DD4C-DB217965B166}"/>
+              </a:ext>
+            </a:extLst>
+          </p:cNvPr>
+          <p:cNvCxnSpPr/>
+          <p:nvPr/>
+        </p:nvCxnSpPr>
+        <p:spPr>
+          <a:xfrm>
+            <a:off x="5867827" y="3024216"/>
+            <a:ext cx="0" cy="944880"/>
+          </a:xfrm>
+          <a:prstGeom prst="straightConnector1">
+            <a:avLst/>
+          </a:prstGeom>
+          <a:ln>
+            <a:headEnd type="triangle"/>
+            <a:tailEnd type="triangle"/>
+          </a:ln>
+        </p:spPr>
+        <p:style>
+          <a:lnRef idx="1">
+            <a:schemeClr val="accent1"/>
+          </a:lnRef>
+          <a:fillRef idx="0">
+            <a:schemeClr val="accent1"/>
+          </a:fillRef>
+          <a:effectRef idx="0">
+            <a:schemeClr val="accent1"/>
+          </a:effectRef>
+          <a:fontRef idx="minor">
+            <a:schemeClr val="tx1"/>
+          </a:fontRef>
+        </p:style>
+      </p:cxnSp>
+      <p:sp>
+        <p:nvSpPr>
+          <p:cNvPr id="30" name="TextBox 29">
+            <a:extLst>
+              <a:ext uri="{FF2B5EF4-FFF2-40B4-BE49-F238E27FC236}">
+                <a16:creationId xmlns:a16="http://schemas.microsoft.com/office/drawing/2014/main" id="{3A6269B5-E691-DB3D-6CEB-6CA3BD6934ED}"/>
+              </a:ext>
+            </a:extLst>
+          </p:cNvPr>
+          <p:cNvSpPr txBox="1"/>
+          <p:nvPr/>
+        </p:nvSpPr>
+        <p:spPr>
+          <a:xfrm>
+            <a:off x="5857754" y="3344256"/>
+            <a:ext cx="261610" cy="369332"/>
+          </a:xfrm>
+          <a:prstGeom prst="rect">
+            <a:avLst/>
+          </a:prstGeom>
+          <a:noFill/>
+        </p:spPr>
+        <p:txBody>
+          <a:bodyPr wrap="none" rtlCol="0">
+            <a:spAutoFit/>
+          </a:bodyPr>
+          <a:lstStyle/>
+          <a:p>
             <a:r>
               <a:rPr lang="en-US" dirty="0"/>
-              <a:t>4 times the normal loudness</a:t>
+              <a:t>t</a:t>
             </a:r>
           </a:p>
-          <a:p>
-            <a:pPr marL="514350" indent="-514350">
-              <a:buFontTx/>
-              <a:buAutoNum type="alphaLcParenR"/>
-              <a:defRPr/>
-            </a:pPr>
-            <a:r>
-              <a:rPr lang="en-US" dirty="0"/>
-              <a:t>8 times the normal loudness</a:t>
-            </a:r>
-          </a:p>
-          <a:p>
-            <a:pPr marL="514350" indent="-514350">
-              <a:buFontTx/>
-              <a:buAutoNum type="alphaLcParenR"/>
-              <a:defRPr/>
-            </a:pPr>
-            <a:r>
-              <a:rPr lang="en-US" dirty="0"/>
-              <a:t>Practically nothing</a:t>
-            </a:r>
-          </a:p>
         </p:txBody>
       </p:sp>
     </p:spTree>
+    <p:extLst>
+      <p:ext uri="{BB962C8B-B14F-4D97-AF65-F5344CB8AC3E}">
+        <p14:creationId xmlns:p14="http://schemas.microsoft.com/office/powerpoint/2010/main" val="2093483600"/>
+      </p:ext>
+    </p:extLst>
   </p:cSld>
   <p:clrMapOvr>
     <a:masterClrMapping/>

--- a/Slides/PH223_Lecture_08.pptx
+++ b/Slides/PH223_Lecture_08.pptx
@@ -5,7 +5,7 @@
     <p:sldMasterId id="2147483653" r:id="rId1"/>
   </p:sldMasterIdLst>
   <p:notesMasterIdLst>
-    <p:notesMasterId r:id="rId43"/>
+    <p:notesMasterId r:id="rId48"/>
   </p:notesMasterIdLst>
   <p:sldIdLst>
     <p:sldId id="732" r:id="rId2"/>
@@ -49,6 +49,11 @@
     <p:sldId id="502" r:id="rId40"/>
     <p:sldId id="504" r:id="rId41"/>
     <p:sldId id="503" r:id="rId42"/>
+    <p:sldId id="749" r:id="rId43"/>
+    <p:sldId id="752" r:id="rId44"/>
+    <p:sldId id="751" r:id="rId45"/>
+    <p:sldId id="753" r:id="rId46"/>
+    <p:sldId id="750" r:id="rId47"/>
   </p:sldIdLst>
   <p:sldSz cx="9144000" cy="6858000" type="screen4x3"/>
   <p:notesSz cx="6858000" cy="9144000"/>
@@ -199,7 +204,7 @@
 <file path=ppt/revisionInfo.xml><?xml version="1.0" encoding="utf-8"?>
 <p1510:revInfo xmlns:a="http://schemas.openxmlformats.org/drawingml/2006/main" xmlns:r="http://schemas.openxmlformats.org/officeDocument/2006/relationships" xmlns:p1510="http://schemas.microsoft.com/office/powerpoint/2015/10/main">
   <p1510:revLst>
-    <p1510:client id="{415C8AF3-DFA9-4004-999B-67A59BA18101}" v="46" dt="2025-09-25T21:13:08.861"/>
+    <p1510:client id="{415C8AF3-DFA9-4004-999B-67A59BA18101}" v="70" dt="2025-10-02T17:22:23.242"/>
   </p1510:revLst>
 </p1510:revInfo>
 </file>
@@ -225,7 +230,7 @@
   <pc:docChgLst>
     <pc:chgData name="Lines, Todd" userId="afaf7c3a-e8aa-4568-882a-02ad8f9e19b0" providerId="ADAL" clId="{5FF5AC1B-ABA9-43D7-A1E3-2D92732CD6E2}"/>
     <pc:docChg chg="undo custSel addSld modSld">
-      <pc:chgData name="Lines, Todd" userId="afaf7c3a-e8aa-4568-882a-02ad8f9e19b0" providerId="ADAL" clId="{5FF5AC1B-ABA9-43D7-A1E3-2D92732CD6E2}" dt="2025-09-25T21:13:15.564" v="974" actId="21"/>
+      <pc:chgData name="Lines, Todd" userId="afaf7c3a-e8aa-4568-882a-02ad8f9e19b0" providerId="ADAL" clId="{5FF5AC1B-ABA9-43D7-A1E3-2D92732CD6E2}" dt="2025-10-02T17:22:27.548" v="1303" actId="21"/>
       <pc:docMkLst>
         <pc:docMk/>
       </pc:docMkLst>
@@ -331,22 +336,6 @@
             <ac:spMk id="68" creationId="{00000000-0000-0000-0000-000000000000}"/>
           </ac:spMkLst>
         </pc:spChg>
-        <pc:spChg chg="del">
-          <ac:chgData name="Lines, Todd" userId="afaf7c3a-e8aa-4568-882a-02ad8f9e19b0" providerId="ADAL" clId="{5FF5AC1B-ABA9-43D7-A1E3-2D92732CD6E2}" dt="2025-09-25T17:04:01.841" v="204" actId="478"/>
-          <ac:spMkLst>
-            <pc:docMk/>
-            <pc:sldMk cId="0" sldId="436"/>
-            <ac:spMk id="167941" creationId="{00000000-0000-0000-0000-000000000000}"/>
-          </ac:spMkLst>
-        </pc:spChg>
-        <pc:spChg chg="del">
-          <ac:chgData name="Lines, Todd" userId="afaf7c3a-e8aa-4568-882a-02ad8f9e19b0" providerId="ADAL" clId="{5FF5AC1B-ABA9-43D7-A1E3-2D92732CD6E2}" dt="2025-09-25T17:04:00.414" v="203" actId="478"/>
-          <ac:spMkLst>
-            <pc:docMk/>
-            <pc:sldMk cId="0" sldId="436"/>
-            <ac:spMk id="167942" creationId="{00000000-0000-0000-0000-000000000000}"/>
-          </ac:spMkLst>
-        </pc:spChg>
         <pc:spChg chg="mod">
           <ac:chgData name="Lines, Todd" userId="afaf7c3a-e8aa-4568-882a-02ad8f9e19b0" providerId="ADAL" clId="{5FF5AC1B-ABA9-43D7-A1E3-2D92732CD6E2}" dt="2025-09-25T17:00:14.928" v="82" actId="12789"/>
           <ac:spMkLst>
@@ -355,30 +344,6 @@
             <ac:spMk id="167943" creationId="{00000000-0000-0000-0000-000000000000}"/>
           </ac:spMkLst>
         </pc:spChg>
-        <pc:spChg chg="del mod">
-          <ac:chgData name="Lines, Todd" userId="afaf7c3a-e8aa-4568-882a-02ad8f9e19b0" providerId="ADAL" clId="{5FF5AC1B-ABA9-43D7-A1E3-2D92732CD6E2}" dt="2025-09-25T17:03:33.951" v="197" actId="478"/>
-          <ac:spMkLst>
-            <pc:docMk/>
-            <pc:sldMk cId="0" sldId="436"/>
-            <ac:spMk id="167948" creationId="{00000000-0000-0000-0000-000000000000}"/>
-          </ac:spMkLst>
-        </pc:spChg>
-        <pc:spChg chg="del">
-          <ac:chgData name="Lines, Todd" userId="afaf7c3a-e8aa-4568-882a-02ad8f9e19b0" providerId="ADAL" clId="{5FF5AC1B-ABA9-43D7-A1E3-2D92732CD6E2}" dt="2025-09-25T17:03:36.477" v="198" actId="478"/>
-          <ac:spMkLst>
-            <pc:docMk/>
-            <pc:sldMk cId="0" sldId="436"/>
-            <ac:spMk id="167949" creationId="{00000000-0000-0000-0000-000000000000}"/>
-          </ac:spMkLst>
-        </pc:spChg>
-        <pc:picChg chg="del mod">
-          <ac:chgData name="Lines, Todd" userId="afaf7c3a-e8aa-4568-882a-02ad8f9e19b0" providerId="ADAL" clId="{5FF5AC1B-ABA9-43D7-A1E3-2D92732CD6E2}" dt="2025-09-25T17:04:22.789" v="207" actId="21"/>
-          <ac:picMkLst>
-            <pc:docMk/>
-            <pc:sldMk cId="0" sldId="436"/>
-            <ac:picMk id="15" creationId="{391F8576-BE50-5EF2-1CAB-44A81B4ACCE5}"/>
-          </ac:picMkLst>
-        </pc:picChg>
         <pc:cxnChg chg="mod">
           <ac:chgData name="Lines, Todd" userId="afaf7c3a-e8aa-4568-882a-02ad8f9e19b0" providerId="ADAL" clId="{5FF5AC1B-ABA9-43D7-A1E3-2D92732CD6E2}" dt="2025-09-25T17:02:43.039" v="179" actId="14100"/>
           <ac:cxnSpMkLst>
@@ -586,30 +551,6 @@
             <ac:spMk id="73" creationId="{82D66EB4-8A7D-76CE-2041-58826C0129E9}"/>
           </ac:spMkLst>
         </pc:spChg>
-        <pc:picChg chg="del mod">
-          <ac:chgData name="Lines, Todd" userId="afaf7c3a-e8aa-4568-882a-02ad8f9e19b0" providerId="ADAL" clId="{5FF5AC1B-ABA9-43D7-A1E3-2D92732CD6E2}" dt="2025-09-25T17:12:14.719" v="216" actId="21"/>
-          <ac:picMkLst>
-            <pc:docMk/>
-            <pc:sldMk cId="0" sldId="438"/>
-            <ac:picMk id="2" creationId="{29D12F80-B6CD-93AA-E7B9-6317C312F455}"/>
-          </ac:picMkLst>
-        </pc:picChg>
-        <pc:picChg chg="del mod">
-          <ac:chgData name="Lines, Todd" userId="afaf7c3a-e8aa-4568-882a-02ad8f9e19b0" providerId="ADAL" clId="{5FF5AC1B-ABA9-43D7-A1E3-2D92732CD6E2}" dt="2025-09-25T17:17:22.071" v="609" actId="478"/>
-          <ac:picMkLst>
-            <pc:docMk/>
-            <pc:sldMk cId="0" sldId="438"/>
-            <ac:picMk id="21" creationId="{BDD5874F-CF86-916F-33F0-3370251565B9}"/>
-          </ac:picMkLst>
-        </pc:picChg>
-        <pc:picChg chg="del mod">
-          <ac:chgData name="Lines, Todd" userId="afaf7c3a-e8aa-4568-882a-02ad8f9e19b0" providerId="ADAL" clId="{5FF5AC1B-ABA9-43D7-A1E3-2D92732CD6E2}" dt="2025-09-25T17:18:45.457" v="630" actId="21"/>
-          <ac:picMkLst>
-            <pc:docMk/>
-            <pc:sldMk cId="0" sldId="438"/>
-            <ac:picMk id="74" creationId="{79E355AD-9E2C-FD2F-069E-F1EDE2F493FD}"/>
-          </ac:picMkLst>
-        </pc:picChg>
         <pc:cxnChg chg="add mod">
           <ac:chgData name="Lines, Todd" userId="afaf7c3a-e8aa-4568-882a-02ad8f9e19b0" providerId="ADAL" clId="{5FF5AC1B-ABA9-43D7-A1E3-2D92732CD6E2}" dt="2025-09-25T17:13:21.375" v="220" actId="1076"/>
           <ac:cxnSpMkLst>
@@ -705,22 +646,6 @@
             <ac:spMk id="18" creationId="{DADFF507-F870-5980-69BB-FF094A26D495}"/>
           </ac:spMkLst>
         </pc:spChg>
-        <pc:picChg chg="del">
-          <ac:chgData name="Lines, Todd" userId="afaf7c3a-e8aa-4568-882a-02ad8f9e19b0" providerId="ADAL" clId="{5FF5AC1B-ABA9-43D7-A1E3-2D92732CD6E2}" dt="2025-09-25T21:13:00.461" v="972" actId="478"/>
-          <ac:picMkLst>
-            <pc:docMk/>
-            <pc:sldMk cId="0" sldId="501"/>
-            <ac:picMk id="19" creationId="{DAFE6F50-121A-88CB-D856-9E2313D3A419}"/>
-          </ac:picMkLst>
-        </pc:picChg>
-        <pc:picChg chg="del mod">
-          <ac:chgData name="Lines, Todd" userId="afaf7c3a-e8aa-4568-882a-02ad8f9e19b0" providerId="ADAL" clId="{5FF5AC1B-ABA9-43D7-A1E3-2D92732CD6E2}" dt="2025-09-25T21:13:15.564" v="974" actId="21"/>
-          <ac:picMkLst>
-            <pc:docMk/>
-            <pc:sldMk cId="0" sldId="501"/>
-            <ac:picMk id="20" creationId="{62A6AFC2-AB0D-F3D2-D28C-0C35BEB62764}"/>
-          </ac:picMkLst>
-        </pc:picChg>
         <pc:cxnChg chg="add mod">
           <ac:chgData name="Lines, Todd" userId="afaf7c3a-e8aa-4568-882a-02ad8f9e19b0" providerId="ADAL" clId="{5FF5AC1B-ABA9-43D7-A1E3-2D92732CD6E2}" dt="2025-09-25T21:11:36.885" v="959" actId="1076"/>
           <ac:cxnSpMkLst>
@@ -752,14 +677,6 @@
           <pc:docMk/>
           <pc:sldMk cId="4205535208" sldId="505"/>
         </pc:sldMkLst>
-        <pc:picChg chg="del mod">
-          <ac:chgData name="Lines, Todd" userId="afaf7c3a-e8aa-4568-882a-02ad8f9e19b0" providerId="ADAL" clId="{5FF5AC1B-ABA9-43D7-A1E3-2D92732CD6E2}" dt="2025-09-25T17:12:37.858" v="218" actId="21"/>
-          <ac:picMkLst>
-            <pc:docMk/>
-            <pc:sldMk cId="4205535208" sldId="505"/>
-            <ac:picMk id="2" creationId="{2BDFA458-1BD7-3D8A-AA5A-9F02917DC441}"/>
-          </ac:picMkLst>
-        </pc:picChg>
       </pc:sldChg>
       <pc:sldChg chg="addSp delSp modSp mod">
         <pc:chgData name="Lines, Todd" userId="afaf7c3a-e8aa-4568-882a-02ad8f9e19b0" providerId="ADAL" clId="{5FF5AC1B-ABA9-43D7-A1E3-2D92732CD6E2}" dt="2025-09-25T20:56:10.505" v="632" actId="21"/>
@@ -775,22 +692,6 @@
             <ac:spMk id="2" creationId="{AF9C8C2B-EE1E-AC79-6EA6-C4492D89D736}"/>
           </ac:spMkLst>
         </pc:spChg>
-        <pc:picChg chg="del mod">
-          <ac:chgData name="Lines, Todd" userId="afaf7c3a-e8aa-4568-882a-02ad8f9e19b0" providerId="ADAL" clId="{5FF5AC1B-ABA9-43D7-A1E3-2D92732CD6E2}" dt="2025-09-25T17:11:07.971" v="214" actId="21"/>
-          <ac:picMkLst>
-            <pc:docMk/>
-            <pc:sldMk cId="130661612" sldId="506"/>
-            <ac:picMk id="4" creationId="{210FD6D6-54A6-55D9-76EA-65ECBA19ED39}"/>
-          </ac:picMkLst>
-        </pc:picChg>
-        <pc:picChg chg="del mod">
-          <ac:chgData name="Lines, Todd" userId="afaf7c3a-e8aa-4568-882a-02ad8f9e19b0" providerId="ADAL" clId="{5FF5AC1B-ABA9-43D7-A1E3-2D92732CD6E2}" dt="2025-09-25T20:56:10.505" v="632" actId="21"/>
-          <ac:picMkLst>
-            <pc:docMk/>
-            <pc:sldMk cId="130661612" sldId="506"/>
-            <ac:picMk id="5" creationId="{5083C710-F688-A01C-40A8-A9735160880B}"/>
-          </ac:picMkLst>
-        </pc:picChg>
       </pc:sldChg>
       <pc:sldChg chg="addSp delSp modSp new mod">
         <pc:chgData name="Lines, Todd" userId="afaf7c3a-e8aa-4568-882a-02ad8f9e19b0" providerId="ADAL" clId="{5FF5AC1B-ABA9-43D7-A1E3-2D92732CD6E2}" dt="2025-09-25T21:06:12.446" v="957" actId="21"/>
@@ -798,22 +699,6 @@
           <pc:docMk/>
           <pc:sldMk cId="4100892124" sldId="748"/>
         </pc:sldMkLst>
-        <pc:spChg chg="del">
-          <ac:chgData name="Lines, Todd" userId="afaf7c3a-e8aa-4568-882a-02ad8f9e19b0" providerId="ADAL" clId="{5FF5AC1B-ABA9-43D7-A1E3-2D92732CD6E2}" dt="2025-09-25T20:58:25.601" v="638" actId="478"/>
-          <ac:spMkLst>
-            <pc:docMk/>
-            <pc:sldMk cId="4100892124" sldId="748"/>
-            <ac:spMk id="2" creationId="{B43473FF-2DEF-34FE-69A6-FACA3223E83D}"/>
-          </ac:spMkLst>
-        </pc:spChg>
-        <pc:spChg chg="del">
-          <ac:chgData name="Lines, Todd" userId="afaf7c3a-e8aa-4568-882a-02ad8f9e19b0" providerId="ADAL" clId="{5FF5AC1B-ABA9-43D7-A1E3-2D92732CD6E2}" dt="2025-09-25T20:58:20.673" v="637" actId="478"/>
-          <ac:spMkLst>
-            <pc:docMk/>
-            <pc:sldMk cId="4100892124" sldId="748"/>
-            <ac:spMk id="3" creationId="{DBE10F21-7E8B-768D-4F34-37755BD9F1D1}"/>
-          </ac:spMkLst>
-        </pc:spChg>
         <pc:spChg chg="mod">
           <ac:chgData name="Lines, Todd" userId="afaf7c3a-e8aa-4568-882a-02ad8f9e19b0" providerId="ADAL" clId="{5FF5AC1B-ABA9-43D7-A1E3-2D92732CD6E2}" dt="2025-09-25T21:02:34.121" v="827" actId="14100"/>
           <ac:spMkLst>
@@ -1014,14 +899,6 @@
             <ac:spMk id="73" creationId="{F5B56703-75B9-75F4-C305-A7B95F1BC90B}"/>
           </ac:spMkLst>
         </pc:spChg>
-        <pc:grpChg chg="del">
-          <ac:chgData name="Lines, Todd" userId="afaf7c3a-e8aa-4568-882a-02ad8f9e19b0" providerId="ADAL" clId="{5FF5AC1B-ABA9-43D7-A1E3-2D92732CD6E2}" dt="2025-09-25T21:00:09.137" v="711" actId="478"/>
-          <ac:grpSpMkLst>
-            <pc:docMk/>
-            <pc:sldMk cId="4100892124" sldId="748"/>
-            <ac:grpSpMk id="17" creationId="{ABB71080-493A-3682-0942-6CEBEF32AF1D}"/>
-          </ac:grpSpMkLst>
-        </pc:grpChg>
         <pc:grpChg chg="mod">
           <ac:chgData name="Lines, Todd" userId="afaf7c3a-e8aa-4568-882a-02ad8f9e19b0" providerId="ADAL" clId="{5FF5AC1B-ABA9-43D7-A1E3-2D92732CD6E2}" dt="2025-09-25T21:01:00.075" v="745" actId="688"/>
           <ac:grpSpMkLst>
@@ -1038,86 +915,6 @@
             <ac:grpSpMk id="74" creationId="{892BC72D-F148-B9B3-396A-D0BF00167797}"/>
           </ac:grpSpMkLst>
         </pc:grpChg>
-        <pc:picChg chg="add del mod">
-          <ac:chgData name="Lines, Todd" userId="afaf7c3a-e8aa-4568-882a-02ad8f9e19b0" providerId="ADAL" clId="{5FF5AC1B-ABA9-43D7-A1E3-2D92732CD6E2}" dt="2025-09-25T20:58:18.995" v="636" actId="478"/>
-          <ac:picMkLst>
-            <pc:docMk/>
-            <pc:sldMk cId="4100892124" sldId="748"/>
-            <ac:picMk id="5" creationId="{5083C710-F688-A01C-40A8-A9735160880B}"/>
-          </ac:picMkLst>
-        </pc:picChg>
-        <pc:picChg chg="del mod">
-          <ac:chgData name="Lines, Todd" userId="afaf7c3a-e8aa-4568-882a-02ad8f9e19b0" providerId="ADAL" clId="{5FF5AC1B-ABA9-43D7-A1E3-2D92732CD6E2}" dt="2025-09-25T21:04:41.115" v="955" actId="21"/>
-          <ac:picMkLst>
-            <pc:docMk/>
-            <pc:sldMk cId="4100892124" sldId="748"/>
-            <ac:picMk id="77" creationId="{A0D33449-DF49-9FBB-265C-DEF95DBC10A1}"/>
-          </ac:picMkLst>
-        </pc:picChg>
-        <pc:picChg chg="del mod">
-          <ac:chgData name="Lines, Todd" userId="afaf7c3a-e8aa-4568-882a-02ad8f9e19b0" providerId="ADAL" clId="{5FF5AC1B-ABA9-43D7-A1E3-2D92732CD6E2}" dt="2025-09-25T21:06:12.446" v="957" actId="21"/>
-          <ac:picMkLst>
-            <pc:docMk/>
-            <pc:sldMk cId="4100892124" sldId="748"/>
-            <ac:picMk id="78" creationId="{1509620B-8EBA-6894-06C9-0F5986CD1E07}"/>
-          </ac:picMkLst>
-        </pc:picChg>
-        <pc:cxnChg chg="del">
-          <ac:chgData name="Lines, Todd" userId="afaf7c3a-e8aa-4568-882a-02ad8f9e19b0" providerId="ADAL" clId="{5FF5AC1B-ABA9-43D7-A1E3-2D92732CD6E2}" dt="2025-09-25T21:00:06.355" v="710" actId="478"/>
-          <ac:cxnSpMkLst>
-            <pc:docMk/>
-            <pc:sldMk cId="4100892124" sldId="748"/>
-            <ac:cxnSpMk id="18" creationId="{1C413CD1-EEBC-244C-C01D-A92536163A47}"/>
-          </ac:cxnSpMkLst>
-        </pc:cxnChg>
-        <pc:cxnChg chg="del">
-          <ac:chgData name="Lines, Todd" userId="afaf7c3a-e8aa-4568-882a-02ad8f9e19b0" providerId="ADAL" clId="{5FF5AC1B-ABA9-43D7-A1E3-2D92732CD6E2}" dt="2025-09-25T21:00:13.985" v="713" actId="478"/>
-          <ac:cxnSpMkLst>
-            <pc:docMk/>
-            <pc:sldMk cId="4100892124" sldId="748"/>
-            <ac:cxnSpMk id="23" creationId="{4FDABD11-30B5-E245-1DCC-6C6D72C744B2}"/>
-          </ac:cxnSpMkLst>
-        </pc:cxnChg>
-        <pc:cxnChg chg="del">
-          <ac:chgData name="Lines, Todd" userId="afaf7c3a-e8aa-4568-882a-02ad8f9e19b0" providerId="ADAL" clId="{5FF5AC1B-ABA9-43D7-A1E3-2D92732CD6E2}" dt="2025-09-25T21:00:21.408" v="716" actId="478"/>
-          <ac:cxnSpMkLst>
-            <pc:docMk/>
-            <pc:sldMk cId="4100892124" sldId="748"/>
-            <ac:cxnSpMk id="26" creationId="{AF05ABB4-5D0D-9049-3308-1F935C5D0649}"/>
-          </ac:cxnSpMkLst>
-        </pc:cxnChg>
-        <pc:cxnChg chg="del">
-          <ac:chgData name="Lines, Todd" userId="afaf7c3a-e8aa-4568-882a-02ad8f9e19b0" providerId="ADAL" clId="{5FF5AC1B-ABA9-43D7-A1E3-2D92732CD6E2}" dt="2025-09-25T21:00:16.578" v="714" actId="478"/>
-          <ac:cxnSpMkLst>
-            <pc:docMk/>
-            <pc:sldMk cId="4100892124" sldId="748"/>
-            <ac:cxnSpMk id="38" creationId="{B48B8891-66F3-66A4-CCA7-C9DC8E754A7F}"/>
-          </ac:cxnSpMkLst>
-        </pc:cxnChg>
-        <pc:cxnChg chg="del">
-          <ac:chgData name="Lines, Todd" userId="afaf7c3a-e8aa-4568-882a-02ad8f9e19b0" providerId="ADAL" clId="{5FF5AC1B-ABA9-43D7-A1E3-2D92732CD6E2}" dt="2025-09-25T21:00:23.827" v="717" actId="478"/>
-          <ac:cxnSpMkLst>
-            <pc:docMk/>
-            <pc:sldMk cId="4100892124" sldId="748"/>
-            <ac:cxnSpMk id="41" creationId="{DBE0F824-70B8-942E-D6AE-B6F1B3DE44FF}"/>
-          </ac:cxnSpMkLst>
-        </pc:cxnChg>
-        <pc:cxnChg chg="del">
-          <ac:chgData name="Lines, Todd" userId="afaf7c3a-e8aa-4568-882a-02ad8f9e19b0" providerId="ADAL" clId="{5FF5AC1B-ABA9-43D7-A1E3-2D92732CD6E2}" dt="2025-09-25T21:00:19.266" v="715" actId="478"/>
-          <ac:cxnSpMkLst>
-            <pc:docMk/>
-            <pc:sldMk cId="4100892124" sldId="748"/>
-            <ac:cxnSpMk id="43" creationId="{9AACCF40-6C0F-5002-9EB3-AD20D2292014}"/>
-          </ac:cxnSpMkLst>
-        </pc:cxnChg>
-        <pc:cxnChg chg="del">
-          <ac:chgData name="Lines, Todd" userId="afaf7c3a-e8aa-4568-882a-02ad8f9e19b0" providerId="ADAL" clId="{5FF5AC1B-ABA9-43D7-A1E3-2D92732CD6E2}" dt="2025-09-25T21:00:11.681" v="712" actId="478"/>
-          <ac:cxnSpMkLst>
-            <pc:docMk/>
-            <pc:sldMk cId="4100892124" sldId="748"/>
-            <ac:cxnSpMk id="46" creationId="{0ACE3A61-A822-025E-C609-68752B18A809}"/>
-          </ac:cxnSpMkLst>
-        </pc:cxnChg>
         <pc:cxnChg chg="mod">
           <ac:chgData name="Lines, Todd" userId="afaf7c3a-e8aa-4568-882a-02ad8f9e19b0" providerId="ADAL" clId="{5FF5AC1B-ABA9-43D7-A1E3-2D92732CD6E2}" dt="2025-09-25T21:02:46.866" v="846" actId="1038"/>
           <ac:cxnSpMkLst>
@@ -1196,6 +993,1185 @@
             <pc:docMk/>
             <pc:sldMk cId="4100892124" sldId="748"/>
             <ac:cxnSpMk id="76" creationId="{8B7C4BBC-7AEF-E47E-D9AD-86F2C56DEEF1}"/>
+          </ac:cxnSpMkLst>
+        </pc:cxnChg>
+      </pc:sldChg>
+      <pc:sldChg chg="addSp delSp modSp new mod modClrScheme chgLayout">
+        <pc:chgData name="Lines, Todd" userId="afaf7c3a-e8aa-4568-882a-02ad8f9e19b0" providerId="ADAL" clId="{5FF5AC1B-ABA9-43D7-A1E3-2D92732CD6E2}" dt="2025-10-02T17:05:51.676" v="979" actId="20577"/>
+        <pc:sldMkLst>
+          <pc:docMk/>
+          <pc:sldMk cId="1337589113" sldId="749"/>
+        </pc:sldMkLst>
+        <pc:spChg chg="del mod ord">
+          <ac:chgData name="Lines, Todd" userId="afaf7c3a-e8aa-4568-882a-02ad8f9e19b0" providerId="ADAL" clId="{5FF5AC1B-ABA9-43D7-A1E3-2D92732CD6E2}" dt="2025-10-02T17:05:49.333" v="976" actId="700"/>
+          <ac:spMkLst>
+            <pc:docMk/>
+            <pc:sldMk cId="1337589113" sldId="749"/>
+            <ac:spMk id="2" creationId="{0E5FEFA2-8252-3EAB-6F03-9398FD47760E}"/>
+          </ac:spMkLst>
+        </pc:spChg>
+        <pc:spChg chg="del mod ord">
+          <ac:chgData name="Lines, Todd" userId="afaf7c3a-e8aa-4568-882a-02ad8f9e19b0" providerId="ADAL" clId="{5FF5AC1B-ABA9-43D7-A1E3-2D92732CD6E2}" dt="2025-10-02T17:05:49.333" v="976" actId="700"/>
+          <ac:spMkLst>
+            <pc:docMk/>
+            <pc:sldMk cId="1337589113" sldId="749"/>
+            <ac:spMk id="3" creationId="{296C93C4-81FD-7558-0157-22283A31114C}"/>
+          </ac:spMkLst>
+        </pc:spChg>
+        <pc:spChg chg="add mod ord">
+          <ac:chgData name="Lines, Todd" userId="afaf7c3a-e8aa-4568-882a-02ad8f9e19b0" providerId="ADAL" clId="{5FF5AC1B-ABA9-43D7-A1E3-2D92732CD6E2}" dt="2025-10-02T17:05:51.676" v="979" actId="20577"/>
+          <ac:spMkLst>
+            <pc:docMk/>
+            <pc:sldMk cId="1337589113" sldId="749"/>
+            <ac:spMk id="4" creationId="{5FB4A976-DDF8-3523-8077-B3DFA8F9BF85}"/>
+          </ac:spMkLst>
+        </pc:spChg>
+        <pc:spChg chg="add mod ord">
+          <ac:chgData name="Lines, Todd" userId="afaf7c3a-e8aa-4568-882a-02ad8f9e19b0" providerId="ADAL" clId="{5FF5AC1B-ABA9-43D7-A1E3-2D92732CD6E2}" dt="2025-10-02T17:05:49.333" v="976" actId="700"/>
+          <ac:spMkLst>
+            <pc:docMk/>
+            <pc:sldMk cId="1337589113" sldId="749"/>
+            <ac:spMk id="5" creationId="{4E4548F2-AC49-866A-1566-B169008F83E1}"/>
+          </ac:spMkLst>
+        </pc:spChg>
+      </pc:sldChg>
+      <pc:sldChg chg="addSp delSp modSp new mod modClrScheme chgLayout">
+        <pc:chgData name="Lines, Todd" userId="afaf7c3a-e8aa-4568-882a-02ad8f9e19b0" providerId="ADAL" clId="{5FF5AC1B-ABA9-43D7-A1E3-2D92732CD6E2}" dt="2025-10-02T17:22:27.548" v="1303" actId="21"/>
+        <pc:sldMkLst>
+          <pc:docMk/>
+          <pc:sldMk cId="2232009898" sldId="750"/>
+        </pc:sldMkLst>
+        <pc:spChg chg="del">
+          <ac:chgData name="Lines, Todd" userId="afaf7c3a-e8aa-4568-882a-02ad8f9e19b0" providerId="ADAL" clId="{5FF5AC1B-ABA9-43D7-A1E3-2D92732CD6E2}" dt="2025-10-02T17:05:57.835" v="981" actId="700"/>
+          <ac:spMkLst>
+            <pc:docMk/>
+            <pc:sldMk cId="2232009898" sldId="750"/>
+            <ac:spMk id="2" creationId="{1F9C8A0E-4052-E0B9-8AEE-72F38B6F14BD}"/>
+          </ac:spMkLst>
+        </pc:spChg>
+        <pc:spChg chg="del">
+          <ac:chgData name="Lines, Todd" userId="afaf7c3a-e8aa-4568-882a-02ad8f9e19b0" providerId="ADAL" clId="{5FF5AC1B-ABA9-43D7-A1E3-2D92732CD6E2}" dt="2025-10-02T17:05:57.835" v="981" actId="700"/>
+          <ac:spMkLst>
+            <pc:docMk/>
+            <pc:sldMk cId="2232009898" sldId="750"/>
+            <ac:spMk id="3" creationId="{A41ADEB8-7448-279B-E416-9107329180C5}"/>
+          </ac:spMkLst>
+        </pc:spChg>
+        <pc:spChg chg="add del mod">
+          <ac:chgData name="Lines, Todd" userId="afaf7c3a-e8aa-4568-882a-02ad8f9e19b0" providerId="ADAL" clId="{5FF5AC1B-ABA9-43D7-A1E3-2D92732CD6E2}" dt="2025-10-02T17:09:07.208" v="1004" actId="478"/>
+          <ac:spMkLst>
+            <pc:docMk/>
+            <pc:sldMk cId="2232009898" sldId="750"/>
+            <ac:spMk id="4" creationId="{B6B8B320-6658-7786-3A6E-30AD2B8A0734}"/>
+          </ac:spMkLst>
+        </pc:spChg>
+        <pc:spChg chg="del">
+          <ac:chgData name="Lines, Todd" userId="afaf7c3a-e8aa-4568-882a-02ad8f9e19b0" providerId="ADAL" clId="{5FF5AC1B-ABA9-43D7-A1E3-2D92732CD6E2}" dt="2025-10-02T17:06:05.485" v="983" actId="478"/>
+          <ac:spMkLst>
+            <pc:docMk/>
+            <pc:sldMk cId="2232009898" sldId="750"/>
+            <ac:spMk id="5" creationId="{DCF605DB-F811-6B12-DB69-78977C707A91}"/>
+          </ac:spMkLst>
+        </pc:spChg>
+        <pc:spChg chg="mod topLvl">
+          <ac:chgData name="Lines, Todd" userId="afaf7c3a-e8aa-4568-882a-02ad8f9e19b0" providerId="ADAL" clId="{5FF5AC1B-ABA9-43D7-A1E3-2D92732CD6E2}" dt="2025-10-02T17:06:46.948" v="987" actId="338"/>
+          <ac:spMkLst>
+            <pc:docMk/>
+            <pc:sldMk cId="2232009898" sldId="750"/>
+            <ac:spMk id="7" creationId="{AD931CA0-CB4B-6749-023E-1FAC29702634}"/>
+          </ac:spMkLst>
+        </pc:spChg>
+        <pc:spChg chg="mod topLvl">
+          <ac:chgData name="Lines, Todd" userId="afaf7c3a-e8aa-4568-882a-02ad8f9e19b0" providerId="ADAL" clId="{5FF5AC1B-ABA9-43D7-A1E3-2D92732CD6E2}" dt="2025-10-02T17:06:46.948" v="987" actId="338"/>
+          <ac:spMkLst>
+            <pc:docMk/>
+            <pc:sldMk cId="2232009898" sldId="750"/>
+            <ac:spMk id="8" creationId="{5BB24BB1-D2BD-3AAD-FAAE-D1E69BED8987}"/>
+          </ac:spMkLst>
+        </pc:spChg>
+        <pc:spChg chg="mod topLvl">
+          <ac:chgData name="Lines, Todd" userId="afaf7c3a-e8aa-4568-882a-02ad8f9e19b0" providerId="ADAL" clId="{5FF5AC1B-ABA9-43D7-A1E3-2D92732CD6E2}" dt="2025-10-02T17:06:46.948" v="987" actId="338"/>
+          <ac:spMkLst>
+            <pc:docMk/>
+            <pc:sldMk cId="2232009898" sldId="750"/>
+            <ac:spMk id="9" creationId="{ED34D788-8A05-A101-C38A-A7FCFF4C3F9C}"/>
+          </ac:spMkLst>
+        </pc:spChg>
+        <pc:spChg chg="mod topLvl">
+          <ac:chgData name="Lines, Todd" userId="afaf7c3a-e8aa-4568-882a-02ad8f9e19b0" providerId="ADAL" clId="{5FF5AC1B-ABA9-43D7-A1E3-2D92732CD6E2}" dt="2025-10-02T17:06:46.948" v="987" actId="338"/>
+          <ac:spMkLst>
+            <pc:docMk/>
+            <pc:sldMk cId="2232009898" sldId="750"/>
+            <ac:spMk id="10" creationId="{CAA549F1-A401-BDC4-6E3D-E064E8A02480}"/>
+          </ac:spMkLst>
+        </pc:spChg>
+        <pc:spChg chg="mod topLvl">
+          <ac:chgData name="Lines, Todd" userId="afaf7c3a-e8aa-4568-882a-02ad8f9e19b0" providerId="ADAL" clId="{5FF5AC1B-ABA9-43D7-A1E3-2D92732CD6E2}" dt="2025-10-02T17:06:46.948" v="987" actId="338"/>
+          <ac:spMkLst>
+            <pc:docMk/>
+            <pc:sldMk cId="2232009898" sldId="750"/>
+            <ac:spMk id="11" creationId="{F29A4E3C-B106-BE49-45AB-03538B8A5A74}"/>
+          </ac:spMkLst>
+        </pc:spChg>
+        <pc:spChg chg="mod topLvl">
+          <ac:chgData name="Lines, Todd" userId="afaf7c3a-e8aa-4568-882a-02ad8f9e19b0" providerId="ADAL" clId="{5FF5AC1B-ABA9-43D7-A1E3-2D92732CD6E2}" dt="2025-10-02T17:06:46.948" v="987" actId="338"/>
+          <ac:spMkLst>
+            <pc:docMk/>
+            <pc:sldMk cId="2232009898" sldId="750"/>
+            <ac:spMk id="12" creationId="{113D121E-A8E3-F6B7-F118-1366A0013E89}"/>
+          </ac:spMkLst>
+        </pc:spChg>
+        <pc:spChg chg="mod topLvl">
+          <ac:chgData name="Lines, Todd" userId="afaf7c3a-e8aa-4568-882a-02ad8f9e19b0" providerId="ADAL" clId="{5FF5AC1B-ABA9-43D7-A1E3-2D92732CD6E2}" dt="2025-10-02T17:06:46.948" v="987" actId="338"/>
+          <ac:spMkLst>
+            <pc:docMk/>
+            <pc:sldMk cId="2232009898" sldId="750"/>
+            <ac:spMk id="13" creationId="{5B685AC5-208E-342F-3766-33588F52AD89}"/>
+          </ac:spMkLst>
+        </pc:spChg>
+        <pc:spChg chg="mod topLvl">
+          <ac:chgData name="Lines, Todd" userId="afaf7c3a-e8aa-4568-882a-02ad8f9e19b0" providerId="ADAL" clId="{5FF5AC1B-ABA9-43D7-A1E3-2D92732CD6E2}" dt="2025-10-02T17:06:46.948" v="987" actId="338"/>
+          <ac:spMkLst>
+            <pc:docMk/>
+            <pc:sldMk cId="2232009898" sldId="750"/>
+            <ac:spMk id="14" creationId="{D9F5A344-E30B-CFAF-BA4F-214DA249CEB3}"/>
+          </ac:spMkLst>
+        </pc:spChg>
+        <pc:spChg chg="mod topLvl">
+          <ac:chgData name="Lines, Todd" userId="afaf7c3a-e8aa-4568-882a-02ad8f9e19b0" providerId="ADAL" clId="{5FF5AC1B-ABA9-43D7-A1E3-2D92732CD6E2}" dt="2025-10-02T17:06:46.948" v="987" actId="338"/>
+          <ac:spMkLst>
+            <pc:docMk/>
+            <pc:sldMk cId="2232009898" sldId="750"/>
+            <ac:spMk id="15" creationId="{FF74793D-52B8-BC26-F869-10C6B4164A65}"/>
+          </ac:spMkLst>
+        </pc:spChg>
+        <pc:spChg chg="mod">
+          <ac:chgData name="Lines, Todd" userId="afaf7c3a-e8aa-4568-882a-02ad8f9e19b0" providerId="ADAL" clId="{5FF5AC1B-ABA9-43D7-A1E3-2D92732CD6E2}" dt="2025-10-02T17:05:59" v="982"/>
+          <ac:spMkLst>
+            <pc:docMk/>
+            <pc:sldMk cId="2232009898" sldId="750"/>
+            <ac:spMk id="22" creationId="{81C13623-B321-70E6-CAE5-B781B70714D3}"/>
+          </ac:spMkLst>
+        </pc:spChg>
+        <pc:spChg chg="mod">
+          <ac:chgData name="Lines, Todd" userId="afaf7c3a-e8aa-4568-882a-02ad8f9e19b0" providerId="ADAL" clId="{5FF5AC1B-ABA9-43D7-A1E3-2D92732CD6E2}" dt="2025-10-02T17:05:59" v="982"/>
+          <ac:spMkLst>
+            <pc:docMk/>
+            <pc:sldMk cId="2232009898" sldId="750"/>
+            <ac:spMk id="24" creationId="{E4533FB4-36D8-1C20-B0E8-F4F80D6173AF}"/>
+          </ac:spMkLst>
+        </pc:spChg>
+        <pc:spChg chg="mod">
+          <ac:chgData name="Lines, Todd" userId="afaf7c3a-e8aa-4568-882a-02ad8f9e19b0" providerId="ADAL" clId="{5FF5AC1B-ABA9-43D7-A1E3-2D92732CD6E2}" dt="2025-10-02T17:05:59" v="982"/>
+          <ac:spMkLst>
+            <pc:docMk/>
+            <pc:sldMk cId="2232009898" sldId="750"/>
+            <ac:spMk id="26" creationId="{C3C84CD5-B474-23A6-5449-F4EE569491D3}"/>
+          </ac:spMkLst>
+        </pc:spChg>
+        <pc:spChg chg="mod">
+          <ac:chgData name="Lines, Todd" userId="afaf7c3a-e8aa-4568-882a-02ad8f9e19b0" providerId="ADAL" clId="{5FF5AC1B-ABA9-43D7-A1E3-2D92732CD6E2}" dt="2025-10-02T17:05:59" v="982"/>
+          <ac:spMkLst>
+            <pc:docMk/>
+            <pc:sldMk cId="2232009898" sldId="750"/>
+            <ac:spMk id="28" creationId="{774BEBA0-EA2F-4AD5-C2DC-6897BEB9DBC0}"/>
+          </ac:spMkLst>
+        </pc:spChg>
+        <pc:spChg chg="mod">
+          <ac:chgData name="Lines, Todd" userId="afaf7c3a-e8aa-4568-882a-02ad8f9e19b0" providerId="ADAL" clId="{5FF5AC1B-ABA9-43D7-A1E3-2D92732CD6E2}" dt="2025-10-02T17:13:51.979" v="1100" actId="1076"/>
+          <ac:spMkLst>
+            <pc:docMk/>
+            <pc:sldMk cId="2232009898" sldId="750"/>
+            <ac:spMk id="41" creationId="{CA754A27-C6B8-2DD2-4CC3-18309AB68887}"/>
+          </ac:spMkLst>
+        </pc:spChg>
+        <pc:spChg chg="mod">
+          <ac:chgData name="Lines, Todd" userId="afaf7c3a-e8aa-4568-882a-02ad8f9e19b0" providerId="ADAL" clId="{5FF5AC1B-ABA9-43D7-A1E3-2D92732CD6E2}" dt="2025-10-02T17:13:55.616" v="1101" actId="1076"/>
+          <ac:spMkLst>
+            <pc:docMk/>
+            <pc:sldMk cId="2232009898" sldId="750"/>
+            <ac:spMk id="42" creationId="{5A091927-33F0-41E5-06D4-063EC6F589C2}"/>
+          </ac:spMkLst>
+        </pc:spChg>
+        <pc:spChg chg="mod">
+          <ac:chgData name="Lines, Todd" userId="afaf7c3a-e8aa-4568-882a-02ad8f9e19b0" providerId="ADAL" clId="{5FF5AC1B-ABA9-43D7-A1E3-2D92732CD6E2}" dt="2025-10-02T17:11:00.169" v="1017" actId="1076"/>
+          <ac:spMkLst>
+            <pc:docMk/>
+            <pc:sldMk cId="2232009898" sldId="750"/>
+            <ac:spMk id="43" creationId="{2FFD8C21-C21F-639C-6254-0B2730ECA41A}"/>
+          </ac:spMkLst>
+        </pc:spChg>
+        <pc:spChg chg="mod">
+          <ac:chgData name="Lines, Todd" userId="afaf7c3a-e8aa-4568-882a-02ad8f9e19b0" providerId="ADAL" clId="{5FF5AC1B-ABA9-43D7-A1E3-2D92732CD6E2}" dt="2025-10-02T17:12:48.539" v="1031" actId="1076"/>
+          <ac:spMkLst>
+            <pc:docMk/>
+            <pc:sldMk cId="2232009898" sldId="750"/>
+            <ac:spMk id="46" creationId="{75A73D17-B40D-B5A5-514D-A68EDFF1A346}"/>
+          </ac:spMkLst>
+        </pc:spChg>
+        <pc:spChg chg="mod">
+          <ac:chgData name="Lines, Todd" userId="afaf7c3a-e8aa-4568-882a-02ad8f9e19b0" providerId="ADAL" clId="{5FF5AC1B-ABA9-43D7-A1E3-2D92732CD6E2}" dt="2025-10-02T17:14:18.059" v="1108" actId="1076"/>
+          <ac:spMkLst>
+            <pc:docMk/>
+            <pc:sldMk cId="2232009898" sldId="750"/>
+            <ac:spMk id="47" creationId="{7A8FC462-EAEB-6B03-6CBC-AF8ADA465CBE}"/>
+          </ac:spMkLst>
+        </pc:spChg>
+        <pc:spChg chg="mod">
+          <ac:chgData name="Lines, Todd" userId="afaf7c3a-e8aa-4568-882a-02ad8f9e19b0" providerId="ADAL" clId="{5FF5AC1B-ABA9-43D7-A1E3-2D92732CD6E2}" dt="2025-10-02T17:11:00.169" v="1017" actId="1076"/>
+          <ac:spMkLst>
+            <pc:docMk/>
+            <pc:sldMk cId="2232009898" sldId="750"/>
+            <ac:spMk id="54" creationId="{898057A1-55A8-3120-50A7-AD5155240F4B}"/>
+          </ac:spMkLst>
+        </pc:spChg>
+        <pc:spChg chg="add mod">
+          <ac:chgData name="Lines, Todd" userId="afaf7c3a-e8aa-4568-882a-02ad8f9e19b0" providerId="ADAL" clId="{5FF5AC1B-ABA9-43D7-A1E3-2D92732CD6E2}" dt="2025-10-02T17:11:00.169" v="1017" actId="1076"/>
+          <ac:spMkLst>
+            <pc:docMk/>
+            <pc:sldMk cId="2232009898" sldId="750"/>
+            <ac:spMk id="55" creationId="{650B4835-EC16-C954-4BD6-0F2617B910F9}"/>
+          </ac:spMkLst>
+        </pc:spChg>
+        <pc:spChg chg="mod">
+          <ac:chgData name="Lines, Todd" userId="afaf7c3a-e8aa-4568-882a-02ad8f9e19b0" providerId="ADAL" clId="{5FF5AC1B-ABA9-43D7-A1E3-2D92732CD6E2}" dt="2025-10-02T17:14:20.488" v="1109" actId="1076"/>
+          <ac:spMkLst>
+            <pc:docMk/>
+            <pc:sldMk cId="2232009898" sldId="750"/>
+            <ac:spMk id="56" creationId="{9354E017-6C8A-EF46-381E-4A686DB80B81}"/>
+          </ac:spMkLst>
+        </pc:spChg>
+        <pc:spChg chg="mod">
+          <ac:chgData name="Lines, Todd" userId="afaf7c3a-e8aa-4568-882a-02ad8f9e19b0" providerId="ADAL" clId="{5FF5AC1B-ABA9-43D7-A1E3-2D92732CD6E2}" dt="2025-10-02T17:14:25.399" v="1110" actId="1076"/>
+          <ac:spMkLst>
+            <pc:docMk/>
+            <pc:sldMk cId="2232009898" sldId="750"/>
+            <ac:spMk id="59" creationId="{0C510C81-AAE2-BD89-CCEC-93BE30A0074E}"/>
+          </ac:spMkLst>
+        </pc:spChg>
+        <pc:spChg chg="add mod">
+          <ac:chgData name="Lines, Todd" userId="afaf7c3a-e8aa-4568-882a-02ad8f9e19b0" providerId="ADAL" clId="{5FF5AC1B-ABA9-43D7-A1E3-2D92732CD6E2}" dt="2025-10-02T17:14:04.167" v="1104" actId="1076"/>
+          <ac:spMkLst>
+            <pc:docMk/>
+            <pc:sldMk cId="2232009898" sldId="750"/>
+            <ac:spMk id="60" creationId="{BFE6EA15-7E53-1E06-34A1-79BCFFFF974C}"/>
+          </ac:spMkLst>
+        </pc:spChg>
+        <pc:spChg chg="add del mod">
+          <ac:chgData name="Lines, Todd" userId="afaf7c3a-e8aa-4568-882a-02ad8f9e19b0" providerId="ADAL" clId="{5FF5AC1B-ABA9-43D7-A1E3-2D92732CD6E2}" dt="2025-10-02T17:14:06.547" v="1105" actId="1076"/>
+          <ac:spMkLst>
+            <pc:docMk/>
+            <pc:sldMk cId="2232009898" sldId="750"/>
+            <ac:spMk id="61" creationId="{59A01856-9E55-3195-BDF3-0C27CE97337D}"/>
+          </ac:spMkLst>
+        </pc:spChg>
+        <pc:spChg chg="add mod">
+          <ac:chgData name="Lines, Todd" userId="afaf7c3a-e8aa-4568-882a-02ad8f9e19b0" providerId="ADAL" clId="{5FF5AC1B-ABA9-43D7-A1E3-2D92732CD6E2}" dt="2025-10-02T17:14:09.138" v="1106" actId="1076"/>
+          <ac:spMkLst>
+            <pc:docMk/>
+            <pc:sldMk cId="2232009898" sldId="750"/>
+            <ac:spMk id="62" creationId="{D0ABE52C-3F6B-B5D6-12AF-ADBCB9DC47BB}"/>
+          </ac:spMkLst>
+        </pc:spChg>
+        <pc:spChg chg="mod">
+          <ac:chgData name="Lines, Todd" userId="afaf7c3a-e8aa-4568-882a-02ad8f9e19b0" providerId="ADAL" clId="{5FF5AC1B-ABA9-43D7-A1E3-2D92732CD6E2}" dt="2025-10-02T17:11:50.818" v="1022" actId="207"/>
+          <ac:spMkLst>
+            <pc:docMk/>
+            <pc:sldMk cId="2232009898" sldId="750"/>
+            <ac:spMk id="63" creationId="{9BF8C20B-3F08-9F5E-4F34-12DE48FA8801}"/>
+          </ac:spMkLst>
+        </pc:spChg>
+        <pc:spChg chg="mod">
+          <ac:chgData name="Lines, Todd" userId="afaf7c3a-e8aa-4568-882a-02ad8f9e19b0" providerId="ADAL" clId="{5FF5AC1B-ABA9-43D7-A1E3-2D92732CD6E2}" dt="2025-10-02T17:14:13.397" v="1107" actId="1076"/>
+          <ac:spMkLst>
+            <pc:docMk/>
+            <pc:sldMk cId="2232009898" sldId="750"/>
+            <ac:spMk id="64" creationId="{E5600D19-EF86-9A10-4E38-B272F0DA4BCE}"/>
+          </ac:spMkLst>
+        </pc:spChg>
+        <pc:spChg chg="mod">
+          <ac:chgData name="Lines, Todd" userId="afaf7c3a-e8aa-4568-882a-02ad8f9e19b0" providerId="ADAL" clId="{5FF5AC1B-ABA9-43D7-A1E3-2D92732CD6E2}" dt="2025-10-02T17:11:50.818" v="1022" actId="207"/>
+          <ac:spMkLst>
+            <pc:docMk/>
+            <pc:sldMk cId="2232009898" sldId="750"/>
+            <ac:spMk id="65" creationId="{B2C8EA63-E618-D5CC-6C85-85C5ECC9378B}"/>
+          </ac:spMkLst>
+        </pc:spChg>
+        <pc:spChg chg="mod">
+          <ac:chgData name="Lines, Todd" userId="afaf7c3a-e8aa-4568-882a-02ad8f9e19b0" providerId="ADAL" clId="{5FF5AC1B-ABA9-43D7-A1E3-2D92732CD6E2}" dt="2025-10-02T17:13:58.535" v="1102" actId="1076"/>
+          <ac:spMkLst>
+            <pc:docMk/>
+            <pc:sldMk cId="2232009898" sldId="750"/>
+            <ac:spMk id="66" creationId="{4C3CAD0B-4C46-9008-559D-720C3DE49FDF}"/>
+          </ac:spMkLst>
+        </pc:spChg>
+        <pc:spChg chg="add mod">
+          <ac:chgData name="Lines, Todd" userId="afaf7c3a-e8aa-4568-882a-02ad8f9e19b0" providerId="ADAL" clId="{5FF5AC1B-ABA9-43D7-A1E3-2D92732CD6E2}" dt="2025-10-02T17:14:01.488" v="1103" actId="1076"/>
+          <ac:spMkLst>
+            <pc:docMk/>
+            <pc:sldMk cId="2232009898" sldId="750"/>
+            <ac:spMk id="67" creationId="{67D607C4-52E2-2F7E-EF98-CF3E07668587}"/>
+          </ac:spMkLst>
+        </pc:spChg>
+        <pc:spChg chg="add mod">
+          <ac:chgData name="Lines, Todd" userId="afaf7c3a-e8aa-4568-882a-02ad8f9e19b0" providerId="ADAL" clId="{5FF5AC1B-ABA9-43D7-A1E3-2D92732CD6E2}" dt="2025-10-02T17:09:55.125" v="1009" actId="207"/>
+          <ac:spMkLst>
+            <pc:docMk/>
+            <pc:sldMk cId="2232009898" sldId="750"/>
+            <ac:spMk id="69" creationId="{565E1655-2BC9-3FB7-9468-AA189D7AE015}"/>
+          </ac:spMkLst>
+        </pc:spChg>
+        <pc:spChg chg="add mod">
+          <ac:chgData name="Lines, Todd" userId="afaf7c3a-e8aa-4568-882a-02ad8f9e19b0" providerId="ADAL" clId="{5FF5AC1B-ABA9-43D7-A1E3-2D92732CD6E2}" dt="2025-10-02T17:09:55.125" v="1009" actId="207"/>
+          <ac:spMkLst>
+            <pc:docMk/>
+            <pc:sldMk cId="2232009898" sldId="750"/>
+            <ac:spMk id="70" creationId="{E69F8912-0B22-6F62-4472-2C6901E7069C}"/>
+          </ac:spMkLst>
+        </pc:spChg>
+        <pc:spChg chg="add mod">
+          <ac:chgData name="Lines, Todd" userId="afaf7c3a-e8aa-4568-882a-02ad8f9e19b0" providerId="ADAL" clId="{5FF5AC1B-ABA9-43D7-A1E3-2D92732CD6E2}" dt="2025-10-02T17:09:55.125" v="1009" actId="207"/>
+          <ac:spMkLst>
+            <pc:docMk/>
+            <pc:sldMk cId="2232009898" sldId="750"/>
+            <ac:spMk id="71" creationId="{91AF3630-7591-7C14-A349-C0F8311737BA}"/>
+          </ac:spMkLst>
+        </pc:spChg>
+        <pc:spChg chg="add mod">
+          <ac:chgData name="Lines, Todd" userId="afaf7c3a-e8aa-4568-882a-02ad8f9e19b0" providerId="ADAL" clId="{5FF5AC1B-ABA9-43D7-A1E3-2D92732CD6E2}" dt="2025-10-02T17:09:55.125" v="1009" actId="207"/>
+          <ac:spMkLst>
+            <pc:docMk/>
+            <pc:sldMk cId="2232009898" sldId="750"/>
+            <ac:spMk id="72" creationId="{89AB02EA-9143-90A0-3D0C-24BECD136723}"/>
+          </ac:spMkLst>
+        </pc:spChg>
+        <pc:spChg chg="add mod">
+          <ac:chgData name="Lines, Todd" userId="afaf7c3a-e8aa-4568-882a-02ad8f9e19b0" providerId="ADAL" clId="{5FF5AC1B-ABA9-43D7-A1E3-2D92732CD6E2}" dt="2025-10-02T17:09:55.125" v="1009" actId="207"/>
+          <ac:spMkLst>
+            <pc:docMk/>
+            <pc:sldMk cId="2232009898" sldId="750"/>
+            <ac:spMk id="73" creationId="{C3059E82-CBD7-5407-9230-33CEE9B2EB02}"/>
+          </ac:spMkLst>
+        </pc:spChg>
+        <pc:spChg chg="add mod">
+          <ac:chgData name="Lines, Todd" userId="afaf7c3a-e8aa-4568-882a-02ad8f9e19b0" providerId="ADAL" clId="{5FF5AC1B-ABA9-43D7-A1E3-2D92732CD6E2}" dt="2025-10-02T17:09:55.125" v="1009" actId="207"/>
+          <ac:spMkLst>
+            <pc:docMk/>
+            <pc:sldMk cId="2232009898" sldId="750"/>
+            <ac:spMk id="74" creationId="{90A6F40F-B891-20AA-39F6-EE3E890A4CD1}"/>
+          </ac:spMkLst>
+        </pc:spChg>
+        <pc:spChg chg="add mod">
+          <ac:chgData name="Lines, Todd" userId="afaf7c3a-e8aa-4568-882a-02ad8f9e19b0" providerId="ADAL" clId="{5FF5AC1B-ABA9-43D7-A1E3-2D92732CD6E2}" dt="2025-10-02T17:09:55.125" v="1009" actId="207"/>
+          <ac:spMkLst>
+            <pc:docMk/>
+            <pc:sldMk cId="2232009898" sldId="750"/>
+            <ac:spMk id="75" creationId="{87930EF4-800B-25BC-E8DF-9834498195AB}"/>
+          </ac:spMkLst>
+        </pc:spChg>
+        <pc:spChg chg="add mod">
+          <ac:chgData name="Lines, Todd" userId="afaf7c3a-e8aa-4568-882a-02ad8f9e19b0" providerId="ADAL" clId="{5FF5AC1B-ABA9-43D7-A1E3-2D92732CD6E2}" dt="2025-10-02T17:09:55.125" v="1009" actId="207"/>
+          <ac:spMkLst>
+            <pc:docMk/>
+            <pc:sldMk cId="2232009898" sldId="750"/>
+            <ac:spMk id="76" creationId="{7965B89D-0492-07FF-32C3-96F17AC9E394}"/>
+          </ac:spMkLst>
+        </pc:spChg>
+        <pc:spChg chg="add mod">
+          <ac:chgData name="Lines, Todd" userId="afaf7c3a-e8aa-4568-882a-02ad8f9e19b0" providerId="ADAL" clId="{5FF5AC1B-ABA9-43D7-A1E3-2D92732CD6E2}" dt="2025-10-02T17:09:55.125" v="1009" actId="207"/>
+          <ac:spMkLst>
+            <pc:docMk/>
+            <pc:sldMk cId="2232009898" sldId="750"/>
+            <ac:spMk id="77" creationId="{3F0945EA-873E-A2FD-4E88-A96BF55E5D9D}"/>
+          </ac:spMkLst>
+        </pc:spChg>
+        <pc:spChg chg="add del mod">
+          <ac:chgData name="Lines, Todd" userId="afaf7c3a-e8aa-4568-882a-02ad8f9e19b0" providerId="ADAL" clId="{5FF5AC1B-ABA9-43D7-A1E3-2D92732CD6E2}" dt="2025-10-02T17:08:59.641" v="1002"/>
+          <ac:spMkLst>
+            <pc:docMk/>
+            <pc:sldMk cId="2232009898" sldId="750"/>
+            <ac:spMk id="78" creationId="{B7682B64-436D-7059-7EF2-BC4F7AA2A16D}"/>
+          </ac:spMkLst>
+        </pc:spChg>
+        <pc:spChg chg="add mod">
+          <ac:chgData name="Lines, Todd" userId="afaf7c3a-e8aa-4568-882a-02ad8f9e19b0" providerId="ADAL" clId="{5FF5AC1B-ABA9-43D7-A1E3-2D92732CD6E2}" dt="2025-10-02T17:19:48.656" v="1289" actId="1035"/>
+          <ac:spMkLst>
+            <pc:docMk/>
+            <pc:sldMk cId="2232009898" sldId="750"/>
+            <ac:spMk id="98" creationId="{72588B86-3904-394D-3476-63335E59F2B3}"/>
+          </ac:spMkLst>
+        </pc:spChg>
+        <pc:spChg chg="add mod">
+          <ac:chgData name="Lines, Todd" userId="afaf7c3a-e8aa-4568-882a-02ad8f9e19b0" providerId="ADAL" clId="{5FF5AC1B-ABA9-43D7-A1E3-2D92732CD6E2}" dt="2025-10-02T17:20:00.280" v="1292" actId="1076"/>
+          <ac:spMkLst>
+            <pc:docMk/>
+            <pc:sldMk cId="2232009898" sldId="750"/>
+            <ac:spMk id="99" creationId="{9641A280-509B-B18E-2E38-49F94085EA9D}"/>
+          </ac:spMkLst>
+        </pc:spChg>
+        <pc:grpChg chg="del">
+          <ac:chgData name="Lines, Todd" userId="afaf7c3a-e8aa-4568-882a-02ad8f9e19b0" providerId="ADAL" clId="{5FF5AC1B-ABA9-43D7-A1E3-2D92732CD6E2}" dt="2025-10-02T17:06:30.855" v="984" actId="165"/>
+          <ac:grpSpMkLst>
+            <pc:docMk/>
+            <pc:sldMk cId="2232009898" sldId="750"/>
+            <ac:grpSpMk id="6" creationId="{8FEB663E-BE84-44D9-E47B-2A926E061474}"/>
+          </ac:grpSpMkLst>
+        </pc:grpChg>
+        <pc:grpChg chg="mod">
+          <ac:chgData name="Lines, Todd" userId="afaf7c3a-e8aa-4568-882a-02ad8f9e19b0" providerId="ADAL" clId="{5FF5AC1B-ABA9-43D7-A1E3-2D92732CD6E2}" dt="2025-10-02T17:13:10.071" v="1034" actId="164"/>
+          <ac:grpSpMkLst>
+            <pc:docMk/>
+            <pc:sldMk cId="2232009898" sldId="750"/>
+            <ac:grpSpMk id="16" creationId="{1E900406-CAA2-84B2-6E7A-7390353760D9}"/>
+          </ac:grpSpMkLst>
+        </pc:grpChg>
+        <pc:grpChg chg="del">
+          <ac:chgData name="Lines, Todd" userId="afaf7c3a-e8aa-4568-882a-02ad8f9e19b0" providerId="ADAL" clId="{5FF5AC1B-ABA9-43D7-A1E3-2D92732CD6E2}" dt="2025-10-02T17:06:36.949" v="985" actId="478"/>
+          <ac:grpSpMkLst>
+            <pc:docMk/>
+            <pc:sldMk cId="2232009898" sldId="750"/>
+            <ac:grpSpMk id="21" creationId="{13ADF50A-0520-77E9-B035-376345A8FE8F}"/>
+          </ac:grpSpMkLst>
+        </pc:grpChg>
+        <pc:grpChg chg="del mod">
+          <ac:chgData name="Lines, Todd" userId="afaf7c3a-e8aa-4568-882a-02ad8f9e19b0" providerId="ADAL" clId="{5FF5AC1B-ABA9-43D7-A1E3-2D92732CD6E2}" dt="2025-10-02T17:07:36.937" v="995" actId="478"/>
+          <ac:grpSpMkLst>
+            <pc:docMk/>
+            <pc:sldMk cId="2232009898" sldId="750"/>
+            <ac:grpSpMk id="31" creationId="{379C59BE-CFBD-33C9-8559-F327FDAC77C7}"/>
+          </ac:grpSpMkLst>
+        </pc:grpChg>
+        <pc:grpChg chg="del">
+          <ac:chgData name="Lines, Todd" userId="afaf7c3a-e8aa-4568-882a-02ad8f9e19b0" providerId="ADAL" clId="{5FF5AC1B-ABA9-43D7-A1E3-2D92732CD6E2}" dt="2025-10-02T17:10:24.779" v="1013" actId="478"/>
+          <ac:grpSpMkLst>
+            <pc:docMk/>
+            <pc:sldMk cId="2232009898" sldId="750"/>
+            <ac:grpSpMk id="36" creationId="{0995754F-1824-8AB0-493A-35FD44D7E126}"/>
+          </ac:grpSpMkLst>
+        </pc:grpChg>
+        <pc:grpChg chg="add del mod">
+          <ac:chgData name="Lines, Todd" userId="afaf7c3a-e8aa-4568-882a-02ad8f9e19b0" providerId="ADAL" clId="{5FF5AC1B-ABA9-43D7-A1E3-2D92732CD6E2}" dt="2025-10-02T17:06:48.356" v="988" actId="478"/>
+          <ac:grpSpMkLst>
+            <pc:docMk/>
+            <pc:sldMk cId="2232009898" sldId="750"/>
+            <ac:grpSpMk id="68" creationId="{4B6541E1-07B6-FD23-2127-92A4F264B08B}"/>
+          </ac:grpSpMkLst>
+        </pc:grpChg>
+        <pc:grpChg chg="add mod ord">
+          <ac:chgData name="Lines, Todd" userId="afaf7c3a-e8aa-4568-882a-02ad8f9e19b0" providerId="ADAL" clId="{5FF5AC1B-ABA9-43D7-A1E3-2D92732CD6E2}" dt="2025-10-02T17:11:29.116" v="1020" actId="1076"/>
+          <ac:grpSpMkLst>
+            <pc:docMk/>
+            <pc:sldMk cId="2232009898" sldId="750"/>
+            <ac:grpSpMk id="79" creationId="{68D55873-28F3-ED5B-47AD-27A16CFC8E9B}"/>
+          </ac:grpSpMkLst>
+        </pc:grpChg>
+        <pc:grpChg chg="add mod">
+          <ac:chgData name="Lines, Todd" userId="afaf7c3a-e8aa-4568-882a-02ad8f9e19b0" providerId="ADAL" clId="{5FF5AC1B-ABA9-43D7-A1E3-2D92732CD6E2}" dt="2025-10-02T17:13:10.071" v="1034" actId="164"/>
+          <ac:grpSpMkLst>
+            <pc:docMk/>
+            <pc:sldMk cId="2232009898" sldId="750"/>
+            <ac:grpSpMk id="80" creationId="{4CF98FCF-5E89-FC6A-2309-508BD4A5D91A}"/>
+          </ac:grpSpMkLst>
+        </pc:grpChg>
+        <pc:grpChg chg="add mod">
+          <ac:chgData name="Lines, Todd" userId="afaf7c3a-e8aa-4568-882a-02ad8f9e19b0" providerId="ADAL" clId="{5FF5AC1B-ABA9-43D7-A1E3-2D92732CD6E2}" dt="2025-10-02T17:13:16.151" v="1043" actId="1038"/>
+          <ac:grpSpMkLst>
+            <pc:docMk/>
+            <pc:sldMk cId="2232009898" sldId="750"/>
+            <ac:grpSpMk id="85" creationId="{ECA850BA-2A3B-76E6-AD72-7A866DACBE4E}"/>
+          </ac:grpSpMkLst>
+        </pc:grpChg>
+        <pc:grpChg chg="add mod">
+          <ac:chgData name="Lines, Todd" userId="afaf7c3a-e8aa-4568-882a-02ad8f9e19b0" providerId="ADAL" clId="{5FF5AC1B-ABA9-43D7-A1E3-2D92732CD6E2}" dt="2025-10-02T17:13:29.961" v="1074" actId="1035"/>
+          <ac:grpSpMkLst>
+            <pc:docMk/>
+            <pc:sldMk cId="2232009898" sldId="750"/>
+            <ac:grpSpMk id="86" creationId="{6033679C-9365-118A-C965-B8CF8AC252E9}"/>
+          </ac:grpSpMkLst>
+        </pc:grpChg>
+        <pc:grpChg chg="mod">
+          <ac:chgData name="Lines, Todd" userId="afaf7c3a-e8aa-4568-882a-02ad8f9e19b0" providerId="ADAL" clId="{5FF5AC1B-ABA9-43D7-A1E3-2D92732CD6E2}" dt="2025-10-02T17:13:19.130" v="1044"/>
+          <ac:grpSpMkLst>
+            <pc:docMk/>
+            <pc:sldMk cId="2232009898" sldId="750"/>
+            <ac:grpSpMk id="87" creationId="{616A4FF2-37B3-D552-597F-8E816ECA84AB}"/>
+          </ac:grpSpMkLst>
+        </pc:grpChg>
+        <pc:grpChg chg="mod">
+          <ac:chgData name="Lines, Todd" userId="afaf7c3a-e8aa-4568-882a-02ad8f9e19b0" providerId="ADAL" clId="{5FF5AC1B-ABA9-43D7-A1E3-2D92732CD6E2}" dt="2025-10-02T17:13:19.130" v="1044"/>
+          <ac:grpSpMkLst>
+            <pc:docMk/>
+            <pc:sldMk cId="2232009898" sldId="750"/>
+            <ac:grpSpMk id="88" creationId="{A91BD9C2-DF2F-B609-E0B6-E7DCAEA27460}"/>
+          </ac:grpSpMkLst>
+        </pc:grpChg>
+        <pc:picChg chg="del mod">
+          <ac:chgData name="Lines, Todd" userId="afaf7c3a-e8aa-4568-882a-02ad8f9e19b0" providerId="ADAL" clId="{5FF5AC1B-ABA9-43D7-A1E3-2D92732CD6E2}" dt="2025-10-02T17:18:38.506" v="1139" actId="21"/>
+          <ac:picMkLst>
+            <pc:docMk/>
+            <pc:sldMk cId="2232009898" sldId="750"/>
+            <ac:picMk id="97" creationId="{DBBB44AA-0711-B0AB-8451-509FB82AC80D}"/>
+          </ac:picMkLst>
+        </pc:picChg>
+        <pc:picChg chg="del mod">
+          <ac:chgData name="Lines, Todd" userId="afaf7c3a-e8aa-4568-882a-02ad8f9e19b0" providerId="ADAL" clId="{5FF5AC1B-ABA9-43D7-A1E3-2D92732CD6E2}" dt="2025-10-02T17:22:27.548" v="1303" actId="21"/>
+          <ac:picMkLst>
+            <pc:docMk/>
+            <pc:sldMk cId="2232009898" sldId="750"/>
+            <ac:picMk id="100" creationId="{93469C4B-8A98-02BA-CF23-332461378F82}"/>
+          </ac:picMkLst>
+        </pc:picChg>
+        <pc:cxnChg chg="mod">
+          <ac:chgData name="Lines, Todd" userId="afaf7c3a-e8aa-4568-882a-02ad8f9e19b0" providerId="ADAL" clId="{5FF5AC1B-ABA9-43D7-A1E3-2D92732CD6E2}" dt="2025-10-02T17:12:13.723" v="1026" actId="1582"/>
+          <ac:cxnSpMkLst>
+            <pc:docMk/>
+            <pc:sldMk cId="2232009898" sldId="750"/>
+            <ac:cxnSpMk id="17" creationId="{B2D25222-57CE-58EE-2D61-F830D0061BDA}"/>
+          </ac:cxnSpMkLst>
+        </pc:cxnChg>
+        <pc:cxnChg chg="mod">
+          <ac:chgData name="Lines, Todd" userId="afaf7c3a-e8aa-4568-882a-02ad8f9e19b0" providerId="ADAL" clId="{5FF5AC1B-ABA9-43D7-A1E3-2D92732CD6E2}" dt="2025-10-02T17:12:13.723" v="1026" actId="1582"/>
+          <ac:cxnSpMkLst>
+            <pc:docMk/>
+            <pc:sldMk cId="2232009898" sldId="750"/>
+            <ac:cxnSpMk id="18" creationId="{4BAFF630-BE29-993E-39F5-7BCB35416D1E}"/>
+          </ac:cxnSpMkLst>
+        </pc:cxnChg>
+        <pc:cxnChg chg="mod">
+          <ac:chgData name="Lines, Todd" userId="afaf7c3a-e8aa-4568-882a-02ad8f9e19b0" providerId="ADAL" clId="{5FF5AC1B-ABA9-43D7-A1E3-2D92732CD6E2}" dt="2025-10-02T17:12:13.723" v="1026" actId="1582"/>
+          <ac:cxnSpMkLst>
+            <pc:docMk/>
+            <pc:sldMk cId="2232009898" sldId="750"/>
+            <ac:cxnSpMk id="19" creationId="{988175A3-AD2D-4614-6420-D528861C2B1E}"/>
+          </ac:cxnSpMkLst>
+        </pc:cxnChg>
+        <pc:cxnChg chg="mod">
+          <ac:chgData name="Lines, Todd" userId="afaf7c3a-e8aa-4568-882a-02ad8f9e19b0" providerId="ADAL" clId="{5FF5AC1B-ABA9-43D7-A1E3-2D92732CD6E2}" dt="2025-10-02T17:12:13.723" v="1026" actId="1582"/>
+          <ac:cxnSpMkLst>
+            <pc:docMk/>
+            <pc:sldMk cId="2232009898" sldId="750"/>
+            <ac:cxnSpMk id="20" creationId="{66A05626-629D-34F5-0FAE-CC23CAC583D8}"/>
+          </ac:cxnSpMkLst>
+        </pc:cxnChg>
+        <pc:cxnChg chg="mod">
+          <ac:chgData name="Lines, Todd" userId="afaf7c3a-e8aa-4568-882a-02ad8f9e19b0" providerId="ADAL" clId="{5FF5AC1B-ABA9-43D7-A1E3-2D92732CD6E2}" dt="2025-10-02T17:13:38.960" v="1082" actId="1037"/>
+          <ac:cxnSpMkLst>
+            <pc:docMk/>
+            <pc:sldMk cId="2232009898" sldId="750"/>
+            <ac:cxnSpMk id="48" creationId="{33D89DE0-91B0-B592-475A-B238698B668B}"/>
+          </ac:cxnSpMkLst>
+        </pc:cxnChg>
+        <pc:cxnChg chg="mod">
+          <ac:chgData name="Lines, Todd" userId="afaf7c3a-e8aa-4568-882a-02ad8f9e19b0" providerId="ADAL" clId="{5FF5AC1B-ABA9-43D7-A1E3-2D92732CD6E2}" dt="2025-10-02T17:12:21.163" v="1027"/>
+          <ac:cxnSpMkLst>
+            <pc:docMk/>
+            <pc:sldMk cId="2232009898" sldId="750"/>
+            <ac:cxnSpMk id="81" creationId="{3247A58F-54C9-EFD4-ABDB-1378C709E997}"/>
+          </ac:cxnSpMkLst>
+        </pc:cxnChg>
+        <pc:cxnChg chg="mod">
+          <ac:chgData name="Lines, Todd" userId="afaf7c3a-e8aa-4568-882a-02ad8f9e19b0" providerId="ADAL" clId="{5FF5AC1B-ABA9-43D7-A1E3-2D92732CD6E2}" dt="2025-10-02T17:12:21.163" v="1027"/>
+          <ac:cxnSpMkLst>
+            <pc:docMk/>
+            <pc:sldMk cId="2232009898" sldId="750"/>
+            <ac:cxnSpMk id="82" creationId="{54B66D27-A756-D297-CD7C-43BBB535F2E2}"/>
+          </ac:cxnSpMkLst>
+        </pc:cxnChg>
+        <pc:cxnChg chg="mod">
+          <ac:chgData name="Lines, Todd" userId="afaf7c3a-e8aa-4568-882a-02ad8f9e19b0" providerId="ADAL" clId="{5FF5AC1B-ABA9-43D7-A1E3-2D92732CD6E2}" dt="2025-10-02T17:12:21.163" v="1027"/>
+          <ac:cxnSpMkLst>
+            <pc:docMk/>
+            <pc:sldMk cId="2232009898" sldId="750"/>
+            <ac:cxnSpMk id="83" creationId="{77D50002-9139-2620-F375-C3BB5495B213}"/>
+          </ac:cxnSpMkLst>
+        </pc:cxnChg>
+        <pc:cxnChg chg="mod">
+          <ac:chgData name="Lines, Todd" userId="afaf7c3a-e8aa-4568-882a-02ad8f9e19b0" providerId="ADAL" clId="{5FF5AC1B-ABA9-43D7-A1E3-2D92732CD6E2}" dt="2025-10-02T17:12:21.163" v="1027"/>
+          <ac:cxnSpMkLst>
+            <pc:docMk/>
+            <pc:sldMk cId="2232009898" sldId="750"/>
+            <ac:cxnSpMk id="84" creationId="{FD0C6477-147A-A1A6-325B-2F22844D6701}"/>
+          </ac:cxnSpMkLst>
+        </pc:cxnChg>
+        <pc:cxnChg chg="mod">
+          <ac:chgData name="Lines, Todd" userId="afaf7c3a-e8aa-4568-882a-02ad8f9e19b0" providerId="ADAL" clId="{5FF5AC1B-ABA9-43D7-A1E3-2D92732CD6E2}" dt="2025-10-02T17:13:19.130" v="1044"/>
+          <ac:cxnSpMkLst>
+            <pc:docMk/>
+            <pc:sldMk cId="2232009898" sldId="750"/>
+            <ac:cxnSpMk id="89" creationId="{F4EEC0A4-9CC2-FD6A-C3C1-8F7418C47125}"/>
+          </ac:cxnSpMkLst>
+        </pc:cxnChg>
+        <pc:cxnChg chg="mod">
+          <ac:chgData name="Lines, Todd" userId="afaf7c3a-e8aa-4568-882a-02ad8f9e19b0" providerId="ADAL" clId="{5FF5AC1B-ABA9-43D7-A1E3-2D92732CD6E2}" dt="2025-10-02T17:13:19.130" v="1044"/>
+          <ac:cxnSpMkLst>
+            <pc:docMk/>
+            <pc:sldMk cId="2232009898" sldId="750"/>
+            <ac:cxnSpMk id="91" creationId="{AA626D16-845F-1A1C-3CF2-A9E811DDE814}"/>
+          </ac:cxnSpMkLst>
+        </pc:cxnChg>
+        <pc:cxnChg chg="mod">
+          <ac:chgData name="Lines, Todd" userId="afaf7c3a-e8aa-4568-882a-02ad8f9e19b0" providerId="ADAL" clId="{5FF5AC1B-ABA9-43D7-A1E3-2D92732CD6E2}" dt="2025-10-02T17:13:19.130" v="1044"/>
+          <ac:cxnSpMkLst>
+            <pc:docMk/>
+            <pc:sldMk cId="2232009898" sldId="750"/>
+            <ac:cxnSpMk id="92" creationId="{1B45A279-F68E-E717-0E1A-D68580463093}"/>
+          </ac:cxnSpMkLst>
+        </pc:cxnChg>
+        <pc:cxnChg chg="mod">
+          <ac:chgData name="Lines, Todd" userId="afaf7c3a-e8aa-4568-882a-02ad8f9e19b0" providerId="ADAL" clId="{5FF5AC1B-ABA9-43D7-A1E3-2D92732CD6E2}" dt="2025-10-02T17:13:19.130" v="1044"/>
+          <ac:cxnSpMkLst>
+            <pc:docMk/>
+            <pc:sldMk cId="2232009898" sldId="750"/>
+            <ac:cxnSpMk id="93" creationId="{41DA66E5-8DEC-1D57-3558-D5BBDFED1494}"/>
+          </ac:cxnSpMkLst>
+        </pc:cxnChg>
+        <pc:cxnChg chg="mod">
+          <ac:chgData name="Lines, Todd" userId="afaf7c3a-e8aa-4568-882a-02ad8f9e19b0" providerId="ADAL" clId="{5FF5AC1B-ABA9-43D7-A1E3-2D92732CD6E2}" dt="2025-10-02T17:13:19.130" v="1044"/>
+          <ac:cxnSpMkLst>
+            <pc:docMk/>
+            <pc:sldMk cId="2232009898" sldId="750"/>
+            <ac:cxnSpMk id="94" creationId="{BA26AE97-57A0-22EA-19A4-1D355ED74729}"/>
+          </ac:cxnSpMkLst>
+        </pc:cxnChg>
+        <pc:cxnChg chg="mod">
+          <ac:chgData name="Lines, Todd" userId="afaf7c3a-e8aa-4568-882a-02ad8f9e19b0" providerId="ADAL" clId="{5FF5AC1B-ABA9-43D7-A1E3-2D92732CD6E2}" dt="2025-10-02T17:13:19.130" v="1044"/>
+          <ac:cxnSpMkLst>
+            <pc:docMk/>
+            <pc:sldMk cId="2232009898" sldId="750"/>
+            <ac:cxnSpMk id="95" creationId="{B930F264-2797-7AAF-9562-3DFCA3A6F7AB}"/>
+          </ac:cxnSpMkLst>
+        </pc:cxnChg>
+        <pc:cxnChg chg="mod">
+          <ac:chgData name="Lines, Todd" userId="afaf7c3a-e8aa-4568-882a-02ad8f9e19b0" providerId="ADAL" clId="{5FF5AC1B-ABA9-43D7-A1E3-2D92732CD6E2}" dt="2025-10-02T17:13:19.130" v="1044"/>
+          <ac:cxnSpMkLst>
+            <pc:docMk/>
+            <pc:sldMk cId="2232009898" sldId="750"/>
+            <ac:cxnSpMk id="96" creationId="{7B04DFC3-92EA-AAF0-14D5-6AE7F232285E}"/>
+          </ac:cxnSpMkLst>
+        </pc:cxnChg>
+      </pc:sldChg>
+      <pc:sldChg chg="addSp delSp modSp add mod">
+        <pc:chgData name="Lines, Todd" userId="afaf7c3a-e8aa-4568-882a-02ad8f9e19b0" providerId="ADAL" clId="{5FF5AC1B-ABA9-43D7-A1E3-2D92732CD6E2}" dt="2025-10-02T17:21:50.956" v="1301" actId="21"/>
+        <pc:sldMkLst>
+          <pc:docMk/>
+          <pc:sldMk cId="652837479" sldId="751"/>
+        </pc:sldMkLst>
+        <pc:spChg chg="add mod">
+          <ac:chgData name="Lines, Todd" userId="afaf7c3a-e8aa-4568-882a-02ad8f9e19b0" providerId="ADAL" clId="{5FF5AC1B-ABA9-43D7-A1E3-2D92732CD6E2}" dt="2025-10-02T17:20:09.503" v="1294"/>
+          <ac:spMkLst>
+            <pc:docMk/>
+            <pc:sldMk cId="652837479" sldId="751"/>
+            <ac:spMk id="30" creationId="{E4D89973-61BF-B96E-711F-1891F27BD01E}"/>
+          </ac:spMkLst>
+        </pc:spChg>
+        <pc:spChg chg="add mod">
+          <ac:chgData name="Lines, Todd" userId="afaf7c3a-e8aa-4568-882a-02ad8f9e19b0" providerId="ADAL" clId="{5FF5AC1B-ABA9-43D7-A1E3-2D92732CD6E2}" dt="2025-10-02T17:20:09.503" v="1294"/>
+          <ac:spMkLst>
+            <pc:docMk/>
+            <pc:sldMk cId="652837479" sldId="751"/>
+            <ac:spMk id="31" creationId="{7C52D876-AA94-6BB4-D13F-3ECA94219E76}"/>
+          </ac:spMkLst>
+        </pc:spChg>
+        <pc:spChg chg="del">
+          <ac:chgData name="Lines, Todd" userId="afaf7c3a-e8aa-4568-882a-02ad8f9e19b0" providerId="ADAL" clId="{5FF5AC1B-ABA9-43D7-A1E3-2D92732CD6E2}" dt="2025-10-02T17:14:39.604" v="1114" actId="478"/>
+          <ac:spMkLst>
+            <pc:docMk/>
+            <pc:sldMk cId="652837479" sldId="751"/>
+            <ac:spMk id="41" creationId="{48CA6781-36C3-E480-FF02-95EC018AA585}"/>
+          </ac:spMkLst>
+        </pc:spChg>
+        <pc:spChg chg="del">
+          <ac:chgData name="Lines, Todd" userId="afaf7c3a-e8aa-4568-882a-02ad8f9e19b0" providerId="ADAL" clId="{5FF5AC1B-ABA9-43D7-A1E3-2D92732CD6E2}" dt="2025-10-02T17:14:40.985" v="1115" actId="478"/>
+          <ac:spMkLst>
+            <pc:docMk/>
+            <pc:sldMk cId="652837479" sldId="751"/>
+            <ac:spMk id="42" creationId="{98F19B22-7852-96C4-8C6B-4C3DE6AA7DFE}"/>
+          </ac:spMkLst>
+        </pc:spChg>
+        <pc:spChg chg="del">
+          <ac:chgData name="Lines, Todd" userId="afaf7c3a-e8aa-4568-882a-02ad8f9e19b0" providerId="ADAL" clId="{5FF5AC1B-ABA9-43D7-A1E3-2D92732CD6E2}" dt="2025-10-02T17:15:20.332" v="1121" actId="478"/>
+          <ac:spMkLst>
+            <pc:docMk/>
+            <pc:sldMk cId="652837479" sldId="751"/>
+            <ac:spMk id="43" creationId="{217EC94B-B41F-9DF6-0E26-585188CCC6BA}"/>
+          </ac:spMkLst>
+        </pc:spChg>
+        <pc:spChg chg="del">
+          <ac:chgData name="Lines, Todd" userId="afaf7c3a-e8aa-4568-882a-02ad8f9e19b0" providerId="ADAL" clId="{5FF5AC1B-ABA9-43D7-A1E3-2D92732CD6E2}" dt="2025-10-02T17:14:45.974" v="1117" actId="478"/>
+          <ac:spMkLst>
+            <pc:docMk/>
+            <pc:sldMk cId="652837479" sldId="751"/>
+            <ac:spMk id="46" creationId="{A5F82CBF-E5E8-368E-C6F5-42A58D0E7F71}"/>
+          </ac:spMkLst>
+        </pc:spChg>
+        <pc:spChg chg="del">
+          <ac:chgData name="Lines, Todd" userId="afaf7c3a-e8aa-4568-882a-02ad8f9e19b0" providerId="ADAL" clId="{5FF5AC1B-ABA9-43D7-A1E3-2D92732CD6E2}" dt="2025-10-02T17:14:45.974" v="1117" actId="478"/>
+          <ac:spMkLst>
+            <pc:docMk/>
+            <pc:sldMk cId="652837479" sldId="751"/>
+            <ac:spMk id="47" creationId="{9F14F467-0AF6-EBEF-0037-0B8CD0C617D7}"/>
+          </ac:spMkLst>
+        </pc:spChg>
+        <pc:spChg chg="del">
+          <ac:chgData name="Lines, Todd" userId="afaf7c3a-e8aa-4568-882a-02ad8f9e19b0" providerId="ADAL" clId="{5FF5AC1B-ABA9-43D7-A1E3-2D92732CD6E2}" dt="2025-10-02T17:14:44.230" v="1116" actId="478"/>
+          <ac:spMkLst>
+            <pc:docMk/>
+            <pc:sldMk cId="652837479" sldId="751"/>
+            <ac:spMk id="54" creationId="{806449D9-FA80-F178-EBC1-D767AD37279F}"/>
+          </ac:spMkLst>
+        </pc:spChg>
+        <pc:spChg chg="del">
+          <ac:chgData name="Lines, Todd" userId="afaf7c3a-e8aa-4568-882a-02ad8f9e19b0" providerId="ADAL" clId="{5FF5AC1B-ABA9-43D7-A1E3-2D92732CD6E2}" dt="2025-10-02T17:14:44.230" v="1116" actId="478"/>
+          <ac:spMkLst>
+            <pc:docMk/>
+            <pc:sldMk cId="652837479" sldId="751"/>
+            <ac:spMk id="55" creationId="{0EDE0EAB-E857-71F5-92F0-5BD8B7D1E775}"/>
+          </ac:spMkLst>
+        </pc:spChg>
+        <pc:spChg chg="del">
+          <ac:chgData name="Lines, Todd" userId="afaf7c3a-e8aa-4568-882a-02ad8f9e19b0" providerId="ADAL" clId="{5FF5AC1B-ABA9-43D7-A1E3-2D92732CD6E2}" dt="2025-10-02T17:14:44.230" v="1116" actId="478"/>
+          <ac:spMkLst>
+            <pc:docMk/>
+            <pc:sldMk cId="652837479" sldId="751"/>
+            <ac:spMk id="56" creationId="{43EADA39-3896-3F60-9B31-28DD3F65F744}"/>
+          </ac:spMkLst>
+        </pc:spChg>
+        <pc:spChg chg="del">
+          <ac:chgData name="Lines, Todd" userId="afaf7c3a-e8aa-4568-882a-02ad8f9e19b0" providerId="ADAL" clId="{5FF5AC1B-ABA9-43D7-A1E3-2D92732CD6E2}" dt="2025-10-02T17:14:45.974" v="1117" actId="478"/>
+          <ac:spMkLst>
+            <pc:docMk/>
+            <pc:sldMk cId="652837479" sldId="751"/>
+            <ac:spMk id="57" creationId="{FA44B450-2527-C842-49BB-4F78C9D68565}"/>
+          </ac:spMkLst>
+        </pc:spChg>
+        <pc:spChg chg="del">
+          <ac:chgData name="Lines, Todd" userId="afaf7c3a-e8aa-4568-882a-02ad8f9e19b0" providerId="ADAL" clId="{5FF5AC1B-ABA9-43D7-A1E3-2D92732CD6E2}" dt="2025-10-02T17:14:45.974" v="1117" actId="478"/>
+          <ac:spMkLst>
+            <pc:docMk/>
+            <pc:sldMk cId="652837479" sldId="751"/>
+            <ac:spMk id="58" creationId="{2D57FAEE-6122-AB30-43C6-31405073116F}"/>
+          </ac:spMkLst>
+        </pc:spChg>
+        <pc:spChg chg="del">
+          <ac:chgData name="Lines, Todd" userId="afaf7c3a-e8aa-4568-882a-02ad8f9e19b0" providerId="ADAL" clId="{5FF5AC1B-ABA9-43D7-A1E3-2D92732CD6E2}" dt="2025-10-02T17:14:45.974" v="1117" actId="478"/>
+          <ac:spMkLst>
+            <pc:docMk/>
+            <pc:sldMk cId="652837479" sldId="751"/>
+            <ac:spMk id="59" creationId="{34BE2FC5-954E-AA7E-912D-6E7B6BF593C1}"/>
+          </ac:spMkLst>
+        </pc:spChg>
+        <pc:spChg chg="del">
+          <ac:chgData name="Lines, Todd" userId="afaf7c3a-e8aa-4568-882a-02ad8f9e19b0" providerId="ADAL" clId="{5FF5AC1B-ABA9-43D7-A1E3-2D92732CD6E2}" dt="2025-10-02T17:14:44.230" v="1116" actId="478"/>
+          <ac:spMkLst>
+            <pc:docMk/>
+            <pc:sldMk cId="652837479" sldId="751"/>
+            <ac:spMk id="60" creationId="{2DBCC314-8B0C-0933-7184-6AEA8BA4B293}"/>
+          </ac:spMkLst>
+        </pc:spChg>
+        <pc:spChg chg="del">
+          <ac:chgData name="Lines, Todd" userId="afaf7c3a-e8aa-4568-882a-02ad8f9e19b0" providerId="ADAL" clId="{5FF5AC1B-ABA9-43D7-A1E3-2D92732CD6E2}" dt="2025-10-02T17:14:45.974" v="1117" actId="478"/>
+          <ac:spMkLst>
+            <pc:docMk/>
+            <pc:sldMk cId="652837479" sldId="751"/>
+            <ac:spMk id="61" creationId="{46B55FE9-9F68-C841-C2BA-EBA81135CA1A}"/>
+          </ac:spMkLst>
+        </pc:spChg>
+        <pc:spChg chg="del">
+          <ac:chgData name="Lines, Todd" userId="afaf7c3a-e8aa-4568-882a-02ad8f9e19b0" providerId="ADAL" clId="{5FF5AC1B-ABA9-43D7-A1E3-2D92732CD6E2}" dt="2025-10-02T17:14:45.974" v="1117" actId="478"/>
+          <ac:spMkLst>
+            <pc:docMk/>
+            <pc:sldMk cId="652837479" sldId="751"/>
+            <ac:spMk id="62" creationId="{8915C852-516F-EA25-1C2E-E6556C706141}"/>
+          </ac:spMkLst>
+        </pc:spChg>
+        <pc:spChg chg="del">
+          <ac:chgData name="Lines, Todd" userId="afaf7c3a-e8aa-4568-882a-02ad8f9e19b0" providerId="ADAL" clId="{5FF5AC1B-ABA9-43D7-A1E3-2D92732CD6E2}" dt="2025-10-02T17:14:45.974" v="1117" actId="478"/>
+          <ac:spMkLst>
+            <pc:docMk/>
+            <pc:sldMk cId="652837479" sldId="751"/>
+            <ac:spMk id="63" creationId="{E0B38724-64C1-2106-3012-AA1911F83A38}"/>
+          </ac:spMkLst>
+        </pc:spChg>
+        <pc:spChg chg="del">
+          <ac:chgData name="Lines, Todd" userId="afaf7c3a-e8aa-4568-882a-02ad8f9e19b0" providerId="ADAL" clId="{5FF5AC1B-ABA9-43D7-A1E3-2D92732CD6E2}" dt="2025-10-02T17:14:45.974" v="1117" actId="478"/>
+          <ac:spMkLst>
+            <pc:docMk/>
+            <pc:sldMk cId="652837479" sldId="751"/>
+            <ac:spMk id="64" creationId="{71AA1DA6-64D6-0366-7F57-3AE3D648C79A}"/>
+          </ac:spMkLst>
+        </pc:spChg>
+        <pc:spChg chg="del">
+          <ac:chgData name="Lines, Todd" userId="afaf7c3a-e8aa-4568-882a-02ad8f9e19b0" providerId="ADAL" clId="{5FF5AC1B-ABA9-43D7-A1E3-2D92732CD6E2}" dt="2025-10-02T17:14:44.230" v="1116" actId="478"/>
+          <ac:spMkLst>
+            <pc:docMk/>
+            <pc:sldMk cId="652837479" sldId="751"/>
+            <ac:spMk id="65" creationId="{9DDEAFD2-806D-4AED-1CB8-DE154A83C51D}"/>
+          </ac:spMkLst>
+        </pc:spChg>
+        <pc:spChg chg="del">
+          <ac:chgData name="Lines, Todd" userId="afaf7c3a-e8aa-4568-882a-02ad8f9e19b0" providerId="ADAL" clId="{5FF5AC1B-ABA9-43D7-A1E3-2D92732CD6E2}" dt="2025-10-02T17:14:44.230" v="1116" actId="478"/>
+          <ac:spMkLst>
+            <pc:docMk/>
+            <pc:sldMk cId="652837479" sldId="751"/>
+            <ac:spMk id="66" creationId="{78E676AC-747E-0D91-4A6B-813088F40725}"/>
+          </ac:spMkLst>
+        </pc:spChg>
+        <pc:spChg chg="del">
+          <ac:chgData name="Lines, Todd" userId="afaf7c3a-e8aa-4568-882a-02ad8f9e19b0" providerId="ADAL" clId="{5FF5AC1B-ABA9-43D7-A1E3-2D92732CD6E2}" dt="2025-10-02T17:14:44.230" v="1116" actId="478"/>
+          <ac:spMkLst>
+            <pc:docMk/>
+            <pc:sldMk cId="652837479" sldId="751"/>
+            <ac:spMk id="67" creationId="{B3824A1A-CB6A-13F7-237C-3206FD6C3740}"/>
+          </ac:spMkLst>
+        </pc:spChg>
+        <pc:grpChg chg="add mod">
+          <ac:chgData name="Lines, Todd" userId="afaf7c3a-e8aa-4568-882a-02ad8f9e19b0" providerId="ADAL" clId="{5FF5AC1B-ABA9-43D7-A1E3-2D92732CD6E2}" dt="2025-10-02T17:15:14.077" v="1120"/>
+          <ac:grpSpMkLst>
+            <pc:docMk/>
+            <pc:sldMk cId="652837479" sldId="751"/>
+            <ac:grpSpMk id="2" creationId="{AA93ECB2-5AC5-D08C-E0AD-6B68DCC62DDC}"/>
+          </ac:grpSpMkLst>
+        </pc:grpChg>
+        <pc:grpChg chg="mod">
+          <ac:chgData name="Lines, Todd" userId="afaf7c3a-e8aa-4568-882a-02ad8f9e19b0" providerId="ADAL" clId="{5FF5AC1B-ABA9-43D7-A1E3-2D92732CD6E2}" dt="2025-10-02T17:15:14.077" v="1120"/>
+          <ac:grpSpMkLst>
+            <pc:docMk/>
+            <pc:sldMk cId="652837479" sldId="751"/>
+            <ac:grpSpMk id="3" creationId="{41664B5C-BF23-FFE4-A33F-12CFB7159564}"/>
+          </ac:grpSpMkLst>
+        </pc:grpChg>
+        <pc:grpChg chg="mod">
+          <ac:chgData name="Lines, Todd" userId="afaf7c3a-e8aa-4568-882a-02ad8f9e19b0" providerId="ADAL" clId="{5FF5AC1B-ABA9-43D7-A1E3-2D92732CD6E2}" dt="2025-10-02T17:15:14.077" v="1120"/>
+          <ac:grpSpMkLst>
+            <pc:docMk/>
+            <pc:sldMk cId="652837479" sldId="751"/>
+            <ac:grpSpMk id="4" creationId="{2D82B4A5-9744-88B7-E3C2-86853850F3FD}"/>
+          </ac:grpSpMkLst>
+        </pc:grpChg>
+        <pc:grpChg chg="add mod">
+          <ac:chgData name="Lines, Todd" userId="afaf7c3a-e8aa-4568-882a-02ad8f9e19b0" providerId="ADAL" clId="{5FF5AC1B-ABA9-43D7-A1E3-2D92732CD6E2}" dt="2025-10-02T17:15:14.077" v="1120"/>
+          <ac:grpSpMkLst>
+            <pc:docMk/>
+            <pc:sldMk cId="652837479" sldId="751"/>
+            <ac:grpSpMk id="13" creationId="{26E808C4-AD96-6A07-4CF5-98AED4B883E9}"/>
+          </ac:grpSpMkLst>
+        </pc:grpChg>
+        <pc:grpChg chg="mod">
+          <ac:chgData name="Lines, Todd" userId="afaf7c3a-e8aa-4568-882a-02ad8f9e19b0" providerId="ADAL" clId="{5FF5AC1B-ABA9-43D7-A1E3-2D92732CD6E2}" dt="2025-10-02T17:15:14.077" v="1120"/>
+          <ac:grpSpMkLst>
+            <pc:docMk/>
+            <pc:sldMk cId="652837479" sldId="751"/>
+            <ac:grpSpMk id="14" creationId="{5B9058F3-2B6D-C398-0C7F-29AE5BEDB664}"/>
+          </ac:grpSpMkLst>
+        </pc:grpChg>
+        <pc:grpChg chg="mod">
+          <ac:chgData name="Lines, Todd" userId="afaf7c3a-e8aa-4568-882a-02ad8f9e19b0" providerId="ADAL" clId="{5FF5AC1B-ABA9-43D7-A1E3-2D92732CD6E2}" dt="2025-10-02T17:15:14.077" v="1120"/>
+          <ac:grpSpMkLst>
+            <pc:docMk/>
+            <pc:sldMk cId="652837479" sldId="751"/>
+            <ac:grpSpMk id="15" creationId="{816A362E-8D8D-5819-5F1F-594A0891529F}"/>
+          </ac:grpSpMkLst>
+        </pc:grpChg>
+        <pc:grpChg chg="del">
+          <ac:chgData name="Lines, Todd" userId="afaf7c3a-e8aa-4568-882a-02ad8f9e19b0" providerId="ADAL" clId="{5FF5AC1B-ABA9-43D7-A1E3-2D92732CD6E2}" dt="2025-10-02T17:14:37.339" v="1112" actId="478"/>
+          <ac:grpSpMkLst>
+            <pc:docMk/>
+            <pc:sldMk cId="652837479" sldId="751"/>
+            <ac:grpSpMk id="85" creationId="{E5F1644D-3342-0E70-1533-EC2307C88E1A}"/>
+          </ac:grpSpMkLst>
+        </pc:grpChg>
+        <pc:grpChg chg="del">
+          <ac:chgData name="Lines, Todd" userId="afaf7c3a-e8aa-4568-882a-02ad8f9e19b0" providerId="ADAL" clId="{5FF5AC1B-ABA9-43D7-A1E3-2D92732CD6E2}" dt="2025-10-02T17:14:38.467" v="1113" actId="478"/>
+          <ac:grpSpMkLst>
+            <pc:docMk/>
+            <pc:sldMk cId="652837479" sldId="751"/>
+            <ac:grpSpMk id="86" creationId="{B2A19E70-63DD-B66A-3D88-FBD6F25C1069}"/>
+          </ac:grpSpMkLst>
+        </pc:grpChg>
+        <pc:picChg chg="del mod">
+          <ac:chgData name="Lines, Todd" userId="afaf7c3a-e8aa-4568-882a-02ad8f9e19b0" providerId="ADAL" clId="{5FF5AC1B-ABA9-43D7-A1E3-2D92732CD6E2}" dt="2025-10-02T17:17:57.938" v="1137" actId="21"/>
+          <ac:picMkLst>
+            <pc:docMk/>
+            <pc:sldMk cId="652837479" sldId="751"/>
+            <ac:picMk id="29" creationId="{4B7A0C22-DEFE-2FE0-E42B-536A5E41C573}"/>
+          </ac:picMkLst>
+        </pc:picChg>
+        <pc:picChg chg="del mod">
+          <ac:chgData name="Lines, Todd" userId="afaf7c3a-e8aa-4568-882a-02ad8f9e19b0" providerId="ADAL" clId="{5FF5AC1B-ABA9-43D7-A1E3-2D92732CD6E2}" dt="2025-10-02T17:21:38.245" v="1299" actId="478"/>
+          <ac:picMkLst>
+            <pc:docMk/>
+            <pc:sldMk cId="652837479" sldId="751"/>
+            <ac:picMk id="32" creationId="{99AF256D-7AD5-4220-5931-FC51F12B5274}"/>
+          </ac:picMkLst>
+        </pc:picChg>
+        <pc:picChg chg="del mod">
+          <ac:chgData name="Lines, Todd" userId="afaf7c3a-e8aa-4568-882a-02ad8f9e19b0" providerId="ADAL" clId="{5FF5AC1B-ABA9-43D7-A1E3-2D92732CD6E2}" dt="2025-10-02T17:21:50.956" v="1301" actId="21"/>
+          <ac:picMkLst>
+            <pc:docMk/>
+            <pc:sldMk cId="652837479" sldId="751"/>
+            <ac:picMk id="33" creationId="{9A7B132A-7449-D1B6-9D7C-FD5EBD432B35}"/>
+          </ac:picMkLst>
+        </pc:picChg>
+        <pc:cxnChg chg="mod">
+          <ac:chgData name="Lines, Todd" userId="afaf7c3a-e8aa-4568-882a-02ad8f9e19b0" providerId="ADAL" clId="{5FF5AC1B-ABA9-43D7-A1E3-2D92732CD6E2}" dt="2025-10-02T17:15:14.077" v="1120"/>
+          <ac:cxnSpMkLst>
+            <pc:docMk/>
+            <pc:sldMk cId="652837479" sldId="751"/>
+            <ac:cxnSpMk id="11" creationId="{30D6DCBF-8F93-9E8A-D227-2031895EC560}"/>
+          </ac:cxnSpMkLst>
+        </pc:cxnChg>
+        <pc:cxnChg chg="mod">
+          <ac:chgData name="Lines, Todd" userId="afaf7c3a-e8aa-4568-882a-02ad8f9e19b0" providerId="ADAL" clId="{5FF5AC1B-ABA9-43D7-A1E3-2D92732CD6E2}" dt="2025-10-02T17:15:14.077" v="1120"/>
+          <ac:cxnSpMkLst>
+            <pc:docMk/>
+            <pc:sldMk cId="652837479" sldId="751"/>
+            <ac:cxnSpMk id="12" creationId="{D696D53B-937E-C91A-7562-634F7CA18864}"/>
+          </ac:cxnSpMkLst>
+        </pc:cxnChg>
+        <pc:cxnChg chg="mod">
+          <ac:chgData name="Lines, Todd" userId="afaf7c3a-e8aa-4568-882a-02ad8f9e19b0" providerId="ADAL" clId="{5FF5AC1B-ABA9-43D7-A1E3-2D92732CD6E2}" dt="2025-10-02T17:15:14.077" v="1120"/>
+          <ac:cxnSpMkLst>
+            <pc:docMk/>
+            <pc:sldMk cId="652837479" sldId="751"/>
+            <ac:cxnSpMk id="25" creationId="{103BF9FA-46B0-AA54-2B4B-9B0C50319A75}"/>
+          </ac:cxnSpMkLst>
+        </pc:cxnChg>
+        <pc:cxnChg chg="mod">
+          <ac:chgData name="Lines, Todd" userId="afaf7c3a-e8aa-4568-882a-02ad8f9e19b0" providerId="ADAL" clId="{5FF5AC1B-ABA9-43D7-A1E3-2D92732CD6E2}" dt="2025-10-02T17:15:14.077" v="1120"/>
+          <ac:cxnSpMkLst>
+            <pc:docMk/>
+            <pc:sldMk cId="652837479" sldId="751"/>
+            <ac:cxnSpMk id="26" creationId="{E03F8AD4-D738-AE33-E4C9-BD0273573821}"/>
+          </ac:cxnSpMkLst>
+        </pc:cxnChg>
+        <pc:cxnChg chg="del">
+          <ac:chgData name="Lines, Todd" userId="afaf7c3a-e8aa-4568-882a-02ad8f9e19b0" providerId="ADAL" clId="{5FF5AC1B-ABA9-43D7-A1E3-2D92732CD6E2}" dt="2025-10-02T17:14:44.230" v="1116" actId="478"/>
+          <ac:cxnSpMkLst>
+            <pc:docMk/>
+            <pc:sldMk cId="652837479" sldId="751"/>
+            <ac:cxnSpMk id="44" creationId="{AD5EDA60-87AC-8AA2-6A4D-0DD682D7FAD8}"/>
+          </ac:cxnSpMkLst>
+        </pc:cxnChg>
+        <pc:cxnChg chg="del">
+          <ac:chgData name="Lines, Todd" userId="afaf7c3a-e8aa-4568-882a-02ad8f9e19b0" providerId="ADAL" clId="{5FF5AC1B-ABA9-43D7-A1E3-2D92732CD6E2}" dt="2025-10-02T17:14:44.230" v="1116" actId="478"/>
+          <ac:cxnSpMkLst>
+            <pc:docMk/>
+            <pc:sldMk cId="652837479" sldId="751"/>
+            <ac:cxnSpMk id="45" creationId="{B51ED1C3-FFF5-367B-0471-FA285F58739E}"/>
+          </ac:cxnSpMkLst>
+        </pc:cxnChg>
+        <pc:cxnChg chg="del">
+          <ac:chgData name="Lines, Todd" userId="afaf7c3a-e8aa-4568-882a-02ad8f9e19b0" providerId="ADAL" clId="{5FF5AC1B-ABA9-43D7-A1E3-2D92732CD6E2}" dt="2025-10-02T17:14:45.974" v="1117" actId="478"/>
+          <ac:cxnSpMkLst>
+            <pc:docMk/>
+            <pc:sldMk cId="652837479" sldId="751"/>
+            <ac:cxnSpMk id="48" creationId="{5CEA8632-8201-72E2-F77D-8DE814B0CA57}"/>
+          </ac:cxnSpMkLst>
+        </pc:cxnChg>
+        <pc:cxnChg chg="del">
+          <ac:chgData name="Lines, Todd" userId="afaf7c3a-e8aa-4568-882a-02ad8f9e19b0" providerId="ADAL" clId="{5FF5AC1B-ABA9-43D7-A1E3-2D92732CD6E2}" dt="2025-10-02T17:14:44.230" v="1116" actId="478"/>
+          <ac:cxnSpMkLst>
+            <pc:docMk/>
+            <pc:sldMk cId="652837479" sldId="751"/>
+            <ac:cxnSpMk id="49" creationId="{9039D8FC-7F73-7787-A377-168647E51584}"/>
+          </ac:cxnSpMkLst>
+        </pc:cxnChg>
+      </pc:sldChg>
+      <pc:sldChg chg="addSp delSp modSp add mod">
+        <pc:chgData name="Lines, Todd" userId="afaf7c3a-e8aa-4568-882a-02ad8f9e19b0" providerId="ADAL" clId="{5FF5AC1B-ABA9-43D7-A1E3-2D92732CD6E2}" dt="2025-10-02T17:20:25.606" v="1297" actId="21"/>
+        <pc:sldMkLst>
+          <pc:docMk/>
+          <pc:sldMk cId="3235435235" sldId="752"/>
+        </pc:sldMkLst>
+        <pc:spChg chg="add mod">
+          <ac:chgData name="Lines, Todd" userId="afaf7c3a-e8aa-4568-882a-02ad8f9e19b0" providerId="ADAL" clId="{5FF5AC1B-ABA9-43D7-A1E3-2D92732CD6E2}" dt="2025-10-02T17:20:10.827" v="1295"/>
+          <ac:spMkLst>
+            <pc:docMk/>
+            <pc:sldMk cId="3235435235" sldId="752"/>
+            <ac:spMk id="3" creationId="{3D818D8B-8A64-F73B-C247-78A5986632BB}"/>
+          </ac:spMkLst>
+        </pc:spChg>
+        <pc:spChg chg="add mod">
+          <ac:chgData name="Lines, Todd" userId="afaf7c3a-e8aa-4568-882a-02ad8f9e19b0" providerId="ADAL" clId="{5FF5AC1B-ABA9-43D7-A1E3-2D92732CD6E2}" dt="2025-10-02T17:20:10.827" v="1295"/>
+          <ac:spMkLst>
+            <pc:docMk/>
+            <pc:sldMk cId="3235435235" sldId="752"/>
+            <ac:spMk id="4" creationId="{7C9F1408-DE9E-DFC0-3925-338FE8541336}"/>
+          </ac:spMkLst>
+        </pc:spChg>
+        <pc:spChg chg="del">
+          <ac:chgData name="Lines, Todd" userId="afaf7c3a-e8aa-4568-882a-02ad8f9e19b0" providerId="ADAL" clId="{5FF5AC1B-ABA9-43D7-A1E3-2D92732CD6E2}" dt="2025-10-02T17:14:55.987" v="1119" actId="478"/>
+          <ac:spMkLst>
+            <pc:docMk/>
+            <pc:sldMk cId="3235435235" sldId="752"/>
+            <ac:spMk id="43" creationId="{A9ED3E4A-1ABD-80BA-B03A-1FC99D36C6ED}"/>
+          </ac:spMkLst>
+        </pc:spChg>
+        <pc:picChg chg="del mod">
+          <ac:chgData name="Lines, Todd" userId="afaf7c3a-e8aa-4568-882a-02ad8f9e19b0" providerId="ADAL" clId="{5FF5AC1B-ABA9-43D7-A1E3-2D92732CD6E2}" dt="2025-10-02T17:17:26.664" v="1135" actId="21"/>
+          <ac:picMkLst>
+            <pc:docMk/>
+            <pc:sldMk cId="3235435235" sldId="752"/>
+            <ac:picMk id="2" creationId="{F560A5FC-4DE3-8724-7117-B3A731586287}"/>
+          </ac:picMkLst>
+        </pc:picChg>
+        <pc:picChg chg="del mod">
+          <ac:chgData name="Lines, Todd" userId="afaf7c3a-e8aa-4568-882a-02ad8f9e19b0" providerId="ADAL" clId="{5FF5AC1B-ABA9-43D7-A1E3-2D92732CD6E2}" dt="2025-10-02T17:20:25.606" v="1297" actId="21"/>
+          <ac:picMkLst>
+            <pc:docMk/>
+            <pc:sldMk cId="3235435235" sldId="752"/>
+            <ac:picMk id="5" creationId="{85F30D42-696F-5A59-D8C2-DC62356B470E}"/>
+          </ac:picMkLst>
+        </pc:picChg>
+      </pc:sldChg>
+      <pc:sldChg chg="addSp delSp modSp add mod">
+        <pc:chgData name="Lines, Todd" userId="afaf7c3a-e8aa-4568-882a-02ad8f9e19b0" providerId="ADAL" clId="{5FF5AC1B-ABA9-43D7-A1E3-2D92732CD6E2}" dt="2025-10-02T17:20:07.494" v="1293"/>
+        <pc:sldMkLst>
+          <pc:docMk/>
+          <pc:sldMk cId="617747947" sldId="753"/>
+        </pc:sldMkLst>
+        <pc:spChg chg="add mod">
+          <ac:chgData name="Lines, Todd" userId="afaf7c3a-e8aa-4568-882a-02ad8f9e19b0" providerId="ADAL" clId="{5FF5AC1B-ABA9-43D7-A1E3-2D92732CD6E2}" dt="2025-10-02T17:20:07.494" v="1293"/>
+          <ac:spMkLst>
+            <pc:docMk/>
+            <pc:sldMk cId="617747947" sldId="753"/>
+            <ac:spMk id="2" creationId="{CEC0C6BF-3A94-5872-C1DE-5CF715077207}"/>
+          </ac:spMkLst>
+        </pc:spChg>
+        <pc:spChg chg="add mod">
+          <ac:chgData name="Lines, Todd" userId="afaf7c3a-e8aa-4568-882a-02ad8f9e19b0" providerId="ADAL" clId="{5FF5AC1B-ABA9-43D7-A1E3-2D92732CD6E2}" dt="2025-10-02T17:20:07.494" v="1293"/>
+          <ac:spMkLst>
+            <pc:docMk/>
+            <pc:sldMk cId="617747947" sldId="753"/>
+            <ac:spMk id="3" creationId="{2878F45A-BA11-F121-9B9B-F2E27AAAB903}"/>
+          </ac:spMkLst>
+        </pc:spChg>
+        <pc:spChg chg="del">
+          <ac:chgData name="Lines, Todd" userId="afaf7c3a-e8aa-4568-882a-02ad8f9e19b0" providerId="ADAL" clId="{5FF5AC1B-ABA9-43D7-A1E3-2D92732CD6E2}" dt="2025-10-02T17:16:09.701" v="1132" actId="478"/>
+          <ac:spMkLst>
+            <pc:docMk/>
+            <pc:sldMk cId="617747947" sldId="753"/>
+            <ac:spMk id="46" creationId="{C9B869BC-231D-39EB-B4D2-AF06D0C0F7C9}"/>
+          </ac:spMkLst>
+        </pc:spChg>
+        <pc:spChg chg="del">
+          <ac:chgData name="Lines, Todd" userId="afaf7c3a-e8aa-4568-882a-02ad8f9e19b0" providerId="ADAL" clId="{5FF5AC1B-ABA9-43D7-A1E3-2D92732CD6E2}" dt="2025-10-02T17:15:56.870" v="1127" actId="478"/>
+          <ac:spMkLst>
+            <pc:docMk/>
+            <pc:sldMk cId="617747947" sldId="753"/>
+            <ac:spMk id="47" creationId="{18A01708-A690-BC6B-17A7-26045ADE620B}"/>
+          </ac:spMkLst>
+        </pc:spChg>
+        <pc:spChg chg="del">
+          <ac:chgData name="Lines, Todd" userId="afaf7c3a-e8aa-4568-882a-02ad8f9e19b0" providerId="ADAL" clId="{5FF5AC1B-ABA9-43D7-A1E3-2D92732CD6E2}" dt="2025-10-02T17:16:13.925" v="1133" actId="478"/>
+          <ac:spMkLst>
+            <pc:docMk/>
+            <pc:sldMk cId="617747947" sldId="753"/>
+            <ac:spMk id="54" creationId="{FDB36178-809A-DB12-5632-8A5EC13848B7}"/>
+          </ac:spMkLst>
+        </pc:spChg>
+        <pc:spChg chg="del">
+          <ac:chgData name="Lines, Todd" userId="afaf7c3a-e8aa-4568-882a-02ad8f9e19b0" providerId="ADAL" clId="{5FF5AC1B-ABA9-43D7-A1E3-2D92732CD6E2}" dt="2025-10-02T17:15:50.549" v="1124" actId="478"/>
+          <ac:spMkLst>
+            <pc:docMk/>
+            <pc:sldMk cId="617747947" sldId="753"/>
+            <ac:spMk id="55" creationId="{2617AD3F-E8B3-FCBC-47E8-7D05896A5347}"/>
+          </ac:spMkLst>
+        </pc:spChg>
+        <pc:spChg chg="del">
+          <ac:chgData name="Lines, Todd" userId="afaf7c3a-e8aa-4568-882a-02ad8f9e19b0" providerId="ADAL" clId="{5FF5AC1B-ABA9-43D7-A1E3-2D92732CD6E2}" dt="2025-10-02T17:15:52.738" v="1125" actId="478"/>
+          <ac:spMkLst>
+            <pc:docMk/>
+            <pc:sldMk cId="617747947" sldId="753"/>
+            <ac:spMk id="56" creationId="{C8929D8B-B0A8-16E1-1D28-F9A9BC407B21}"/>
+          </ac:spMkLst>
+        </pc:spChg>
+        <pc:spChg chg="del">
+          <ac:chgData name="Lines, Todd" userId="afaf7c3a-e8aa-4568-882a-02ad8f9e19b0" providerId="ADAL" clId="{5FF5AC1B-ABA9-43D7-A1E3-2D92732CD6E2}" dt="2025-10-02T17:16:01.447" v="1129" actId="478"/>
+          <ac:spMkLst>
+            <pc:docMk/>
+            <pc:sldMk cId="617747947" sldId="753"/>
+            <ac:spMk id="57" creationId="{A46EA51A-2904-69E4-F17A-9C3744C24EB9}"/>
+          </ac:spMkLst>
+        </pc:spChg>
+        <pc:spChg chg="del">
+          <ac:chgData name="Lines, Todd" userId="afaf7c3a-e8aa-4568-882a-02ad8f9e19b0" providerId="ADAL" clId="{5FF5AC1B-ABA9-43D7-A1E3-2D92732CD6E2}" dt="2025-10-02T17:16:03.939" v="1130" actId="478"/>
+          <ac:spMkLst>
+            <pc:docMk/>
+            <pc:sldMk cId="617747947" sldId="753"/>
+            <ac:spMk id="58" creationId="{57E33528-9D39-75E3-EB8D-98F078304BE4}"/>
+          </ac:spMkLst>
+        </pc:spChg>
+        <pc:spChg chg="del">
+          <ac:chgData name="Lines, Todd" userId="afaf7c3a-e8aa-4568-882a-02ad8f9e19b0" providerId="ADAL" clId="{5FF5AC1B-ABA9-43D7-A1E3-2D92732CD6E2}" dt="2025-10-02T17:16:06.834" v="1131" actId="478"/>
+          <ac:spMkLst>
+            <pc:docMk/>
+            <pc:sldMk cId="617747947" sldId="753"/>
+            <ac:spMk id="59" creationId="{F44759B2-8B41-8595-2863-EA5C43557441}"/>
+          </ac:spMkLst>
+        </pc:spChg>
+        <pc:cxnChg chg="del">
+          <ac:chgData name="Lines, Todd" userId="afaf7c3a-e8aa-4568-882a-02ad8f9e19b0" providerId="ADAL" clId="{5FF5AC1B-ABA9-43D7-A1E3-2D92732CD6E2}" dt="2025-10-02T17:16:09.701" v="1132" actId="478"/>
+          <ac:cxnSpMkLst>
+            <pc:docMk/>
+            <pc:sldMk cId="617747947" sldId="753"/>
+            <ac:cxnSpMk id="44" creationId="{AD0AAC37-F78A-653E-97A5-CF29A7D5CFF0}"/>
+          </ac:cxnSpMkLst>
+        </pc:cxnChg>
+        <pc:cxnChg chg="del">
+          <ac:chgData name="Lines, Todd" userId="afaf7c3a-e8aa-4568-882a-02ad8f9e19b0" providerId="ADAL" clId="{5FF5AC1B-ABA9-43D7-A1E3-2D92732CD6E2}" dt="2025-10-02T17:15:54.789" v="1126" actId="478"/>
+          <ac:cxnSpMkLst>
+            <pc:docMk/>
+            <pc:sldMk cId="617747947" sldId="753"/>
+            <ac:cxnSpMk id="45" creationId="{5E158415-D3AB-1CE5-4AFE-E661F4EADE7A}"/>
+          </ac:cxnSpMkLst>
+        </pc:cxnChg>
+        <pc:cxnChg chg="del">
+          <ac:chgData name="Lines, Todd" userId="afaf7c3a-e8aa-4568-882a-02ad8f9e19b0" providerId="ADAL" clId="{5FF5AC1B-ABA9-43D7-A1E3-2D92732CD6E2}" dt="2025-10-02T17:16:03.939" v="1130" actId="478"/>
+          <ac:cxnSpMkLst>
+            <pc:docMk/>
+            <pc:sldMk cId="617747947" sldId="753"/>
+            <ac:cxnSpMk id="48" creationId="{882C0028-2C6B-F214-DF10-5CFC738E7A24}"/>
+          </ac:cxnSpMkLst>
+        </pc:cxnChg>
+        <pc:cxnChg chg="del">
+          <ac:chgData name="Lines, Todd" userId="afaf7c3a-e8aa-4568-882a-02ad8f9e19b0" providerId="ADAL" clId="{5FF5AC1B-ABA9-43D7-A1E3-2D92732CD6E2}" dt="2025-10-02T17:15:50.549" v="1124" actId="478"/>
+          <ac:cxnSpMkLst>
+            <pc:docMk/>
+            <pc:sldMk cId="617747947" sldId="753"/>
+            <ac:cxnSpMk id="49" creationId="{2CCA8A44-49E2-EFAB-AFED-3B5A3C023E9B}"/>
+          </ac:cxnSpMkLst>
+        </pc:cxnChg>
+        <pc:cxnChg chg="del">
+          <ac:chgData name="Lines, Todd" userId="afaf7c3a-e8aa-4568-882a-02ad8f9e19b0" providerId="ADAL" clId="{5FF5AC1B-ABA9-43D7-A1E3-2D92732CD6E2}" dt="2025-10-02T17:15:47.744" v="1123" actId="478"/>
+          <ac:cxnSpMkLst>
+            <pc:docMk/>
+            <pc:sldMk cId="617747947" sldId="753"/>
+            <ac:cxnSpMk id="50" creationId="{4AC3A6A4-E328-0865-EA06-72452E9E9AD5}"/>
+          </ac:cxnSpMkLst>
+        </pc:cxnChg>
+        <pc:cxnChg chg="del">
+          <ac:chgData name="Lines, Todd" userId="afaf7c3a-e8aa-4568-882a-02ad8f9e19b0" providerId="ADAL" clId="{5FF5AC1B-ABA9-43D7-A1E3-2D92732CD6E2}" dt="2025-10-02T17:16:06.834" v="1131" actId="478"/>
+          <ac:cxnSpMkLst>
+            <pc:docMk/>
+            <pc:sldMk cId="617747947" sldId="753"/>
+            <ac:cxnSpMk id="51" creationId="{17B0E463-326E-BDB6-27D7-1DCC60F50F79}"/>
+          </ac:cxnSpMkLst>
+        </pc:cxnChg>
+        <pc:cxnChg chg="del">
+          <ac:chgData name="Lines, Todd" userId="afaf7c3a-e8aa-4568-882a-02ad8f9e19b0" providerId="ADAL" clId="{5FF5AC1B-ABA9-43D7-A1E3-2D92732CD6E2}" dt="2025-10-02T17:15:52.738" v="1125" actId="478"/>
+          <ac:cxnSpMkLst>
+            <pc:docMk/>
+            <pc:sldMk cId="617747947" sldId="753"/>
+            <ac:cxnSpMk id="52" creationId="{4C1AAFAF-0213-CCC8-0821-0CCFFE91A7C4}"/>
+          </ac:cxnSpMkLst>
+        </pc:cxnChg>
+        <pc:cxnChg chg="del">
+          <ac:chgData name="Lines, Todd" userId="afaf7c3a-e8aa-4568-882a-02ad8f9e19b0" providerId="ADAL" clId="{5FF5AC1B-ABA9-43D7-A1E3-2D92732CD6E2}" dt="2025-10-02T17:15:59.620" v="1128" actId="478"/>
+          <ac:cxnSpMkLst>
+            <pc:docMk/>
+            <pc:sldMk cId="617747947" sldId="753"/>
+            <ac:cxnSpMk id="53" creationId="{3A260328-9208-51BB-4154-5DE125E1EB40}"/>
           </ac:cxnSpMkLst>
         </pc:cxnChg>
       </pc:sldChg>
@@ -45561,6 +46537,6261 @@
 </p:sld>
 </file>
 
+<file path=ppt/slides/slide42.xml><?xml version="1.0" encoding="utf-8"?>
+<p:sld xmlns:a="http://schemas.openxmlformats.org/drawingml/2006/main" xmlns:r="http://schemas.openxmlformats.org/officeDocument/2006/relationships" xmlns:p="http://schemas.openxmlformats.org/presentationml/2006/main">
+  <p:cSld>
+    <p:spTree>
+      <p:nvGrpSpPr>
+        <p:cNvPr id="1" name=""/>
+        <p:cNvGrpSpPr/>
+        <p:nvPr/>
+      </p:nvGrpSpPr>
+      <p:grpSpPr>
+        <a:xfrm>
+          <a:off x="0" y="0"/>
+          <a:ext cx="0" cy="0"/>
+          <a:chOff x="0" y="0"/>
+          <a:chExt cx="0" cy="0"/>
+        </a:xfrm>
+      </p:grpSpPr>
+      <p:sp>
+        <p:nvSpPr>
+          <p:cNvPr id="4" name="Title 3">
+            <a:extLst>
+              <a:ext uri="{FF2B5EF4-FFF2-40B4-BE49-F238E27FC236}">
+                <a16:creationId xmlns:a16="http://schemas.microsoft.com/office/drawing/2014/main" id="{5FB4A976-DDF8-3523-8077-B3DFA8F9BF85}"/>
+              </a:ext>
+            </a:extLst>
+          </p:cNvPr>
+          <p:cNvSpPr>
+            <a:spLocks noGrp="1"/>
+          </p:cNvSpPr>
+          <p:nvPr>
+            <p:ph type="ctrTitle"/>
+          </p:nvPr>
+        </p:nvSpPr>
+        <p:spPr/>
+        <p:txBody>
+          <a:bodyPr/>
+          <a:lstStyle/>
+          <a:p>
+            <a:r>
+              <a:rPr lang="en-US" dirty="0"/>
+              <a:t>END</a:t>
+            </a:r>
+          </a:p>
+        </p:txBody>
+      </p:sp>
+      <p:sp>
+        <p:nvSpPr>
+          <p:cNvPr id="5" name="Subtitle 4">
+            <a:extLst>
+              <a:ext uri="{FF2B5EF4-FFF2-40B4-BE49-F238E27FC236}">
+                <a16:creationId xmlns:a16="http://schemas.microsoft.com/office/drawing/2014/main" id="{4E4548F2-AC49-866A-1566-B169008F83E1}"/>
+              </a:ext>
+            </a:extLst>
+          </p:cNvPr>
+          <p:cNvSpPr>
+            <a:spLocks noGrp="1"/>
+          </p:cNvSpPr>
+          <p:nvPr>
+            <p:ph type="subTitle" idx="1"/>
+          </p:nvPr>
+        </p:nvSpPr>
+        <p:spPr/>
+        <p:txBody>
+          <a:bodyPr/>
+          <a:lstStyle/>
+          <a:p>
+            <a:endParaRPr lang="en-US"/>
+          </a:p>
+        </p:txBody>
+      </p:sp>
+    </p:spTree>
+    <p:extLst>
+      <p:ext uri="{BB962C8B-B14F-4D97-AF65-F5344CB8AC3E}">
+        <p14:creationId xmlns:p14="http://schemas.microsoft.com/office/powerpoint/2010/main" val="1337589113"/>
+      </p:ext>
+    </p:extLst>
+  </p:cSld>
+  <p:clrMapOvr>
+    <a:masterClrMapping/>
+  </p:clrMapOvr>
+</p:sld>
+</file>
+
+<file path=ppt/slides/slide43.xml><?xml version="1.0" encoding="utf-8"?>
+<p:sld xmlns:a="http://schemas.openxmlformats.org/drawingml/2006/main" xmlns:r="http://schemas.openxmlformats.org/officeDocument/2006/relationships" xmlns:p="http://schemas.openxmlformats.org/presentationml/2006/main">
+  <p:cSld>
+    <p:spTree>
+      <p:nvGrpSpPr>
+        <p:cNvPr id="1" name="">
+          <a:extLst>
+            <a:ext uri="{FF2B5EF4-FFF2-40B4-BE49-F238E27FC236}">
+              <a16:creationId xmlns:a16="http://schemas.microsoft.com/office/drawing/2014/main" id="{B9E030EC-9143-1834-E738-8CD8DE5C4CCE}"/>
+            </a:ext>
+          </a:extLst>
+        </p:cNvPr>
+        <p:cNvGrpSpPr/>
+        <p:nvPr/>
+      </p:nvGrpSpPr>
+      <p:grpSpPr>
+        <a:xfrm>
+          <a:off x="0" y="0"/>
+          <a:ext cx="0" cy="0"/>
+          <a:chOff x="0" y="0"/>
+          <a:chExt cx="0" cy="0"/>
+        </a:xfrm>
+      </p:grpSpPr>
+      <p:grpSp>
+        <p:nvGrpSpPr>
+          <p:cNvPr id="79" name="Group 78">
+            <a:extLst>
+              <a:ext uri="{FF2B5EF4-FFF2-40B4-BE49-F238E27FC236}">
+                <a16:creationId xmlns:a16="http://schemas.microsoft.com/office/drawing/2014/main" id="{28BC7C7D-CDE4-BE09-5A24-2AFE1261BB45}"/>
+              </a:ext>
+            </a:extLst>
+          </p:cNvPr>
+          <p:cNvGrpSpPr/>
+          <p:nvPr/>
+        </p:nvGrpSpPr>
+        <p:grpSpPr>
+          <a:xfrm>
+            <a:off x="4938482" y="2002905"/>
+            <a:ext cx="2810385" cy="2782523"/>
+            <a:chOff x="1160060" y="2013044"/>
+            <a:chExt cx="2810385" cy="2782523"/>
+          </a:xfrm>
+        </p:grpSpPr>
+        <p:sp>
+          <p:nvSpPr>
+            <p:cNvPr id="69" name="Oval 68">
+              <a:extLst>
+                <a:ext uri="{FF2B5EF4-FFF2-40B4-BE49-F238E27FC236}">
+                  <a16:creationId xmlns:a16="http://schemas.microsoft.com/office/drawing/2014/main" id="{8B5C52AD-5BC6-21D1-085D-9ED97B71C7C3}"/>
+                </a:ext>
+              </a:extLst>
+            </p:cNvPr>
+            <p:cNvSpPr>
+              <a:spLocks noChangeArrowheads="1"/>
+            </p:cNvSpPr>
+            <p:nvPr/>
+          </p:nvSpPr>
+          <p:spPr bwMode="auto">
+            <a:xfrm>
+              <a:off x="1201003" y="2013044"/>
+              <a:ext cx="2756806" cy="2782523"/>
+            </a:xfrm>
+            <a:prstGeom prst="ellipse">
+              <a:avLst/>
+            </a:prstGeom>
+            <a:solidFill>
+              <a:srgbClr val="FFC000"/>
+            </a:solidFill>
+            <a:ln w="9525">
+              <a:noFill/>
+              <a:round/>
+              <a:headEnd/>
+              <a:tailEnd/>
+            </a:ln>
+          </p:spPr>
+          <p:txBody>
+            <a:bodyPr wrap="none" anchor="ctr"/>
+            <a:lstStyle/>
+            <a:p>
+              <a:pPr algn="ctr"/>
+              <a:endParaRPr lang="en-US" sz="1400">
+                <a:solidFill>
+                  <a:srgbClr val="FF9933"/>
+                </a:solidFill>
+              </a:endParaRPr>
+            </a:p>
+          </p:txBody>
+        </p:sp>
+        <p:sp>
+          <p:nvSpPr>
+            <p:cNvPr id="70" name="Freeform 4">
+              <a:extLst>
+                <a:ext uri="{FF2B5EF4-FFF2-40B4-BE49-F238E27FC236}">
+                  <a16:creationId xmlns:a16="http://schemas.microsoft.com/office/drawing/2014/main" id="{F2DEFDA9-7B86-271A-FBBD-70D1BB369380}"/>
+                </a:ext>
+              </a:extLst>
+            </p:cNvPr>
+            <p:cNvSpPr>
+              <a:spLocks/>
+            </p:cNvSpPr>
+            <p:nvPr/>
+          </p:nvSpPr>
+          <p:spPr bwMode="auto">
+            <a:xfrm rot="20672327">
+              <a:off x="2504365" y="3947614"/>
+              <a:ext cx="1371600" cy="469900"/>
+            </a:xfrm>
+            <a:custGeom>
+              <a:avLst/>
+              <a:gdLst>
+                <a:gd name="T0" fmla="*/ 4 w 1216"/>
+                <a:gd name="T1" fmla="*/ 88 h 584"/>
+                <a:gd name="T2" fmla="*/ 222 w 1216"/>
+                <a:gd name="T3" fmla="*/ 150 h 584"/>
+                <a:gd name="T4" fmla="*/ 513 w 1216"/>
+                <a:gd name="T5" fmla="*/ 88 h 584"/>
+                <a:gd name="T6" fmla="*/ 610 w 1216"/>
+                <a:gd name="T7" fmla="*/ 2 h 584"/>
+                <a:gd name="T8" fmla="*/ 489 w 1216"/>
+                <a:gd name="T9" fmla="*/ 76 h 584"/>
+                <a:gd name="T10" fmla="*/ 247 w 1216"/>
+                <a:gd name="T11" fmla="*/ 125 h 584"/>
+                <a:gd name="T12" fmla="*/ 4 w 1216"/>
+                <a:gd name="T13" fmla="*/ 88 h 584"/>
+                <a:gd name="T14" fmla="*/ 0 60000 65536"/>
+                <a:gd name="T15" fmla="*/ 0 60000 65536"/>
+                <a:gd name="T16" fmla="*/ 0 60000 65536"/>
+                <a:gd name="T17" fmla="*/ 0 60000 65536"/>
+                <a:gd name="T18" fmla="*/ 0 60000 65536"/>
+                <a:gd name="T19" fmla="*/ 0 60000 65536"/>
+                <a:gd name="T20" fmla="*/ 0 60000 65536"/>
+                <a:gd name="T21" fmla="*/ 0 w 1216"/>
+                <a:gd name="T22" fmla="*/ 0 h 584"/>
+                <a:gd name="T23" fmla="*/ 1216 w 1216"/>
+                <a:gd name="T24" fmla="*/ 584 h 584"/>
+              </a:gdLst>
+              <a:ahLst/>
+              <a:cxnLst>
+                <a:cxn ang="T14">
+                  <a:pos x="T0" y="T1"/>
+                </a:cxn>
+                <a:cxn ang="T15">
+                  <a:pos x="T2" y="T3"/>
+                </a:cxn>
+                <a:cxn ang="T16">
+                  <a:pos x="T4" y="T5"/>
+                </a:cxn>
+                <a:cxn ang="T17">
+                  <a:pos x="T6" y="T7"/>
+                </a:cxn>
+                <a:cxn ang="T18">
+                  <a:pos x="T8" y="T9"/>
+                </a:cxn>
+                <a:cxn ang="T19">
+                  <a:pos x="T10" y="T11"/>
+                </a:cxn>
+                <a:cxn ang="T20">
+                  <a:pos x="T12" y="T13"/>
+                </a:cxn>
+              </a:cxnLst>
+              <a:rect l="T21" t="T22" r="T23" b="T24"/>
+              <a:pathLst>
+                <a:path w="1216" h="584">
+                  <a:moveTo>
+                    <a:pt x="8" y="344"/>
+                  </a:moveTo>
+                  <a:cubicBezTo>
+                    <a:pt x="0" y="360"/>
+                    <a:pt x="272" y="584"/>
+                    <a:pt x="440" y="584"/>
+                  </a:cubicBezTo>
+                  <a:cubicBezTo>
+                    <a:pt x="608" y="584"/>
+                    <a:pt x="888" y="440"/>
+                    <a:pt x="1016" y="344"/>
+                  </a:cubicBezTo>
+                  <a:cubicBezTo>
+                    <a:pt x="1144" y="248"/>
+                    <a:pt x="1216" y="16"/>
+                    <a:pt x="1208" y="8"/>
+                  </a:cubicBezTo>
+                  <a:cubicBezTo>
+                    <a:pt x="1200" y="0"/>
+                    <a:pt x="1088" y="216"/>
+                    <a:pt x="968" y="296"/>
+                  </a:cubicBezTo>
+                  <a:cubicBezTo>
+                    <a:pt x="848" y="376"/>
+                    <a:pt x="648" y="480"/>
+                    <a:pt x="488" y="488"/>
+                  </a:cubicBezTo>
+                  <a:cubicBezTo>
+                    <a:pt x="328" y="496"/>
+                    <a:pt x="16" y="328"/>
+                    <a:pt x="8" y="344"/>
+                  </a:cubicBezTo>
+                  <a:close/>
+                </a:path>
+              </a:pathLst>
+            </a:custGeom>
+            <a:solidFill>
+              <a:srgbClr val="FFFFFF"/>
+            </a:solidFill>
+            <a:ln w="9525">
+              <a:noFill/>
+              <a:round/>
+              <a:headEnd/>
+              <a:tailEnd/>
+            </a:ln>
+          </p:spPr>
+          <p:txBody>
+            <a:bodyPr/>
+            <a:lstStyle/>
+            <a:p>
+              <a:endParaRPr lang="en-US" sz="1200">
+                <a:solidFill>
+                  <a:srgbClr val="FF9933"/>
+                </a:solidFill>
+              </a:endParaRPr>
+            </a:p>
+          </p:txBody>
+        </p:sp>
+        <p:sp>
+          <p:nvSpPr>
+            <p:cNvPr id="71" name="TextBox 70">
+              <a:extLst>
+                <a:ext uri="{FF2B5EF4-FFF2-40B4-BE49-F238E27FC236}">
+                  <a16:creationId xmlns:a16="http://schemas.microsoft.com/office/drawing/2014/main" id="{00BDE179-57F9-2E17-BE98-92E6654404C0}"/>
+                </a:ext>
+              </a:extLst>
+            </p:cNvPr>
+            <p:cNvSpPr txBox="1"/>
+            <p:nvPr/>
+          </p:nvSpPr>
+          <p:spPr>
+            <a:xfrm>
+              <a:off x="1160060" y="3179928"/>
+              <a:ext cx="2810385" cy="461665"/>
+            </a:xfrm>
+            <a:prstGeom prst="rect">
+              <a:avLst/>
+            </a:prstGeom>
+            <a:noFill/>
+          </p:spPr>
+          <p:txBody>
+            <a:bodyPr wrap="none" rtlCol="0">
+              <a:spAutoFit/>
+            </a:bodyPr>
+            <a:lstStyle/>
+            <a:p>
+              <a:r>
+                <a:rPr lang="en-US" sz="2400" dirty="0">
+                  <a:solidFill>
+                    <a:srgbClr val="FF9933"/>
+                  </a:solidFill>
+                </a:rPr>
+                <a:t>+  +  +  +  +  +  +  +</a:t>
+              </a:r>
+            </a:p>
+          </p:txBody>
+        </p:sp>
+        <p:sp>
+          <p:nvSpPr>
+            <p:cNvPr id="72" name="TextBox 71">
+              <a:extLst>
+                <a:ext uri="{FF2B5EF4-FFF2-40B4-BE49-F238E27FC236}">
+                  <a16:creationId xmlns:a16="http://schemas.microsoft.com/office/drawing/2014/main" id="{C89F5EF0-5664-B9D7-44FA-1831C6134136}"/>
+                </a:ext>
+              </a:extLst>
+            </p:cNvPr>
+            <p:cNvSpPr txBox="1"/>
+            <p:nvPr/>
+          </p:nvSpPr>
+          <p:spPr>
+            <a:xfrm>
+              <a:off x="1380698" y="2718179"/>
+              <a:ext cx="2460930" cy="461665"/>
+            </a:xfrm>
+            <a:prstGeom prst="rect">
+              <a:avLst/>
+            </a:prstGeom>
+            <a:noFill/>
+          </p:spPr>
+          <p:txBody>
+            <a:bodyPr wrap="none" rtlCol="0">
+              <a:spAutoFit/>
+            </a:bodyPr>
+            <a:lstStyle/>
+            <a:p>
+              <a:r>
+                <a:rPr lang="en-US" sz="2400" dirty="0">
+                  <a:solidFill>
+                    <a:srgbClr val="FF9933"/>
+                  </a:solidFill>
+                </a:rPr>
+                <a:t>+  +  +  +  +  +  +</a:t>
+              </a:r>
+            </a:p>
+          </p:txBody>
+        </p:sp>
+        <p:sp>
+          <p:nvSpPr>
+            <p:cNvPr id="73" name="TextBox 72">
+              <a:extLst>
+                <a:ext uri="{FF2B5EF4-FFF2-40B4-BE49-F238E27FC236}">
+                  <a16:creationId xmlns:a16="http://schemas.microsoft.com/office/drawing/2014/main" id="{703E3C26-1F9E-B254-AFFC-347924FBD7CD}"/>
+                </a:ext>
+              </a:extLst>
+            </p:cNvPr>
+            <p:cNvSpPr txBox="1"/>
+            <p:nvPr/>
+          </p:nvSpPr>
+          <p:spPr>
+            <a:xfrm>
+              <a:off x="1355677" y="3566615"/>
+              <a:ext cx="2460930" cy="461665"/>
+            </a:xfrm>
+            <a:prstGeom prst="rect">
+              <a:avLst/>
+            </a:prstGeom>
+            <a:noFill/>
+          </p:spPr>
+          <p:txBody>
+            <a:bodyPr wrap="none" rtlCol="0">
+              <a:spAutoFit/>
+            </a:bodyPr>
+            <a:lstStyle/>
+            <a:p>
+              <a:r>
+                <a:rPr lang="en-US" sz="2400" dirty="0">
+                  <a:solidFill>
+                    <a:srgbClr val="FF9933"/>
+                  </a:solidFill>
+                </a:rPr>
+                <a:t>+  +  +  +  +  +  +</a:t>
+              </a:r>
+            </a:p>
+          </p:txBody>
+        </p:sp>
+        <p:sp>
+          <p:nvSpPr>
+            <p:cNvPr id="74" name="TextBox 73">
+              <a:extLst>
+                <a:ext uri="{FF2B5EF4-FFF2-40B4-BE49-F238E27FC236}">
+                  <a16:creationId xmlns:a16="http://schemas.microsoft.com/office/drawing/2014/main" id="{5361978C-5E7C-D3FC-E2F5-F49DEA493314}"/>
+                </a:ext>
+              </a:extLst>
+            </p:cNvPr>
+            <p:cNvSpPr txBox="1"/>
+            <p:nvPr/>
+          </p:nvSpPr>
+          <p:spPr>
+            <a:xfrm>
+              <a:off x="1603611" y="3937379"/>
+              <a:ext cx="2111475" cy="461665"/>
+            </a:xfrm>
+            <a:prstGeom prst="rect">
+              <a:avLst/>
+            </a:prstGeom>
+            <a:noFill/>
+          </p:spPr>
+          <p:txBody>
+            <a:bodyPr wrap="none" rtlCol="0">
+              <a:spAutoFit/>
+            </a:bodyPr>
+            <a:lstStyle/>
+            <a:p>
+              <a:r>
+                <a:rPr lang="en-US" sz="2400" dirty="0">
+                  <a:solidFill>
+                    <a:srgbClr val="FF9933"/>
+                  </a:solidFill>
+                </a:rPr>
+                <a:t>+  +  +  +  +  +</a:t>
+              </a:r>
+            </a:p>
+          </p:txBody>
+        </p:sp>
+        <p:sp>
+          <p:nvSpPr>
+            <p:cNvPr id="75" name="TextBox 74">
+              <a:extLst>
+                <a:ext uri="{FF2B5EF4-FFF2-40B4-BE49-F238E27FC236}">
+                  <a16:creationId xmlns:a16="http://schemas.microsoft.com/office/drawing/2014/main" id="{871BEC7A-5AAC-C60E-C6C0-65893B3FEF13}"/>
+                </a:ext>
+              </a:extLst>
+            </p:cNvPr>
+            <p:cNvSpPr txBox="1"/>
+            <p:nvPr/>
+          </p:nvSpPr>
+          <p:spPr>
+            <a:xfrm>
+              <a:off x="1633181" y="2356513"/>
+              <a:ext cx="2111475" cy="461665"/>
+            </a:xfrm>
+            <a:prstGeom prst="rect">
+              <a:avLst/>
+            </a:prstGeom>
+            <a:noFill/>
+          </p:spPr>
+          <p:txBody>
+            <a:bodyPr wrap="none" rtlCol="0">
+              <a:spAutoFit/>
+            </a:bodyPr>
+            <a:lstStyle/>
+            <a:p>
+              <a:r>
+                <a:rPr lang="en-US" sz="2400" dirty="0">
+                  <a:solidFill>
+                    <a:srgbClr val="FF9933"/>
+                  </a:solidFill>
+                </a:rPr>
+                <a:t>+  +  +  +  +  +</a:t>
+              </a:r>
+            </a:p>
+          </p:txBody>
+        </p:sp>
+        <p:sp>
+          <p:nvSpPr>
+            <p:cNvPr id="76" name="TextBox 75">
+              <a:extLst>
+                <a:ext uri="{FF2B5EF4-FFF2-40B4-BE49-F238E27FC236}">
+                  <a16:creationId xmlns:a16="http://schemas.microsoft.com/office/drawing/2014/main" id="{E6A6E66E-6CBD-75F4-F8F7-A5A7DE48125B}"/>
+                </a:ext>
+              </a:extLst>
+            </p:cNvPr>
+            <p:cNvSpPr txBox="1"/>
+            <p:nvPr/>
+          </p:nvSpPr>
+          <p:spPr>
+            <a:xfrm>
+              <a:off x="1935706" y="2031241"/>
+              <a:ext cx="1412566" cy="461665"/>
+            </a:xfrm>
+            <a:prstGeom prst="rect">
+              <a:avLst/>
+            </a:prstGeom>
+            <a:noFill/>
+          </p:spPr>
+          <p:txBody>
+            <a:bodyPr wrap="none" rtlCol="0">
+              <a:spAutoFit/>
+            </a:bodyPr>
+            <a:lstStyle/>
+            <a:p>
+              <a:r>
+                <a:rPr lang="en-US" sz="2400" dirty="0">
+                  <a:solidFill>
+                    <a:srgbClr val="FF9933"/>
+                  </a:solidFill>
+                </a:rPr>
+                <a:t>+  +  +  +</a:t>
+              </a:r>
+            </a:p>
+          </p:txBody>
+        </p:sp>
+        <p:sp>
+          <p:nvSpPr>
+            <p:cNvPr id="77" name="TextBox 76">
+              <a:extLst>
+                <a:ext uri="{FF2B5EF4-FFF2-40B4-BE49-F238E27FC236}">
+                  <a16:creationId xmlns:a16="http://schemas.microsoft.com/office/drawing/2014/main" id="{ECD7306B-855E-EFEB-E716-721EE36B6B09}"/>
+                </a:ext>
+              </a:extLst>
+            </p:cNvPr>
+            <p:cNvSpPr txBox="1"/>
+            <p:nvPr/>
+          </p:nvSpPr>
+          <p:spPr>
+            <a:xfrm>
+              <a:off x="1978924" y="4299044"/>
+              <a:ext cx="1412566" cy="461665"/>
+            </a:xfrm>
+            <a:prstGeom prst="rect">
+              <a:avLst/>
+            </a:prstGeom>
+            <a:noFill/>
+          </p:spPr>
+          <p:txBody>
+            <a:bodyPr wrap="none" rtlCol="0">
+              <a:spAutoFit/>
+            </a:bodyPr>
+            <a:lstStyle/>
+            <a:p>
+              <a:r>
+                <a:rPr lang="en-US" sz="2400" dirty="0">
+                  <a:solidFill>
+                    <a:srgbClr val="FF9933"/>
+                  </a:solidFill>
+                </a:rPr>
+                <a:t>+  +  +  +</a:t>
+              </a:r>
+            </a:p>
+          </p:txBody>
+        </p:sp>
+      </p:grpSp>
+      <p:sp>
+        <p:nvSpPr>
+          <p:cNvPr id="3" name="Oval 2">
+            <a:extLst>
+              <a:ext uri="{FF2B5EF4-FFF2-40B4-BE49-F238E27FC236}">
+                <a16:creationId xmlns:a16="http://schemas.microsoft.com/office/drawing/2014/main" id="{3D818D8B-8A64-F73B-C247-78A5986632BB}"/>
+              </a:ext>
+            </a:extLst>
+          </p:cNvPr>
+          <p:cNvSpPr/>
+          <p:nvPr/>
+        </p:nvSpPr>
+        <p:spPr bwMode="auto">
+          <a:xfrm>
+            <a:off x="6840742" y="2482284"/>
+            <a:ext cx="86084" cy="88384"/>
+          </a:xfrm>
+          <a:prstGeom prst="ellipse">
+            <a:avLst/>
+          </a:prstGeom>
+          <a:solidFill>
+            <a:schemeClr val="tx1"/>
+          </a:solidFill>
+          <a:ln w="9525" cap="flat" cmpd="sng" algn="ctr">
+            <a:noFill/>
+            <a:prstDash val="solid"/>
+            <a:miter lim="800000"/>
+            <a:headEnd type="none" w="med" len="med"/>
+            <a:tailEnd type="none" w="med" len="med"/>
+          </a:ln>
+          <a:effectLst/>
+        </p:spPr>
+        <p:txBody>
+          <a:bodyPr vert="horz" wrap="none" lIns="91440" tIns="45720" rIns="91440" bIns="45720" numCol="1" rtlCol="0" anchor="t" anchorCtr="0" compatLnSpc="1">
+            <a:prstTxWarp prst="textNoShape">
+              <a:avLst/>
+            </a:prstTxWarp>
+          </a:bodyPr>
+          <a:lstStyle/>
+          <a:p>
+            <a:pPr marL="0" marR="0" indent="0" algn="l" defTabSz="914400" rtl="0" eaLnBrk="1" fontAlgn="base" latinLnBrk="0" hangingPunct="1">
+              <a:lnSpc>
+                <a:spcPct val="100000"/>
+              </a:lnSpc>
+              <a:spcBef>
+                <a:spcPct val="0"/>
+              </a:spcBef>
+              <a:spcAft>
+                <a:spcPct val="0"/>
+              </a:spcAft>
+              <a:buClrTx/>
+              <a:buSzTx/>
+              <a:buFontTx/>
+              <a:buNone/>
+              <a:tabLst/>
+            </a:pPr>
+            <a:endParaRPr kumimoji="0" lang="en-US" sz="1600" b="0" i="0" u="none" strike="noStrike" cap="none" normalizeH="0" baseline="0">
+              <a:ln>
+                <a:noFill/>
+              </a:ln>
+              <a:solidFill>
+                <a:schemeClr val="tx1"/>
+              </a:solidFill>
+              <a:effectLst/>
+              <a:latin typeface="Arial" charset="0"/>
+            </a:endParaRPr>
+          </a:p>
+        </p:txBody>
+      </p:sp>
+      <p:sp>
+        <p:nvSpPr>
+          <p:cNvPr id="4" name="TextBox 3">
+            <a:extLst>
+              <a:ext uri="{FF2B5EF4-FFF2-40B4-BE49-F238E27FC236}">
+                <a16:creationId xmlns:a16="http://schemas.microsoft.com/office/drawing/2014/main" id="{7C9F1408-DE9E-DFC0-3925-338FE8541336}"/>
+              </a:ext>
+            </a:extLst>
+          </p:cNvPr>
+          <p:cNvSpPr txBox="1"/>
+          <p:nvPr/>
+        </p:nvSpPr>
+        <p:spPr>
+          <a:xfrm>
+            <a:off x="6902324" y="2302141"/>
+            <a:ext cx="320922" cy="338554"/>
+          </a:xfrm>
+          <a:prstGeom prst="rect">
+            <a:avLst/>
+          </a:prstGeom>
+          <a:noFill/>
+        </p:spPr>
+        <p:txBody>
+          <a:bodyPr wrap="none" rtlCol="0">
+            <a:spAutoFit/>
+          </a:bodyPr>
+          <a:lstStyle/>
+          <a:p>
+            <a:r>
+              <a:rPr lang="en-US" dirty="0"/>
+              <a:t>P</a:t>
+            </a:r>
+          </a:p>
+        </p:txBody>
+      </p:sp>
+    </p:spTree>
+    <p:extLst>
+      <p:ext uri="{BB962C8B-B14F-4D97-AF65-F5344CB8AC3E}">
+        <p14:creationId xmlns:p14="http://schemas.microsoft.com/office/powerpoint/2010/main" val="3235435235"/>
+      </p:ext>
+    </p:extLst>
+  </p:cSld>
+  <p:clrMapOvr>
+    <a:masterClrMapping/>
+  </p:clrMapOvr>
+</p:sld>
+</file>
+
+<file path=ppt/slides/slide44.xml><?xml version="1.0" encoding="utf-8"?>
+<p:sld xmlns:a="http://schemas.openxmlformats.org/drawingml/2006/main" xmlns:r="http://schemas.openxmlformats.org/officeDocument/2006/relationships" xmlns:p="http://schemas.openxmlformats.org/presentationml/2006/main">
+  <p:cSld>
+    <p:spTree>
+      <p:nvGrpSpPr>
+        <p:cNvPr id="1" name="">
+          <a:extLst>
+            <a:ext uri="{FF2B5EF4-FFF2-40B4-BE49-F238E27FC236}">
+              <a16:creationId xmlns:a16="http://schemas.microsoft.com/office/drawing/2014/main" id="{2A0F0AFB-18A1-93C4-CD30-CA9BEDDA7961}"/>
+            </a:ext>
+          </a:extLst>
+        </p:cNvPr>
+        <p:cNvGrpSpPr/>
+        <p:nvPr/>
+      </p:nvGrpSpPr>
+      <p:grpSpPr>
+        <a:xfrm>
+          <a:off x="0" y="0"/>
+          <a:ext cx="0" cy="0"/>
+          <a:chOff x="0" y="0"/>
+          <a:chExt cx="0" cy="0"/>
+        </a:xfrm>
+      </p:grpSpPr>
+      <p:grpSp>
+        <p:nvGrpSpPr>
+          <p:cNvPr id="79" name="Group 78">
+            <a:extLst>
+              <a:ext uri="{FF2B5EF4-FFF2-40B4-BE49-F238E27FC236}">
+                <a16:creationId xmlns:a16="http://schemas.microsoft.com/office/drawing/2014/main" id="{3F7B1B7B-21EC-6DD3-6619-5635C9DD8C80}"/>
+              </a:ext>
+            </a:extLst>
+          </p:cNvPr>
+          <p:cNvGrpSpPr/>
+          <p:nvPr/>
+        </p:nvGrpSpPr>
+        <p:grpSpPr>
+          <a:xfrm>
+            <a:off x="4938482" y="2002905"/>
+            <a:ext cx="2810385" cy="2782523"/>
+            <a:chOff x="1160060" y="2013044"/>
+            <a:chExt cx="2810385" cy="2782523"/>
+          </a:xfrm>
+        </p:grpSpPr>
+        <p:sp>
+          <p:nvSpPr>
+            <p:cNvPr id="69" name="Oval 68">
+              <a:extLst>
+                <a:ext uri="{FF2B5EF4-FFF2-40B4-BE49-F238E27FC236}">
+                  <a16:creationId xmlns:a16="http://schemas.microsoft.com/office/drawing/2014/main" id="{9009DEA8-2F63-ED00-E246-22C9DAEB800A}"/>
+                </a:ext>
+              </a:extLst>
+            </p:cNvPr>
+            <p:cNvSpPr>
+              <a:spLocks noChangeArrowheads="1"/>
+            </p:cNvSpPr>
+            <p:nvPr/>
+          </p:nvSpPr>
+          <p:spPr bwMode="auto">
+            <a:xfrm>
+              <a:off x="1201003" y="2013044"/>
+              <a:ext cx="2756806" cy="2782523"/>
+            </a:xfrm>
+            <a:prstGeom prst="ellipse">
+              <a:avLst/>
+            </a:prstGeom>
+            <a:solidFill>
+              <a:srgbClr val="FFC000"/>
+            </a:solidFill>
+            <a:ln w="9525">
+              <a:noFill/>
+              <a:round/>
+              <a:headEnd/>
+              <a:tailEnd/>
+            </a:ln>
+          </p:spPr>
+          <p:txBody>
+            <a:bodyPr wrap="none" anchor="ctr"/>
+            <a:lstStyle/>
+            <a:p>
+              <a:pPr algn="ctr"/>
+              <a:endParaRPr lang="en-US" sz="1400">
+                <a:solidFill>
+                  <a:srgbClr val="FF9933"/>
+                </a:solidFill>
+              </a:endParaRPr>
+            </a:p>
+          </p:txBody>
+        </p:sp>
+        <p:sp>
+          <p:nvSpPr>
+            <p:cNvPr id="70" name="Freeform 4">
+              <a:extLst>
+                <a:ext uri="{FF2B5EF4-FFF2-40B4-BE49-F238E27FC236}">
+                  <a16:creationId xmlns:a16="http://schemas.microsoft.com/office/drawing/2014/main" id="{EEB0FB0A-37FF-74C9-64DD-FAE7239D9675}"/>
+                </a:ext>
+              </a:extLst>
+            </p:cNvPr>
+            <p:cNvSpPr>
+              <a:spLocks/>
+            </p:cNvSpPr>
+            <p:nvPr/>
+          </p:nvSpPr>
+          <p:spPr bwMode="auto">
+            <a:xfrm rot="20672327">
+              <a:off x="2504365" y="3947614"/>
+              <a:ext cx="1371600" cy="469900"/>
+            </a:xfrm>
+            <a:custGeom>
+              <a:avLst/>
+              <a:gdLst>
+                <a:gd name="T0" fmla="*/ 4 w 1216"/>
+                <a:gd name="T1" fmla="*/ 88 h 584"/>
+                <a:gd name="T2" fmla="*/ 222 w 1216"/>
+                <a:gd name="T3" fmla="*/ 150 h 584"/>
+                <a:gd name="T4" fmla="*/ 513 w 1216"/>
+                <a:gd name="T5" fmla="*/ 88 h 584"/>
+                <a:gd name="T6" fmla="*/ 610 w 1216"/>
+                <a:gd name="T7" fmla="*/ 2 h 584"/>
+                <a:gd name="T8" fmla="*/ 489 w 1216"/>
+                <a:gd name="T9" fmla="*/ 76 h 584"/>
+                <a:gd name="T10" fmla="*/ 247 w 1216"/>
+                <a:gd name="T11" fmla="*/ 125 h 584"/>
+                <a:gd name="T12" fmla="*/ 4 w 1216"/>
+                <a:gd name="T13" fmla="*/ 88 h 584"/>
+                <a:gd name="T14" fmla="*/ 0 60000 65536"/>
+                <a:gd name="T15" fmla="*/ 0 60000 65536"/>
+                <a:gd name="T16" fmla="*/ 0 60000 65536"/>
+                <a:gd name="T17" fmla="*/ 0 60000 65536"/>
+                <a:gd name="T18" fmla="*/ 0 60000 65536"/>
+                <a:gd name="T19" fmla="*/ 0 60000 65536"/>
+                <a:gd name="T20" fmla="*/ 0 60000 65536"/>
+                <a:gd name="T21" fmla="*/ 0 w 1216"/>
+                <a:gd name="T22" fmla="*/ 0 h 584"/>
+                <a:gd name="T23" fmla="*/ 1216 w 1216"/>
+                <a:gd name="T24" fmla="*/ 584 h 584"/>
+              </a:gdLst>
+              <a:ahLst/>
+              <a:cxnLst>
+                <a:cxn ang="T14">
+                  <a:pos x="T0" y="T1"/>
+                </a:cxn>
+                <a:cxn ang="T15">
+                  <a:pos x="T2" y="T3"/>
+                </a:cxn>
+                <a:cxn ang="T16">
+                  <a:pos x="T4" y="T5"/>
+                </a:cxn>
+                <a:cxn ang="T17">
+                  <a:pos x="T6" y="T7"/>
+                </a:cxn>
+                <a:cxn ang="T18">
+                  <a:pos x="T8" y="T9"/>
+                </a:cxn>
+                <a:cxn ang="T19">
+                  <a:pos x="T10" y="T11"/>
+                </a:cxn>
+                <a:cxn ang="T20">
+                  <a:pos x="T12" y="T13"/>
+                </a:cxn>
+              </a:cxnLst>
+              <a:rect l="T21" t="T22" r="T23" b="T24"/>
+              <a:pathLst>
+                <a:path w="1216" h="584">
+                  <a:moveTo>
+                    <a:pt x="8" y="344"/>
+                  </a:moveTo>
+                  <a:cubicBezTo>
+                    <a:pt x="0" y="360"/>
+                    <a:pt x="272" y="584"/>
+                    <a:pt x="440" y="584"/>
+                  </a:cubicBezTo>
+                  <a:cubicBezTo>
+                    <a:pt x="608" y="584"/>
+                    <a:pt x="888" y="440"/>
+                    <a:pt x="1016" y="344"/>
+                  </a:cubicBezTo>
+                  <a:cubicBezTo>
+                    <a:pt x="1144" y="248"/>
+                    <a:pt x="1216" y="16"/>
+                    <a:pt x="1208" y="8"/>
+                  </a:cubicBezTo>
+                  <a:cubicBezTo>
+                    <a:pt x="1200" y="0"/>
+                    <a:pt x="1088" y="216"/>
+                    <a:pt x="968" y="296"/>
+                  </a:cubicBezTo>
+                  <a:cubicBezTo>
+                    <a:pt x="848" y="376"/>
+                    <a:pt x="648" y="480"/>
+                    <a:pt x="488" y="488"/>
+                  </a:cubicBezTo>
+                  <a:cubicBezTo>
+                    <a:pt x="328" y="496"/>
+                    <a:pt x="16" y="328"/>
+                    <a:pt x="8" y="344"/>
+                  </a:cubicBezTo>
+                  <a:close/>
+                </a:path>
+              </a:pathLst>
+            </a:custGeom>
+            <a:solidFill>
+              <a:srgbClr val="FFFFFF"/>
+            </a:solidFill>
+            <a:ln w="9525">
+              <a:noFill/>
+              <a:round/>
+              <a:headEnd/>
+              <a:tailEnd/>
+            </a:ln>
+          </p:spPr>
+          <p:txBody>
+            <a:bodyPr/>
+            <a:lstStyle/>
+            <a:p>
+              <a:endParaRPr lang="en-US" sz="1200">
+                <a:solidFill>
+                  <a:srgbClr val="FF9933"/>
+                </a:solidFill>
+              </a:endParaRPr>
+            </a:p>
+          </p:txBody>
+        </p:sp>
+        <p:sp>
+          <p:nvSpPr>
+            <p:cNvPr id="71" name="TextBox 70">
+              <a:extLst>
+                <a:ext uri="{FF2B5EF4-FFF2-40B4-BE49-F238E27FC236}">
+                  <a16:creationId xmlns:a16="http://schemas.microsoft.com/office/drawing/2014/main" id="{0347B035-DF72-B395-2A78-6F0D5B2C781B}"/>
+                </a:ext>
+              </a:extLst>
+            </p:cNvPr>
+            <p:cNvSpPr txBox="1"/>
+            <p:nvPr/>
+          </p:nvSpPr>
+          <p:spPr>
+            <a:xfrm>
+              <a:off x="1160060" y="3179928"/>
+              <a:ext cx="2810385" cy="461665"/>
+            </a:xfrm>
+            <a:prstGeom prst="rect">
+              <a:avLst/>
+            </a:prstGeom>
+            <a:noFill/>
+          </p:spPr>
+          <p:txBody>
+            <a:bodyPr wrap="none" rtlCol="0">
+              <a:spAutoFit/>
+            </a:bodyPr>
+            <a:lstStyle/>
+            <a:p>
+              <a:r>
+                <a:rPr lang="en-US" sz="2400" dirty="0">
+                  <a:solidFill>
+                    <a:srgbClr val="FF9933"/>
+                  </a:solidFill>
+                </a:rPr>
+                <a:t>+  +  +  +  +  +  +  +</a:t>
+              </a:r>
+            </a:p>
+          </p:txBody>
+        </p:sp>
+        <p:sp>
+          <p:nvSpPr>
+            <p:cNvPr id="72" name="TextBox 71">
+              <a:extLst>
+                <a:ext uri="{FF2B5EF4-FFF2-40B4-BE49-F238E27FC236}">
+                  <a16:creationId xmlns:a16="http://schemas.microsoft.com/office/drawing/2014/main" id="{8797297A-BCB5-CBF4-6167-93AEAE24A74C}"/>
+                </a:ext>
+              </a:extLst>
+            </p:cNvPr>
+            <p:cNvSpPr txBox="1"/>
+            <p:nvPr/>
+          </p:nvSpPr>
+          <p:spPr>
+            <a:xfrm>
+              <a:off x="1380698" y="2718179"/>
+              <a:ext cx="2460930" cy="461665"/>
+            </a:xfrm>
+            <a:prstGeom prst="rect">
+              <a:avLst/>
+            </a:prstGeom>
+            <a:noFill/>
+          </p:spPr>
+          <p:txBody>
+            <a:bodyPr wrap="none" rtlCol="0">
+              <a:spAutoFit/>
+            </a:bodyPr>
+            <a:lstStyle/>
+            <a:p>
+              <a:r>
+                <a:rPr lang="en-US" sz="2400" dirty="0">
+                  <a:solidFill>
+                    <a:srgbClr val="FF9933"/>
+                  </a:solidFill>
+                </a:rPr>
+                <a:t>+  +  +  +  +  +  +</a:t>
+              </a:r>
+            </a:p>
+          </p:txBody>
+        </p:sp>
+        <p:sp>
+          <p:nvSpPr>
+            <p:cNvPr id="73" name="TextBox 72">
+              <a:extLst>
+                <a:ext uri="{FF2B5EF4-FFF2-40B4-BE49-F238E27FC236}">
+                  <a16:creationId xmlns:a16="http://schemas.microsoft.com/office/drawing/2014/main" id="{A02B99BC-D87A-D7EF-7A14-513F7B2296E9}"/>
+                </a:ext>
+              </a:extLst>
+            </p:cNvPr>
+            <p:cNvSpPr txBox="1"/>
+            <p:nvPr/>
+          </p:nvSpPr>
+          <p:spPr>
+            <a:xfrm>
+              <a:off x="1355677" y="3566615"/>
+              <a:ext cx="2460930" cy="461665"/>
+            </a:xfrm>
+            <a:prstGeom prst="rect">
+              <a:avLst/>
+            </a:prstGeom>
+            <a:noFill/>
+          </p:spPr>
+          <p:txBody>
+            <a:bodyPr wrap="none" rtlCol="0">
+              <a:spAutoFit/>
+            </a:bodyPr>
+            <a:lstStyle/>
+            <a:p>
+              <a:r>
+                <a:rPr lang="en-US" sz="2400" dirty="0">
+                  <a:solidFill>
+                    <a:srgbClr val="FF9933"/>
+                  </a:solidFill>
+                </a:rPr>
+                <a:t>+  +  +  +  +  +  +</a:t>
+              </a:r>
+            </a:p>
+          </p:txBody>
+        </p:sp>
+        <p:sp>
+          <p:nvSpPr>
+            <p:cNvPr id="74" name="TextBox 73">
+              <a:extLst>
+                <a:ext uri="{FF2B5EF4-FFF2-40B4-BE49-F238E27FC236}">
+                  <a16:creationId xmlns:a16="http://schemas.microsoft.com/office/drawing/2014/main" id="{B69AE76D-DDC0-767D-0C45-2032AB8878D4}"/>
+                </a:ext>
+              </a:extLst>
+            </p:cNvPr>
+            <p:cNvSpPr txBox="1"/>
+            <p:nvPr/>
+          </p:nvSpPr>
+          <p:spPr>
+            <a:xfrm>
+              <a:off x="1603611" y="3937379"/>
+              <a:ext cx="2111475" cy="461665"/>
+            </a:xfrm>
+            <a:prstGeom prst="rect">
+              <a:avLst/>
+            </a:prstGeom>
+            <a:noFill/>
+          </p:spPr>
+          <p:txBody>
+            <a:bodyPr wrap="none" rtlCol="0">
+              <a:spAutoFit/>
+            </a:bodyPr>
+            <a:lstStyle/>
+            <a:p>
+              <a:r>
+                <a:rPr lang="en-US" sz="2400" dirty="0">
+                  <a:solidFill>
+                    <a:srgbClr val="FF9933"/>
+                  </a:solidFill>
+                </a:rPr>
+                <a:t>+  +  +  +  +  +</a:t>
+              </a:r>
+            </a:p>
+          </p:txBody>
+        </p:sp>
+        <p:sp>
+          <p:nvSpPr>
+            <p:cNvPr id="75" name="TextBox 74">
+              <a:extLst>
+                <a:ext uri="{FF2B5EF4-FFF2-40B4-BE49-F238E27FC236}">
+                  <a16:creationId xmlns:a16="http://schemas.microsoft.com/office/drawing/2014/main" id="{8E86AA65-AD4A-4A2D-17E0-7A7DED1CD955}"/>
+                </a:ext>
+              </a:extLst>
+            </p:cNvPr>
+            <p:cNvSpPr txBox="1"/>
+            <p:nvPr/>
+          </p:nvSpPr>
+          <p:spPr>
+            <a:xfrm>
+              <a:off x="1633181" y="2356513"/>
+              <a:ext cx="2111475" cy="461665"/>
+            </a:xfrm>
+            <a:prstGeom prst="rect">
+              <a:avLst/>
+            </a:prstGeom>
+            <a:noFill/>
+          </p:spPr>
+          <p:txBody>
+            <a:bodyPr wrap="none" rtlCol="0">
+              <a:spAutoFit/>
+            </a:bodyPr>
+            <a:lstStyle/>
+            <a:p>
+              <a:r>
+                <a:rPr lang="en-US" sz="2400" dirty="0">
+                  <a:solidFill>
+                    <a:srgbClr val="FF9933"/>
+                  </a:solidFill>
+                </a:rPr>
+                <a:t>+  +  +  +  +  +</a:t>
+              </a:r>
+            </a:p>
+          </p:txBody>
+        </p:sp>
+        <p:sp>
+          <p:nvSpPr>
+            <p:cNvPr id="76" name="TextBox 75">
+              <a:extLst>
+                <a:ext uri="{FF2B5EF4-FFF2-40B4-BE49-F238E27FC236}">
+                  <a16:creationId xmlns:a16="http://schemas.microsoft.com/office/drawing/2014/main" id="{9F5D40C5-36E2-D68A-9AA3-DDDB31C4B5BD}"/>
+                </a:ext>
+              </a:extLst>
+            </p:cNvPr>
+            <p:cNvSpPr txBox="1"/>
+            <p:nvPr/>
+          </p:nvSpPr>
+          <p:spPr>
+            <a:xfrm>
+              <a:off x="1935706" y="2031241"/>
+              <a:ext cx="1412566" cy="461665"/>
+            </a:xfrm>
+            <a:prstGeom prst="rect">
+              <a:avLst/>
+            </a:prstGeom>
+            <a:noFill/>
+          </p:spPr>
+          <p:txBody>
+            <a:bodyPr wrap="none" rtlCol="0">
+              <a:spAutoFit/>
+            </a:bodyPr>
+            <a:lstStyle/>
+            <a:p>
+              <a:r>
+                <a:rPr lang="en-US" sz="2400" dirty="0">
+                  <a:solidFill>
+                    <a:srgbClr val="FF9933"/>
+                  </a:solidFill>
+                </a:rPr>
+                <a:t>+  +  +  +</a:t>
+              </a:r>
+            </a:p>
+          </p:txBody>
+        </p:sp>
+        <p:sp>
+          <p:nvSpPr>
+            <p:cNvPr id="77" name="TextBox 76">
+              <a:extLst>
+                <a:ext uri="{FF2B5EF4-FFF2-40B4-BE49-F238E27FC236}">
+                  <a16:creationId xmlns:a16="http://schemas.microsoft.com/office/drawing/2014/main" id="{D566AA67-6118-B1DB-36B7-0FFD1550EC9C}"/>
+                </a:ext>
+              </a:extLst>
+            </p:cNvPr>
+            <p:cNvSpPr txBox="1"/>
+            <p:nvPr/>
+          </p:nvSpPr>
+          <p:spPr>
+            <a:xfrm>
+              <a:off x="1978924" y="4299044"/>
+              <a:ext cx="1412566" cy="461665"/>
+            </a:xfrm>
+            <a:prstGeom prst="rect">
+              <a:avLst/>
+            </a:prstGeom>
+            <a:noFill/>
+          </p:spPr>
+          <p:txBody>
+            <a:bodyPr wrap="none" rtlCol="0">
+              <a:spAutoFit/>
+            </a:bodyPr>
+            <a:lstStyle/>
+            <a:p>
+              <a:r>
+                <a:rPr lang="en-US" sz="2400" dirty="0">
+                  <a:solidFill>
+                    <a:srgbClr val="FF9933"/>
+                  </a:solidFill>
+                </a:rPr>
+                <a:t>+  +  +  +</a:t>
+              </a:r>
+            </a:p>
+          </p:txBody>
+        </p:sp>
+      </p:grpSp>
+      <p:grpSp>
+        <p:nvGrpSpPr>
+          <p:cNvPr id="2" name="Group 1">
+            <a:extLst>
+              <a:ext uri="{FF2B5EF4-FFF2-40B4-BE49-F238E27FC236}">
+                <a16:creationId xmlns:a16="http://schemas.microsoft.com/office/drawing/2014/main" id="{AA93ECB2-5AC5-D08C-E0AD-6B68DCC62DDC}"/>
+              </a:ext>
+            </a:extLst>
+          </p:cNvPr>
+          <p:cNvGrpSpPr/>
+          <p:nvPr/>
+        </p:nvGrpSpPr>
+        <p:grpSpPr>
+          <a:xfrm>
+            <a:off x="3973501" y="1024424"/>
+            <a:ext cx="4780623" cy="4780623"/>
+            <a:chOff x="3913119" y="1024424"/>
+            <a:chExt cx="4780623" cy="4780623"/>
+          </a:xfrm>
+        </p:grpSpPr>
+        <p:grpSp>
+          <p:nvGrpSpPr>
+            <p:cNvPr id="3" name="Group 2">
+              <a:extLst>
+                <a:ext uri="{FF2B5EF4-FFF2-40B4-BE49-F238E27FC236}">
+                  <a16:creationId xmlns:a16="http://schemas.microsoft.com/office/drawing/2014/main" id="{41664B5C-BF23-FFE4-A33F-12CFB7159564}"/>
+                </a:ext>
+              </a:extLst>
+            </p:cNvPr>
+            <p:cNvGrpSpPr/>
+            <p:nvPr/>
+          </p:nvGrpSpPr>
+          <p:grpSpPr>
+            <a:xfrm rot="5400000">
+              <a:off x="3913119" y="3401242"/>
+              <a:ext cx="4780623" cy="26987"/>
+              <a:chOff x="4373696" y="3367088"/>
+              <a:chExt cx="4780623" cy="26987"/>
+            </a:xfrm>
+          </p:grpSpPr>
+          <p:cxnSp>
+            <p:nvCxnSpPr>
+              <p:cNvPr id="9" name="Straight Arrow Connector 8">
+                <a:extLst>
+                  <a:ext uri="{FF2B5EF4-FFF2-40B4-BE49-F238E27FC236}">
+                    <a16:creationId xmlns:a16="http://schemas.microsoft.com/office/drawing/2014/main" id="{5B75B115-4865-C7FF-78E1-6B63E2C08100}"/>
+                  </a:ext>
+                </a:extLst>
+              </p:cNvPr>
+              <p:cNvCxnSpPr>
+                <a:cxnSpLocks/>
+              </p:cNvCxnSpPr>
+              <p:nvPr/>
+            </p:nvCxnSpPr>
+            <p:spPr bwMode="auto">
+              <a:xfrm rot="10800000" flipV="1">
+                <a:off x="5545138" y="3367088"/>
+                <a:ext cx="823118" cy="0"/>
+              </a:xfrm>
+              <a:prstGeom prst="straightConnector1">
+                <a:avLst/>
+              </a:prstGeom>
+              <a:solidFill>
+                <a:schemeClr val="accent1"/>
+              </a:solidFill>
+              <a:ln w="28575" cap="flat" cmpd="sng" algn="ctr">
+                <a:solidFill>
+                  <a:srgbClr val="FF0000"/>
+                </a:solidFill>
+                <a:prstDash val="solid"/>
+                <a:miter lim="800000"/>
+                <a:headEnd type="none" w="med" len="med"/>
+                <a:tailEnd type="arrow"/>
+              </a:ln>
+              <a:effectLst/>
+            </p:spPr>
+          </p:cxnSp>
+          <p:cxnSp>
+            <p:nvCxnSpPr>
+              <p:cNvPr id="10" name="Straight Arrow Connector 9">
+                <a:extLst>
+                  <a:ext uri="{FF2B5EF4-FFF2-40B4-BE49-F238E27FC236}">
+                    <a16:creationId xmlns:a16="http://schemas.microsoft.com/office/drawing/2014/main" id="{7B685E76-A83A-DE9E-23C2-FCACE5939136}"/>
+                  </a:ext>
+                </a:extLst>
+              </p:cNvPr>
+              <p:cNvCxnSpPr/>
+              <p:nvPr/>
+            </p:nvCxnSpPr>
+            <p:spPr bwMode="auto">
+              <a:xfrm flipH="1">
+                <a:off x="4373696" y="3384550"/>
+                <a:ext cx="888867" cy="0"/>
+              </a:xfrm>
+              <a:prstGeom prst="straightConnector1">
+                <a:avLst/>
+              </a:prstGeom>
+              <a:solidFill>
+                <a:schemeClr val="accent1"/>
+              </a:solidFill>
+              <a:ln w="28575" cap="flat" cmpd="sng" algn="ctr">
+                <a:solidFill>
+                  <a:srgbClr val="FF0000"/>
+                </a:solidFill>
+                <a:prstDash val="solid"/>
+                <a:miter lim="800000"/>
+                <a:headEnd type="none" w="med" len="med"/>
+                <a:tailEnd type="arrow"/>
+              </a:ln>
+              <a:effectLst/>
+            </p:spPr>
+          </p:cxnSp>
+          <p:cxnSp>
+            <p:nvCxnSpPr>
+              <p:cNvPr id="11" name="Straight Arrow Connector 10">
+                <a:extLst>
+                  <a:ext uri="{FF2B5EF4-FFF2-40B4-BE49-F238E27FC236}">
+                    <a16:creationId xmlns:a16="http://schemas.microsoft.com/office/drawing/2014/main" id="{30D6DCBF-8F93-9E8A-D227-2031895EC560}"/>
+                  </a:ext>
+                </a:extLst>
+              </p:cNvPr>
+              <p:cNvCxnSpPr/>
+              <p:nvPr/>
+            </p:nvCxnSpPr>
+            <p:spPr bwMode="auto">
+              <a:xfrm>
+                <a:off x="8331201" y="3376613"/>
+                <a:ext cx="823118" cy="0"/>
+              </a:xfrm>
+              <a:prstGeom prst="straightConnector1">
+                <a:avLst/>
+              </a:prstGeom>
+              <a:solidFill>
+                <a:schemeClr val="accent1"/>
+              </a:solidFill>
+              <a:ln w="28575" cap="flat" cmpd="sng" algn="ctr">
+                <a:solidFill>
+                  <a:srgbClr val="FF0000"/>
+                </a:solidFill>
+                <a:prstDash val="solid"/>
+                <a:miter lim="800000"/>
+                <a:headEnd type="none" w="med" len="med"/>
+                <a:tailEnd type="arrow"/>
+              </a:ln>
+              <a:effectLst/>
+            </p:spPr>
+          </p:cxnSp>
+          <p:cxnSp>
+            <p:nvCxnSpPr>
+              <p:cNvPr id="12" name="Straight Arrow Connector 11">
+                <a:extLst>
+                  <a:ext uri="{FF2B5EF4-FFF2-40B4-BE49-F238E27FC236}">
+                    <a16:creationId xmlns:a16="http://schemas.microsoft.com/office/drawing/2014/main" id="{D696D53B-937E-C91A-7562-634F7CA18864}"/>
+                  </a:ext>
+                </a:extLst>
+              </p:cNvPr>
+              <p:cNvCxnSpPr>
+                <a:cxnSpLocks/>
+              </p:cNvCxnSpPr>
+              <p:nvPr/>
+            </p:nvCxnSpPr>
+            <p:spPr bwMode="auto">
+              <a:xfrm rot="10800000" flipH="1" flipV="1">
+                <a:off x="7159760" y="3394075"/>
+                <a:ext cx="888867" cy="0"/>
+              </a:xfrm>
+              <a:prstGeom prst="straightConnector1">
+                <a:avLst/>
+              </a:prstGeom>
+              <a:solidFill>
+                <a:schemeClr val="accent1"/>
+              </a:solidFill>
+              <a:ln w="28575" cap="flat" cmpd="sng" algn="ctr">
+                <a:solidFill>
+                  <a:srgbClr val="FF0000"/>
+                </a:solidFill>
+                <a:prstDash val="solid"/>
+                <a:miter lim="800000"/>
+                <a:headEnd type="none" w="med" len="med"/>
+                <a:tailEnd type="arrow"/>
+              </a:ln>
+              <a:effectLst/>
+            </p:spPr>
+          </p:cxnSp>
+        </p:grpSp>
+        <p:grpSp>
+          <p:nvGrpSpPr>
+            <p:cNvPr id="4" name="Group 3">
+              <a:extLst>
+                <a:ext uri="{FF2B5EF4-FFF2-40B4-BE49-F238E27FC236}">
+                  <a16:creationId xmlns:a16="http://schemas.microsoft.com/office/drawing/2014/main" id="{2D82B4A5-9744-88B7-E3C2-86853850F3FD}"/>
+                </a:ext>
+              </a:extLst>
+            </p:cNvPr>
+            <p:cNvGrpSpPr/>
+            <p:nvPr/>
+          </p:nvGrpSpPr>
+          <p:grpSpPr>
+            <a:xfrm>
+              <a:off x="3913119" y="3401242"/>
+              <a:ext cx="4780623" cy="26987"/>
+              <a:chOff x="4373696" y="3367088"/>
+              <a:chExt cx="4780623" cy="26987"/>
+            </a:xfrm>
+          </p:grpSpPr>
+          <p:cxnSp>
+            <p:nvCxnSpPr>
+              <p:cNvPr id="5" name="Straight Arrow Connector 4">
+                <a:extLst>
+                  <a:ext uri="{FF2B5EF4-FFF2-40B4-BE49-F238E27FC236}">
+                    <a16:creationId xmlns:a16="http://schemas.microsoft.com/office/drawing/2014/main" id="{481E45DA-1467-01A7-4FBE-979A2CC9EBCD}"/>
+                  </a:ext>
+                </a:extLst>
+              </p:cNvPr>
+              <p:cNvCxnSpPr>
+                <a:cxnSpLocks/>
+              </p:cNvCxnSpPr>
+              <p:nvPr/>
+            </p:nvCxnSpPr>
+            <p:spPr bwMode="auto">
+              <a:xfrm rot="10800000" flipV="1">
+                <a:off x="5545138" y="3367088"/>
+                <a:ext cx="823118" cy="0"/>
+              </a:xfrm>
+              <a:prstGeom prst="straightConnector1">
+                <a:avLst/>
+              </a:prstGeom>
+              <a:solidFill>
+                <a:schemeClr val="accent1"/>
+              </a:solidFill>
+              <a:ln w="28575" cap="flat" cmpd="sng" algn="ctr">
+                <a:solidFill>
+                  <a:srgbClr val="FF0000"/>
+                </a:solidFill>
+                <a:prstDash val="solid"/>
+                <a:miter lim="800000"/>
+                <a:headEnd type="none" w="med" len="med"/>
+                <a:tailEnd type="arrow"/>
+              </a:ln>
+              <a:effectLst/>
+            </p:spPr>
+          </p:cxnSp>
+          <p:cxnSp>
+            <p:nvCxnSpPr>
+              <p:cNvPr id="6" name="Straight Arrow Connector 5">
+                <a:extLst>
+                  <a:ext uri="{FF2B5EF4-FFF2-40B4-BE49-F238E27FC236}">
+                    <a16:creationId xmlns:a16="http://schemas.microsoft.com/office/drawing/2014/main" id="{342189E9-CE7D-CDEE-E92B-B408BD8D8E4E}"/>
+                  </a:ext>
+                </a:extLst>
+              </p:cNvPr>
+              <p:cNvCxnSpPr/>
+              <p:nvPr/>
+            </p:nvCxnSpPr>
+            <p:spPr bwMode="auto">
+              <a:xfrm flipH="1">
+                <a:off x="4373696" y="3384550"/>
+                <a:ext cx="888867" cy="0"/>
+              </a:xfrm>
+              <a:prstGeom prst="straightConnector1">
+                <a:avLst/>
+              </a:prstGeom>
+              <a:solidFill>
+                <a:schemeClr val="accent1"/>
+              </a:solidFill>
+              <a:ln w="28575" cap="flat" cmpd="sng" algn="ctr">
+                <a:solidFill>
+                  <a:srgbClr val="FF0000"/>
+                </a:solidFill>
+                <a:prstDash val="solid"/>
+                <a:miter lim="800000"/>
+                <a:headEnd type="none" w="med" len="med"/>
+                <a:tailEnd type="arrow"/>
+              </a:ln>
+              <a:effectLst/>
+            </p:spPr>
+          </p:cxnSp>
+          <p:cxnSp>
+            <p:nvCxnSpPr>
+              <p:cNvPr id="7" name="Straight Arrow Connector 6">
+                <a:extLst>
+                  <a:ext uri="{FF2B5EF4-FFF2-40B4-BE49-F238E27FC236}">
+                    <a16:creationId xmlns:a16="http://schemas.microsoft.com/office/drawing/2014/main" id="{6ADEE385-A13B-19C0-B630-57AB7B2AAB9D}"/>
+                  </a:ext>
+                </a:extLst>
+              </p:cNvPr>
+              <p:cNvCxnSpPr/>
+              <p:nvPr/>
+            </p:nvCxnSpPr>
+            <p:spPr bwMode="auto">
+              <a:xfrm>
+                <a:off x="8331201" y="3376613"/>
+                <a:ext cx="823118" cy="0"/>
+              </a:xfrm>
+              <a:prstGeom prst="straightConnector1">
+                <a:avLst/>
+              </a:prstGeom>
+              <a:solidFill>
+                <a:schemeClr val="accent1"/>
+              </a:solidFill>
+              <a:ln w="28575" cap="flat" cmpd="sng" algn="ctr">
+                <a:solidFill>
+                  <a:srgbClr val="FF0000"/>
+                </a:solidFill>
+                <a:prstDash val="solid"/>
+                <a:miter lim="800000"/>
+                <a:headEnd type="none" w="med" len="med"/>
+                <a:tailEnd type="arrow"/>
+              </a:ln>
+              <a:effectLst/>
+            </p:spPr>
+          </p:cxnSp>
+          <p:cxnSp>
+            <p:nvCxnSpPr>
+              <p:cNvPr id="8" name="Straight Arrow Connector 7">
+                <a:extLst>
+                  <a:ext uri="{FF2B5EF4-FFF2-40B4-BE49-F238E27FC236}">
+                    <a16:creationId xmlns:a16="http://schemas.microsoft.com/office/drawing/2014/main" id="{BEB2A958-53D3-C869-1CD8-C2EE8C7DE9D5}"/>
+                  </a:ext>
+                </a:extLst>
+              </p:cNvPr>
+              <p:cNvCxnSpPr>
+                <a:cxnSpLocks/>
+              </p:cNvCxnSpPr>
+              <p:nvPr/>
+            </p:nvCxnSpPr>
+            <p:spPr bwMode="auto">
+              <a:xfrm rot="10800000" flipH="1" flipV="1">
+                <a:off x="7159760" y="3394075"/>
+                <a:ext cx="888867" cy="0"/>
+              </a:xfrm>
+              <a:prstGeom prst="straightConnector1">
+                <a:avLst/>
+              </a:prstGeom>
+              <a:solidFill>
+                <a:schemeClr val="accent1"/>
+              </a:solidFill>
+              <a:ln w="28575" cap="flat" cmpd="sng" algn="ctr">
+                <a:solidFill>
+                  <a:srgbClr val="FF0000"/>
+                </a:solidFill>
+                <a:prstDash val="solid"/>
+                <a:miter lim="800000"/>
+                <a:headEnd type="none" w="med" len="med"/>
+                <a:tailEnd type="arrow"/>
+              </a:ln>
+              <a:effectLst/>
+            </p:spPr>
+          </p:cxnSp>
+        </p:grpSp>
+      </p:grpSp>
+      <p:grpSp>
+        <p:nvGrpSpPr>
+          <p:cNvPr id="13" name="Group 12">
+            <a:extLst>
+              <a:ext uri="{FF2B5EF4-FFF2-40B4-BE49-F238E27FC236}">
+                <a16:creationId xmlns:a16="http://schemas.microsoft.com/office/drawing/2014/main" id="{26E808C4-AD96-6A07-4CF5-98AED4B883E9}"/>
+              </a:ext>
+            </a:extLst>
+          </p:cNvPr>
+          <p:cNvGrpSpPr/>
+          <p:nvPr/>
+        </p:nvGrpSpPr>
+        <p:grpSpPr>
+          <a:xfrm rot="18957038">
+            <a:off x="3979251" y="1073312"/>
+            <a:ext cx="4780623" cy="4780623"/>
+            <a:chOff x="3913119" y="1024424"/>
+            <a:chExt cx="4780623" cy="4780623"/>
+          </a:xfrm>
+        </p:grpSpPr>
+        <p:grpSp>
+          <p:nvGrpSpPr>
+            <p:cNvPr id="14" name="Group 13">
+              <a:extLst>
+                <a:ext uri="{FF2B5EF4-FFF2-40B4-BE49-F238E27FC236}">
+                  <a16:creationId xmlns:a16="http://schemas.microsoft.com/office/drawing/2014/main" id="{5B9058F3-2B6D-C398-0C7F-29AE5BEDB664}"/>
+                </a:ext>
+              </a:extLst>
+            </p:cNvPr>
+            <p:cNvGrpSpPr/>
+            <p:nvPr/>
+          </p:nvGrpSpPr>
+          <p:grpSpPr>
+            <a:xfrm rot="5400000">
+              <a:off x="3913119" y="3401242"/>
+              <a:ext cx="4780623" cy="26987"/>
+              <a:chOff x="4373696" y="3367088"/>
+              <a:chExt cx="4780623" cy="26987"/>
+            </a:xfrm>
+          </p:grpSpPr>
+          <p:cxnSp>
+            <p:nvCxnSpPr>
+              <p:cNvPr id="25" name="Straight Arrow Connector 24">
+                <a:extLst>
+                  <a:ext uri="{FF2B5EF4-FFF2-40B4-BE49-F238E27FC236}">
+                    <a16:creationId xmlns:a16="http://schemas.microsoft.com/office/drawing/2014/main" id="{103BF9FA-46B0-AA54-2B4B-9B0C50319A75}"/>
+                  </a:ext>
+                </a:extLst>
+              </p:cNvPr>
+              <p:cNvCxnSpPr>
+                <a:cxnSpLocks/>
+              </p:cNvCxnSpPr>
+              <p:nvPr/>
+            </p:nvCxnSpPr>
+            <p:spPr bwMode="auto">
+              <a:xfrm rot="10800000" flipV="1">
+                <a:off x="5545138" y="3367088"/>
+                <a:ext cx="823118" cy="0"/>
+              </a:xfrm>
+              <a:prstGeom prst="straightConnector1">
+                <a:avLst/>
+              </a:prstGeom>
+              <a:solidFill>
+                <a:schemeClr val="accent1"/>
+              </a:solidFill>
+              <a:ln w="28575" cap="flat" cmpd="sng" algn="ctr">
+                <a:solidFill>
+                  <a:srgbClr val="FF0000"/>
+                </a:solidFill>
+                <a:prstDash val="solid"/>
+                <a:miter lim="800000"/>
+                <a:headEnd type="none" w="med" len="med"/>
+                <a:tailEnd type="arrow"/>
+              </a:ln>
+              <a:effectLst/>
+            </p:spPr>
+          </p:cxnSp>
+          <p:cxnSp>
+            <p:nvCxnSpPr>
+              <p:cNvPr id="26" name="Straight Arrow Connector 25">
+                <a:extLst>
+                  <a:ext uri="{FF2B5EF4-FFF2-40B4-BE49-F238E27FC236}">
+                    <a16:creationId xmlns:a16="http://schemas.microsoft.com/office/drawing/2014/main" id="{E03F8AD4-D738-AE33-E4C9-BD0273573821}"/>
+                  </a:ext>
+                </a:extLst>
+              </p:cNvPr>
+              <p:cNvCxnSpPr/>
+              <p:nvPr/>
+            </p:nvCxnSpPr>
+            <p:spPr bwMode="auto">
+              <a:xfrm flipH="1">
+                <a:off x="4373696" y="3384550"/>
+                <a:ext cx="888867" cy="0"/>
+              </a:xfrm>
+              <a:prstGeom prst="straightConnector1">
+                <a:avLst/>
+              </a:prstGeom>
+              <a:solidFill>
+                <a:schemeClr val="accent1"/>
+              </a:solidFill>
+              <a:ln w="28575" cap="flat" cmpd="sng" algn="ctr">
+                <a:solidFill>
+                  <a:srgbClr val="FF0000"/>
+                </a:solidFill>
+                <a:prstDash val="solid"/>
+                <a:miter lim="800000"/>
+                <a:headEnd type="none" w="med" len="med"/>
+                <a:tailEnd type="arrow"/>
+              </a:ln>
+              <a:effectLst/>
+            </p:spPr>
+          </p:cxnSp>
+          <p:cxnSp>
+            <p:nvCxnSpPr>
+              <p:cNvPr id="27" name="Straight Arrow Connector 26">
+                <a:extLst>
+                  <a:ext uri="{FF2B5EF4-FFF2-40B4-BE49-F238E27FC236}">
+                    <a16:creationId xmlns:a16="http://schemas.microsoft.com/office/drawing/2014/main" id="{2244700F-7821-528E-A674-4DBE555500B5}"/>
+                  </a:ext>
+                </a:extLst>
+              </p:cNvPr>
+              <p:cNvCxnSpPr/>
+              <p:nvPr/>
+            </p:nvCxnSpPr>
+            <p:spPr bwMode="auto">
+              <a:xfrm>
+                <a:off x="8331201" y="3376613"/>
+                <a:ext cx="823118" cy="0"/>
+              </a:xfrm>
+              <a:prstGeom prst="straightConnector1">
+                <a:avLst/>
+              </a:prstGeom>
+              <a:solidFill>
+                <a:schemeClr val="accent1"/>
+              </a:solidFill>
+              <a:ln w="28575" cap="flat" cmpd="sng" algn="ctr">
+                <a:solidFill>
+                  <a:srgbClr val="FF0000"/>
+                </a:solidFill>
+                <a:prstDash val="solid"/>
+                <a:miter lim="800000"/>
+                <a:headEnd type="none" w="med" len="med"/>
+                <a:tailEnd type="arrow"/>
+              </a:ln>
+              <a:effectLst/>
+            </p:spPr>
+          </p:cxnSp>
+          <p:cxnSp>
+            <p:nvCxnSpPr>
+              <p:cNvPr id="28" name="Straight Arrow Connector 27">
+                <a:extLst>
+                  <a:ext uri="{FF2B5EF4-FFF2-40B4-BE49-F238E27FC236}">
+                    <a16:creationId xmlns:a16="http://schemas.microsoft.com/office/drawing/2014/main" id="{8DA4E815-FDC2-93DC-859C-1814F502BDE3}"/>
+                  </a:ext>
+                </a:extLst>
+              </p:cNvPr>
+              <p:cNvCxnSpPr>
+                <a:cxnSpLocks/>
+              </p:cNvCxnSpPr>
+              <p:nvPr/>
+            </p:nvCxnSpPr>
+            <p:spPr bwMode="auto">
+              <a:xfrm rot="10800000" flipH="1" flipV="1">
+                <a:off x="7159760" y="3394075"/>
+                <a:ext cx="888867" cy="0"/>
+              </a:xfrm>
+              <a:prstGeom prst="straightConnector1">
+                <a:avLst/>
+              </a:prstGeom>
+              <a:solidFill>
+                <a:schemeClr val="accent1"/>
+              </a:solidFill>
+              <a:ln w="28575" cap="flat" cmpd="sng" algn="ctr">
+                <a:solidFill>
+                  <a:srgbClr val="FF0000"/>
+                </a:solidFill>
+                <a:prstDash val="solid"/>
+                <a:miter lim="800000"/>
+                <a:headEnd type="none" w="med" len="med"/>
+                <a:tailEnd type="arrow"/>
+              </a:ln>
+              <a:effectLst/>
+            </p:spPr>
+          </p:cxnSp>
+        </p:grpSp>
+        <p:grpSp>
+          <p:nvGrpSpPr>
+            <p:cNvPr id="15" name="Group 14">
+              <a:extLst>
+                <a:ext uri="{FF2B5EF4-FFF2-40B4-BE49-F238E27FC236}">
+                  <a16:creationId xmlns:a16="http://schemas.microsoft.com/office/drawing/2014/main" id="{816A362E-8D8D-5819-5F1F-594A0891529F}"/>
+                </a:ext>
+              </a:extLst>
+            </p:cNvPr>
+            <p:cNvGrpSpPr/>
+            <p:nvPr/>
+          </p:nvGrpSpPr>
+          <p:grpSpPr>
+            <a:xfrm>
+              <a:off x="3913119" y="3401242"/>
+              <a:ext cx="4780623" cy="26987"/>
+              <a:chOff x="4373696" y="3367088"/>
+              <a:chExt cx="4780623" cy="26987"/>
+            </a:xfrm>
+          </p:grpSpPr>
+          <p:cxnSp>
+            <p:nvCxnSpPr>
+              <p:cNvPr id="21" name="Straight Arrow Connector 20">
+                <a:extLst>
+                  <a:ext uri="{FF2B5EF4-FFF2-40B4-BE49-F238E27FC236}">
+                    <a16:creationId xmlns:a16="http://schemas.microsoft.com/office/drawing/2014/main" id="{66FF876D-FDC9-75A7-67F9-B191F582383A}"/>
+                  </a:ext>
+                </a:extLst>
+              </p:cNvPr>
+              <p:cNvCxnSpPr>
+                <a:cxnSpLocks/>
+              </p:cNvCxnSpPr>
+              <p:nvPr/>
+            </p:nvCxnSpPr>
+            <p:spPr bwMode="auto">
+              <a:xfrm rot="10800000" flipV="1">
+                <a:off x="5545138" y="3367088"/>
+                <a:ext cx="823118" cy="0"/>
+              </a:xfrm>
+              <a:prstGeom prst="straightConnector1">
+                <a:avLst/>
+              </a:prstGeom>
+              <a:solidFill>
+                <a:schemeClr val="accent1"/>
+              </a:solidFill>
+              <a:ln w="28575" cap="flat" cmpd="sng" algn="ctr">
+                <a:solidFill>
+                  <a:srgbClr val="FF0000"/>
+                </a:solidFill>
+                <a:prstDash val="solid"/>
+                <a:miter lim="800000"/>
+                <a:headEnd type="none" w="med" len="med"/>
+                <a:tailEnd type="arrow"/>
+              </a:ln>
+              <a:effectLst/>
+            </p:spPr>
+          </p:cxnSp>
+          <p:cxnSp>
+            <p:nvCxnSpPr>
+              <p:cNvPr id="22" name="Straight Arrow Connector 21">
+                <a:extLst>
+                  <a:ext uri="{FF2B5EF4-FFF2-40B4-BE49-F238E27FC236}">
+                    <a16:creationId xmlns:a16="http://schemas.microsoft.com/office/drawing/2014/main" id="{F87CFCE7-5D0A-6483-A494-690896893EAF}"/>
+                  </a:ext>
+                </a:extLst>
+              </p:cNvPr>
+              <p:cNvCxnSpPr/>
+              <p:nvPr/>
+            </p:nvCxnSpPr>
+            <p:spPr bwMode="auto">
+              <a:xfrm flipH="1">
+                <a:off x="4373696" y="3384550"/>
+                <a:ext cx="888867" cy="0"/>
+              </a:xfrm>
+              <a:prstGeom prst="straightConnector1">
+                <a:avLst/>
+              </a:prstGeom>
+              <a:solidFill>
+                <a:schemeClr val="accent1"/>
+              </a:solidFill>
+              <a:ln w="28575" cap="flat" cmpd="sng" algn="ctr">
+                <a:solidFill>
+                  <a:srgbClr val="FF0000"/>
+                </a:solidFill>
+                <a:prstDash val="solid"/>
+                <a:miter lim="800000"/>
+                <a:headEnd type="none" w="med" len="med"/>
+                <a:tailEnd type="arrow"/>
+              </a:ln>
+              <a:effectLst/>
+            </p:spPr>
+          </p:cxnSp>
+          <p:cxnSp>
+            <p:nvCxnSpPr>
+              <p:cNvPr id="23" name="Straight Arrow Connector 22">
+                <a:extLst>
+                  <a:ext uri="{FF2B5EF4-FFF2-40B4-BE49-F238E27FC236}">
+                    <a16:creationId xmlns:a16="http://schemas.microsoft.com/office/drawing/2014/main" id="{AA544B7F-04C2-DF95-B52A-88435C1750D1}"/>
+                  </a:ext>
+                </a:extLst>
+              </p:cNvPr>
+              <p:cNvCxnSpPr/>
+              <p:nvPr/>
+            </p:nvCxnSpPr>
+            <p:spPr bwMode="auto">
+              <a:xfrm>
+                <a:off x="8331201" y="3376613"/>
+                <a:ext cx="823118" cy="0"/>
+              </a:xfrm>
+              <a:prstGeom prst="straightConnector1">
+                <a:avLst/>
+              </a:prstGeom>
+              <a:solidFill>
+                <a:schemeClr val="accent1"/>
+              </a:solidFill>
+              <a:ln w="28575" cap="flat" cmpd="sng" algn="ctr">
+                <a:solidFill>
+                  <a:srgbClr val="FF0000"/>
+                </a:solidFill>
+                <a:prstDash val="solid"/>
+                <a:miter lim="800000"/>
+                <a:headEnd type="none" w="med" len="med"/>
+                <a:tailEnd type="arrow"/>
+              </a:ln>
+              <a:effectLst/>
+            </p:spPr>
+          </p:cxnSp>
+          <p:cxnSp>
+            <p:nvCxnSpPr>
+              <p:cNvPr id="24" name="Straight Arrow Connector 23">
+                <a:extLst>
+                  <a:ext uri="{FF2B5EF4-FFF2-40B4-BE49-F238E27FC236}">
+                    <a16:creationId xmlns:a16="http://schemas.microsoft.com/office/drawing/2014/main" id="{53E563A9-1460-B47A-FFC8-E67A29B93A6E}"/>
+                  </a:ext>
+                </a:extLst>
+              </p:cNvPr>
+              <p:cNvCxnSpPr>
+                <a:cxnSpLocks/>
+              </p:cNvCxnSpPr>
+              <p:nvPr/>
+            </p:nvCxnSpPr>
+            <p:spPr bwMode="auto">
+              <a:xfrm rot="10800000" flipH="1" flipV="1">
+                <a:off x="7159760" y="3394075"/>
+                <a:ext cx="888867" cy="0"/>
+              </a:xfrm>
+              <a:prstGeom prst="straightConnector1">
+                <a:avLst/>
+              </a:prstGeom>
+              <a:solidFill>
+                <a:schemeClr val="accent1"/>
+              </a:solidFill>
+              <a:ln w="28575" cap="flat" cmpd="sng" algn="ctr">
+                <a:solidFill>
+                  <a:srgbClr val="FF0000"/>
+                </a:solidFill>
+                <a:prstDash val="solid"/>
+                <a:miter lim="800000"/>
+                <a:headEnd type="none" w="med" len="med"/>
+                <a:tailEnd type="arrow"/>
+              </a:ln>
+              <a:effectLst/>
+            </p:spPr>
+          </p:cxnSp>
+        </p:grpSp>
+      </p:grpSp>
+      <p:sp>
+        <p:nvSpPr>
+          <p:cNvPr id="30" name="Oval 29">
+            <a:extLst>
+              <a:ext uri="{FF2B5EF4-FFF2-40B4-BE49-F238E27FC236}">
+                <a16:creationId xmlns:a16="http://schemas.microsoft.com/office/drawing/2014/main" id="{E4D89973-61BF-B96E-711F-1891F27BD01E}"/>
+              </a:ext>
+            </a:extLst>
+          </p:cNvPr>
+          <p:cNvSpPr/>
+          <p:nvPr/>
+        </p:nvSpPr>
+        <p:spPr bwMode="auto">
+          <a:xfrm>
+            <a:off x="6840742" y="2482284"/>
+            <a:ext cx="86084" cy="88384"/>
+          </a:xfrm>
+          <a:prstGeom prst="ellipse">
+            <a:avLst/>
+          </a:prstGeom>
+          <a:solidFill>
+            <a:schemeClr val="tx1"/>
+          </a:solidFill>
+          <a:ln w="9525" cap="flat" cmpd="sng" algn="ctr">
+            <a:noFill/>
+            <a:prstDash val="solid"/>
+            <a:miter lim="800000"/>
+            <a:headEnd type="none" w="med" len="med"/>
+            <a:tailEnd type="none" w="med" len="med"/>
+          </a:ln>
+          <a:effectLst/>
+        </p:spPr>
+        <p:txBody>
+          <a:bodyPr vert="horz" wrap="none" lIns="91440" tIns="45720" rIns="91440" bIns="45720" numCol="1" rtlCol="0" anchor="t" anchorCtr="0" compatLnSpc="1">
+            <a:prstTxWarp prst="textNoShape">
+              <a:avLst/>
+            </a:prstTxWarp>
+          </a:bodyPr>
+          <a:lstStyle/>
+          <a:p>
+            <a:pPr marL="0" marR="0" indent="0" algn="l" defTabSz="914400" rtl="0" eaLnBrk="1" fontAlgn="base" latinLnBrk="0" hangingPunct="1">
+              <a:lnSpc>
+                <a:spcPct val="100000"/>
+              </a:lnSpc>
+              <a:spcBef>
+                <a:spcPct val="0"/>
+              </a:spcBef>
+              <a:spcAft>
+                <a:spcPct val="0"/>
+              </a:spcAft>
+              <a:buClrTx/>
+              <a:buSzTx/>
+              <a:buFontTx/>
+              <a:buNone/>
+              <a:tabLst/>
+            </a:pPr>
+            <a:endParaRPr kumimoji="0" lang="en-US" sz="1600" b="0" i="0" u="none" strike="noStrike" cap="none" normalizeH="0" baseline="0">
+              <a:ln>
+                <a:noFill/>
+              </a:ln>
+              <a:solidFill>
+                <a:schemeClr val="tx1"/>
+              </a:solidFill>
+              <a:effectLst/>
+              <a:latin typeface="Arial" charset="0"/>
+            </a:endParaRPr>
+          </a:p>
+        </p:txBody>
+      </p:sp>
+      <p:sp>
+        <p:nvSpPr>
+          <p:cNvPr id="31" name="TextBox 30">
+            <a:extLst>
+              <a:ext uri="{FF2B5EF4-FFF2-40B4-BE49-F238E27FC236}">
+                <a16:creationId xmlns:a16="http://schemas.microsoft.com/office/drawing/2014/main" id="{7C52D876-AA94-6BB4-D13F-3ECA94219E76}"/>
+              </a:ext>
+            </a:extLst>
+          </p:cNvPr>
+          <p:cNvSpPr txBox="1"/>
+          <p:nvPr/>
+        </p:nvSpPr>
+        <p:spPr>
+          <a:xfrm>
+            <a:off x="6902324" y="2302141"/>
+            <a:ext cx="320922" cy="338554"/>
+          </a:xfrm>
+          <a:prstGeom prst="rect">
+            <a:avLst/>
+          </a:prstGeom>
+          <a:noFill/>
+        </p:spPr>
+        <p:txBody>
+          <a:bodyPr wrap="none" rtlCol="0">
+            <a:spAutoFit/>
+          </a:bodyPr>
+          <a:lstStyle/>
+          <a:p>
+            <a:r>
+              <a:rPr lang="en-US" dirty="0"/>
+              <a:t>P</a:t>
+            </a:r>
+          </a:p>
+        </p:txBody>
+      </p:sp>
+    </p:spTree>
+    <p:extLst>
+      <p:ext uri="{BB962C8B-B14F-4D97-AF65-F5344CB8AC3E}">
+        <p14:creationId xmlns:p14="http://schemas.microsoft.com/office/powerpoint/2010/main" val="652837479"/>
+      </p:ext>
+    </p:extLst>
+  </p:cSld>
+  <p:clrMapOvr>
+    <a:masterClrMapping/>
+  </p:clrMapOvr>
+</p:sld>
+</file>
+
+<file path=ppt/slides/slide45.xml><?xml version="1.0" encoding="utf-8"?>
+<p:sld xmlns:a="http://schemas.openxmlformats.org/drawingml/2006/main" xmlns:r="http://schemas.openxmlformats.org/officeDocument/2006/relationships" xmlns:p="http://schemas.openxmlformats.org/presentationml/2006/main">
+  <p:cSld>
+    <p:spTree>
+      <p:nvGrpSpPr>
+        <p:cNvPr id="1" name="">
+          <a:extLst>
+            <a:ext uri="{FF2B5EF4-FFF2-40B4-BE49-F238E27FC236}">
+              <a16:creationId xmlns:a16="http://schemas.microsoft.com/office/drawing/2014/main" id="{E50452F1-2B2F-9349-C989-0C46D70DAF71}"/>
+            </a:ext>
+          </a:extLst>
+        </p:cNvPr>
+        <p:cNvGrpSpPr/>
+        <p:nvPr/>
+      </p:nvGrpSpPr>
+      <p:grpSpPr>
+        <a:xfrm>
+          <a:off x="0" y="0"/>
+          <a:ext cx="0" cy="0"/>
+          <a:chOff x="0" y="0"/>
+          <a:chExt cx="0" cy="0"/>
+        </a:xfrm>
+      </p:grpSpPr>
+      <p:grpSp>
+        <p:nvGrpSpPr>
+          <p:cNvPr id="79" name="Group 78">
+            <a:extLst>
+              <a:ext uri="{FF2B5EF4-FFF2-40B4-BE49-F238E27FC236}">
+                <a16:creationId xmlns:a16="http://schemas.microsoft.com/office/drawing/2014/main" id="{5975B73F-59A9-CDA4-A7F2-0D2FAD3EEAF5}"/>
+              </a:ext>
+            </a:extLst>
+          </p:cNvPr>
+          <p:cNvGrpSpPr/>
+          <p:nvPr/>
+        </p:nvGrpSpPr>
+        <p:grpSpPr>
+          <a:xfrm>
+            <a:off x="4938482" y="2002905"/>
+            <a:ext cx="2810385" cy="2782523"/>
+            <a:chOff x="1160060" y="2013044"/>
+            <a:chExt cx="2810385" cy="2782523"/>
+          </a:xfrm>
+        </p:grpSpPr>
+        <p:sp>
+          <p:nvSpPr>
+            <p:cNvPr id="69" name="Oval 68">
+              <a:extLst>
+                <a:ext uri="{FF2B5EF4-FFF2-40B4-BE49-F238E27FC236}">
+                  <a16:creationId xmlns:a16="http://schemas.microsoft.com/office/drawing/2014/main" id="{10FDEA6F-D10D-87FE-FF44-9261124D1EB2}"/>
+                </a:ext>
+              </a:extLst>
+            </p:cNvPr>
+            <p:cNvSpPr>
+              <a:spLocks noChangeArrowheads="1"/>
+            </p:cNvSpPr>
+            <p:nvPr/>
+          </p:nvSpPr>
+          <p:spPr bwMode="auto">
+            <a:xfrm>
+              <a:off x="1201003" y="2013044"/>
+              <a:ext cx="2756806" cy="2782523"/>
+            </a:xfrm>
+            <a:prstGeom prst="ellipse">
+              <a:avLst/>
+            </a:prstGeom>
+            <a:solidFill>
+              <a:srgbClr val="FFC000"/>
+            </a:solidFill>
+            <a:ln w="9525">
+              <a:noFill/>
+              <a:round/>
+              <a:headEnd/>
+              <a:tailEnd/>
+            </a:ln>
+          </p:spPr>
+          <p:txBody>
+            <a:bodyPr wrap="none" anchor="ctr"/>
+            <a:lstStyle/>
+            <a:p>
+              <a:pPr algn="ctr"/>
+              <a:endParaRPr lang="en-US" sz="1400">
+                <a:solidFill>
+                  <a:srgbClr val="FF9933"/>
+                </a:solidFill>
+              </a:endParaRPr>
+            </a:p>
+          </p:txBody>
+        </p:sp>
+        <p:sp>
+          <p:nvSpPr>
+            <p:cNvPr id="70" name="Freeform 4">
+              <a:extLst>
+                <a:ext uri="{FF2B5EF4-FFF2-40B4-BE49-F238E27FC236}">
+                  <a16:creationId xmlns:a16="http://schemas.microsoft.com/office/drawing/2014/main" id="{6A2B1B4E-ED42-0EFD-5210-5C3C45B0D2E7}"/>
+                </a:ext>
+              </a:extLst>
+            </p:cNvPr>
+            <p:cNvSpPr>
+              <a:spLocks/>
+            </p:cNvSpPr>
+            <p:nvPr/>
+          </p:nvSpPr>
+          <p:spPr bwMode="auto">
+            <a:xfrm rot="20672327">
+              <a:off x="2504365" y="3947614"/>
+              <a:ext cx="1371600" cy="469900"/>
+            </a:xfrm>
+            <a:custGeom>
+              <a:avLst/>
+              <a:gdLst>
+                <a:gd name="T0" fmla="*/ 4 w 1216"/>
+                <a:gd name="T1" fmla="*/ 88 h 584"/>
+                <a:gd name="T2" fmla="*/ 222 w 1216"/>
+                <a:gd name="T3" fmla="*/ 150 h 584"/>
+                <a:gd name="T4" fmla="*/ 513 w 1216"/>
+                <a:gd name="T5" fmla="*/ 88 h 584"/>
+                <a:gd name="T6" fmla="*/ 610 w 1216"/>
+                <a:gd name="T7" fmla="*/ 2 h 584"/>
+                <a:gd name="T8" fmla="*/ 489 w 1216"/>
+                <a:gd name="T9" fmla="*/ 76 h 584"/>
+                <a:gd name="T10" fmla="*/ 247 w 1216"/>
+                <a:gd name="T11" fmla="*/ 125 h 584"/>
+                <a:gd name="T12" fmla="*/ 4 w 1216"/>
+                <a:gd name="T13" fmla="*/ 88 h 584"/>
+                <a:gd name="T14" fmla="*/ 0 60000 65536"/>
+                <a:gd name="T15" fmla="*/ 0 60000 65536"/>
+                <a:gd name="T16" fmla="*/ 0 60000 65536"/>
+                <a:gd name="T17" fmla="*/ 0 60000 65536"/>
+                <a:gd name="T18" fmla="*/ 0 60000 65536"/>
+                <a:gd name="T19" fmla="*/ 0 60000 65536"/>
+                <a:gd name="T20" fmla="*/ 0 60000 65536"/>
+                <a:gd name="T21" fmla="*/ 0 w 1216"/>
+                <a:gd name="T22" fmla="*/ 0 h 584"/>
+                <a:gd name="T23" fmla="*/ 1216 w 1216"/>
+                <a:gd name="T24" fmla="*/ 584 h 584"/>
+              </a:gdLst>
+              <a:ahLst/>
+              <a:cxnLst>
+                <a:cxn ang="T14">
+                  <a:pos x="T0" y="T1"/>
+                </a:cxn>
+                <a:cxn ang="T15">
+                  <a:pos x="T2" y="T3"/>
+                </a:cxn>
+                <a:cxn ang="T16">
+                  <a:pos x="T4" y="T5"/>
+                </a:cxn>
+                <a:cxn ang="T17">
+                  <a:pos x="T6" y="T7"/>
+                </a:cxn>
+                <a:cxn ang="T18">
+                  <a:pos x="T8" y="T9"/>
+                </a:cxn>
+                <a:cxn ang="T19">
+                  <a:pos x="T10" y="T11"/>
+                </a:cxn>
+                <a:cxn ang="T20">
+                  <a:pos x="T12" y="T13"/>
+                </a:cxn>
+              </a:cxnLst>
+              <a:rect l="T21" t="T22" r="T23" b="T24"/>
+              <a:pathLst>
+                <a:path w="1216" h="584">
+                  <a:moveTo>
+                    <a:pt x="8" y="344"/>
+                  </a:moveTo>
+                  <a:cubicBezTo>
+                    <a:pt x="0" y="360"/>
+                    <a:pt x="272" y="584"/>
+                    <a:pt x="440" y="584"/>
+                  </a:cubicBezTo>
+                  <a:cubicBezTo>
+                    <a:pt x="608" y="584"/>
+                    <a:pt x="888" y="440"/>
+                    <a:pt x="1016" y="344"/>
+                  </a:cubicBezTo>
+                  <a:cubicBezTo>
+                    <a:pt x="1144" y="248"/>
+                    <a:pt x="1216" y="16"/>
+                    <a:pt x="1208" y="8"/>
+                  </a:cubicBezTo>
+                  <a:cubicBezTo>
+                    <a:pt x="1200" y="0"/>
+                    <a:pt x="1088" y="216"/>
+                    <a:pt x="968" y="296"/>
+                  </a:cubicBezTo>
+                  <a:cubicBezTo>
+                    <a:pt x="848" y="376"/>
+                    <a:pt x="648" y="480"/>
+                    <a:pt x="488" y="488"/>
+                  </a:cubicBezTo>
+                  <a:cubicBezTo>
+                    <a:pt x="328" y="496"/>
+                    <a:pt x="16" y="328"/>
+                    <a:pt x="8" y="344"/>
+                  </a:cubicBezTo>
+                  <a:close/>
+                </a:path>
+              </a:pathLst>
+            </a:custGeom>
+            <a:solidFill>
+              <a:srgbClr val="FFFFFF"/>
+            </a:solidFill>
+            <a:ln w="9525">
+              <a:noFill/>
+              <a:round/>
+              <a:headEnd/>
+              <a:tailEnd/>
+            </a:ln>
+          </p:spPr>
+          <p:txBody>
+            <a:bodyPr/>
+            <a:lstStyle/>
+            <a:p>
+              <a:endParaRPr lang="en-US" sz="1200">
+                <a:solidFill>
+                  <a:srgbClr val="FF9933"/>
+                </a:solidFill>
+              </a:endParaRPr>
+            </a:p>
+          </p:txBody>
+        </p:sp>
+        <p:sp>
+          <p:nvSpPr>
+            <p:cNvPr id="71" name="TextBox 70">
+              <a:extLst>
+                <a:ext uri="{FF2B5EF4-FFF2-40B4-BE49-F238E27FC236}">
+                  <a16:creationId xmlns:a16="http://schemas.microsoft.com/office/drawing/2014/main" id="{A2F2109D-04BE-B2DE-7C7E-F26D3BFCC78F}"/>
+                </a:ext>
+              </a:extLst>
+            </p:cNvPr>
+            <p:cNvSpPr txBox="1"/>
+            <p:nvPr/>
+          </p:nvSpPr>
+          <p:spPr>
+            <a:xfrm>
+              <a:off x="1160060" y="3179928"/>
+              <a:ext cx="2810385" cy="461665"/>
+            </a:xfrm>
+            <a:prstGeom prst="rect">
+              <a:avLst/>
+            </a:prstGeom>
+            <a:noFill/>
+          </p:spPr>
+          <p:txBody>
+            <a:bodyPr wrap="none" rtlCol="0">
+              <a:spAutoFit/>
+            </a:bodyPr>
+            <a:lstStyle/>
+            <a:p>
+              <a:r>
+                <a:rPr lang="en-US" sz="2400" dirty="0">
+                  <a:solidFill>
+                    <a:srgbClr val="FF9933"/>
+                  </a:solidFill>
+                </a:rPr>
+                <a:t>+  +  +  +  +  +  +  +</a:t>
+              </a:r>
+            </a:p>
+          </p:txBody>
+        </p:sp>
+        <p:sp>
+          <p:nvSpPr>
+            <p:cNvPr id="72" name="TextBox 71">
+              <a:extLst>
+                <a:ext uri="{FF2B5EF4-FFF2-40B4-BE49-F238E27FC236}">
+                  <a16:creationId xmlns:a16="http://schemas.microsoft.com/office/drawing/2014/main" id="{FA524118-C69F-DD60-CEB9-8C7BB9A34BAE}"/>
+                </a:ext>
+              </a:extLst>
+            </p:cNvPr>
+            <p:cNvSpPr txBox="1"/>
+            <p:nvPr/>
+          </p:nvSpPr>
+          <p:spPr>
+            <a:xfrm>
+              <a:off x="1380698" y="2718179"/>
+              <a:ext cx="2460930" cy="461665"/>
+            </a:xfrm>
+            <a:prstGeom prst="rect">
+              <a:avLst/>
+            </a:prstGeom>
+            <a:noFill/>
+          </p:spPr>
+          <p:txBody>
+            <a:bodyPr wrap="none" rtlCol="0">
+              <a:spAutoFit/>
+            </a:bodyPr>
+            <a:lstStyle/>
+            <a:p>
+              <a:r>
+                <a:rPr lang="en-US" sz="2400" dirty="0">
+                  <a:solidFill>
+                    <a:srgbClr val="FF9933"/>
+                  </a:solidFill>
+                </a:rPr>
+                <a:t>+  +  +  +  +  +  +</a:t>
+              </a:r>
+            </a:p>
+          </p:txBody>
+        </p:sp>
+        <p:sp>
+          <p:nvSpPr>
+            <p:cNvPr id="73" name="TextBox 72">
+              <a:extLst>
+                <a:ext uri="{FF2B5EF4-FFF2-40B4-BE49-F238E27FC236}">
+                  <a16:creationId xmlns:a16="http://schemas.microsoft.com/office/drawing/2014/main" id="{C04FD525-7F2E-1C77-D609-55EDD5F82FF1}"/>
+                </a:ext>
+              </a:extLst>
+            </p:cNvPr>
+            <p:cNvSpPr txBox="1"/>
+            <p:nvPr/>
+          </p:nvSpPr>
+          <p:spPr>
+            <a:xfrm>
+              <a:off x="1355677" y="3566615"/>
+              <a:ext cx="2460930" cy="461665"/>
+            </a:xfrm>
+            <a:prstGeom prst="rect">
+              <a:avLst/>
+            </a:prstGeom>
+            <a:noFill/>
+          </p:spPr>
+          <p:txBody>
+            <a:bodyPr wrap="none" rtlCol="0">
+              <a:spAutoFit/>
+            </a:bodyPr>
+            <a:lstStyle/>
+            <a:p>
+              <a:r>
+                <a:rPr lang="en-US" sz="2400" dirty="0">
+                  <a:solidFill>
+                    <a:srgbClr val="FF9933"/>
+                  </a:solidFill>
+                </a:rPr>
+                <a:t>+  +  +  +  +  +  +</a:t>
+              </a:r>
+            </a:p>
+          </p:txBody>
+        </p:sp>
+        <p:sp>
+          <p:nvSpPr>
+            <p:cNvPr id="74" name="TextBox 73">
+              <a:extLst>
+                <a:ext uri="{FF2B5EF4-FFF2-40B4-BE49-F238E27FC236}">
+                  <a16:creationId xmlns:a16="http://schemas.microsoft.com/office/drawing/2014/main" id="{C51AE546-4D81-7EEC-3F52-3A6875872E5B}"/>
+                </a:ext>
+              </a:extLst>
+            </p:cNvPr>
+            <p:cNvSpPr txBox="1"/>
+            <p:nvPr/>
+          </p:nvSpPr>
+          <p:spPr>
+            <a:xfrm>
+              <a:off x="1603611" y="3937379"/>
+              <a:ext cx="2111475" cy="461665"/>
+            </a:xfrm>
+            <a:prstGeom prst="rect">
+              <a:avLst/>
+            </a:prstGeom>
+            <a:noFill/>
+          </p:spPr>
+          <p:txBody>
+            <a:bodyPr wrap="none" rtlCol="0">
+              <a:spAutoFit/>
+            </a:bodyPr>
+            <a:lstStyle/>
+            <a:p>
+              <a:r>
+                <a:rPr lang="en-US" sz="2400" dirty="0">
+                  <a:solidFill>
+                    <a:srgbClr val="FF9933"/>
+                  </a:solidFill>
+                </a:rPr>
+                <a:t>+  +  +  +  +  +</a:t>
+              </a:r>
+            </a:p>
+          </p:txBody>
+        </p:sp>
+        <p:sp>
+          <p:nvSpPr>
+            <p:cNvPr id="75" name="TextBox 74">
+              <a:extLst>
+                <a:ext uri="{FF2B5EF4-FFF2-40B4-BE49-F238E27FC236}">
+                  <a16:creationId xmlns:a16="http://schemas.microsoft.com/office/drawing/2014/main" id="{C912E34B-5324-D3DD-9DE1-3B35F3A62946}"/>
+                </a:ext>
+              </a:extLst>
+            </p:cNvPr>
+            <p:cNvSpPr txBox="1"/>
+            <p:nvPr/>
+          </p:nvSpPr>
+          <p:spPr>
+            <a:xfrm>
+              <a:off x="1633181" y="2356513"/>
+              <a:ext cx="2111475" cy="461665"/>
+            </a:xfrm>
+            <a:prstGeom prst="rect">
+              <a:avLst/>
+            </a:prstGeom>
+            <a:noFill/>
+          </p:spPr>
+          <p:txBody>
+            <a:bodyPr wrap="none" rtlCol="0">
+              <a:spAutoFit/>
+            </a:bodyPr>
+            <a:lstStyle/>
+            <a:p>
+              <a:r>
+                <a:rPr lang="en-US" sz="2400" dirty="0">
+                  <a:solidFill>
+                    <a:srgbClr val="FF9933"/>
+                  </a:solidFill>
+                </a:rPr>
+                <a:t>+  +  +  +  +  +</a:t>
+              </a:r>
+            </a:p>
+          </p:txBody>
+        </p:sp>
+        <p:sp>
+          <p:nvSpPr>
+            <p:cNvPr id="76" name="TextBox 75">
+              <a:extLst>
+                <a:ext uri="{FF2B5EF4-FFF2-40B4-BE49-F238E27FC236}">
+                  <a16:creationId xmlns:a16="http://schemas.microsoft.com/office/drawing/2014/main" id="{562909E3-72BF-0E3A-BA6F-315D4ECE01DE}"/>
+                </a:ext>
+              </a:extLst>
+            </p:cNvPr>
+            <p:cNvSpPr txBox="1"/>
+            <p:nvPr/>
+          </p:nvSpPr>
+          <p:spPr>
+            <a:xfrm>
+              <a:off x="1935706" y="2031241"/>
+              <a:ext cx="1412566" cy="461665"/>
+            </a:xfrm>
+            <a:prstGeom prst="rect">
+              <a:avLst/>
+            </a:prstGeom>
+            <a:noFill/>
+          </p:spPr>
+          <p:txBody>
+            <a:bodyPr wrap="none" rtlCol="0">
+              <a:spAutoFit/>
+            </a:bodyPr>
+            <a:lstStyle/>
+            <a:p>
+              <a:r>
+                <a:rPr lang="en-US" sz="2400" dirty="0">
+                  <a:solidFill>
+                    <a:srgbClr val="FF9933"/>
+                  </a:solidFill>
+                </a:rPr>
+                <a:t>+  +  +  +</a:t>
+              </a:r>
+            </a:p>
+          </p:txBody>
+        </p:sp>
+        <p:sp>
+          <p:nvSpPr>
+            <p:cNvPr id="77" name="TextBox 76">
+              <a:extLst>
+                <a:ext uri="{FF2B5EF4-FFF2-40B4-BE49-F238E27FC236}">
+                  <a16:creationId xmlns:a16="http://schemas.microsoft.com/office/drawing/2014/main" id="{EB3E4D1B-1BB4-B6E9-F500-714883810743}"/>
+                </a:ext>
+              </a:extLst>
+            </p:cNvPr>
+            <p:cNvSpPr txBox="1"/>
+            <p:nvPr/>
+          </p:nvSpPr>
+          <p:spPr>
+            <a:xfrm>
+              <a:off x="1978924" y="4299044"/>
+              <a:ext cx="1412566" cy="461665"/>
+            </a:xfrm>
+            <a:prstGeom prst="rect">
+              <a:avLst/>
+            </a:prstGeom>
+            <a:noFill/>
+          </p:spPr>
+          <p:txBody>
+            <a:bodyPr wrap="none" rtlCol="0">
+              <a:spAutoFit/>
+            </a:bodyPr>
+            <a:lstStyle/>
+            <a:p>
+              <a:r>
+                <a:rPr lang="en-US" sz="2400" dirty="0">
+                  <a:solidFill>
+                    <a:srgbClr val="FF9933"/>
+                  </a:solidFill>
+                </a:rPr>
+                <a:t>+  +  +  +</a:t>
+              </a:r>
+            </a:p>
+          </p:txBody>
+        </p:sp>
+      </p:grpSp>
+      <p:sp>
+        <p:nvSpPr>
+          <p:cNvPr id="41" name="Freeform 23">
+            <a:extLst>
+              <a:ext uri="{FF2B5EF4-FFF2-40B4-BE49-F238E27FC236}">
+                <a16:creationId xmlns:a16="http://schemas.microsoft.com/office/drawing/2014/main" id="{020FDD99-BDAE-03B2-B1B6-7BE7BB5172FE}"/>
+              </a:ext>
+            </a:extLst>
+          </p:cNvPr>
+          <p:cNvSpPr>
+            <a:spLocks/>
+          </p:cNvSpPr>
+          <p:nvPr/>
+        </p:nvSpPr>
+        <p:spPr bwMode="auto">
+          <a:xfrm rot="3283163">
+            <a:off x="5475157" y="1884753"/>
+            <a:ext cx="935037" cy="215900"/>
+          </a:xfrm>
+          <a:custGeom>
+            <a:avLst/>
+            <a:gdLst/>
+            <a:ahLst/>
+            <a:cxnLst>
+              <a:cxn ang="0">
+                <a:pos x="558" y="228"/>
+              </a:cxn>
+              <a:cxn ang="0">
+                <a:pos x="329" y="73"/>
+              </a:cxn>
+              <a:cxn ang="0">
+                <a:pos x="338" y="201"/>
+              </a:cxn>
+              <a:cxn ang="0">
+                <a:pos x="0" y="0"/>
+              </a:cxn>
+            </a:cxnLst>
+            <a:rect l="0" t="0" r="r" b="b"/>
+            <a:pathLst>
+              <a:path w="558" h="228">
+                <a:moveTo>
+                  <a:pt x="558" y="228"/>
+                </a:moveTo>
+                <a:cubicBezTo>
+                  <a:pt x="462" y="152"/>
+                  <a:pt x="366" y="77"/>
+                  <a:pt x="329" y="73"/>
+                </a:cubicBezTo>
+                <a:cubicBezTo>
+                  <a:pt x="292" y="69"/>
+                  <a:pt x="393" y="213"/>
+                  <a:pt x="338" y="201"/>
+                </a:cubicBezTo>
+                <a:cubicBezTo>
+                  <a:pt x="283" y="189"/>
+                  <a:pt x="141" y="94"/>
+                  <a:pt x="0" y="0"/>
+                </a:cubicBezTo>
+              </a:path>
+            </a:pathLst>
+          </a:custGeom>
+          <a:noFill/>
+          <a:ln w="9525" cap="flat" cmpd="sng">
+            <a:solidFill>
+              <a:schemeClr val="tx1"/>
+            </a:solidFill>
+            <a:prstDash val="solid"/>
+            <a:miter lim="800000"/>
+            <a:headEnd type="triangle" w="med" len="med"/>
+            <a:tailEnd type="none" w="med" len="med"/>
+          </a:ln>
+          <a:effectLst/>
+        </p:spPr>
+        <p:txBody>
+          <a:bodyPr wrap="none"/>
+          <a:lstStyle/>
+          <a:p>
+            <a:endParaRPr lang="en-US"/>
+          </a:p>
+        </p:txBody>
+      </p:sp>
+      <p:sp>
+        <p:nvSpPr>
+          <p:cNvPr id="42" name="Text Box 24">
+            <a:extLst>
+              <a:ext uri="{FF2B5EF4-FFF2-40B4-BE49-F238E27FC236}">
+                <a16:creationId xmlns:a16="http://schemas.microsoft.com/office/drawing/2014/main" id="{C72A8034-EF62-C34B-31BF-41FEB05810E0}"/>
+              </a:ext>
+            </a:extLst>
+          </p:cNvPr>
+          <p:cNvSpPr txBox="1">
+            <a:spLocks noChangeArrowheads="1"/>
+          </p:cNvSpPr>
+          <p:nvPr/>
+        </p:nvSpPr>
+        <p:spPr bwMode="auto">
+          <a:xfrm>
+            <a:off x="4489843" y="1195482"/>
+            <a:ext cx="2473325" cy="336550"/>
+          </a:xfrm>
+          <a:prstGeom prst="rect">
+            <a:avLst/>
+          </a:prstGeom>
+          <a:noFill/>
+          <a:ln w="9525">
+            <a:noFill/>
+            <a:miter lim="800000"/>
+            <a:headEnd/>
+            <a:tailEnd/>
+          </a:ln>
+          <a:effectLst/>
+        </p:spPr>
+        <p:txBody>
+          <a:bodyPr wrap="none">
+            <a:spAutoFit/>
+          </a:bodyPr>
+          <a:lstStyle/>
+          <a:p>
+            <a:r>
+              <a:rPr lang="en-US" dirty="0"/>
+              <a:t>Spherical Closed Surface</a:t>
+            </a:r>
+          </a:p>
+        </p:txBody>
+      </p:sp>
+      <p:sp>
+        <p:nvSpPr>
+          <p:cNvPr id="43" name="Oval 4">
+            <a:extLst>
+              <a:ext uri="{FF2B5EF4-FFF2-40B4-BE49-F238E27FC236}">
+                <a16:creationId xmlns:a16="http://schemas.microsoft.com/office/drawing/2014/main" id="{65758A64-8C04-FF1A-2B2F-3ED647170C79}"/>
+              </a:ext>
+            </a:extLst>
+          </p:cNvPr>
+          <p:cNvSpPr>
+            <a:spLocks noChangeArrowheads="1"/>
+          </p:cNvSpPr>
+          <p:nvPr/>
+        </p:nvSpPr>
+        <p:spPr bwMode="auto">
+          <a:xfrm>
+            <a:off x="5335643" y="2407195"/>
+            <a:ext cx="2052571" cy="2015082"/>
+          </a:xfrm>
+          <a:prstGeom prst="ellipse">
+            <a:avLst/>
+          </a:prstGeom>
+          <a:noFill/>
+          <a:ln w="9525">
+            <a:solidFill>
+              <a:schemeClr val="tx1"/>
+            </a:solidFill>
+            <a:prstDash val="lgDash"/>
+            <a:miter lim="800000"/>
+            <a:headEnd/>
+            <a:tailEnd/>
+          </a:ln>
+          <a:effectLst/>
+        </p:spPr>
+        <p:txBody>
+          <a:bodyPr wrap="none" anchor="ctr"/>
+          <a:lstStyle/>
+          <a:p>
+            <a:endParaRPr lang="en-US"/>
+          </a:p>
+        </p:txBody>
+      </p:sp>
+      <p:sp>
+        <p:nvSpPr>
+          <p:cNvPr id="60" name="TextBox 59">
+            <a:extLst>
+              <a:ext uri="{FF2B5EF4-FFF2-40B4-BE49-F238E27FC236}">
+                <a16:creationId xmlns:a16="http://schemas.microsoft.com/office/drawing/2014/main" id="{560958B1-0660-7AFA-D4BE-7C96AE7F2B6D}"/>
+              </a:ext>
+            </a:extLst>
+          </p:cNvPr>
+          <p:cNvSpPr txBox="1"/>
+          <p:nvPr/>
+        </p:nvSpPr>
+        <p:spPr>
+          <a:xfrm>
+            <a:off x="5631665" y="2893367"/>
+            <a:ext cx="356188" cy="400110"/>
+          </a:xfrm>
+          <a:prstGeom prst="rect">
+            <a:avLst/>
+          </a:prstGeom>
+          <a:noFill/>
+        </p:spPr>
+        <p:txBody>
+          <a:bodyPr wrap="none" rtlCol="0">
+            <a:spAutoFit/>
+          </a:bodyPr>
+          <a:lstStyle/>
+          <a:p>
+            <a:r>
+              <a:rPr lang="en-US" sz="2000" dirty="0">
+                <a:solidFill>
+                  <a:srgbClr val="FF3300"/>
+                </a:solidFill>
+              </a:rPr>
+              <a:t>E</a:t>
+            </a:r>
+            <a:endParaRPr lang="en-US" dirty="0">
+              <a:solidFill>
+                <a:srgbClr val="FF3300"/>
+              </a:solidFill>
+            </a:endParaRPr>
+          </a:p>
+        </p:txBody>
+      </p:sp>
+      <p:sp>
+        <p:nvSpPr>
+          <p:cNvPr id="61" name="TextBox 60">
+            <a:extLst>
+              <a:ext uri="{FF2B5EF4-FFF2-40B4-BE49-F238E27FC236}">
+                <a16:creationId xmlns:a16="http://schemas.microsoft.com/office/drawing/2014/main" id="{B5AF10C4-5354-23EE-44CC-50239FF87F0B}"/>
+              </a:ext>
+            </a:extLst>
+          </p:cNvPr>
+          <p:cNvSpPr txBox="1"/>
+          <p:nvPr/>
+        </p:nvSpPr>
+        <p:spPr>
+          <a:xfrm>
+            <a:off x="5576279" y="3382909"/>
+            <a:ext cx="356188" cy="400110"/>
+          </a:xfrm>
+          <a:prstGeom prst="rect">
+            <a:avLst/>
+          </a:prstGeom>
+          <a:noFill/>
+        </p:spPr>
+        <p:txBody>
+          <a:bodyPr wrap="none" rtlCol="0">
+            <a:spAutoFit/>
+          </a:bodyPr>
+          <a:lstStyle/>
+          <a:p>
+            <a:r>
+              <a:rPr lang="en-US" sz="2000" dirty="0">
+                <a:solidFill>
+                  <a:srgbClr val="FF3300"/>
+                </a:solidFill>
+              </a:rPr>
+              <a:t>E</a:t>
+            </a:r>
+            <a:endParaRPr lang="en-US" dirty="0">
+              <a:solidFill>
+                <a:srgbClr val="FF3300"/>
+              </a:solidFill>
+            </a:endParaRPr>
+          </a:p>
+        </p:txBody>
+      </p:sp>
+      <p:sp>
+        <p:nvSpPr>
+          <p:cNvPr id="62" name="TextBox 61">
+            <a:extLst>
+              <a:ext uri="{FF2B5EF4-FFF2-40B4-BE49-F238E27FC236}">
+                <a16:creationId xmlns:a16="http://schemas.microsoft.com/office/drawing/2014/main" id="{FADE214A-ABCB-266E-FC19-B4E419D00BE2}"/>
+              </a:ext>
+            </a:extLst>
+          </p:cNvPr>
+          <p:cNvSpPr txBox="1"/>
+          <p:nvPr/>
+        </p:nvSpPr>
+        <p:spPr>
+          <a:xfrm>
+            <a:off x="5893452" y="3731845"/>
+            <a:ext cx="356188" cy="400110"/>
+          </a:xfrm>
+          <a:prstGeom prst="rect">
+            <a:avLst/>
+          </a:prstGeom>
+          <a:noFill/>
+        </p:spPr>
+        <p:txBody>
+          <a:bodyPr wrap="none" rtlCol="0">
+            <a:spAutoFit/>
+          </a:bodyPr>
+          <a:lstStyle/>
+          <a:p>
+            <a:r>
+              <a:rPr lang="en-US" sz="2000" dirty="0">
+                <a:solidFill>
+                  <a:srgbClr val="FF3300"/>
+                </a:solidFill>
+              </a:rPr>
+              <a:t>E</a:t>
+            </a:r>
+            <a:endParaRPr lang="en-US" dirty="0">
+              <a:solidFill>
+                <a:srgbClr val="FF3300"/>
+              </a:solidFill>
+            </a:endParaRPr>
+          </a:p>
+        </p:txBody>
+      </p:sp>
+      <p:sp>
+        <p:nvSpPr>
+          <p:cNvPr id="63" name="TextBox 62">
+            <a:extLst>
+              <a:ext uri="{FF2B5EF4-FFF2-40B4-BE49-F238E27FC236}">
+                <a16:creationId xmlns:a16="http://schemas.microsoft.com/office/drawing/2014/main" id="{EA73CC83-01B0-F82E-3519-5510926B2671}"/>
+              </a:ext>
+            </a:extLst>
+          </p:cNvPr>
+          <p:cNvSpPr txBox="1"/>
+          <p:nvPr/>
+        </p:nvSpPr>
+        <p:spPr>
+          <a:xfrm>
+            <a:off x="6303431" y="3892030"/>
+            <a:ext cx="356188" cy="400110"/>
+          </a:xfrm>
+          <a:prstGeom prst="rect">
+            <a:avLst/>
+          </a:prstGeom>
+          <a:noFill/>
+        </p:spPr>
+        <p:txBody>
+          <a:bodyPr wrap="none" rtlCol="0">
+            <a:spAutoFit/>
+          </a:bodyPr>
+          <a:lstStyle/>
+          <a:p>
+            <a:r>
+              <a:rPr lang="en-US" sz="2000" dirty="0">
+                <a:solidFill>
+                  <a:srgbClr val="FF3300"/>
+                </a:solidFill>
+              </a:rPr>
+              <a:t>E</a:t>
+            </a:r>
+            <a:endParaRPr lang="en-US" dirty="0">
+              <a:solidFill>
+                <a:srgbClr val="FF3300"/>
+              </a:solidFill>
+            </a:endParaRPr>
+          </a:p>
+        </p:txBody>
+      </p:sp>
+      <p:sp>
+        <p:nvSpPr>
+          <p:cNvPr id="64" name="TextBox 63">
+            <a:extLst>
+              <a:ext uri="{FF2B5EF4-FFF2-40B4-BE49-F238E27FC236}">
+                <a16:creationId xmlns:a16="http://schemas.microsoft.com/office/drawing/2014/main" id="{32FA83CC-B26D-AEBA-AB2F-6A5882AAB58A}"/>
+              </a:ext>
+            </a:extLst>
+          </p:cNvPr>
+          <p:cNvSpPr txBox="1"/>
+          <p:nvPr/>
+        </p:nvSpPr>
+        <p:spPr>
+          <a:xfrm>
+            <a:off x="6700562" y="3575459"/>
+            <a:ext cx="356188" cy="400110"/>
+          </a:xfrm>
+          <a:prstGeom prst="rect">
+            <a:avLst/>
+          </a:prstGeom>
+          <a:noFill/>
+        </p:spPr>
+        <p:txBody>
+          <a:bodyPr wrap="none" rtlCol="0">
+            <a:spAutoFit/>
+          </a:bodyPr>
+          <a:lstStyle/>
+          <a:p>
+            <a:r>
+              <a:rPr lang="en-US" sz="2000" dirty="0">
+                <a:solidFill>
+                  <a:srgbClr val="FF3300"/>
+                </a:solidFill>
+              </a:rPr>
+              <a:t>E</a:t>
+            </a:r>
+            <a:endParaRPr lang="en-US" dirty="0">
+              <a:solidFill>
+                <a:srgbClr val="FF3300"/>
+              </a:solidFill>
+            </a:endParaRPr>
+          </a:p>
+        </p:txBody>
+      </p:sp>
+      <p:sp>
+        <p:nvSpPr>
+          <p:cNvPr id="65" name="TextBox 64">
+            <a:extLst>
+              <a:ext uri="{FF2B5EF4-FFF2-40B4-BE49-F238E27FC236}">
+                <a16:creationId xmlns:a16="http://schemas.microsoft.com/office/drawing/2014/main" id="{43157B9D-20C2-4E2E-D805-390EEC58DC3E}"/>
+              </a:ext>
+            </a:extLst>
+          </p:cNvPr>
+          <p:cNvSpPr txBox="1"/>
+          <p:nvPr/>
+        </p:nvSpPr>
+        <p:spPr>
+          <a:xfrm>
+            <a:off x="6826309" y="3127671"/>
+            <a:ext cx="356188" cy="400110"/>
+          </a:xfrm>
+          <a:prstGeom prst="rect">
+            <a:avLst/>
+          </a:prstGeom>
+          <a:noFill/>
+        </p:spPr>
+        <p:txBody>
+          <a:bodyPr wrap="none" rtlCol="0">
+            <a:spAutoFit/>
+          </a:bodyPr>
+          <a:lstStyle/>
+          <a:p>
+            <a:r>
+              <a:rPr lang="en-US" sz="2000" dirty="0">
+                <a:solidFill>
+                  <a:srgbClr val="FF3300"/>
+                </a:solidFill>
+              </a:rPr>
+              <a:t>E</a:t>
+            </a:r>
+            <a:endParaRPr lang="en-US" dirty="0">
+              <a:solidFill>
+                <a:srgbClr val="FF3300"/>
+              </a:solidFill>
+            </a:endParaRPr>
+          </a:p>
+        </p:txBody>
+      </p:sp>
+      <p:sp>
+        <p:nvSpPr>
+          <p:cNvPr id="66" name="TextBox 65">
+            <a:extLst>
+              <a:ext uri="{FF2B5EF4-FFF2-40B4-BE49-F238E27FC236}">
+                <a16:creationId xmlns:a16="http://schemas.microsoft.com/office/drawing/2014/main" id="{7EF93E17-C66C-713B-E281-FA0046C4F748}"/>
+              </a:ext>
+            </a:extLst>
+          </p:cNvPr>
+          <p:cNvSpPr txBox="1"/>
+          <p:nvPr/>
+        </p:nvSpPr>
+        <p:spPr>
+          <a:xfrm>
+            <a:off x="6632247" y="2623974"/>
+            <a:ext cx="356188" cy="400110"/>
+          </a:xfrm>
+          <a:prstGeom prst="rect">
+            <a:avLst/>
+          </a:prstGeom>
+          <a:noFill/>
+        </p:spPr>
+        <p:txBody>
+          <a:bodyPr wrap="none" rtlCol="0">
+            <a:spAutoFit/>
+          </a:bodyPr>
+          <a:lstStyle/>
+          <a:p>
+            <a:r>
+              <a:rPr lang="en-US" sz="2000" dirty="0">
+                <a:solidFill>
+                  <a:srgbClr val="FF3300"/>
+                </a:solidFill>
+              </a:rPr>
+              <a:t>E</a:t>
+            </a:r>
+            <a:endParaRPr lang="en-US" dirty="0">
+              <a:solidFill>
+                <a:srgbClr val="FF3300"/>
+              </a:solidFill>
+            </a:endParaRPr>
+          </a:p>
+        </p:txBody>
+      </p:sp>
+      <p:sp>
+        <p:nvSpPr>
+          <p:cNvPr id="67" name="TextBox 66">
+            <a:extLst>
+              <a:ext uri="{FF2B5EF4-FFF2-40B4-BE49-F238E27FC236}">
+                <a16:creationId xmlns:a16="http://schemas.microsoft.com/office/drawing/2014/main" id="{E5497BAE-57BB-D9F7-12BE-B2C972F6C47B}"/>
+              </a:ext>
+            </a:extLst>
+          </p:cNvPr>
+          <p:cNvSpPr txBox="1"/>
+          <p:nvPr/>
+        </p:nvSpPr>
+        <p:spPr>
+          <a:xfrm>
+            <a:off x="6032999" y="2534540"/>
+            <a:ext cx="356188" cy="400110"/>
+          </a:xfrm>
+          <a:prstGeom prst="rect">
+            <a:avLst/>
+          </a:prstGeom>
+          <a:noFill/>
+        </p:spPr>
+        <p:txBody>
+          <a:bodyPr wrap="none" rtlCol="0">
+            <a:spAutoFit/>
+          </a:bodyPr>
+          <a:lstStyle/>
+          <a:p>
+            <a:r>
+              <a:rPr lang="en-US" sz="2000" dirty="0">
+                <a:solidFill>
+                  <a:srgbClr val="FF3300"/>
+                </a:solidFill>
+              </a:rPr>
+              <a:t>E</a:t>
+            </a:r>
+            <a:endParaRPr lang="en-US" dirty="0">
+              <a:solidFill>
+                <a:srgbClr val="FF3300"/>
+              </a:solidFill>
+            </a:endParaRPr>
+          </a:p>
+        </p:txBody>
+      </p:sp>
+      <p:grpSp>
+        <p:nvGrpSpPr>
+          <p:cNvPr id="85" name="Group 84">
+            <a:extLst>
+              <a:ext uri="{FF2B5EF4-FFF2-40B4-BE49-F238E27FC236}">
+                <a16:creationId xmlns:a16="http://schemas.microsoft.com/office/drawing/2014/main" id="{DD48E01B-7E4C-EC88-1F95-F2739948C4D4}"/>
+              </a:ext>
+            </a:extLst>
+          </p:cNvPr>
+          <p:cNvGrpSpPr/>
+          <p:nvPr/>
+        </p:nvGrpSpPr>
+        <p:grpSpPr>
+          <a:xfrm>
+            <a:off x="3973501" y="1024424"/>
+            <a:ext cx="4780623" cy="4780623"/>
+            <a:chOff x="3913119" y="1024424"/>
+            <a:chExt cx="4780623" cy="4780623"/>
+          </a:xfrm>
+        </p:grpSpPr>
+        <p:grpSp>
+          <p:nvGrpSpPr>
+            <p:cNvPr id="16" name="Group 15">
+              <a:extLst>
+                <a:ext uri="{FF2B5EF4-FFF2-40B4-BE49-F238E27FC236}">
+                  <a16:creationId xmlns:a16="http://schemas.microsoft.com/office/drawing/2014/main" id="{F8995746-947D-8280-C614-55BE233C2B5A}"/>
+                </a:ext>
+              </a:extLst>
+            </p:cNvPr>
+            <p:cNvGrpSpPr/>
+            <p:nvPr/>
+          </p:nvGrpSpPr>
+          <p:grpSpPr>
+            <a:xfrm rot="5400000">
+              <a:off x="3913119" y="3401242"/>
+              <a:ext cx="4780623" cy="26987"/>
+              <a:chOff x="4373696" y="3367088"/>
+              <a:chExt cx="4780623" cy="26987"/>
+            </a:xfrm>
+          </p:grpSpPr>
+          <p:cxnSp>
+            <p:nvCxnSpPr>
+              <p:cNvPr id="17" name="Straight Arrow Connector 16">
+                <a:extLst>
+                  <a:ext uri="{FF2B5EF4-FFF2-40B4-BE49-F238E27FC236}">
+                    <a16:creationId xmlns:a16="http://schemas.microsoft.com/office/drawing/2014/main" id="{5FFF6876-708D-F580-A6B8-4AF471254193}"/>
+                  </a:ext>
+                </a:extLst>
+              </p:cNvPr>
+              <p:cNvCxnSpPr>
+                <a:cxnSpLocks/>
+              </p:cNvCxnSpPr>
+              <p:nvPr/>
+            </p:nvCxnSpPr>
+            <p:spPr bwMode="auto">
+              <a:xfrm rot="10800000" flipV="1">
+                <a:off x="5545138" y="3367088"/>
+                <a:ext cx="823118" cy="0"/>
+              </a:xfrm>
+              <a:prstGeom prst="straightConnector1">
+                <a:avLst/>
+              </a:prstGeom>
+              <a:solidFill>
+                <a:schemeClr val="accent1"/>
+              </a:solidFill>
+              <a:ln w="28575" cap="flat" cmpd="sng" algn="ctr">
+                <a:solidFill>
+                  <a:srgbClr val="FF0000"/>
+                </a:solidFill>
+                <a:prstDash val="solid"/>
+                <a:miter lim="800000"/>
+                <a:headEnd type="none" w="med" len="med"/>
+                <a:tailEnd type="arrow"/>
+              </a:ln>
+              <a:effectLst/>
+            </p:spPr>
+          </p:cxnSp>
+          <p:cxnSp>
+            <p:nvCxnSpPr>
+              <p:cNvPr id="18" name="Straight Arrow Connector 17">
+                <a:extLst>
+                  <a:ext uri="{FF2B5EF4-FFF2-40B4-BE49-F238E27FC236}">
+                    <a16:creationId xmlns:a16="http://schemas.microsoft.com/office/drawing/2014/main" id="{9150C205-06A5-5392-F093-91A74445B3C8}"/>
+                  </a:ext>
+                </a:extLst>
+              </p:cNvPr>
+              <p:cNvCxnSpPr/>
+              <p:nvPr/>
+            </p:nvCxnSpPr>
+            <p:spPr bwMode="auto">
+              <a:xfrm flipH="1">
+                <a:off x="4373696" y="3384550"/>
+                <a:ext cx="888867" cy="0"/>
+              </a:xfrm>
+              <a:prstGeom prst="straightConnector1">
+                <a:avLst/>
+              </a:prstGeom>
+              <a:solidFill>
+                <a:schemeClr val="accent1"/>
+              </a:solidFill>
+              <a:ln w="28575" cap="flat" cmpd="sng" algn="ctr">
+                <a:solidFill>
+                  <a:srgbClr val="FF0000"/>
+                </a:solidFill>
+                <a:prstDash val="solid"/>
+                <a:miter lim="800000"/>
+                <a:headEnd type="none" w="med" len="med"/>
+                <a:tailEnd type="arrow"/>
+              </a:ln>
+              <a:effectLst/>
+            </p:spPr>
+          </p:cxnSp>
+          <p:cxnSp>
+            <p:nvCxnSpPr>
+              <p:cNvPr id="19" name="Straight Arrow Connector 18">
+                <a:extLst>
+                  <a:ext uri="{FF2B5EF4-FFF2-40B4-BE49-F238E27FC236}">
+                    <a16:creationId xmlns:a16="http://schemas.microsoft.com/office/drawing/2014/main" id="{31116861-EDCB-5110-9124-2204EE842620}"/>
+                  </a:ext>
+                </a:extLst>
+              </p:cNvPr>
+              <p:cNvCxnSpPr/>
+              <p:nvPr/>
+            </p:nvCxnSpPr>
+            <p:spPr bwMode="auto">
+              <a:xfrm>
+                <a:off x="8331201" y="3376613"/>
+                <a:ext cx="823118" cy="0"/>
+              </a:xfrm>
+              <a:prstGeom prst="straightConnector1">
+                <a:avLst/>
+              </a:prstGeom>
+              <a:solidFill>
+                <a:schemeClr val="accent1"/>
+              </a:solidFill>
+              <a:ln w="28575" cap="flat" cmpd="sng" algn="ctr">
+                <a:solidFill>
+                  <a:srgbClr val="FF0000"/>
+                </a:solidFill>
+                <a:prstDash val="solid"/>
+                <a:miter lim="800000"/>
+                <a:headEnd type="none" w="med" len="med"/>
+                <a:tailEnd type="arrow"/>
+              </a:ln>
+              <a:effectLst/>
+            </p:spPr>
+          </p:cxnSp>
+          <p:cxnSp>
+            <p:nvCxnSpPr>
+              <p:cNvPr id="20" name="Straight Arrow Connector 19">
+                <a:extLst>
+                  <a:ext uri="{FF2B5EF4-FFF2-40B4-BE49-F238E27FC236}">
+                    <a16:creationId xmlns:a16="http://schemas.microsoft.com/office/drawing/2014/main" id="{CD687EC8-A982-4B98-A841-3C82C70A5673}"/>
+                  </a:ext>
+                </a:extLst>
+              </p:cNvPr>
+              <p:cNvCxnSpPr>
+                <a:cxnSpLocks/>
+              </p:cNvCxnSpPr>
+              <p:nvPr/>
+            </p:nvCxnSpPr>
+            <p:spPr bwMode="auto">
+              <a:xfrm rot="10800000" flipH="1" flipV="1">
+                <a:off x="7159760" y="3394075"/>
+                <a:ext cx="888867" cy="0"/>
+              </a:xfrm>
+              <a:prstGeom prst="straightConnector1">
+                <a:avLst/>
+              </a:prstGeom>
+              <a:solidFill>
+                <a:schemeClr val="accent1"/>
+              </a:solidFill>
+              <a:ln w="28575" cap="flat" cmpd="sng" algn="ctr">
+                <a:solidFill>
+                  <a:srgbClr val="FF0000"/>
+                </a:solidFill>
+                <a:prstDash val="solid"/>
+                <a:miter lim="800000"/>
+                <a:headEnd type="none" w="med" len="med"/>
+                <a:tailEnd type="arrow"/>
+              </a:ln>
+              <a:effectLst/>
+            </p:spPr>
+          </p:cxnSp>
+        </p:grpSp>
+        <p:grpSp>
+          <p:nvGrpSpPr>
+            <p:cNvPr id="80" name="Group 79">
+              <a:extLst>
+                <a:ext uri="{FF2B5EF4-FFF2-40B4-BE49-F238E27FC236}">
+                  <a16:creationId xmlns:a16="http://schemas.microsoft.com/office/drawing/2014/main" id="{2672CCF9-EA68-9E1B-F0E6-3455D9D33674}"/>
+                </a:ext>
+              </a:extLst>
+            </p:cNvPr>
+            <p:cNvGrpSpPr/>
+            <p:nvPr/>
+          </p:nvGrpSpPr>
+          <p:grpSpPr>
+            <a:xfrm>
+              <a:off x="3913119" y="3401242"/>
+              <a:ext cx="4780623" cy="26987"/>
+              <a:chOff x="4373696" y="3367088"/>
+              <a:chExt cx="4780623" cy="26987"/>
+            </a:xfrm>
+          </p:grpSpPr>
+          <p:cxnSp>
+            <p:nvCxnSpPr>
+              <p:cNvPr id="81" name="Straight Arrow Connector 80">
+                <a:extLst>
+                  <a:ext uri="{FF2B5EF4-FFF2-40B4-BE49-F238E27FC236}">
+                    <a16:creationId xmlns:a16="http://schemas.microsoft.com/office/drawing/2014/main" id="{E4746CBC-AE9D-836D-1A62-FDA22D8B633A}"/>
+                  </a:ext>
+                </a:extLst>
+              </p:cNvPr>
+              <p:cNvCxnSpPr>
+                <a:cxnSpLocks/>
+              </p:cNvCxnSpPr>
+              <p:nvPr/>
+            </p:nvCxnSpPr>
+            <p:spPr bwMode="auto">
+              <a:xfrm rot="10800000" flipV="1">
+                <a:off x="5545138" y="3367088"/>
+                <a:ext cx="823118" cy="0"/>
+              </a:xfrm>
+              <a:prstGeom prst="straightConnector1">
+                <a:avLst/>
+              </a:prstGeom>
+              <a:solidFill>
+                <a:schemeClr val="accent1"/>
+              </a:solidFill>
+              <a:ln w="28575" cap="flat" cmpd="sng" algn="ctr">
+                <a:solidFill>
+                  <a:srgbClr val="FF0000"/>
+                </a:solidFill>
+                <a:prstDash val="solid"/>
+                <a:miter lim="800000"/>
+                <a:headEnd type="none" w="med" len="med"/>
+                <a:tailEnd type="arrow"/>
+              </a:ln>
+              <a:effectLst/>
+            </p:spPr>
+          </p:cxnSp>
+          <p:cxnSp>
+            <p:nvCxnSpPr>
+              <p:cNvPr id="82" name="Straight Arrow Connector 81">
+                <a:extLst>
+                  <a:ext uri="{FF2B5EF4-FFF2-40B4-BE49-F238E27FC236}">
+                    <a16:creationId xmlns:a16="http://schemas.microsoft.com/office/drawing/2014/main" id="{B397E43B-43D0-AD20-7C4A-A621235403D3}"/>
+                  </a:ext>
+                </a:extLst>
+              </p:cNvPr>
+              <p:cNvCxnSpPr/>
+              <p:nvPr/>
+            </p:nvCxnSpPr>
+            <p:spPr bwMode="auto">
+              <a:xfrm flipH="1">
+                <a:off x="4373696" y="3384550"/>
+                <a:ext cx="888867" cy="0"/>
+              </a:xfrm>
+              <a:prstGeom prst="straightConnector1">
+                <a:avLst/>
+              </a:prstGeom>
+              <a:solidFill>
+                <a:schemeClr val="accent1"/>
+              </a:solidFill>
+              <a:ln w="28575" cap="flat" cmpd="sng" algn="ctr">
+                <a:solidFill>
+                  <a:srgbClr val="FF0000"/>
+                </a:solidFill>
+                <a:prstDash val="solid"/>
+                <a:miter lim="800000"/>
+                <a:headEnd type="none" w="med" len="med"/>
+                <a:tailEnd type="arrow"/>
+              </a:ln>
+              <a:effectLst/>
+            </p:spPr>
+          </p:cxnSp>
+          <p:cxnSp>
+            <p:nvCxnSpPr>
+              <p:cNvPr id="83" name="Straight Arrow Connector 82">
+                <a:extLst>
+                  <a:ext uri="{FF2B5EF4-FFF2-40B4-BE49-F238E27FC236}">
+                    <a16:creationId xmlns:a16="http://schemas.microsoft.com/office/drawing/2014/main" id="{26BF01BE-DBB2-E28B-8772-608F936A1DD2}"/>
+                  </a:ext>
+                </a:extLst>
+              </p:cNvPr>
+              <p:cNvCxnSpPr/>
+              <p:nvPr/>
+            </p:nvCxnSpPr>
+            <p:spPr bwMode="auto">
+              <a:xfrm>
+                <a:off x="8331201" y="3376613"/>
+                <a:ext cx="823118" cy="0"/>
+              </a:xfrm>
+              <a:prstGeom prst="straightConnector1">
+                <a:avLst/>
+              </a:prstGeom>
+              <a:solidFill>
+                <a:schemeClr val="accent1"/>
+              </a:solidFill>
+              <a:ln w="28575" cap="flat" cmpd="sng" algn="ctr">
+                <a:solidFill>
+                  <a:srgbClr val="FF0000"/>
+                </a:solidFill>
+                <a:prstDash val="solid"/>
+                <a:miter lim="800000"/>
+                <a:headEnd type="none" w="med" len="med"/>
+                <a:tailEnd type="arrow"/>
+              </a:ln>
+              <a:effectLst/>
+            </p:spPr>
+          </p:cxnSp>
+          <p:cxnSp>
+            <p:nvCxnSpPr>
+              <p:cNvPr id="84" name="Straight Arrow Connector 83">
+                <a:extLst>
+                  <a:ext uri="{FF2B5EF4-FFF2-40B4-BE49-F238E27FC236}">
+                    <a16:creationId xmlns:a16="http://schemas.microsoft.com/office/drawing/2014/main" id="{931CFAF0-0D51-4218-9B62-B56E4C5E50D4}"/>
+                  </a:ext>
+                </a:extLst>
+              </p:cNvPr>
+              <p:cNvCxnSpPr>
+                <a:cxnSpLocks/>
+              </p:cNvCxnSpPr>
+              <p:nvPr/>
+            </p:nvCxnSpPr>
+            <p:spPr bwMode="auto">
+              <a:xfrm rot="10800000" flipH="1" flipV="1">
+                <a:off x="7159760" y="3394075"/>
+                <a:ext cx="888867" cy="0"/>
+              </a:xfrm>
+              <a:prstGeom prst="straightConnector1">
+                <a:avLst/>
+              </a:prstGeom>
+              <a:solidFill>
+                <a:schemeClr val="accent1"/>
+              </a:solidFill>
+              <a:ln w="28575" cap="flat" cmpd="sng" algn="ctr">
+                <a:solidFill>
+                  <a:srgbClr val="FF0000"/>
+                </a:solidFill>
+                <a:prstDash val="solid"/>
+                <a:miter lim="800000"/>
+                <a:headEnd type="none" w="med" len="med"/>
+                <a:tailEnd type="arrow"/>
+              </a:ln>
+              <a:effectLst/>
+            </p:spPr>
+          </p:cxnSp>
+        </p:grpSp>
+      </p:grpSp>
+      <p:grpSp>
+        <p:nvGrpSpPr>
+          <p:cNvPr id="86" name="Group 85">
+            <a:extLst>
+              <a:ext uri="{FF2B5EF4-FFF2-40B4-BE49-F238E27FC236}">
+                <a16:creationId xmlns:a16="http://schemas.microsoft.com/office/drawing/2014/main" id="{27EF25AC-BF84-AD58-CD21-6AFE71AEF072}"/>
+              </a:ext>
+            </a:extLst>
+          </p:cNvPr>
+          <p:cNvGrpSpPr/>
+          <p:nvPr/>
+        </p:nvGrpSpPr>
+        <p:grpSpPr>
+          <a:xfrm rot="18957038">
+            <a:off x="3979251" y="1073312"/>
+            <a:ext cx="4780623" cy="4780623"/>
+            <a:chOff x="3913119" y="1024424"/>
+            <a:chExt cx="4780623" cy="4780623"/>
+          </a:xfrm>
+        </p:grpSpPr>
+        <p:grpSp>
+          <p:nvGrpSpPr>
+            <p:cNvPr id="87" name="Group 86">
+              <a:extLst>
+                <a:ext uri="{FF2B5EF4-FFF2-40B4-BE49-F238E27FC236}">
+                  <a16:creationId xmlns:a16="http://schemas.microsoft.com/office/drawing/2014/main" id="{012C6C5A-8EA2-87DD-6655-95DC3CAC0E6F}"/>
+                </a:ext>
+              </a:extLst>
+            </p:cNvPr>
+            <p:cNvGrpSpPr/>
+            <p:nvPr/>
+          </p:nvGrpSpPr>
+          <p:grpSpPr>
+            <a:xfrm rot="5400000">
+              <a:off x="3913119" y="3401242"/>
+              <a:ext cx="4780623" cy="26987"/>
+              <a:chOff x="4373696" y="3367088"/>
+              <a:chExt cx="4780623" cy="26987"/>
+            </a:xfrm>
+          </p:grpSpPr>
+          <p:cxnSp>
+            <p:nvCxnSpPr>
+              <p:cNvPr id="93" name="Straight Arrow Connector 92">
+                <a:extLst>
+                  <a:ext uri="{FF2B5EF4-FFF2-40B4-BE49-F238E27FC236}">
+                    <a16:creationId xmlns:a16="http://schemas.microsoft.com/office/drawing/2014/main" id="{BBA0ADAC-DF1E-419C-3CE7-6A899EE1A7A6}"/>
+                  </a:ext>
+                </a:extLst>
+              </p:cNvPr>
+              <p:cNvCxnSpPr>
+                <a:cxnSpLocks/>
+              </p:cNvCxnSpPr>
+              <p:nvPr/>
+            </p:nvCxnSpPr>
+            <p:spPr bwMode="auto">
+              <a:xfrm rot="10800000" flipV="1">
+                <a:off x="5545138" y="3367088"/>
+                <a:ext cx="823118" cy="0"/>
+              </a:xfrm>
+              <a:prstGeom prst="straightConnector1">
+                <a:avLst/>
+              </a:prstGeom>
+              <a:solidFill>
+                <a:schemeClr val="accent1"/>
+              </a:solidFill>
+              <a:ln w="28575" cap="flat" cmpd="sng" algn="ctr">
+                <a:solidFill>
+                  <a:srgbClr val="FF0000"/>
+                </a:solidFill>
+                <a:prstDash val="solid"/>
+                <a:miter lim="800000"/>
+                <a:headEnd type="none" w="med" len="med"/>
+                <a:tailEnd type="arrow"/>
+              </a:ln>
+              <a:effectLst/>
+            </p:spPr>
+          </p:cxnSp>
+          <p:cxnSp>
+            <p:nvCxnSpPr>
+              <p:cNvPr id="94" name="Straight Arrow Connector 93">
+                <a:extLst>
+                  <a:ext uri="{FF2B5EF4-FFF2-40B4-BE49-F238E27FC236}">
+                    <a16:creationId xmlns:a16="http://schemas.microsoft.com/office/drawing/2014/main" id="{E03447DF-65C6-5EFA-EC77-7836F9566D2F}"/>
+                  </a:ext>
+                </a:extLst>
+              </p:cNvPr>
+              <p:cNvCxnSpPr/>
+              <p:nvPr/>
+            </p:nvCxnSpPr>
+            <p:spPr bwMode="auto">
+              <a:xfrm flipH="1">
+                <a:off x="4373696" y="3384550"/>
+                <a:ext cx="888867" cy="0"/>
+              </a:xfrm>
+              <a:prstGeom prst="straightConnector1">
+                <a:avLst/>
+              </a:prstGeom>
+              <a:solidFill>
+                <a:schemeClr val="accent1"/>
+              </a:solidFill>
+              <a:ln w="28575" cap="flat" cmpd="sng" algn="ctr">
+                <a:solidFill>
+                  <a:srgbClr val="FF0000"/>
+                </a:solidFill>
+                <a:prstDash val="solid"/>
+                <a:miter lim="800000"/>
+                <a:headEnd type="none" w="med" len="med"/>
+                <a:tailEnd type="arrow"/>
+              </a:ln>
+              <a:effectLst/>
+            </p:spPr>
+          </p:cxnSp>
+          <p:cxnSp>
+            <p:nvCxnSpPr>
+              <p:cNvPr id="95" name="Straight Arrow Connector 94">
+                <a:extLst>
+                  <a:ext uri="{FF2B5EF4-FFF2-40B4-BE49-F238E27FC236}">
+                    <a16:creationId xmlns:a16="http://schemas.microsoft.com/office/drawing/2014/main" id="{76DD92A4-ED8B-89DE-2425-62D9E3B7C71B}"/>
+                  </a:ext>
+                </a:extLst>
+              </p:cNvPr>
+              <p:cNvCxnSpPr/>
+              <p:nvPr/>
+            </p:nvCxnSpPr>
+            <p:spPr bwMode="auto">
+              <a:xfrm>
+                <a:off x="8331201" y="3376613"/>
+                <a:ext cx="823118" cy="0"/>
+              </a:xfrm>
+              <a:prstGeom prst="straightConnector1">
+                <a:avLst/>
+              </a:prstGeom>
+              <a:solidFill>
+                <a:schemeClr val="accent1"/>
+              </a:solidFill>
+              <a:ln w="28575" cap="flat" cmpd="sng" algn="ctr">
+                <a:solidFill>
+                  <a:srgbClr val="FF0000"/>
+                </a:solidFill>
+                <a:prstDash val="solid"/>
+                <a:miter lim="800000"/>
+                <a:headEnd type="none" w="med" len="med"/>
+                <a:tailEnd type="arrow"/>
+              </a:ln>
+              <a:effectLst/>
+            </p:spPr>
+          </p:cxnSp>
+          <p:cxnSp>
+            <p:nvCxnSpPr>
+              <p:cNvPr id="96" name="Straight Arrow Connector 95">
+                <a:extLst>
+                  <a:ext uri="{FF2B5EF4-FFF2-40B4-BE49-F238E27FC236}">
+                    <a16:creationId xmlns:a16="http://schemas.microsoft.com/office/drawing/2014/main" id="{203ED170-63A6-61E6-76B1-99522FF06F66}"/>
+                  </a:ext>
+                </a:extLst>
+              </p:cNvPr>
+              <p:cNvCxnSpPr>
+                <a:cxnSpLocks/>
+              </p:cNvCxnSpPr>
+              <p:nvPr/>
+            </p:nvCxnSpPr>
+            <p:spPr bwMode="auto">
+              <a:xfrm rot="10800000" flipH="1" flipV="1">
+                <a:off x="7159760" y="3394075"/>
+                <a:ext cx="888867" cy="0"/>
+              </a:xfrm>
+              <a:prstGeom prst="straightConnector1">
+                <a:avLst/>
+              </a:prstGeom>
+              <a:solidFill>
+                <a:schemeClr val="accent1"/>
+              </a:solidFill>
+              <a:ln w="28575" cap="flat" cmpd="sng" algn="ctr">
+                <a:solidFill>
+                  <a:srgbClr val="FF0000"/>
+                </a:solidFill>
+                <a:prstDash val="solid"/>
+                <a:miter lim="800000"/>
+                <a:headEnd type="none" w="med" len="med"/>
+                <a:tailEnd type="arrow"/>
+              </a:ln>
+              <a:effectLst/>
+            </p:spPr>
+          </p:cxnSp>
+        </p:grpSp>
+        <p:grpSp>
+          <p:nvGrpSpPr>
+            <p:cNvPr id="88" name="Group 87">
+              <a:extLst>
+                <a:ext uri="{FF2B5EF4-FFF2-40B4-BE49-F238E27FC236}">
+                  <a16:creationId xmlns:a16="http://schemas.microsoft.com/office/drawing/2014/main" id="{A7C3B1FD-5AAF-843E-6E01-6A4E91E11A5C}"/>
+                </a:ext>
+              </a:extLst>
+            </p:cNvPr>
+            <p:cNvGrpSpPr/>
+            <p:nvPr/>
+          </p:nvGrpSpPr>
+          <p:grpSpPr>
+            <a:xfrm>
+              <a:off x="3913119" y="3401242"/>
+              <a:ext cx="4780623" cy="26987"/>
+              <a:chOff x="4373696" y="3367088"/>
+              <a:chExt cx="4780623" cy="26987"/>
+            </a:xfrm>
+          </p:grpSpPr>
+          <p:cxnSp>
+            <p:nvCxnSpPr>
+              <p:cNvPr id="89" name="Straight Arrow Connector 88">
+                <a:extLst>
+                  <a:ext uri="{FF2B5EF4-FFF2-40B4-BE49-F238E27FC236}">
+                    <a16:creationId xmlns:a16="http://schemas.microsoft.com/office/drawing/2014/main" id="{AD7D6D15-416A-0C48-B32D-61B8CC668F61}"/>
+                  </a:ext>
+                </a:extLst>
+              </p:cNvPr>
+              <p:cNvCxnSpPr>
+                <a:cxnSpLocks/>
+              </p:cNvCxnSpPr>
+              <p:nvPr/>
+            </p:nvCxnSpPr>
+            <p:spPr bwMode="auto">
+              <a:xfrm rot="10800000" flipV="1">
+                <a:off x="5545138" y="3367088"/>
+                <a:ext cx="823118" cy="0"/>
+              </a:xfrm>
+              <a:prstGeom prst="straightConnector1">
+                <a:avLst/>
+              </a:prstGeom>
+              <a:solidFill>
+                <a:schemeClr val="accent1"/>
+              </a:solidFill>
+              <a:ln w="28575" cap="flat" cmpd="sng" algn="ctr">
+                <a:solidFill>
+                  <a:srgbClr val="FF0000"/>
+                </a:solidFill>
+                <a:prstDash val="solid"/>
+                <a:miter lim="800000"/>
+                <a:headEnd type="none" w="med" len="med"/>
+                <a:tailEnd type="arrow"/>
+              </a:ln>
+              <a:effectLst/>
+            </p:spPr>
+          </p:cxnSp>
+          <p:cxnSp>
+            <p:nvCxnSpPr>
+              <p:cNvPr id="90" name="Straight Arrow Connector 89">
+                <a:extLst>
+                  <a:ext uri="{FF2B5EF4-FFF2-40B4-BE49-F238E27FC236}">
+                    <a16:creationId xmlns:a16="http://schemas.microsoft.com/office/drawing/2014/main" id="{E8412984-EA1A-BE83-0D4F-68DF3784D7F8}"/>
+                  </a:ext>
+                </a:extLst>
+              </p:cNvPr>
+              <p:cNvCxnSpPr/>
+              <p:nvPr/>
+            </p:nvCxnSpPr>
+            <p:spPr bwMode="auto">
+              <a:xfrm flipH="1">
+                <a:off x="4373696" y="3384550"/>
+                <a:ext cx="888867" cy="0"/>
+              </a:xfrm>
+              <a:prstGeom prst="straightConnector1">
+                <a:avLst/>
+              </a:prstGeom>
+              <a:solidFill>
+                <a:schemeClr val="accent1"/>
+              </a:solidFill>
+              <a:ln w="28575" cap="flat" cmpd="sng" algn="ctr">
+                <a:solidFill>
+                  <a:srgbClr val="FF0000"/>
+                </a:solidFill>
+                <a:prstDash val="solid"/>
+                <a:miter lim="800000"/>
+                <a:headEnd type="none" w="med" len="med"/>
+                <a:tailEnd type="arrow"/>
+              </a:ln>
+              <a:effectLst/>
+            </p:spPr>
+          </p:cxnSp>
+          <p:cxnSp>
+            <p:nvCxnSpPr>
+              <p:cNvPr id="91" name="Straight Arrow Connector 90">
+                <a:extLst>
+                  <a:ext uri="{FF2B5EF4-FFF2-40B4-BE49-F238E27FC236}">
+                    <a16:creationId xmlns:a16="http://schemas.microsoft.com/office/drawing/2014/main" id="{787FFC0E-6959-8B78-75B2-C583B06A73DC}"/>
+                  </a:ext>
+                </a:extLst>
+              </p:cNvPr>
+              <p:cNvCxnSpPr/>
+              <p:nvPr/>
+            </p:nvCxnSpPr>
+            <p:spPr bwMode="auto">
+              <a:xfrm>
+                <a:off x="8331201" y="3376613"/>
+                <a:ext cx="823118" cy="0"/>
+              </a:xfrm>
+              <a:prstGeom prst="straightConnector1">
+                <a:avLst/>
+              </a:prstGeom>
+              <a:solidFill>
+                <a:schemeClr val="accent1"/>
+              </a:solidFill>
+              <a:ln w="28575" cap="flat" cmpd="sng" algn="ctr">
+                <a:solidFill>
+                  <a:srgbClr val="FF0000"/>
+                </a:solidFill>
+                <a:prstDash val="solid"/>
+                <a:miter lim="800000"/>
+                <a:headEnd type="none" w="med" len="med"/>
+                <a:tailEnd type="arrow"/>
+              </a:ln>
+              <a:effectLst/>
+            </p:spPr>
+          </p:cxnSp>
+          <p:cxnSp>
+            <p:nvCxnSpPr>
+              <p:cNvPr id="92" name="Straight Arrow Connector 91">
+                <a:extLst>
+                  <a:ext uri="{FF2B5EF4-FFF2-40B4-BE49-F238E27FC236}">
+                    <a16:creationId xmlns:a16="http://schemas.microsoft.com/office/drawing/2014/main" id="{6B69B123-1E1B-09FA-1333-8074C69AD0A1}"/>
+                  </a:ext>
+                </a:extLst>
+              </p:cNvPr>
+              <p:cNvCxnSpPr>
+                <a:cxnSpLocks/>
+              </p:cNvCxnSpPr>
+              <p:nvPr/>
+            </p:nvCxnSpPr>
+            <p:spPr bwMode="auto">
+              <a:xfrm rot="10800000" flipH="1" flipV="1">
+                <a:off x="7159760" y="3394075"/>
+                <a:ext cx="888867" cy="0"/>
+              </a:xfrm>
+              <a:prstGeom prst="straightConnector1">
+                <a:avLst/>
+              </a:prstGeom>
+              <a:solidFill>
+                <a:schemeClr val="accent1"/>
+              </a:solidFill>
+              <a:ln w="28575" cap="flat" cmpd="sng" algn="ctr">
+                <a:solidFill>
+                  <a:srgbClr val="FF0000"/>
+                </a:solidFill>
+                <a:prstDash val="solid"/>
+                <a:miter lim="800000"/>
+                <a:headEnd type="none" w="med" len="med"/>
+                <a:tailEnd type="arrow"/>
+              </a:ln>
+              <a:effectLst/>
+            </p:spPr>
+          </p:cxnSp>
+        </p:grpSp>
+      </p:grpSp>
+      <p:sp>
+        <p:nvSpPr>
+          <p:cNvPr id="2" name="Oval 1">
+            <a:extLst>
+              <a:ext uri="{FF2B5EF4-FFF2-40B4-BE49-F238E27FC236}">
+                <a16:creationId xmlns:a16="http://schemas.microsoft.com/office/drawing/2014/main" id="{CEC0C6BF-3A94-5872-C1DE-5CF715077207}"/>
+              </a:ext>
+            </a:extLst>
+          </p:cNvPr>
+          <p:cNvSpPr/>
+          <p:nvPr/>
+        </p:nvSpPr>
+        <p:spPr bwMode="auto">
+          <a:xfrm>
+            <a:off x="6840742" y="2482284"/>
+            <a:ext cx="86084" cy="88384"/>
+          </a:xfrm>
+          <a:prstGeom prst="ellipse">
+            <a:avLst/>
+          </a:prstGeom>
+          <a:solidFill>
+            <a:schemeClr val="tx1"/>
+          </a:solidFill>
+          <a:ln w="9525" cap="flat" cmpd="sng" algn="ctr">
+            <a:noFill/>
+            <a:prstDash val="solid"/>
+            <a:miter lim="800000"/>
+            <a:headEnd type="none" w="med" len="med"/>
+            <a:tailEnd type="none" w="med" len="med"/>
+          </a:ln>
+          <a:effectLst/>
+        </p:spPr>
+        <p:txBody>
+          <a:bodyPr vert="horz" wrap="none" lIns="91440" tIns="45720" rIns="91440" bIns="45720" numCol="1" rtlCol="0" anchor="t" anchorCtr="0" compatLnSpc="1">
+            <a:prstTxWarp prst="textNoShape">
+              <a:avLst/>
+            </a:prstTxWarp>
+          </a:bodyPr>
+          <a:lstStyle/>
+          <a:p>
+            <a:pPr marL="0" marR="0" indent="0" algn="l" defTabSz="914400" rtl="0" eaLnBrk="1" fontAlgn="base" latinLnBrk="0" hangingPunct="1">
+              <a:lnSpc>
+                <a:spcPct val="100000"/>
+              </a:lnSpc>
+              <a:spcBef>
+                <a:spcPct val="0"/>
+              </a:spcBef>
+              <a:spcAft>
+                <a:spcPct val="0"/>
+              </a:spcAft>
+              <a:buClrTx/>
+              <a:buSzTx/>
+              <a:buFontTx/>
+              <a:buNone/>
+              <a:tabLst/>
+            </a:pPr>
+            <a:endParaRPr kumimoji="0" lang="en-US" sz="1600" b="0" i="0" u="none" strike="noStrike" cap="none" normalizeH="0" baseline="0">
+              <a:ln>
+                <a:noFill/>
+              </a:ln>
+              <a:solidFill>
+                <a:schemeClr val="tx1"/>
+              </a:solidFill>
+              <a:effectLst/>
+              <a:latin typeface="Arial" charset="0"/>
+            </a:endParaRPr>
+          </a:p>
+        </p:txBody>
+      </p:sp>
+      <p:sp>
+        <p:nvSpPr>
+          <p:cNvPr id="3" name="TextBox 2">
+            <a:extLst>
+              <a:ext uri="{FF2B5EF4-FFF2-40B4-BE49-F238E27FC236}">
+                <a16:creationId xmlns:a16="http://schemas.microsoft.com/office/drawing/2014/main" id="{2878F45A-BA11-F121-9B9B-F2E27AAAB903}"/>
+              </a:ext>
+            </a:extLst>
+          </p:cNvPr>
+          <p:cNvSpPr txBox="1"/>
+          <p:nvPr/>
+        </p:nvSpPr>
+        <p:spPr>
+          <a:xfrm>
+            <a:off x="6902324" y="2302141"/>
+            <a:ext cx="320922" cy="338554"/>
+          </a:xfrm>
+          <a:prstGeom prst="rect">
+            <a:avLst/>
+          </a:prstGeom>
+          <a:noFill/>
+        </p:spPr>
+        <p:txBody>
+          <a:bodyPr wrap="none" rtlCol="0">
+            <a:spAutoFit/>
+          </a:bodyPr>
+          <a:lstStyle/>
+          <a:p>
+            <a:r>
+              <a:rPr lang="en-US" dirty="0"/>
+              <a:t>P</a:t>
+            </a:r>
+          </a:p>
+        </p:txBody>
+      </p:sp>
+    </p:spTree>
+    <p:extLst>
+      <p:ext uri="{BB962C8B-B14F-4D97-AF65-F5344CB8AC3E}">
+        <p14:creationId xmlns:p14="http://schemas.microsoft.com/office/powerpoint/2010/main" val="617747947"/>
+      </p:ext>
+    </p:extLst>
+  </p:cSld>
+  <p:clrMapOvr>
+    <a:masterClrMapping/>
+  </p:clrMapOvr>
+</p:sld>
+</file>
+
+<file path=ppt/slides/slide46.xml><?xml version="1.0" encoding="utf-8"?>
+<p:sld xmlns:a="http://schemas.openxmlformats.org/drawingml/2006/main" xmlns:r="http://schemas.openxmlformats.org/officeDocument/2006/relationships" xmlns:p="http://schemas.openxmlformats.org/presentationml/2006/main">
+  <p:cSld>
+    <p:spTree>
+      <p:nvGrpSpPr>
+        <p:cNvPr id="1" name=""/>
+        <p:cNvGrpSpPr/>
+        <p:nvPr/>
+      </p:nvGrpSpPr>
+      <p:grpSpPr>
+        <a:xfrm>
+          <a:off x="0" y="0"/>
+          <a:ext cx="0" cy="0"/>
+          <a:chOff x="0" y="0"/>
+          <a:chExt cx="0" cy="0"/>
+        </a:xfrm>
+      </p:grpSpPr>
+      <p:grpSp>
+        <p:nvGrpSpPr>
+          <p:cNvPr id="79" name="Group 78">
+            <a:extLst>
+              <a:ext uri="{FF2B5EF4-FFF2-40B4-BE49-F238E27FC236}">
+                <a16:creationId xmlns:a16="http://schemas.microsoft.com/office/drawing/2014/main" id="{68D55873-28F3-ED5B-47AD-27A16CFC8E9B}"/>
+              </a:ext>
+            </a:extLst>
+          </p:cNvPr>
+          <p:cNvGrpSpPr/>
+          <p:nvPr/>
+        </p:nvGrpSpPr>
+        <p:grpSpPr>
+          <a:xfrm>
+            <a:off x="4938482" y="2002905"/>
+            <a:ext cx="2810385" cy="2782523"/>
+            <a:chOff x="1160060" y="2013044"/>
+            <a:chExt cx="2810385" cy="2782523"/>
+          </a:xfrm>
+        </p:grpSpPr>
+        <p:sp>
+          <p:nvSpPr>
+            <p:cNvPr id="69" name="Oval 68">
+              <a:extLst>
+                <a:ext uri="{FF2B5EF4-FFF2-40B4-BE49-F238E27FC236}">
+                  <a16:creationId xmlns:a16="http://schemas.microsoft.com/office/drawing/2014/main" id="{565E1655-2BC9-3FB7-9468-AA189D7AE015}"/>
+                </a:ext>
+              </a:extLst>
+            </p:cNvPr>
+            <p:cNvSpPr>
+              <a:spLocks noChangeArrowheads="1"/>
+            </p:cNvSpPr>
+            <p:nvPr/>
+          </p:nvSpPr>
+          <p:spPr bwMode="auto">
+            <a:xfrm>
+              <a:off x="1201003" y="2013044"/>
+              <a:ext cx="2756806" cy="2782523"/>
+            </a:xfrm>
+            <a:prstGeom prst="ellipse">
+              <a:avLst/>
+            </a:prstGeom>
+            <a:solidFill>
+              <a:srgbClr val="FFC000"/>
+            </a:solidFill>
+            <a:ln w="9525">
+              <a:noFill/>
+              <a:round/>
+              <a:headEnd/>
+              <a:tailEnd/>
+            </a:ln>
+          </p:spPr>
+          <p:txBody>
+            <a:bodyPr wrap="none" anchor="ctr"/>
+            <a:lstStyle/>
+            <a:p>
+              <a:pPr algn="ctr"/>
+              <a:endParaRPr lang="en-US" sz="1400">
+                <a:solidFill>
+                  <a:srgbClr val="FF9933"/>
+                </a:solidFill>
+              </a:endParaRPr>
+            </a:p>
+          </p:txBody>
+        </p:sp>
+        <p:sp>
+          <p:nvSpPr>
+            <p:cNvPr id="70" name="Freeform 4">
+              <a:extLst>
+                <a:ext uri="{FF2B5EF4-FFF2-40B4-BE49-F238E27FC236}">
+                  <a16:creationId xmlns:a16="http://schemas.microsoft.com/office/drawing/2014/main" id="{E69F8912-0B22-6F62-4472-2C6901E7069C}"/>
+                </a:ext>
+              </a:extLst>
+            </p:cNvPr>
+            <p:cNvSpPr>
+              <a:spLocks/>
+            </p:cNvSpPr>
+            <p:nvPr/>
+          </p:nvSpPr>
+          <p:spPr bwMode="auto">
+            <a:xfrm rot="20672327">
+              <a:off x="2504365" y="3947614"/>
+              <a:ext cx="1371600" cy="469900"/>
+            </a:xfrm>
+            <a:custGeom>
+              <a:avLst/>
+              <a:gdLst>
+                <a:gd name="T0" fmla="*/ 4 w 1216"/>
+                <a:gd name="T1" fmla="*/ 88 h 584"/>
+                <a:gd name="T2" fmla="*/ 222 w 1216"/>
+                <a:gd name="T3" fmla="*/ 150 h 584"/>
+                <a:gd name="T4" fmla="*/ 513 w 1216"/>
+                <a:gd name="T5" fmla="*/ 88 h 584"/>
+                <a:gd name="T6" fmla="*/ 610 w 1216"/>
+                <a:gd name="T7" fmla="*/ 2 h 584"/>
+                <a:gd name="T8" fmla="*/ 489 w 1216"/>
+                <a:gd name="T9" fmla="*/ 76 h 584"/>
+                <a:gd name="T10" fmla="*/ 247 w 1216"/>
+                <a:gd name="T11" fmla="*/ 125 h 584"/>
+                <a:gd name="T12" fmla="*/ 4 w 1216"/>
+                <a:gd name="T13" fmla="*/ 88 h 584"/>
+                <a:gd name="T14" fmla="*/ 0 60000 65536"/>
+                <a:gd name="T15" fmla="*/ 0 60000 65536"/>
+                <a:gd name="T16" fmla="*/ 0 60000 65536"/>
+                <a:gd name="T17" fmla="*/ 0 60000 65536"/>
+                <a:gd name="T18" fmla="*/ 0 60000 65536"/>
+                <a:gd name="T19" fmla="*/ 0 60000 65536"/>
+                <a:gd name="T20" fmla="*/ 0 60000 65536"/>
+                <a:gd name="T21" fmla="*/ 0 w 1216"/>
+                <a:gd name="T22" fmla="*/ 0 h 584"/>
+                <a:gd name="T23" fmla="*/ 1216 w 1216"/>
+                <a:gd name="T24" fmla="*/ 584 h 584"/>
+              </a:gdLst>
+              <a:ahLst/>
+              <a:cxnLst>
+                <a:cxn ang="T14">
+                  <a:pos x="T0" y="T1"/>
+                </a:cxn>
+                <a:cxn ang="T15">
+                  <a:pos x="T2" y="T3"/>
+                </a:cxn>
+                <a:cxn ang="T16">
+                  <a:pos x="T4" y="T5"/>
+                </a:cxn>
+                <a:cxn ang="T17">
+                  <a:pos x="T6" y="T7"/>
+                </a:cxn>
+                <a:cxn ang="T18">
+                  <a:pos x="T8" y="T9"/>
+                </a:cxn>
+                <a:cxn ang="T19">
+                  <a:pos x="T10" y="T11"/>
+                </a:cxn>
+                <a:cxn ang="T20">
+                  <a:pos x="T12" y="T13"/>
+                </a:cxn>
+              </a:cxnLst>
+              <a:rect l="T21" t="T22" r="T23" b="T24"/>
+              <a:pathLst>
+                <a:path w="1216" h="584">
+                  <a:moveTo>
+                    <a:pt x="8" y="344"/>
+                  </a:moveTo>
+                  <a:cubicBezTo>
+                    <a:pt x="0" y="360"/>
+                    <a:pt x="272" y="584"/>
+                    <a:pt x="440" y="584"/>
+                  </a:cubicBezTo>
+                  <a:cubicBezTo>
+                    <a:pt x="608" y="584"/>
+                    <a:pt x="888" y="440"/>
+                    <a:pt x="1016" y="344"/>
+                  </a:cubicBezTo>
+                  <a:cubicBezTo>
+                    <a:pt x="1144" y="248"/>
+                    <a:pt x="1216" y="16"/>
+                    <a:pt x="1208" y="8"/>
+                  </a:cubicBezTo>
+                  <a:cubicBezTo>
+                    <a:pt x="1200" y="0"/>
+                    <a:pt x="1088" y="216"/>
+                    <a:pt x="968" y="296"/>
+                  </a:cubicBezTo>
+                  <a:cubicBezTo>
+                    <a:pt x="848" y="376"/>
+                    <a:pt x="648" y="480"/>
+                    <a:pt x="488" y="488"/>
+                  </a:cubicBezTo>
+                  <a:cubicBezTo>
+                    <a:pt x="328" y="496"/>
+                    <a:pt x="16" y="328"/>
+                    <a:pt x="8" y="344"/>
+                  </a:cubicBezTo>
+                  <a:close/>
+                </a:path>
+              </a:pathLst>
+            </a:custGeom>
+            <a:solidFill>
+              <a:srgbClr val="FFFFFF"/>
+            </a:solidFill>
+            <a:ln w="9525">
+              <a:noFill/>
+              <a:round/>
+              <a:headEnd/>
+              <a:tailEnd/>
+            </a:ln>
+          </p:spPr>
+          <p:txBody>
+            <a:bodyPr/>
+            <a:lstStyle/>
+            <a:p>
+              <a:endParaRPr lang="en-US" sz="1200">
+                <a:solidFill>
+                  <a:srgbClr val="FF9933"/>
+                </a:solidFill>
+              </a:endParaRPr>
+            </a:p>
+          </p:txBody>
+        </p:sp>
+        <p:sp>
+          <p:nvSpPr>
+            <p:cNvPr id="71" name="TextBox 70">
+              <a:extLst>
+                <a:ext uri="{FF2B5EF4-FFF2-40B4-BE49-F238E27FC236}">
+                  <a16:creationId xmlns:a16="http://schemas.microsoft.com/office/drawing/2014/main" id="{91AF3630-7591-7C14-A349-C0F8311737BA}"/>
+                </a:ext>
+              </a:extLst>
+            </p:cNvPr>
+            <p:cNvSpPr txBox="1"/>
+            <p:nvPr/>
+          </p:nvSpPr>
+          <p:spPr>
+            <a:xfrm>
+              <a:off x="1160060" y="3179928"/>
+              <a:ext cx="2810385" cy="461665"/>
+            </a:xfrm>
+            <a:prstGeom prst="rect">
+              <a:avLst/>
+            </a:prstGeom>
+            <a:noFill/>
+          </p:spPr>
+          <p:txBody>
+            <a:bodyPr wrap="none" rtlCol="0">
+              <a:spAutoFit/>
+            </a:bodyPr>
+            <a:lstStyle/>
+            <a:p>
+              <a:r>
+                <a:rPr lang="en-US" sz="2400" dirty="0">
+                  <a:solidFill>
+                    <a:srgbClr val="FF9933"/>
+                  </a:solidFill>
+                </a:rPr>
+                <a:t>+  +  +  +  +  +  +  +</a:t>
+              </a:r>
+            </a:p>
+          </p:txBody>
+        </p:sp>
+        <p:sp>
+          <p:nvSpPr>
+            <p:cNvPr id="72" name="TextBox 71">
+              <a:extLst>
+                <a:ext uri="{FF2B5EF4-FFF2-40B4-BE49-F238E27FC236}">
+                  <a16:creationId xmlns:a16="http://schemas.microsoft.com/office/drawing/2014/main" id="{89AB02EA-9143-90A0-3D0C-24BECD136723}"/>
+                </a:ext>
+              </a:extLst>
+            </p:cNvPr>
+            <p:cNvSpPr txBox="1"/>
+            <p:nvPr/>
+          </p:nvSpPr>
+          <p:spPr>
+            <a:xfrm>
+              <a:off x="1380698" y="2718179"/>
+              <a:ext cx="2460930" cy="461665"/>
+            </a:xfrm>
+            <a:prstGeom prst="rect">
+              <a:avLst/>
+            </a:prstGeom>
+            <a:noFill/>
+          </p:spPr>
+          <p:txBody>
+            <a:bodyPr wrap="none" rtlCol="0">
+              <a:spAutoFit/>
+            </a:bodyPr>
+            <a:lstStyle/>
+            <a:p>
+              <a:r>
+                <a:rPr lang="en-US" sz="2400" dirty="0">
+                  <a:solidFill>
+                    <a:srgbClr val="FF9933"/>
+                  </a:solidFill>
+                </a:rPr>
+                <a:t>+  +  +  +  +  +  +</a:t>
+              </a:r>
+            </a:p>
+          </p:txBody>
+        </p:sp>
+        <p:sp>
+          <p:nvSpPr>
+            <p:cNvPr id="73" name="TextBox 72">
+              <a:extLst>
+                <a:ext uri="{FF2B5EF4-FFF2-40B4-BE49-F238E27FC236}">
+                  <a16:creationId xmlns:a16="http://schemas.microsoft.com/office/drawing/2014/main" id="{C3059E82-CBD7-5407-9230-33CEE9B2EB02}"/>
+                </a:ext>
+              </a:extLst>
+            </p:cNvPr>
+            <p:cNvSpPr txBox="1"/>
+            <p:nvPr/>
+          </p:nvSpPr>
+          <p:spPr>
+            <a:xfrm>
+              <a:off x="1355677" y="3566615"/>
+              <a:ext cx="2460930" cy="461665"/>
+            </a:xfrm>
+            <a:prstGeom prst="rect">
+              <a:avLst/>
+            </a:prstGeom>
+            <a:noFill/>
+          </p:spPr>
+          <p:txBody>
+            <a:bodyPr wrap="none" rtlCol="0">
+              <a:spAutoFit/>
+            </a:bodyPr>
+            <a:lstStyle/>
+            <a:p>
+              <a:r>
+                <a:rPr lang="en-US" sz="2400" dirty="0">
+                  <a:solidFill>
+                    <a:srgbClr val="FF9933"/>
+                  </a:solidFill>
+                </a:rPr>
+                <a:t>+  +  +  +  +  +  +</a:t>
+              </a:r>
+            </a:p>
+          </p:txBody>
+        </p:sp>
+        <p:sp>
+          <p:nvSpPr>
+            <p:cNvPr id="74" name="TextBox 73">
+              <a:extLst>
+                <a:ext uri="{FF2B5EF4-FFF2-40B4-BE49-F238E27FC236}">
+                  <a16:creationId xmlns:a16="http://schemas.microsoft.com/office/drawing/2014/main" id="{90A6F40F-B891-20AA-39F6-EE3E890A4CD1}"/>
+                </a:ext>
+              </a:extLst>
+            </p:cNvPr>
+            <p:cNvSpPr txBox="1"/>
+            <p:nvPr/>
+          </p:nvSpPr>
+          <p:spPr>
+            <a:xfrm>
+              <a:off x="1603611" y="3937379"/>
+              <a:ext cx="2111475" cy="461665"/>
+            </a:xfrm>
+            <a:prstGeom prst="rect">
+              <a:avLst/>
+            </a:prstGeom>
+            <a:noFill/>
+          </p:spPr>
+          <p:txBody>
+            <a:bodyPr wrap="none" rtlCol="0">
+              <a:spAutoFit/>
+            </a:bodyPr>
+            <a:lstStyle/>
+            <a:p>
+              <a:r>
+                <a:rPr lang="en-US" sz="2400" dirty="0">
+                  <a:solidFill>
+                    <a:srgbClr val="FF9933"/>
+                  </a:solidFill>
+                </a:rPr>
+                <a:t>+  +  +  +  +  +</a:t>
+              </a:r>
+            </a:p>
+          </p:txBody>
+        </p:sp>
+        <p:sp>
+          <p:nvSpPr>
+            <p:cNvPr id="75" name="TextBox 74">
+              <a:extLst>
+                <a:ext uri="{FF2B5EF4-FFF2-40B4-BE49-F238E27FC236}">
+                  <a16:creationId xmlns:a16="http://schemas.microsoft.com/office/drawing/2014/main" id="{87930EF4-800B-25BC-E8DF-9834498195AB}"/>
+                </a:ext>
+              </a:extLst>
+            </p:cNvPr>
+            <p:cNvSpPr txBox="1"/>
+            <p:nvPr/>
+          </p:nvSpPr>
+          <p:spPr>
+            <a:xfrm>
+              <a:off x="1633181" y="2356513"/>
+              <a:ext cx="2111475" cy="461665"/>
+            </a:xfrm>
+            <a:prstGeom prst="rect">
+              <a:avLst/>
+            </a:prstGeom>
+            <a:noFill/>
+          </p:spPr>
+          <p:txBody>
+            <a:bodyPr wrap="none" rtlCol="0">
+              <a:spAutoFit/>
+            </a:bodyPr>
+            <a:lstStyle/>
+            <a:p>
+              <a:r>
+                <a:rPr lang="en-US" sz="2400" dirty="0">
+                  <a:solidFill>
+                    <a:srgbClr val="FF9933"/>
+                  </a:solidFill>
+                </a:rPr>
+                <a:t>+  +  +  +  +  +</a:t>
+              </a:r>
+            </a:p>
+          </p:txBody>
+        </p:sp>
+        <p:sp>
+          <p:nvSpPr>
+            <p:cNvPr id="76" name="TextBox 75">
+              <a:extLst>
+                <a:ext uri="{FF2B5EF4-FFF2-40B4-BE49-F238E27FC236}">
+                  <a16:creationId xmlns:a16="http://schemas.microsoft.com/office/drawing/2014/main" id="{7965B89D-0492-07FF-32C3-96F17AC9E394}"/>
+                </a:ext>
+              </a:extLst>
+            </p:cNvPr>
+            <p:cNvSpPr txBox="1"/>
+            <p:nvPr/>
+          </p:nvSpPr>
+          <p:spPr>
+            <a:xfrm>
+              <a:off x="1935706" y="2031241"/>
+              <a:ext cx="1412566" cy="461665"/>
+            </a:xfrm>
+            <a:prstGeom prst="rect">
+              <a:avLst/>
+            </a:prstGeom>
+            <a:noFill/>
+          </p:spPr>
+          <p:txBody>
+            <a:bodyPr wrap="none" rtlCol="0">
+              <a:spAutoFit/>
+            </a:bodyPr>
+            <a:lstStyle/>
+            <a:p>
+              <a:r>
+                <a:rPr lang="en-US" sz="2400" dirty="0">
+                  <a:solidFill>
+                    <a:srgbClr val="FF9933"/>
+                  </a:solidFill>
+                </a:rPr>
+                <a:t>+  +  +  +</a:t>
+              </a:r>
+            </a:p>
+          </p:txBody>
+        </p:sp>
+        <p:sp>
+          <p:nvSpPr>
+            <p:cNvPr id="77" name="TextBox 76">
+              <a:extLst>
+                <a:ext uri="{FF2B5EF4-FFF2-40B4-BE49-F238E27FC236}">
+                  <a16:creationId xmlns:a16="http://schemas.microsoft.com/office/drawing/2014/main" id="{3F0945EA-873E-A2FD-4E88-A96BF55E5D9D}"/>
+                </a:ext>
+              </a:extLst>
+            </p:cNvPr>
+            <p:cNvSpPr txBox="1"/>
+            <p:nvPr/>
+          </p:nvSpPr>
+          <p:spPr>
+            <a:xfrm>
+              <a:off x="1978924" y="4299044"/>
+              <a:ext cx="1412566" cy="461665"/>
+            </a:xfrm>
+            <a:prstGeom prst="rect">
+              <a:avLst/>
+            </a:prstGeom>
+            <a:noFill/>
+          </p:spPr>
+          <p:txBody>
+            <a:bodyPr wrap="none" rtlCol="0">
+              <a:spAutoFit/>
+            </a:bodyPr>
+            <a:lstStyle/>
+            <a:p>
+              <a:r>
+                <a:rPr lang="en-US" sz="2400" dirty="0">
+                  <a:solidFill>
+                    <a:srgbClr val="FF9933"/>
+                  </a:solidFill>
+                </a:rPr>
+                <a:t>+  +  +  +</a:t>
+              </a:r>
+            </a:p>
+          </p:txBody>
+        </p:sp>
+      </p:grpSp>
+      <p:sp>
+        <p:nvSpPr>
+          <p:cNvPr id="41" name="Freeform 23">
+            <a:extLst>
+              <a:ext uri="{FF2B5EF4-FFF2-40B4-BE49-F238E27FC236}">
+                <a16:creationId xmlns:a16="http://schemas.microsoft.com/office/drawing/2014/main" id="{CA754A27-C6B8-2DD2-4CC3-18309AB68887}"/>
+              </a:ext>
+            </a:extLst>
+          </p:cNvPr>
+          <p:cNvSpPr>
+            <a:spLocks/>
+          </p:cNvSpPr>
+          <p:nvPr/>
+        </p:nvSpPr>
+        <p:spPr bwMode="auto">
+          <a:xfrm rot="3283163">
+            <a:off x="5475157" y="1884753"/>
+            <a:ext cx="935037" cy="215900"/>
+          </a:xfrm>
+          <a:custGeom>
+            <a:avLst/>
+            <a:gdLst/>
+            <a:ahLst/>
+            <a:cxnLst>
+              <a:cxn ang="0">
+                <a:pos x="558" y="228"/>
+              </a:cxn>
+              <a:cxn ang="0">
+                <a:pos x="329" y="73"/>
+              </a:cxn>
+              <a:cxn ang="0">
+                <a:pos x="338" y="201"/>
+              </a:cxn>
+              <a:cxn ang="0">
+                <a:pos x="0" y="0"/>
+              </a:cxn>
+            </a:cxnLst>
+            <a:rect l="0" t="0" r="r" b="b"/>
+            <a:pathLst>
+              <a:path w="558" h="228">
+                <a:moveTo>
+                  <a:pt x="558" y="228"/>
+                </a:moveTo>
+                <a:cubicBezTo>
+                  <a:pt x="462" y="152"/>
+                  <a:pt x="366" y="77"/>
+                  <a:pt x="329" y="73"/>
+                </a:cubicBezTo>
+                <a:cubicBezTo>
+                  <a:pt x="292" y="69"/>
+                  <a:pt x="393" y="213"/>
+                  <a:pt x="338" y="201"/>
+                </a:cubicBezTo>
+                <a:cubicBezTo>
+                  <a:pt x="283" y="189"/>
+                  <a:pt x="141" y="94"/>
+                  <a:pt x="0" y="0"/>
+                </a:cubicBezTo>
+              </a:path>
+            </a:pathLst>
+          </a:custGeom>
+          <a:noFill/>
+          <a:ln w="9525" cap="flat" cmpd="sng">
+            <a:solidFill>
+              <a:schemeClr val="tx1"/>
+            </a:solidFill>
+            <a:prstDash val="solid"/>
+            <a:miter lim="800000"/>
+            <a:headEnd type="triangle" w="med" len="med"/>
+            <a:tailEnd type="none" w="med" len="med"/>
+          </a:ln>
+          <a:effectLst/>
+        </p:spPr>
+        <p:txBody>
+          <a:bodyPr wrap="none"/>
+          <a:lstStyle/>
+          <a:p>
+            <a:endParaRPr lang="en-US"/>
+          </a:p>
+        </p:txBody>
+      </p:sp>
+      <p:sp>
+        <p:nvSpPr>
+          <p:cNvPr id="42" name="Text Box 24">
+            <a:extLst>
+              <a:ext uri="{FF2B5EF4-FFF2-40B4-BE49-F238E27FC236}">
+                <a16:creationId xmlns:a16="http://schemas.microsoft.com/office/drawing/2014/main" id="{5A091927-33F0-41E5-06D4-063EC6F589C2}"/>
+              </a:ext>
+            </a:extLst>
+          </p:cNvPr>
+          <p:cNvSpPr txBox="1">
+            <a:spLocks noChangeArrowheads="1"/>
+          </p:cNvSpPr>
+          <p:nvPr/>
+        </p:nvSpPr>
+        <p:spPr bwMode="auto">
+          <a:xfrm>
+            <a:off x="4489843" y="1195482"/>
+            <a:ext cx="2473325" cy="336550"/>
+          </a:xfrm>
+          <a:prstGeom prst="rect">
+            <a:avLst/>
+          </a:prstGeom>
+          <a:noFill/>
+          <a:ln w="9525">
+            <a:noFill/>
+            <a:miter lim="800000"/>
+            <a:headEnd/>
+            <a:tailEnd/>
+          </a:ln>
+          <a:effectLst/>
+        </p:spPr>
+        <p:txBody>
+          <a:bodyPr wrap="none">
+            <a:spAutoFit/>
+          </a:bodyPr>
+          <a:lstStyle/>
+          <a:p>
+            <a:r>
+              <a:rPr lang="en-US" dirty="0"/>
+              <a:t>Spherical Closed Surface</a:t>
+            </a:r>
+          </a:p>
+        </p:txBody>
+      </p:sp>
+      <p:sp>
+        <p:nvSpPr>
+          <p:cNvPr id="43" name="Oval 4">
+            <a:extLst>
+              <a:ext uri="{FF2B5EF4-FFF2-40B4-BE49-F238E27FC236}">
+                <a16:creationId xmlns:a16="http://schemas.microsoft.com/office/drawing/2014/main" id="{2FFD8C21-C21F-639C-6254-0B2730ECA41A}"/>
+              </a:ext>
+            </a:extLst>
+          </p:cNvPr>
+          <p:cNvSpPr>
+            <a:spLocks noChangeArrowheads="1"/>
+          </p:cNvSpPr>
+          <p:nvPr/>
+        </p:nvSpPr>
+        <p:spPr bwMode="auto">
+          <a:xfrm>
+            <a:off x="5335643" y="2407195"/>
+            <a:ext cx="2052571" cy="2015082"/>
+          </a:xfrm>
+          <a:prstGeom prst="ellipse">
+            <a:avLst/>
+          </a:prstGeom>
+          <a:noFill/>
+          <a:ln w="9525">
+            <a:solidFill>
+              <a:schemeClr val="tx1"/>
+            </a:solidFill>
+            <a:prstDash val="lgDash"/>
+            <a:miter lim="800000"/>
+            <a:headEnd/>
+            <a:tailEnd/>
+          </a:ln>
+          <a:effectLst/>
+        </p:spPr>
+        <p:txBody>
+          <a:bodyPr wrap="none" anchor="ctr"/>
+          <a:lstStyle/>
+          <a:p>
+            <a:endParaRPr lang="en-US"/>
+          </a:p>
+        </p:txBody>
+      </p:sp>
+      <p:cxnSp>
+        <p:nvCxnSpPr>
+          <p:cNvPr id="44" name="Straight Arrow Connector 43">
+            <a:extLst>
+              <a:ext uri="{FF2B5EF4-FFF2-40B4-BE49-F238E27FC236}">
+                <a16:creationId xmlns:a16="http://schemas.microsoft.com/office/drawing/2014/main" id="{7CC1F192-650A-F76C-E7E3-9FCA830295C8}"/>
+              </a:ext>
+            </a:extLst>
+          </p:cNvPr>
+          <p:cNvCxnSpPr/>
+          <p:nvPr/>
+        </p:nvCxnSpPr>
+        <p:spPr bwMode="auto">
+          <a:xfrm flipH="1">
+            <a:off x="5177268" y="3489382"/>
+            <a:ext cx="147462" cy="0"/>
+          </a:xfrm>
+          <a:prstGeom prst="straightConnector1">
+            <a:avLst/>
+          </a:prstGeom>
+          <a:solidFill>
+            <a:schemeClr val="accent1"/>
+          </a:solidFill>
+          <a:ln w="9525" cap="flat" cmpd="sng" algn="ctr">
+            <a:solidFill>
+              <a:schemeClr val="tx1"/>
+            </a:solidFill>
+            <a:prstDash val="solid"/>
+            <a:miter lim="800000"/>
+            <a:headEnd type="none" w="med" len="med"/>
+            <a:tailEnd type="triangle"/>
+          </a:ln>
+          <a:effectLst/>
+        </p:spPr>
+      </p:cxnSp>
+      <p:cxnSp>
+        <p:nvCxnSpPr>
+          <p:cNvPr id="45" name="Straight Arrow Connector 44">
+            <a:extLst>
+              <a:ext uri="{FF2B5EF4-FFF2-40B4-BE49-F238E27FC236}">
+                <a16:creationId xmlns:a16="http://schemas.microsoft.com/office/drawing/2014/main" id="{19568F2F-359A-F532-4D48-EA2876EB230E}"/>
+              </a:ext>
+            </a:extLst>
+          </p:cNvPr>
+          <p:cNvCxnSpPr>
+            <a:cxnSpLocks/>
+          </p:cNvCxnSpPr>
+          <p:nvPr/>
+        </p:nvCxnSpPr>
+        <p:spPr bwMode="auto">
+          <a:xfrm>
+            <a:off x="7365498" y="3477883"/>
+            <a:ext cx="147462" cy="0"/>
+          </a:xfrm>
+          <a:prstGeom prst="straightConnector1">
+            <a:avLst/>
+          </a:prstGeom>
+          <a:solidFill>
+            <a:schemeClr val="accent1"/>
+          </a:solidFill>
+          <a:ln w="9525" cap="flat" cmpd="sng" algn="ctr">
+            <a:solidFill>
+              <a:schemeClr val="tx1"/>
+            </a:solidFill>
+            <a:prstDash val="solid"/>
+            <a:miter lim="800000"/>
+            <a:headEnd type="none" w="med" len="med"/>
+            <a:tailEnd type="triangle"/>
+          </a:ln>
+          <a:effectLst/>
+        </p:spPr>
+      </p:cxnSp>
+      <p:sp>
+        <p:nvSpPr>
+          <p:cNvPr id="46" name="TextBox 45">
+            <a:extLst>
+              <a:ext uri="{FF2B5EF4-FFF2-40B4-BE49-F238E27FC236}">
+                <a16:creationId xmlns:a16="http://schemas.microsoft.com/office/drawing/2014/main" id="{75A73D17-B40D-B5A5-514D-A68EDFF1A346}"/>
+              </a:ext>
+            </a:extLst>
+          </p:cNvPr>
+          <p:cNvSpPr txBox="1"/>
+          <p:nvPr/>
+        </p:nvSpPr>
+        <p:spPr>
+          <a:xfrm>
+            <a:off x="4958764" y="3457047"/>
+            <a:ext cx="434734" cy="338554"/>
+          </a:xfrm>
+          <a:prstGeom prst="rect">
+            <a:avLst/>
+          </a:prstGeom>
+          <a:noFill/>
+        </p:spPr>
+        <p:txBody>
+          <a:bodyPr wrap="none" rtlCol="0">
+            <a:spAutoFit/>
+          </a:bodyPr>
+          <a:lstStyle/>
+          <a:p>
+            <a:r>
+              <a:rPr lang="en-US" dirty="0" err="1"/>
+              <a:t>dA</a:t>
+            </a:r>
+            <a:endParaRPr lang="en-US" dirty="0"/>
+          </a:p>
+        </p:txBody>
+      </p:sp>
+      <p:sp>
+        <p:nvSpPr>
+          <p:cNvPr id="47" name="TextBox 46">
+            <a:extLst>
+              <a:ext uri="{FF2B5EF4-FFF2-40B4-BE49-F238E27FC236}">
+                <a16:creationId xmlns:a16="http://schemas.microsoft.com/office/drawing/2014/main" id="{7A8FC462-EAEB-6B03-6CBC-AF8ADA465CBE}"/>
+              </a:ext>
+            </a:extLst>
+          </p:cNvPr>
+          <p:cNvSpPr txBox="1"/>
+          <p:nvPr/>
+        </p:nvSpPr>
+        <p:spPr>
+          <a:xfrm>
+            <a:off x="7320409" y="3471515"/>
+            <a:ext cx="434734" cy="338554"/>
+          </a:xfrm>
+          <a:prstGeom prst="rect">
+            <a:avLst/>
+          </a:prstGeom>
+          <a:noFill/>
+        </p:spPr>
+        <p:txBody>
+          <a:bodyPr wrap="none" rtlCol="0">
+            <a:spAutoFit/>
+          </a:bodyPr>
+          <a:lstStyle/>
+          <a:p>
+            <a:r>
+              <a:rPr lang="en-US" dirty="0" err="1"/>
+              <a:t>dA</a:t>
+            </a:r>
+            <a:endParaRPr lang="en-US" dirty="0"/>
+          </a:p>
+        </p:txBody>
+      </p:sp>
+      <p:cxnSp>
+        <p:nvCxnSpPr>
+          <p:cNvPr id="48" name="Straight Arrow Connector 47">
+            <a:extLst>
+              <a:ext uri="{FF2B5EF4-FFF2-40B4-BE49-F238E27FC236}">
+                <a16:creationId xmlns:a16="http://schemas.microsoft.com/office/drawing/2014/main" id="{33D89DE0-91B0-B592-475A-B238698B668B}"/>
+              </a:ext>
+            </a:extLst>
+          </p:cNvPr>
+          <p:cNvCxnSpPr>
+            <a:cxnSpLocks/>
+          </p:cNvCxnSpPr>
+          <p:nvPr/>
+        </p:nvCxnSpPr>
+        <p:spPr bwMode="auto">
+          <a:xfrm rot="16200000" flipH="1" flipV="1">
+            <a:off x="6321700" y="4478546"/>
+            <a:ext cx="147462" cy="0"/>
+          </a:xfrm>
+          <a:prstGeom prst="straightConnector1">
+            <a:avLst/>
+          </a:prstGeom>
+          <a:solidFill>
+            <a:schemeClr val="accent1"/>
+          </a:solidFill>
+          <a:ln w="9525" cap="flat" cmpd="sng" algn="ctr">
+            <a:solidFill>
+              <a:schemeClr val="tx1"/>
+            </a:solidFill>
+            <a:prstDash val="solid"/>
+            <a:miter lim="800000"/>
+            <a:headEnd type="none" w="med" len="med"/>
+            <a:tailEnd type="triangle"/>
+          </a:ln>
+          <a:effectLst/>
+        </p:spPr>
+      </p:cxnSp>
+      <p:cxnSp>
+        <p:nvCxnSpPr>
+          <p:cNvPr id="49" name="Straight Arrow Connector 48">
+            <a:extLst>
+              <a:ext uri="{FF2B5EF4-FFF2-40B4-BE49-F238E27FC236}">
+                <a16:creationId xmlns:a16="http://schemas.microsoft.com/office/drawing/2014/main" id="{4543241F-538B-21D3-D946-EE26C9B89799}"/>
+              </a:ext>
+            </a:extLst>
+          </p:cNvPr>
+          <p:cNvCxnSpPr>
+            <a:cxnSpLocks/>
+          </p:cNvCxnSpPr>
+          <p:nvPr/>
+        </p:nvCxnSpPr>
+        <p:spPr bwMode="auto">
+          <a:xfrm rot="5400000" flipH="1">
+            <a:off x="6361962" y="2319066"/>
+            <a:ext cx="147462" cy="0"/>
+          </a:xfrm>
+          <a:prstGeom prst="straightConnector1">
+            <a:avLst/>
+          </a:prstGeom>
+          <a:solidFill>
+            <a:schemeClr val="accent1"/>
+          </a:solidFill>
+          <a:ln w="9525" cap="flat" cmpd="sng" algn="ctr">
+            <a:solidFill>
+              <a:schemeClr val="tx1"/>
+            </a:solidFill>
+            <a:prstDash val="solid"/>
+            <a:miter lim="800000"/>
+            <a:headEnd type="none" w="med" len="med"/>
+            <a:tailEnd type="triangle"/>
+          </a:ln>
+          <a:effectLst/>
+        </p:spPr>
+      </p:cxnSp>
+      <p:cxnSp>
+        <p:nvCxnSpPr>
+          <p:cNvPr id="50" name="Straight Arrow Connector 49">
+            <a:extLst>
+              <a:ext uri="{FF2B5EF4-FFF2-40B4-BE49-F238E27FC236}">
+                <a16:creationId xmlns:a16="http://schemas.microsoft.com/office/drawing/2014/main" id="{53AAFD20-AE2C-188F-B4D9-6573EEB882BB}"/>
+              </a:ext>
+            </a:extLst>
+          </p:cNvPr>
+          <p:cNvCxnSpPr>
+            <a:cxnSpLocks/>
+          </p:cNvCxnSpPr>
+          <p:nvPr/>
+        </p:nvCxnSpPr>
+        <p:spPr bwMode="auto">
+          <a:xfrm rot="2700000" flipH="1">
+            <a:off x="5556836" y="2609486"/>
+            <a:ext cx="147462" cy="0"/>
+          </a:xfrm>
+          <a:prstGeom prst="straightConnector1">
+            <a:avLst/>
+          </a:prstGeom>
+          <a:solidFill>
+            <a:schemeClr val="accent1"/>
+          </a:solidFill>
+          <a:ln w="9525" cap="flat" cmpd="sng" algn="ctr">
+            <a:solidFill>
+              <a:schemeClr val="tx1"/>
+            </a:solidFill>
+            <a:prstDash val="solid"/>
+            <a:miter lim="800000"/>
+            <a:headEnd type="none" w="med" len="med"/>
+            <a:tailEnd type="triangle"/>
+          </a:ln>
+          <a:effectLst/>
+        </p:spPr>
+      </p:cxnSp>
+      <p:cxnSp>
+        <p:nvCxnSpPr>
+          <p:cNvPr id="51" name="Straight Arrow Connector 50">
+            <a:extLst>
+              <a:ext uri="{FF2B5EF4-FFF2-40B4-BE49-F238E27FC236}">
+                <a16:creationId xmlns:a16="http://schemas.microsoft.com/office/drawing/2014/main" id="{A3AE41AF-5545-5B0B-B9EA-4DA1D843C5EB}"/>
+              </a:ext>
+            </a:extLst>
+          </p:cNvPr>
+          <p:cNvCxnSpPr>
+            <a:cxnSpLocks/>
+          </p:cNvCxnSpPr>
+          <p:nvPr/>
+        </p:nvCxnSpPr>
+        <p:spPr bwMode="auto">
+          <a:xfrm rot="18900000" flipH="1" flipV="1">
+            <a:off x="5390060" y="4012717"/>
+            <a:ext cx="147462" cy="0"/>
+          </a:xfrm>
+          <a:prstGeom prst="straightConnector1">
+            <a:avLst/>
+          </a:prstGeom>
+          <a:solidFill>
+            <a:schemeClr val="accent1"/>
+          </a:solidFill>
+          <a:ln w="9525" cap="flat" cmpd="sng" algn="ctr">
+            <a:solidFill>
+              <a:schemeClr val="tx1"/>
+            </a:solidFill>
+            <a:prstDash val="solid"/>
+            <a:miter lim="800000"/>
+            <a:headEnd type="none" w="med" len="med"/>
+            <a:tailEnd type="triangle"/>
+          </a:ln>
+          <a:effectLst/>
+        </p:spPr>
+      </p:cxnSp>
+      <p:cxnSp>
+        <p:nvCxnSpPr>
+          <p:cNvPr id="52" name="Straight Arrow Connector 51">
+            <a:extLst>
+              <a:ext uri="{FF2B5EF4-FFF2-40B4-BE49-F238E27FC236}">
+                <a16:creationId xmlns:a16="http://schemas.microsoft.com/office/drawing/2014/main" id="{51DEB3EE-BCB5-BC8D-5589-11FEFAB321F3}"/>
+              </a:ext>
+            </a:extLst>
+          </p:cNvPr>
+          <p:cNvCxnSpPr>
+            <a:cxnSpLocks/>
+          </p:cNvCxnSpPr>
+          <p:nvPr/>
+        </p:nvCxnSpPr>
+        <p:spPr bwMode="auto">
+          <a:xfrm rot="18900000">
+            <a:off x="7167104" y="2761886"/>
+            <a:ext cx="147462" cy="0"/>
+          </a:xfrm>
+          <a:prstGeom prst="straightConnector1">
+            <a:avLst/>
+          </a:prstGeom>
+          <a:solidFill>
+            <a:schemeClr val="accent1"/>
+          </a:solidFill>
+          <a:ln w="9525" cap="flat" cmpd="sng" algn="ctr">
+            <a:solidFill>
+              <a:schemeClr val="tx1"/>
+            </a:solidFill>
+            <a:prstDash val="solid"/>
+            <a:miter lim="800000"/>
+            <a:headEnd type="none" w="med" len="med"/>
+            <a:tailEnd type="triangle"/>
+          </a:ln>
+          <a:effectLst/>
+        </p:spPr>
+      </p:cxnSp>
+      <p:cxnSp>
+        <p:nvCxnSpPr>
+          <p:cNvPr id="53" name="Straight Arrow Connector 52">
+            <a:extLst>
+              <a:ext uri="{FF2B5EF4-FFF2-40B4-BE49-F238E27FC236}">
+                <a16:creationId xmlns:a16="http://schemas.microsoft.com/office/drawing/2014/main" id="{EE918162-94B2-E6F0-03FC-A49256451854}"/>
+              </a:ext>
+            </a:extLst>
+          </p:cNvPr>
+          <p:cNvCxnSpPr>
+            <a:cxnSpLocks/>
+          </p:cNvCxnSpPr>
+          <p:nvPr/>
+        </p:nvCxnSpPr>
+        <p:spPr bwMode="auto">
+          <a:xfrm rot="2700000" flipV="1">
+            <a:off x="6973142" y="4251093"/>
+            <a:ext cx="147462" cy="0"/>
+          </a:xfrm>
+          <a:prstGeom prst="straightConnector1">
+            <a:avLst/>
+          </a:prstGeom>
+          <a:solidFill>
+            <a:schemeClr val="accent1"/>
+          </a:solidFill>
+          <a:ln w="9525" cap="flat" cmpd="sng" algn="ctr">
+            <a:solidFill>
+              <a:schemeClr val="tx1"/>
+            </a:solidFill>
+            <a:prstDash val="solid"/>
+            <a:miter lim="800000"/>
+            <a:headEnd type="none" w="med" len="med"/>
+            <a:tailEnd type="triangle"/>
+          </a:ln>
+          <a:effectLst/>
+        </p:spPr>
+      </p:cxnSp>
+      <p:sp>
+        <p:nvSpPr>
+          <p:cNvPr id="54" name="TextBox 53">
+            <a:extLst>
+              <a:ext uri="{FF2B5EF4-FFF2-40B4-BE49-F238E27FC236}">
+                <a16:creationId xmlns:a16="http://schemas.microsoft.com/office/drawing/2014/main" id="{898057A1-55A8-3120-50A7-AD5155240F4B}"/>
+              </a:ext>
+            </a:extLst>
+          </p:cNvPr>
+          <p:cNvSpPr txBox="1"/>
+          <p:nvPr/>
+        </p:nvSpPr>
+        <p:spPr>
+          <a:xfrm>
+            <a:off x="5501713" y="2265500"/>
+            <a:ext cx="434734" cy="338554"/>
+          </a:xfrm>
+          <a:prstGeom prst="rect">
+            <a:avLst/>
+          </a:prstGeom>
+          <a:noFill/>
+        </p:spPr>
+        <p:txBody>
+          <a:bodyPr wrap="none" rtlCol="0">
+            <a:spAutoFit/>
+          </a:bodyPr>
+          <a:lstStyle/>
+          <a:p>
+            <a:r>
+              <a:rPr lang="en-US" dirty="0" err="1"/>
+              <a:t>dA</a:t>
+            </a:r>
+            <a:endParaRPr lang="en-US" dirty="0"/>
+          </a:p>
+        </p:txBody>
+      </p:sp>
+      <p:sp>
+        <p:nvSpPr>
+          <p:cNvPr id="55" name="TextBox 54">
+            <a:extLst>
+              <a:ext uri="{FF2B5EF4-FFF2-40B4-BE49-F238E27FC236}">
+                <a16:creationId xmlns:a16="http://schemas.microsoft.com/office/drawing/2014/main" id="{650B4835-EC16-C954-4BD6-0F2617B910F9}"/>
+              </a:ext>
+            </a:extLst>
+          </p:cNvPr>
+          <p:cNvSpPr txBox="1"/>
+          <p:nvPr/>
+        </p:nvSpPr>
+        <p:spPr>
+          <a:xfrm>
+            <a:off x="6414099" y="2140545"/>
+            <a:ext cx="434734" cy="338554"/>
+          </a:xfrm>
+          <a:prstGeom prst="rect">
+            <a:avLst/>
+          </a:prstGeom>
+          <a:noFill/>
+        </p:spPr>
+        <p:txBody>
+          <a:bodyPr wrap="none" rtlCol="0">
+            <a:spAutoFit/>
+          </a:bodyPr>
+          <a:lstStyle/>
+          <a:p>
+            <a:r>
+              <a:rPr lang="en-US" dirty="0" err="1"/>
+              <a:t>dA</a:t>
+            </a:r>
+            <a:endParaRPr lang="en-US" dirty="0"/>
+          </a:p>
+        </p:txBody>
+      </p:sp>
+      <p:sp>
+        <p:nvSpPr>
+          <p:cNvPr id="56" name="TextBox 55">
+            <a:extLst>
+              <a:ext uri="{FF2B5EF4-FFF2-40B4-BE49-F238E27FC236}">
+                <a16:creationId xmlns:a16="http://schemas.microsoft.com/office/drawing/2014/main" id="{9354E017-6C8A-EF46-381E-4A686DB80B81}"/>
+              </a:ext>
+            </a:extLst>
+          </p:cNvPr>
+          <p:cNvSpPr txBox="1"/>
+          <p:nvPr/>
+        </p:nvSpPr>
+        <p:spPr>
+          <a:xfrm>
+            <a:off x="7188476" y="2690375"/>
+            <a:ext cx="434734" cy="338554"/>
+          </a:xfrm>
+          <a:prstGeom prst="rect">
+            <a:avLst/>
+          </a:prstGeom>
+          <a:noFill/>
+        </p:spPr>
+        <p:txBody>
+          <a:bodyPr wrap="none" rtlCol="0">
+            <a:spAutoFit/>
+          </a:bodyPr>
+          <a:lstStyle/>
+          <a:p>
+            <a:r>
+              <a:rPr lang="en-US" dirty="0" err="1"/>
+              <a:t>dA</a:t>
+            </a:r>
+            <a:endParaRPr lang="en-US" dirty="0"/>
+          </a:p>
+        </p:txBody>
+      </p:sp>
+      <p:sp>
+        <p:nvSpPr>
+          <p:cNvPr id="57" name="TextBox 56">
+            <a:extLst>
+              <a:ext uri="{FF2B5EF4-FFF2-40B4-BE49-F238E27FC236}">
+                <a16:creationId xmlns:a16="http://schemas.microsoft.com/office/drawing/2014/main" id="{D38A9431-89D2-3A46-909B-596B1CF65F3C}"/>
+              </a:ext>
+            </a:extLst>
+          </p:cNvPr>
+          <p:cNvSpPr txBox="1"/>
+          <p:nvPr/>
+        </p:nvSpPr>
+        <p:spPr>
+          <a:xfrm>
+            <a:off x="7021727" y="4015824"/>
+            <a:ext cx="434734" cy="338554"/>
+          </a:xfrm>
+          <a:prstGeom prst="rect">
+            <a:avLst/>
+          </a:prstGeom>
+          <a:noFill/>
+        </p:spPr>
+        <p:txBody>
+          <a:bodyPr wrap="none" rtlCol="0">
+            <a:spAutoFit/>
+          </a:bodyPr>
+          <a:lstStyle/>
+          <a:p>
+            <a:r>
+              <a:rPr lang="en-US" dirty="0" err="1"/>
+              <a:t>dA</a:t>
+            </a:r>
+            <a:endParaRPr lang="en-US" dirty="0"/>
+          </a:p>
+        </p:txBody>
+      </p:sp>
+      <p:sp>
+        <p:nvSpPr>
+          <p:cNvPr id="58" name="TextBox 57">
+            <a:extLst>
+              <a:ext uri="{FF2B5EF4-FFF2-40B4-BE49-F238E27FC236}">
+                <a16:creationId xmlns:a16="http://schemas.microsoft.com/office/drawing/2014/main" id="{955669E0-6724-B560-EBCA-48E691CAD3F6}"/>
+              </a:ext>
+            </a:extLst>
+          </p:cNvPr>
+          <p:cNvSpPr txBox="1"/>
+          <p:nvPr/>
+        </p:nvSpPr>
+        <p:spPr>
+          <a:xfrm>
+            <a:off x="6337139" y="4376592"/>
+            <a:ext cx="434734" cy="338554"/>
+          </a:xfrm>
+          <a:prstGeom prst="rect">
+            <a:avLst/>
+          </a:prstGeom>
+          <a:noFill/>
+        </p:spPr>
+        <p:txBody>
+          <a:bodyPr wrap="none" rtlCol="0">
+            <a:spAutoFit/>
+          </a:bodyPr>
+          <a:lstStyle/>
+          <a:p>
+            <a:r>
+              <a:rPr lang="en-US" dirty="0" err="1"/>
+              <a:t>dA</a:t>
+            </a:r>
+            <a:endParaRPr lang="en-US" dirty="0"/>
+          </a:p>
+        </p:txBody>
+      </p:sp>
+      <p:sp>
+        <p:nvSpPr>
+          <p:cNvPr id="59" name="TextBox 58">
+            <a:extLst>
+              <a:ext uri="{FF2B5EF4-FFF2-40B4-BE49-F238E27FC236}">
+                <a16:creationId xmlns:a16="http://schemas.microsoft.com/office/drawing/2014/main" id="{0C510C81-AAE2-BD89-CCEC-93BE30A0074E}"/>
+              </a:ext>
+            </a:extLst>
+          </p:cNvPr>
+          <p:cNvSpPr txBox="1"/>
+          <p:nvPr/>
+        </p:nvSpPr>
+        <p:spPr>
+          <a:xfrm>
+            <a:off x="5144487" y="3994157"/>
+            <a:ext cx="434734" cy="338554"/>
+          </a:xfrm>
+          <a:prstGeom prst="rect">
+            <a:avLst/>
+          </a:prstGeom>
+          <a:noFill/>
+        </p:spPr>
+        <p:txBody>
+          <a:bodyPr wrap="none" rtlCol="0">
+            <a:spAutoFit/>
+          </a:bodyPr>
+          <a:lstStyle/>
+          <a:p>
+            <a:r>
+              <a:rPr lang="en-US" dirty="0" err="1"/>
+              <a:t>dA</a:t>
+            </a:r>
+            <a:endParaRPr lang="en-US" dirty="0"/>
+          </a:p>
+        </p:txBody>
+      </p:sp>
+      <p:sp>
+        <p:nvSpPr>
+          <p:cNvPr id="60" name="TextBox 59">
+            <a:extLst>
+              <a:ext uri="{FF2B5EF4-FFF2-40B4-BE49-F238E27FC236}">
+                <a16:creationId xmlns:a16="http://schemas.microsoft.com/office/drawing/2014/main" id="{BFE6EA15-7E53-1E06-34A1-79BCFFFF974C}"/>
+              </a:ext>
+            </a:extLst>
+          </p:cNvPr>
+          <p:cNvSpPr txBox="1"/>
+          <p:nvPr/>
+        </p:nvSpPr>
+        <p:spPr>
+          <a:xfrm>
+            <a:off x="5631665" y="2893367"/>
+            <a:ext cx="356188" cy="400110"/>
+          </a:xfrm>
+          <a:prstGeom prst="rect">
+            <a:avLst/>
+          </a:prstGeom>
+          <a:noFill/>
+        </p:spPr>
+        <p:txBody>
+          <a:bodyPr wrap="none" rtlCol="0">
+            <a:spAutoFit/>
+          </a:bodyPr>
+          <a:lstStyle/>
+          <a:p>
+            <a:r>
+              <a:rPr lang="en-US" sz="2000" dirty="0">
+                <a:solidFill>
+                  <a:srgbClr val="FF3300"/>
+                </a:solidFill>
+              </a:rPr>
+              <a:t>E</a:t>
+            </a:r>
+            <a:endParaRPr lang="en-US" dirty="0">
+              <a:solidFill>
+                <a:srgbClr val="FF3300"/>
+              </a:solidFill>
+            </a:endParaRPr>
+          </a:p>
+        </p:txBody>
+      </p:sp>
+      <p:sp>
+        <p:nvSpPr>
+          <p:cNvPr id="61" name="TextBox 60">
+            <a:extLst>
+              <a:ext uri="{FF2B5EF4-FFF2-40B4-BE49-F238E27FC236}">
+                <a16:creationId xmlns:a16="http://schemas.microsoft.com/office/drawing/2014/main" id="{59A01856-9E55-3195-BDF3-0C27CE97337D}"/>
+              </a:ext>
+            </a:extLst>
+          </p:cNvPr>
+          <p:cNvSpPr txBox="1"/>
+          <p:nvPr/>
+        </p:nvSpPr>
+        <p:spPr>
+          <a:xfrm>
+            <a:off x="5576279" y="3382909"/>
+            <a:ext cx="356188" cy="400110"/>
+          </a:xfrm>
+          <a:prstGeom prst="rect">
+            <a:avLst/>
+          </a:prstGeom>
+          <a:noFill/>
+        </p:spPr>
+        <p:txBody>
+          <a:bodyPr wrap="none" rtlCol="0">
+            <a:spAutoFit/>
+          </a:bodyPr>
+          <a:lstStyle/>
+          <a:p>
+            <a:r>
+              <a:rPr lang="en-US" sz="2000" dirty="0">
+                <a:solidFill>
+                  <a:srgbClr val="FF3300"/>
+                </a:solidFill>
+              </a:rPr>
+              <a:t>E</a:t>
+            </a:r>
+            <a:endParaRPr lang="en-US" dirty="0">
+              <a:solidFill>
+                <a:srgbClr val="FF3300"/>
+              </a:solidFill>
+            </a:endParaRPr>
+          </a:p>
+        </p:txBody>
+      </p:sp>
+      <p:sp>
+        <p:nvSpPr>
+          <p:cNvPr id="62" name="TextBox 61">
+            <a:extLst>
+              <a:ext uri="{FF2B5EF4-FFF2-40B4-BE49-F238E27FC236}">
+                <a16:creationId xmlns:a16="http://schemas.microsoft.com/office/drawing/2014/main" id="{D0ABE52C-3F6B-B5D6-12AF-ADBCB9DC47BB}"/>
+              </a:ext>
+            </a:extLst>
+          </p:cNvPr>
+          <p:cNvSpPr txBox="1"/>
+          <p:nvPr/>
+        </p:nvSpPr>
+        <p:spPr>
+          <a:xfrm>
+            <a:off x="5893452" y="3731845"/>
+            <a:ext cx="356188" cy="400110"/>
+          </a:xfrm>
+          <a:prstGeom prst="rect">
+            <a:avLst/>
+          </a:prstGeom>
+          <a:noFill/>
+        </p:spPr>
+        <p:txBody>
+          <a:bodyPr wrap="none" rtlCol="0">
+            <a:spAutoFit/>
+          </a:bodyPr>
+          <a:lstStyle/>
+          <a:p>
+            <a:r>
+              <a:rPr lang="en-US" sz="2000" dirty="0">
+                <a:solidFill>
+                  <a:srgbClr val="FF3300"/>
+                </a:solidFill>
+              </a:rPr>
+              <a:t>E</a:t>
+            </a:r>
+            <a:endParaRPr lang="en-US" dirty="0">
+              <a:solidFill>
+                <a:srgbClr val="FF3300"/>
+              </a:solidFill>
+            </a:endParaRPr>
+          </a:p>
+        </p:txBody>
+      </p:sp>
+      <p:sp>
+        <p:nvSpPr>
+          <p:cNvPr id="63" name="TextBox 62">
+            <a:extLst>
+              <a:ext uri="{FF2B5EF4-FFF2-40B4-BE49-F238E27FC236}">
+                <a16:creationId xmlns:a16="http://schemas.microsoft.com/office/drawing/2014/main" id="{9BF8C20B-3F08-9F5E-4F34-12DE48FA8801}"/>
+              </a:ext>
+            </a:extLst>
+          </p:cNvPr>
+          <p:cNvSpPr txBox="1"/>
+          <p:nvPr/>
+        </p:nvSpPr>
+        <p:spPr>
+          <a:xfrm>
+            <a:off x="6303431" y="3892030"/>
+            <a:ext cx="356188" cy="400110"/>
+          </a:xfrm>
+          <a:prstGeom prst="rect">
+            <a:avLst/>
+          </a:prstGeom>
+          <a:noFill/>
+        </p:spPr>
+        <p:txBody>
+          <a:bodyPr wrap="none" rtlCol="0">
+            <a:spAutoFit/>
+          </a:bodyPr>
+          <a:lstStyle/>
+          <a:p>
+            <a:r>
+              <a:rPr lang="en-US" sz="2000" dirty="0">
+                <a:solidFill>
+                  <a:srgbClr val="FF3300"/>
+                </a:solidFill>
+              </a:rPr>
+              <a:t>E</a:t>
+            </a:r>
+            <a:endParaRPr lang="en-US" dirty="0">
+              <a:solidFill>
+                <a:srgbClr val="FF3300"/>
+              </a:solidFill>
+            </a:endParaRPr>
+          </a:p>
+        </p:txBody>
+      </p:sp>
+      <p:sp>
+        <p:nvSpPr>
+          <p:cNvPr id="64" name="TextBox 63">
+            <a:extLst>
+              <a:ext uri="{FF2B5EF4-FFF2-40B4-BE49-F238E27FC236}">
+                <a16:creationId xmlns:a16="http://schemas.microsoft.com/office/drawing/2014/main" id="{E5600D19-EF86-9A10-4E38-B272F0DA4BCE}"/>
+              </a:ext>
+            </a:extLst>
+          </p:cNvPr>
+          <p:cNvSpPr txBox="1"/>
+          <p:nvPr/>
+        </p:nvSpPr>
+        <p:spPr>
+          <a:xfrm>
+            <a:off x="6700562" y="3575459"/>
+            <a:ext cx="356188" cy="400110"/>
+          </a:xfrm>
+          <a:prstGeom prst="rect">
+            <a:avLst/>
+          </a:prstGeom>
+          <a:noFill/>
+        </p:spPr>
+        <p:txBody>
+          <a:bodyPr wrap="none" rtlCol="0">
+            <a:spAutoFit/>
+          </a:bodyPr>
+          <a:lstStyle/>
+          <a:p>
+            <a:r>
+              <a:rPr lang="en-US" sz="2000" dirty="0">
+                <a:solidFill>
+                  <a:srgbClr val="FF3300"/>
+                </a:solidFill>
+              </a:rPr>
+              <a:t>E</a:t>
+            </a:r>
+            <a:endParaRPr lang="en-US" dirty="0">
+              <a:solidFill>
+                <a:srgbClr val="FF3300"/>
+              </a:solidFill>
+            </a:endParaRPr>
+          </a:p>
+        </p:txBody>
+      </p:sp>
+      <p:sp>
+        <p:nvSpPr>
+          <p:cNvPr id="65" name="TextBox 64">
+            <a:extLst>
+              <a:ext uri="{FF2B5EF4-FFF2-40B4-BE49-F238E27FC236}">
+                <a16:creationId xmlns:a16="http://schemas.microsoft.com/office/drawing/2014/main" id="{B2C8EA63-E618-D5CC-6C85-85C5ECC9378B}"/>
+              </a:ext>
+            </a:extLst>
+          </p:cNvPr>
+          <p:cNvSpPr txBox="1"/>
+          <p:nvPr/>
+        </p:nvSpPr>
+        <p:spPr>
+          <a:xfrm>
+            <a:off x="6826309" y="3127671"/>
+            <a:ext cx="356188" cy="400110"/>
+          </a:xfrm>
+          <a:prstGeom prst="rect">
+            <a:avLst/>
+          </a:prstGeom>
+          <a:noFill/>
+        </p:spPr>
+        <p:txBody>
+          <a:bodyPr wrap="none" rtlCol="0">
+            <a:spAutoFit/>
+          </a:bodyPr>
+          <a:lstStyle/>
+          <a:p>
+            <a:r>
+              <a:rPr lang="en-US" sz="2000" dirty="0">
+                <a:solidFill>
+                  <a:srgbClr val="FF3300"/>
+                </a:solidFill>
+              </a:rPr>
+              <a:t>E</a:t>
+            </a:r>
+            <a:endParaRPr lang="en-US" dirty="0">
+              <a:solidFill>
+                <a:srgbClr val="FF3300"/>
+              </a:solidFill>
+            </a:endParaRPr>
+          </a:p>
+        </p:txBody>
+      </p:sp>
+      <p:sp>
+        <p:nvSpPr>
+          <p:cNvPr id="66" name="TextBox 65">
+            <a:extLst>
+              <a:ext uri="{FF2B5EF4-FFF2-40B4-BE49-F238E27FC236}">
+                <a16:creationId xmlns:a16="http://schemas.microsoft.com/office/drawing/2014/main" id="{4C3CAD0B-4C46-9008-559D-720C3DE49FDF}"/>
+              </a:ext>
+            </a:extLst>
+          </p:cNvPr>
+          <p:cNvSpPr txBox="1"/>
+          <p:nvPr/>
+        </p:nvSpPr>
+        <p:spPr>
+          <a:xfrm>
+            <a:off x="6632247" y="2623974"/>
+            <a:ext cx="356188" cy="400110"/>
+          </a:xfrm>
+          <a:prstGeom prst="rect">
+            <a:avLst/>
+          </a:prstGeom>
+          <a:noFill/>
+        </p:spPr>
+        <p:txBody>
+          <a:bodyPr wrap="none" rtlCol="0">
+            <a:spAutoFit/>
+          </a:bodyPr>
+          <a:lstStyle/>
+          <a:p>
+            <a:r>
+              <a:rPr lang="en-US" sz="2000" dirty="0">
+                <a:solidFill>
+                  <a:srgbClr val="FF3300"/>
+                </a:solidFill>
+              </a:rPr>
+              <a:t>E</a:t>
+            </a:r>
+            <a:endParaRPr lang="en-US" dirty="0">
+              <a:solidFill>
+                <a:srgbClr val="FF3300"/>
+              </a:solidFill>
+            </a:endParaRPr>
+          </a:p>
+        </p:txBody>
+      </p:sp>
+      <p:sp>
+        <p:nvSpPr>
+          <p:cNvPr id="67" name="TextBox 66">
+            <a:extLst>
+              <a:ext uri="{FF2B5EF4-FFF2-40B4-BE49-F238E27FC236}">
+                <a16:creationId xmlns:a16="http://schemas.microsoft.com/office/drawing/2014/main" id="{67D607C4-52E2-2F7E-EF98-CF3E07668587}"/>
+              </a:ext>
+            </a:extLst>
+          </p:cNvPr>
+          <p:cNvSpPr txBox="1"/>
+          <p:nvPr/>
+        </p:nvSpPr>
+        <p:spPr>
+          <a:xfrm>
+            <a:off x="6032999" y="2534540"/>
+            <a:ext cx="356188" cy="400110"/>
+          </a:xfrm>
+          <a:prstGeom prst="rect">
+            <a:avLst/>
+          </a:prstGeom>
+          <a:noFill/>
+        </p:spPr>
+        <p:txBody>
+          <a:bodyPr wrap="none" rtlCol="0">
+            <a:spAutoFit/>
+          </a:bodyPr>
+          <a:lstStyle/>
+          <a:p>
+            <a:r>
+              <a:rPr lang="en-US" sz="2000" dirty="0">
+                <a:solidFill>
+                  <a:srgbClr val="FF3300"/>
+                </a:solidFill>
+              </a:rPr>
+              <a:t>E</a:t>
+            </a:r>
+            <a:endParaRPr lang="en-US" dirty="0">
+              <a:solidFill>
+                <a:srgbClr val="FF3300"/>
+              </a:solidFill>
+            </a:endParaRPr>
+          </a:p>
+        </p:txBody>
+      </p:sp>
+      <p:grpSp>
+        <p:nvGrpSpPr>
+          <p:cNvPr id="85" name="Group 84">
+            <a:extLst>
+              <a:ext uri="{FF2B5EF4-FFF2-40B4-BE49-F238E27FC236}">
+                <a16:creationId xmlns:a16="http://schemas.microsoft.com/office/drawing/2014/main" id="{ECA850BA-2A3B-76E6-AD72-7A866DACBE4E}"/>
+              </a:ext>
+            </a:extLst>
+          </p:cNvPr>
+          <p:cNvGrpSpPr/>
+          <p:nvPr/>
+        </p:nvGrpSpPr>
+        <p:grpSpPr>
+          <a:xfrm>
+            <a:off x="3973501" y="1024424"/>
+            <a:ext cx="4780623" cy="4780623"/>
+            <a:chOff x="3913119" y="1024424"/>
+            <a:chExt cx="4780623" cy="4780623"/>
+          </a:xfrm>
+        </p:grpSpPr>
+        <p:grpSp>
+          <p:nvGrpSpPr>
+            <p:cNvPr id="16" name="Group 15">
+              <a:extLst>
+                <a:ext uri="{FF2B5EF4-FFF2-40B4-BE49-F238E27FC236}">
+                  <a16:creationId xmlns:a16="http://schemas.microsoft.com/office/drawing/2014/main" id="{1E900406-CAA2-84B2-6E7A-7390353760D9}"/>
+                </a:ext>
+              </a:extLst>
+            </p:cNvPr>
+            <p:cNvGrpSpPr/>
+            <p:nvPr/>
+          </p:nvGrpSpPr>
+          <p:grpSpPr>
+            <a:xfrm rot="5400000">
+              <a:off x="3913119" y="3401242"/>
+              <a:ext cx="4780623" cy="26987"/>
+              <a:chOff x="4373696" y="3367088"/>
+              <a:chExt cx="4780623" cy="26987"/>
+            </a:xfrm>
+          </p:grpSpPr>
+          <p:cxnSp>
+            <p:nvCxnSpPr>
+              <p:cNvPr id="17" name="Straight Arrow Connector 16">
+                <a:extLst>
+                  <a:ext uri="{FF2B5EF4-FFF2-40B4-BE49-F238E27FC236}">
+                    <a16:creationId xmlns:a16="http://schemas.microsoft.com/office/drawing/2014/main" id="{B2D25222-57CE-58EE-2D61-F830D0061BDA}"/>
+                  </a:ext>
+                </a:extLst>
+              </p:cNvPr>
+              <p:cNvCxnSpPr>
+                <a:cxnSpLocks/>
+              </p:cNvCxnSpPr>
+              <p:nvPr/>
+            </p:nvCxnSpPr>
+            <p:spPr bwMode="auto">
+              <a:xfrm rot="10800000" flipV="1">
+                <a:off x="5545138" y="3367088"/>
+                <a:ext cx="823118" cy="0"/>
+              </a:xfrm>
+              <a:prstGeom prst="straightConnector1">
+                <a:avLst/>
+              </a:prstGeom>
+              <a:solidFill>
+                <a:schemeClr val="accent1"/>
+              </a:solidFill>
+              <a:ln w="28575" cap="flat" cmpd="sng" algn="ctr">
+                <a:solidFill>
+                  <a:srgbClr val="FF0000"/>
+                </a:solidFill>
+                <a:prstDash val="solid"/>
+                <a:miter lim="800000"/>
+                <a:headEnd type="none" w="med" len="med"/>
+                <a:tailEnd type="arrow"/>
+              </a:ln>
+              <a:effectLst/>
+            </p:spPr>
+          </p:cxnSp>
+          <p:cxnSp>
+            <p:nvCxnSpPr>
+              <p:cNvPr id="18" name="Straight Arrow Connector 17">
+                <a:extLst>
+                  <a:ext uri="{FF2B5EF4-FFF2-40B4-BE49-F238E27FC236}">
+                    <a16:creationId xmlns:a16="http://schemas.microsoft.com/office/drawing/2014/main" id="{4BAFF630-BE29-993E-39F5-7BCB35416D1E}"/>
+                  </a:ext>
+                </a:extLst>
+              </p:cNvPr>
+              <p:cNvCxnSpPr/>
+              <p:nvPr/>
+            </p:nvCxnSpPr>
+            <p:spPr bwMode="auto">
+              <a:xfrm flipH="1">
+                <a:off x="4373696" y="3384550"/>
+                <a:ext cx="888867" cy="0"/>
+              </a:xfrm>
+              <a:prstGeom prst="straightConnector1">
+                <a:avLst/>
+              </a:prstGeom>
+              <a:solidFill>
+                <a:schemeClr val="accent1"/>
+              </a:solidFill>
+              <a:ln w="28575" cap="flat" cmpd="sng" algn="ctr">
+                <a:solidFill>
+                  <a:srgbClr val="FF0000"/>
+                </a:solidFill>
+                <a:prstDash val="solid"/>
+                <a:miter lim="800000"/>
+                <a:headEnd type="none" w="med" len="med"/>
+                <a:tailEnd type="arrow"/>
+              </a:ln>
+              <a:effectLst/>
+            </p:spPr>
+          </p:cxnSp>
+          <p:cxnSp>
+            <p:nvCxnSpPr>
+              <p:cNvPr id="19" name="Straight Arrow Connector 18">
+                <a:extLst>
+                  <a:ext uri="{FF2B5EF4-FFF2-40B4-BE49-F238E27FC236}">
+                    <a16:creationId xmlns:a16="http://schemas.microsoft.com/office/drawing/2014/main" id="{988175A3-AD2D-4614-6420-D528861C2B1E}"/>
+                  </a:ext>
+                </a:extLst>
+              </p:cNvPr>
+              <p:cNvCxnSpPr/>
+              <p:nvPr/>
+            </p:nvCxnSpPr>
+            <p:spPr bwMode="auto">
+              <a:xfrm>
+                <a:off x="8331201" y="3376613"/>
+                <a:ext cx="823118" cy="0"/>
+              </a:xfrm>
+              <a:prstGeom prst="straightConnector1">
+                <a:avLst/>
+              </a:prstGeom>
+              <a:solidFill>
+                <a:schemeClr val="accent1"/>
+              </a:solidFill>
+              <a:ln w="28575" cap="flat" cmpd="sng" algn="ctr">
+                <a:solidFill>
+                  <a:srgbClr val="FF0000"/>
+                </a:solidFill>
+                <a:prstDash val="solid"/>
+                <a:miter lim="800000"/>
+                <a:headEnd type="none" w="med" len="med"/>
+                <a:tailEnd type="arrow"/>
+              </a:ln>
+              <a:effectLst/>
+            </p:spPr>
+          </p:cxnSp>
+          <p:cxnSp>
+            <p:nvCxnSpPr>
+              <p:cNvPr id="20" name="Straight Arrow Connector 19">
+                <a:extLst>
+                  <a:ext uri="{FF2B5EF4-FFF2-40B4-BE49-F238E27FC236}">
+                    <a16:creationId xmlns:a16="http://schemas.microsoft.com/office/drawing/2014/main" id="{66A05626-629D-34F5-0FAE-CC23CAC583D8}"/>
+                  </a:ext>
+                </a:extLst>
+              </p:cNvPr>
+              <p:cNvCxnSpPr>
+                <a:cxnSpLocks/>
+              </p:cNvCxnSpPr>
+              <p:nvPr/>
+            </p:nvCxnSpPr>
+            <p:spPr bwMode="auto">
+              <a:xfrm rot="10800000" flipH="1" flipV="1">
+                <a:off x="7159760" y="3394075"/>
+                <a:ext cx="888867" cy="0"/>
+              </a:xfrm>
+              <a:prstGeom prst="straightConnector1">
+                <a:avLst/>
+              </a:prstGeom>
+              <a:solidFill>
+                <a:schemeClr val="accent1"/>
+              </a:solidFill>
+              <a:ln w="28575" cap="flat" cmpd="sng" algn="ctr">
+                <a:solidFill>
+                  <a:srgbClr val="FF0000"/>
+                </a:solidFill>
+                <a:prstDash val="solid"/>
+                <a:miter lim="800000"/>
+                <a:headEnd type="none" w="med" len="med"/>
+                <a:tailEnd type="arrow"/>
+              </a:ln>
+              <a:effectLst/>
+            </p:spPr>
+          </p:cxnSp>
+        </p:grpSp>
+        <p:grpSp>
+          <p:nvGrpSpPr>
+            <p:cNvPr id="80" name="Group 79">
+              <a:extLst>
+                <a:ext uri="{FF2B5EF4-FFF2-40B4-BE49-F238E27FC236}">
+                  <a16:creationId xmlns:a16="http://schemas.microsoft.com/office/drawing/2014/main" id="{4CF98FCF-5E89-FC6A-2309-508BD4A5D91A}"/>
+                </a:ext>
+              </a:extLst>
+            </p:cNvPr>
+            <p:cNvGrpSpPr/>
+            <p:nvPr/>
+          </p:nvGrpSpPr>
+          <p:grpSpPr>
+            <a:xfrm>
+              <a:off x="3913119" y="3401242"/>
+              <a:ext cx="4780623" cy="26987"/>
+              <a:chOff x="4373696" y="3367088"/>
+              <a:chExt cx="4780623" cy="26987"/>
+            </a:xfrm>
+          </p:grpSpPr>
+          <p:cxnSp>
+            <p:nvCxnSpPr>
+              <p:cNvPr id="81" name="Straight Arrow Connector 80">
+                <a:extLst>
+                  <a:ext uri="{FF2B5EF4-FFF2-40B4-BE49-F238E27FC236}">
+                    <a16:creationId xmlns:a16="http://schemas.microsoft.com/office/drawing/2014/main" id="{3247A58F-54C9-EFD4-ABDB-1378C709E997}"/>
+                  </a:ext>
+                </a:extLst>
+              </p:cNvPr>
+              <p:cNvCxnSpPr>
+                <a:cxnSpLocks/>
+              </p:cNvCxnSpPr>
+              <p:nvPr/>
+            </p:nvCxnSpPr>
+            <p:spPr bwMode="auto">
+              <a:xfrm rot="10800000" flipV="1">
+                <a:off x="5545138" y="3367088"/>
+                <a:ext cx="823118" cy="0"/>
+              </a:xfrm>
+              <a:prstGeom prst="straightConnector1">
+                <a:avLst/>
+              </a:prstGeom>
+              <a:solidFill>
+                <a:schemeClr val="accent1"/>
+              </a:solidFill>
+              <a:ln w="28575" cap="flat" cmpd="sng" algn="ctr">
+                <a:solidFill>
+                  <a:srgbClr val="FF0000"/>
+                </a:solidFill>
+                <a:prstDash val="solid"/>
+                <a:miter lim="800000"/>
+                <a:headEnd type="none" w="med" len="med"/>
+                <a:tailEnd type="arrow"/>
+              </a:ln>
+              <a:effectLst/>
+            </p:spPr>
+          </p:cxnSp>
+          <p:cxnSp>
+            <p:nvCxnSpPr>
+              <p:cNvPr id="82" name="Straight Arrow Connector 81">
+                <a:extLst>
+                  <a:ext uri="{FF2B5EF4-FFF2-40B4-BE49-F238E27FC236}">
+                    <a16:creationId xmlns:a16="http://schemas.microsoft.com/office/drawing/2014/main" id="{54B66D27-A756-D297-CD7C-43BBB535F2E2}"/>
+                  </a:ext>
+                </a:extLst>
+              </p:cNvPr>
+              <p:cNvCxnSpPr/>
+              <p:nvPr/>
+            </p:nvCxnSpPr>
+            <p:spPr bwMode="auto">
+              <a:xfrm flipH="1">
+                <a:off x="4373696" y="3384550"/>
+                <a:ext cx="888867" cy="0"/>
+              </a:xfrm>
+              <a:prstGeom prst="straightConnector1">
+                <a:avLst/>
+              </a:prstGeom>
+              <a:solidFill>
+                <a:schemeClr val="accent1"/>
+              </a:solidFill>
+              <a:ln w="28575" cap="flat" cmpd="sng" algn="ctr">
+                <a:solidFill>
+                  <a:srgbClr val="FF0000"/>
+                </a:solidFill>
+                <a:prstDash val="solid"/>
+                <a:miter lim="800000"/>
+                <a:headEnd type="none" w="med" len="med"/>
+                <a:tailEnd type="arrow"/>
+              </a:ln>
+              <a:effectLst/>
+            </p:spPr>
+          </p:cxnSp>
+          <p:cxnSp>
+            <p:nvCxnSpPr>
+              <p:cNvPr id="83" name="Straight Arrow Connector 82">
+                <a:extLst>
+                  <a:ext uri="{FF2B5EF4-FFF2-40B4-BE49-F238E27FC236}">
+                    <a16:creationId xmlns:a16="http://schemas.microsoft.com/office/drawing/2014/main" id="{77D50002-9139-2620-F375-C3BB5495B213}"/>
+                  </a:ext>
+                </a:extLst>
+              </p:cNvPr>
+              <p:cNvCxnSpPr/>
+              <p:nvPr/>
+            </p:nvCxnSpPr>
+            <p:spPr bwMode="auto">
+              <a:xfrm>
+                <a:off x="8331201" y="3376613"/>
+                <a:ext cx="823118" cy="0"/>
+              </a:xfrm>
+              <a:prstGeom prst="straightConnector1">
+                <a:avLst/>
+              </a:prstGeom>
+              <a:solidFill>
+                <a:schemeClr val="accent1"/>
+              </a:solidFill>
+              <a:ln w="28575" cap="flat" cmpd="sng" algn="ctr">
+                <a:solidFill>
+                  <a:srgbClr val="FF0000"/>
+                </a:solidFill>
+                <a:prstDash val="solid"/>
+                <a:miter lim="800000"/>
+                <a:headEnd type="none" w="med" len="med"/>
+                <a:tailEnd type="arrow"/>
+              </a:ln>
+              <a:effectLst/>
+            </p:spPr>
+          </p:cxnSp>
+          <p:cxnSp>
+            <p:nvCxnSpPr>
+              <p:cNvPr id="84" name="Straight Arrow Connector 83">
+                <a:extLst>
+                  <a:ext uri="{FF2B5EF4-FFF2-40B4-BE49-F238E27FC236}">
+                    <a16:creationId xmlns:a16="http://schemas.microsoft.com/office/drawing/2014/main" id="{FD0C6477-147A-A1A6-325B-2F22844D6701}"/>
+                  </a:ext>
+                </a:extLst>
+              </p:cNvPr>
+              <p:cNvCxnSpPr>
+                <a:cxnSpLocks/>
+              </p:cNvCxnSpPr>
+              <p:nvPr/>
+            </p:nvCxnSpPr>
+            <p:spPr bwMode="auto">
+              <a:xfrm rot="10800000" flipH="1" flipV="1">
+                <a:off x="7159760" y="3394075"/>
+                <a:ext cx="888867" cy="0"/>
+              </a:xfrm>
+              <a:prstGeom prst="straightConnector1">
+                <a:avLst/>
+              </a:prstGeom>
+              <a:solidFill>
+                <a:schemeClr val="accent1"/>
+              </a:solidFill>
+              <a:ln w="28575" cap="flat" cmpd="sng" algn="ctr">
+                <a:solidFill>
+                  <a:srgbClr val="FF0000"/>
+                </a:solidFill>
+                <a:prstDash val="solid"/>
+                <a:miter lim="800000"/>
+                <a:headEnd type="none" w="med" len="med"/>
+                <a:tailEnd type="arrow"/>
+              </a:ln>
+              <a:effectLst/>
+            </p:spPr>
+          </p:cxnSp>
+        </p:grpSp>
+      </p:grpSp>
+      <p:grpSp>
+        <p:nvGrpSpPr>
+          <p:cNvPr id="86" name="Group 85">
+            <a:extLst>
+              <a:ext uri="{FF2B5EF4-FFF2-40B4-BE49-F238E27FC236}">
+                <a16:creationId xmlns:a16="http://schemas.microsoft.com/office/drawing/2014/main" id="{6033679C-9365-118A-C965-B8CF8AC252E9}"/>
+              </a:ext>
+            </a:extLst>
+          </p:cNvPr>
+          <p:cNvGrpSpPr/>
+          <p:nvPr/>
+        </p:nvGrpSpPr>
+        <p:grpSpPr>
+          <a:xfrm rot="18957038">
+            <a:off x="3979251" y="1073312"/>
+            <a:ext cx="4780623" cy="4780623"/>
+            <a:chOff x="3913119" y="1024424"/>
+            <a:chExt cx="4780623" cy="4780623"/>
+          </a:xfrm>
+        </p:grpSpPr>
+        <p:grpSp>
+          <p:nvGrpSpPr>
+            <p:cNvPr id="87" name="Group 86">
+              <a:extLst>
+                <a:ext uri="{FF2B5EF4-FFF2-40B4-BE49-F238E27FC236}">
+                  <a16:creationId xmlns:a16="http://schemas.microsoft.com/office/drawing/2014/main" id="{616A4FF2-37B3-D552-597F-8E816ECA84AB}"/>
+                </a:ext>
+              </a:extLst>
+            </p:cNvPr>
+            <p:cNvGrpSpPr/>
+            <p:nvPr/>
+          </p:nvGrpSpPr>
+          <p:grpSpPr>
+            <a:xfrm rot="5400000">
+              <a:off x="3913119" y="3401242"/>
+              <a:ext cx="4780623" cy="26987"/>
+              <a:chOff x="4373696" y="3367088"/>
+              <a:chExt cx="4780623" cy="26987"/>
+            </a:xfrm>
+          </p:grpSpPr>
+          <p:cxnSp>
+            <p:nvCxnSpPr>
+              <p:cNvPr id="93" name="Straight Arrow Connector 92">
+                <a:extLst>
+                  <a:ext uri="{FF2B5EF4-FFF2-40B4-BE49-F238E27FC236}">
+                    <a16:creationId xmlns:a16="http://schemas.microsoft.com/office/drawing/2014/main" id="{41DA66E5-8DEC-1D57-3558-D5BBDFED1494}"/>
+                  </a:ext>
+                </a:extLst>
+              </p:cNvPr>
+              <p:cNvCxnSpPr>
+                <a:cxnSpLocks/>
+              </p:cNvCxnSpPr>
+              <p:nvPr/>
+            </p:nvCxnSpPr>
+            <p:spPr bwMode="auto">
+              <a:xfrm rot="10800000" flipV="1">
+                <a:off x="5545138" y="3367088"/>
+                <a:ext cx="823118" cy="0"/>
+              </a:xfrm>
+              <a:prstGeom prst="straightConnector1">
+                <a:avLst/>
+              </a:prstGeom>
+              <a:solidFill>
+                <a:schemeClr val="accent1"/>
+              </a:solidFill>
+              <a:ln w="28575" cap="flat" cmpd="sng" algn="ctr">
+                <a:solidFill>
+                  <a:srgbClr val="FF0000"/>
+                </a:solidFill>
+                <a:prstDash val="solid"/>
+                <a:miter lim="800000"/>
+                <a:headEnd type="none" w="med" len="med"/>
+                <a:tailEnd type="arrow"/>
+              </a:ln>
+              <a:effectLst/>
+            </p:spPr>
+          </p:cxnSp>
+          <p:cxnSp>
+            <p:nvCxnSpPr>
+              <p:cNvPr id="94" name="Straight Arrow Connector 93">
+                <a:extLst>
+                  <a:ext uri="{FF2B5EF4-FFF2-40B4-BE49-F238E27FC236}">
+                    <a16:creationId xmlns:a16="http://schemas.microsoft.com/office/drawing/2014/main" id="{BA26AE97-57A0-22EA-19A4-1D355ED74729}"/>
+                  </a:ext>
+                </a:extLst>
+              </p:cNvPr>
+              <p:cNvCxnSpPr/>
+              <p:nvPr/>
+            </p:nvCxnSpPr>
+            <p:spPr bwMode="auto">
+              <a:xfrm flipH="1">
+                <a:off x="4373696" y="3384550"/>
+                <a:ext cx="888867" cy="0"/>
+              </a:xfrm>
+              <a:prstGeom prst="straightConnector1">
+                <a:avLst/>
+              </a:prstGeom>
+              <a:solidFill>
+                <a:schemeClr val="accent1"/>
+              </a:solidFill>
+              <a:ln w="28575" cap="flat" cmpd="sng" algn="ctr">
+                <a:solidFill>
+                  <a:srgbClr val="FF0000"/>
+                </a:solidFill>
+                <a:prstDash val="solid"/>
+                <a:miter lim="800000"/>
+                <a:headEnd type="none" w="med" len="med"/>
+                <a:tailEnd type="arrow"/>
+              </a:ln>
+              <a:effectLst/>
+            </p:spPr>
+          </p:cxnSp>
+          <p:cxnSp>
+            <p:nvCxnSpPr>
+              <p:cNvPr id="95" name="Straight Arrow Connector 94">
+                <a:extLst>
+                  <a:ext uri="{FF2B5EF4-FFF2-40B4-BE49-F238E27FC236}">
+                    <a16:creationId xmlns:a16="http://schemas.microsoft.com/office/drawing/2014/main" id="{B930F264-2797-7AAF-9562-3DFCA3A6F7AB}"/>
+                  </a:ext>
+                </a:extLst>
+              </p:cNvPr>
+              <p:cNvCxnSpPr/>
+              <p:nvPr/>
+            </p:nvCxnSpPr>
+            <p:spPr bwMode="auto">
+              <a:xfrm>
+                <a:off x="8331201" y="3376613"/>
+                <a:ext cx="823118" cy="0"/>
+              </a:xfrm>
+              <a:prstGeom prst="straightConnector1">
+                <a:avLst/>
+              </a:prstGeom>
+              <a:solidFill>
+                <a:schemeClr val="accent1"/>
+              </a:solidFill>
+              <a:ln w="28575" cap="flat" cmpd="sng" algn="ctr">
+                <a:solidFill>
+                  <a:srgbClr val="FF0000"/>
+                </a:solidFill>
+                <a:prstDash val="solid"/>
+                <a:miter lim="800000"/>
+                <a:headEnd type="none" w="med" len="med"/>
+                <a:tailEnd type="arrow"/>
+              </a:ln>
+              <a:effectLst/>
+            </p:spPr>
+          </p:cxnSp>
+          <p:cxnSp>
+            <p:nvCxnSpPr>
+              <p:cNvPr id="96" name="Straight Arrow Connector 95">
+                <a:extLst>
+                  <a:ext uri="{FF2B5EF4-FFF2-40B4-BE49-F238E27FC236}">
+                    <a16:creationId xmlns:a16="http://schemas.microsoft.com/office/drawing/2014/main" id="{7B04DFC3-92EA-AAF0-14D5-6AE7F232285E}"/>
+                  </a:ext>
+                </a:extLst>
+              </p:cNvPr>
+              <p:cNvCxnSpPr>
+                <a:cxnSpLocks/>
+              </p:cNvCxnSpPr>
+              <p:nvPr/>
+            </p:nvCxnSpPr>
+            <p:spPr bwMode="auto">
+              <a:xfrm rot="10800000" flipH="1" flipV="1">
+                <a:off x="7159760" y="3394075"/>
+                <a:ext cx="888867" cy="0"/>
+              </a:xfrm>
+              <a:prstGeom prst="straightConnector1">
+                <a:avLst/>
+              </a:prstGeom>
+              <a:solidFill>
+                <a:schemeClr val="accent1"/>
+              </a:solidFill>
+              <a:ln w="28575" cap="flat" cmpd="sng" algn="ctr">
+                <a:solidFill>
+                  <a:srgbClr val="FF0000"/>
+                </a:solidFill>
+                <a:prstDash val="solid"/>
+                <a:miter lim="800000"/>
+                <a:headEnd type="none" w="med" len="med"/>
+                <a:tailEnd type="arrow"/>
+              </a:ln>
+              <a:effectLst/>
+            </p:spPr>
+          </p:cxnSp>
+        </p:grpSp>
+        <p:grpSp>
+          <p:nvGrpSpPr>
+            <p:cNvPr id="88" name="Group 87">
+              <a:extLst>
+                <a:ext uri="{FF2B5EF4-FFF2-40B4-BE49-F238E27FC236}">
+                  <a16:creationId xmlns:a16="http://schemas.microsoft.com/office/drawing/2014/main" id="{A91BD9C2-DF2F-B609-E0B6-E7DCAEA27460}"/>
+                </a:ext>
+              </a:extLst>
+            </p:cNvPr>
+            <p:cNvGrpSpPr/>
+            <p:nvPr/>
+          </p:nvGrpSpPr>
+          <p:grpSpPr>
+            <a:xfrm>
+              <a:off x="3913119" y="3401242"/>
+              <a:ext cx="4780623" cy="26987"/>
+              <a:chOff x="4373696" y="3367088"/>
+              <a:chExt cx="4780623" cy="26987"/>
+            </a:xfrm>
+          </p:grpSpPr>
+          <p:cxnSp>
+            <p:nvCxnSpPr>
+              <p:cNvPr id="89" name="Straight Arrow Connector 88">
+                <a:extLst>
+                  <a:ext uri="{FF2B5EF4-FFF2-40B4-BE49-F238E27FC236}">
+                    <a16:creationId xmlns:a16="http://schemas.microsoft.com/office/drawing/2014/main" id="{F4EEC0A4-9CC2-FD6A-C3C1-8F7418C47125}"/>
+                  </a:ext>
+                </a:extLst>
+              </p:cNvPr>
+              <p:cNvCxnSpPr>
+                <a:cxnSpLocks/>
+              </p:cNvCxnSpPr>
+              <p:nvPr/>
+            </p:nvCxnSpPr>
+            <p:spPr bwMode="auto">
+              <a:xfrm rot="10800000" flipV="1">
+                <a:off x="5545138" y="3367088"/>
+                <a:ext cx="823118" cy="0"/>
+              </a:xfrm>
+              <a:prstGeom prst="straightConnector1">
+                <a:avLst/>
+              </a:prstGeom>
+              <a:solidFill>
+                <a:schemeClr val="accent1"/>
+              </a:solidFill>
+              <a:ln w="28575" cap="flat" cmpd="sng" algn="ctr">
+                <a:solidFill>
+                  <a:srgbClr val="FF0000"/>
+                </a:solidFill>
+                <a:prstDash val="solid"/>
+                <a:miter lim="800000"/>
+                <a:headEnd type="none" w="med" len="med"/>
+                <a:tailEnd type="arrow"/>
+              </a:ln>
+              <a:effectLst/>
+            </p:spPr>
+          </p:cxnSp>
+          <p:cxnSp>
+            <p:nvCxnSpPr>
+              <p:cNvPr id="90" name="Straight Arrow Connector 89">
+                <a:extLst>
+                  <a:ext uri="{FF2B5EF4-FFF2-40B4-BE49-F238E27FC236}">
+                    <a16:creationId xmlns:a16="http://schemas.microsoft.com/office/drawing/2014/main" id="{9AE2C169-DBA2-4FD4-CEA0-18D3730BFEEC}"/>
+                  </a:ext>
+                </a:extLst>
+              </p:cNvPr>
+              <p:cNvCxnSpPr/>
+              <p:nvPr/>
+            </p:nvCxnSpPr>
+            <p:spPr bwMode="auto">
+              <a:xfrm flipH="1">
+                <a:off x="4373696" y="3384550"/>
+                <a:ext cx="888867" cy="0"/>
+              </a:xfrm>
+              <a:prstGeom prst="straightConnector1">
+                <a:avLst/>
+              </a:prstGeom>
+              <a:solidFill>
+                <a:schemeClr val="accent1"/>
+              </a:solidFill>
+              <a:ln w="28575" cap="flat" cmpd="sng" algn="ctr">
+                <a:solidFill>
+                  <a:srgbClr val="FF0000"/>
+                </a:solidFill>
+                <a:prstDash val="solid"/>
+                <a:miter lim="800000"/>
+                <a:headEnd type="none" w="med" len="med"/>
+                <a:tailEnd type="arrow"/>
+              </a:ln>
+              <a:effectLst/>
+            </p:spPr>
+          </p:cxnSp>
+          <p:cxnSp>
+            <p:nvCxnSpPr>
+              <p:cNvPr id="91" name="Straight Arrow Connector 90">
+                <a:extLst>
+                  <a:ext uri="{FF2B5EF4-FFF2-40B4-BE49-F238E27FC236}">
+                    <a16:creationId xmlns:a16="http://schemas.microsoft.com/office/drawing/2014/main" id="{AA626D16-845F-1A1C-3CF2-A9E811DDE814}"/>
+                  </a:ext>
+                </a:extLst>
+              </p:cNvPr>
+              <p:cNvCxnSpPr/>
+              <p:nvPr/>
+            </p:nvCxnSpPr>
+            <p:spPr bwMode="auto">
+              <a:xfrm>
+                <a:off x="8331201" y="3376613"/>
+                <a:ext cx="823118" cy="0"/>
+              </a:xfrm>
+              <a:prstGeom prst="straightConnector1">
+                <a:avLst/>
+              </a:prstGeom>
+              <a:solidFill>
+                <a:schemeClr val="accent1"/>
+              </a:solidFill>
+              <a:ln w="28575" cap="flat" cmpd="sng" algn="ctr">
+                <a:solidFill>
+                  <a:srgbClr val="FF0000"/>
+                </a:solidFill>
+                <a:prstDash val="solid"/>
+                <a:miter lim="800000"/>
+                <a:headEnd type="none" w="med" len="med"/>
+                <a:tailEnd type="arrow"/>
+              </a:ln>
+              <a:effectLst/>
+            </p:spPr>
+          </p:cxnSp>
+          <p:cxnSp>
+            <p:nvCxnSpPr>
+              <p:cNvPr id="92" name="Straight Arrow Connector 91">
+                <a:extLst>
+                  <a:ext uri="{FF2B5EF4-FFF2-40B4-BE49-F238E27FC236}">
+                    <a16:creationId xmlns:a16="http://schemas.microsoft.com/office/drawing/2014/main" id="{1B45A279-F68E-E717-0E1A-D68580463093}"/>
+                  </a:ext>
+                </a:extLst>
+              </p:cNvPr>
+              <p:cNvCxnSpPr>
+                <a:cxnSpLocks/>
+              </p:cNvCxnSpPr>
+              <p:nvPr/>
+            </p:nvCxnSpPr>
+            <p:spPr bwMode="auto">
+              <a:xfrm rot="10800000" flipH="1" flipV="1">
+                <a:off x="7159760" y="3394075"/>
+                <a:ext cx="888867" cy="0"/>
+              </a:xfrm>
+              <a:prstGeom prst="straightConnector1">
+                <a:avLst/>
+              </a:prstGeom>
+              <a:solidFill>
+                <a:schemeClr val="accent1"/>
+              </a:solidFill>
+              <a:ln w="28575" cap="flat" cmpd="sng" algn="ctr">
+                <a:solidFill>
+                  <a:srgbClr val="FF0000"/>
+                </a:solidFill>
+                <a:prstDash val="solid"/>
+                <a:miter lim="800000"/>
+                <a:headEnd type="none" w="med" len="med"/>
+                <a:tailEnd type="arrow"/>
+              </a:ln>
+              <a:effectLst/>
+            </p:spPr>
+          </p:cxnSp>
+        </p:grpSp>
+      </p:grpSp>
+      <p:sp>
+        <p:nvSpPr>
+          <p:cNvPr id="98" name="Oval 97">
+            <a:extLst>
+              <a:ext uri="{FF2B5EF4-FFF2-40B4-BE49-F238E27FC236}">
+                <a16:creationId xmlns:a16="http://schemas.microsoft.com/office/drawing/2014/main" id="{72588B86-3904-394D-3476-63335E59F2B3}"/>
+              </a:ext>
+            </a:extLst>
+          </p:cNvPr>
+          <p:cNvSpPr/>
+          <p:nvPr/>
+        </p:nvSpPr>
+        <p:spPr bwMode="auto">
+          <a:xfrm>
+            <a:off x="6840742" y="2482284"/>
+            <a:ext cx="86084" cy="88384"/>
+          </a:xfrm>
+          <a:prstGeom prst="ellipse">
+            <a:avLst/>
+          </a:prstGeom>
+          <a:solidFill>
+            <a:schemeClr val="tx1"/>
+          </a:solidFill>
+          <a:ln w="9525" cap="flat" cmpd="sng" algn="ctr">
+            <a:noFill/>
+            <a:prstDash val="solid"/>
+            <a:miter lim="800000"/>
+            <a:headEnd type="none" w="med" len="med"/>
+            <a:tailEnd type="none" w="med" len="med"/>
+          </a:ln>
+          <a:effectLst/>
+        </p:spPr>
+        <p:txBody>
+          <a:bodyPr vert="horz" wrap="none" lIns="91440" tIns="45720" rIns="91440" bIns="45720" numCol="1" rtlCol="0" anchor="t" anchorCtr="0" compatLnSpc="1">
+            <a:prstTxWarp prst="textNoShape">
+              <a:avLst/>
+            </a:prstTxWarp>
+          </a:bodyPr>
+          <a:lstStyle/>
+          <a:p>
+            <a:pPr marL="0" marR="0" indent="0" algn="l" defTabSz="914400" rtl="0" eaLnBrk="1" fontAlgn="base" latinLnBrk="0" hangingPunct="1">
+              <a:lnSpc>
+                <a:spcPct val="100000"/>
+              </a:lnSpc>
+              <a:spcBef>
+                <a:spcPct val="0"/>
+              </a:spcBef>
+              <a:spcAft>
+                <a:spcPct val="0"/>
+              </a:spcAft>
+              <a:buClrTx/>
+              <a:buSzTx/>
+              <a:buFontTx/>
+              <a:buNone/>
+              <a:tabLst/>
+            </a:pPr>
+            <a:endParaRPr kumimoji="0" lang="en-US" sz="1600" b="0" i="0" u="none" strike="noStrike" cap="none" normalizeH="0" baseline="0">
+              <a:ln>
+                <a:noFill/>
+              </a:ln>
+              <a:solidFill>
+                <a:schemeClr val="tx1"/>
+              </a:solidFill>
+              <a:effectLst/>
+              <a:latin typeface="Arial" charset="0"/>
+            </a:endParaRPr>
+          </a:p>
+        </p:txBody>
+      </p:sp>
+      <p:sp>
+        <p:nvSpPr>
+          <p:cNvPr id="99" name="TextBox 98">
+            <a:extLst>
+              <a:ext uri="{FF2B5EF4-FFF2-40B4-BE49-F238E27FC236}">
+                <a16:creationId xmlns:a16="http://schemas.microsoft.com/office/drawing/2014/main" id="{9641A280-509B-B18E-2E38-49F94085EA9D}"/>
+              </a:ext>
+            </a:extLst>
+          </p:cNvPr>
+          <p:cNvSpPr txBox="1"/>
+          <p:nvPr/>
+        </p:nvSpPr>
+        <p:spPr>
+          <a:xfrm>
+            <a:off x="6902324" y="2302141"/>
+            <a:ext cx="320922" cy="338554"/>
+          </a:xfrm>
+          <a:prstGeom prst="rect">
+            <a:avLst/>
+          </a:prstGeom>
+          <a:noFill/>
+        </p:spPr>
+        <p:txBody>
+          <a:bodyPr wrap="none" rtlCol="0">
+            <a:spAutoFit/>
+          </a:bodyPr>
+          <a:lstStyle/>
+          <a:p>
+            <a:r>
+              <a:rPr lang="en-US" dirty="0"/>
+              <a:t>P</a:t>
+            </a:r>
+          </a:p>
+        </p:txBody>
+      </p:sp>
+    </p:spTree>
+    <p:extLst>
+      <p:ext uri="{BB962C8B-B14F-4D97-AF65-F5344CB8AC3E}">
+        <p14:creationId xmlns:p14="http://schemas.microsoft.com/office/powerpoint/2010/main" val="2232009898"/>
+      </p:ext>
+    </p:extLst>
+  </p:cSld>
+  <p:clrMapOvr>
+    <a:masterClrMapping/>
+  </p:clrMapOvr>
+</p:sld>
+</file>
+
 <file path=ppt/slides/slide5.xml><?xml version="1.0" encoding="utf-8"?>
 <p:sld xmlns:a="http://schemas.openxmlformats.org/drawingml/2006/main" xmlns:r="http://schemas.openxmlformats.org/officeDocument/2006/relationships" xmlns:p="http://schemas.openxmlformats.org/presentationml/2006/main">
   <p:cSld>
